--- a/docs/lectures/wk3/ML_wk3_Logistische_regressie.pptx
+++ b/docs/lectures/wk3/ML_wk3_Logistische_regressie.pptx
@@ -5,7 +5,7 @@
     <p:sldMasterId id="2147483648" r:id="rId1"/>
   </p:sldMasterIdLst>
   <p:notesMasterIdLst>
-    <p:notesMasterId r:id="rId26"/>
+    <p:notesMasterId r:id="rId25"/>
   </p:notesMasterIdLst>
   <p:sldIdLst>
     <p:sldId id="256" r:id="rId2"/>
@@ -26,12 +26,11 @@
     <p:sldId id="271" r:id="rId17"/>
     <p:sldId id="272" r:id="rId18"/>
     <p:sldId id="273" r:id="rId19"/>
-    <p:sldId id="274" r:id="rId20"/>
-    <p:sldId id="275" r:id="rId21"/>
-    <p:sldId id="276" r:id="rId22"/>
-    <p:sldId id="277" r:id="rId23"/>
-    <p:sldId id="278" r:id="rId24"/>
-    <p:sldId id="279" r:id="rId25"/>
+    <p:sldId id="275" r:id="rId20"/>
+    <p:sldId id="276" r:id="rId21"/>
+    <p:sldId id="277" r:id="rId22"/>
+    <p:sldId id="278" r:id="rId23"/>
+    <p:sldId id="279" r:id="rId24"/>
   </p:sldIdLst>
   <p:sldSz cx="24384000" cy="13716000"/>
   <p:notesSz cx="6858000" cy="9144000"/>
@@ -333,6 +332,11 @@
       </a:defRPr>
     </a:lvl9pPr>
   </p:defaultTextStyle>
+  <p:extLst>
+    <p:ext uri="{EFAFB233-063F-42B5-8137-9DF3F51BA10A}">
+      <p15:sldGuideLst xmlns:p15="http://schemas.microsoft.com/office/powerpoint/2012/main"/>
+    </p:ext>
+  </p:extLst>
 </p:presentation>
 </file>
 
@@ -2146,7 +2150,7 @@
           </a:ln>
           <a:extLst>
             <a:ext uri="{C572A759-6A51-4108-AA02-DFA0A04FC94B}">
-              <ma14:wrappingTextBoxFlag xmlns:ma14="http://schemas.microsoft.com/office/mac/drawingml/2011/main" xmlns:a14="http://schemas.microsoft.com/office/drawing/2010/main" xmlns:m="http://schemas.openxmlformats.org/officeDocument/2006/math" xmlns="" val="1"/>
+              <ma14:wrappingTextBoxFlag xmlns="" xmlns:m="http://schemas.openxmlformats.org/officeDocument/2006/math" xmlns:a14="http://schemas.microsoft.com/office/drawing/2010/main" xmlns:ma14="http://schemas.microsoft.com/office/mac/drawingml/2011/main" val="1"/>
             </a:ext>
           </a:extLst>
         </p:spPr>
@@ -2185,7 +2189,7 @@
           </a:ln>
           <a:extLst>
             <a:ext uri="{C572A759-6A51-4108-AA02-DFA0A04FC94B}">
-              <ma14:wrappingTextBoxFlag xmlns:ma14="http://schemas.microsoft.com/office/mac/drawingml/2011/main" xmlns:a14="http://schemas.microsoft.com/office/drawing/2010/main" xmlns:m="http://schemas.openxmlformats.org/officeDocument/2006/math" xmlns="" val="1"/>
+              <ma14:wrappingTextBoxFlag xmlns="" xmlns:m="http://schemas.openxmlformats.org/officeDocument/2006/math" xmlns:a14="http://schemas.microsoft.com/office/drawing/2010/main" xmlns:ma14="http://schemas.microsoft.com/office/mac/drawingml/2011/main" val="1"/>
             </a:ext>
           </a:extLst>
         </p:spPr>
@@ -3058,7 +3062,7 @@
           </a:ln>
           <a:extLst>
             <a:ext uri="{C572A759-6A51-4108-AA02-DFA0A04FC94B}">
-              <ma14:wrappingTextBoxFlag xmlns:ma14="http://schemas.microsoft.com/office/mac/drawingml/2011/main" xmlns:a14="http://schemas.microsoft.com/office/drawing/2010/main" xmlns:m="http://schemas.openxmlformats.org/officeDocument/2006/math" xmlns="" val="1"/>
+              <ma14:wrappingTextBoxFlag xmlns="" xmlns:m="http://schemas.openxmlformats.org/officeDocument/2006/math" xmlns:a14="http://schemas.microsoft.com/office/drawing/2010/main" xmlns:ma14="http://schemas.microsoft.com/office/mac/drawingml/2011/main" val="1"/>
             </a:ext>
           </a:extLst>
         </p:spPr>
@@ -3140,7 +3144,7 @@
           </a:ln>
           <a:extLst>
             <a:ext uri="{C572A759-6A51-4108-AA02-DFA0A04FC94B}">
-              <ma14:wrappingTextBoxFlag xmlns:ma14="http://schemas.microsoft.com/office/mac/drawingml/2011/main" xmlns:a14="http://schemas.microsoft.com/office/drawing/2010/main" xmlns:m="http://schemas.openxmlformats.org/officeDocument/2006/math" xmlns="" val="1"/>
+              <ma14:wrappingTextBoxFlag xmlns="" xmlns:m="http://schemas.openxmlformats.org/officeDocument/2006/math" xmlns:a14="http://schemas.microsoft.com/office/drawing/2010/main" xmlns:ma14="http://schemas.microsoft.com/office/mac/drawingml/2011/main" val="1"/>
             </a:ext>
           </a:extLst>
         </p:spPr>
@@ -3165,8 +3169,8 @@
           </a:p>
         </p:txBody>
       </p:sp>
-      <mc:AlternateContent xmlns:mc="http://schemas.openxmlformats.org/markup-compatibility/2006">
-        <mc:Choice xmlns:a14="http://schemas.microsoft.com/office/drawing/2010/main" Requires="a14">
+      <mc:AlternateContent xmlns:mc="http://schemas.openxmlformats.org/markup-compatibility/2006" xmlns:a14="http://schemas.microsoft.com/office/drawing/2010/main">
+        <mc:Choice Requires="a14">
           <p:sp>
             <p:nvSpPr>
               <p:cNvPr id="160" name="Vergelijking"/>
@@ -3216,7 +3220,43 @@
                           </a:solidFill>
                           <a:latin typeface="Cambria Math" panose="02040503050406030204" pitchFamily="18" charset="0"/>
                         </a:rPr>
-                        <m:t>∈{0,1}</m:t>
+                        <m:t>∈{</m:t>
+                      </m:r>
+                      <m:r>
+                        <a:rPr sz="6800" i="1">
+                          <a:solidFill>
+                            <a:srgbClr val="000000"/>
+                          </a:solidFill>
+                          <a:latin typeface="Cambria Math" panose="02040503050406030204" pitchFamily="18" charset="0"/>
+                        </a:rPr>
+                        <m:t>0</m:t>
+                      </m:r>
+                      <m:r>
+                        <a:rPr sz="6800" i="1">
+                          <a:solidFill>
+                            <a:srgbClr val="000000"/>
+                          </a:solidFill>
+                          <a:latin typeface="Cambria Math" panose="02040503050406030204" pitchFamily="18" charset="0"/>
+                        </a:rPr>
+                        <m:t>,</m:t>
+                      </m:r>
+                      <m:r>
+                        <a:rPr sz="6800" i="1">
+                          <a:solidFill>
+                            <a:srgbClr val="000000"/>
+                          </a:solidFill>
+                          <a:latin typeface="Cambria Math" panose="02040503050406030204" pitchFamily="18" charset="0"/>
+                        </a:rPr>
+                        <m:t>1</m:t>
+                      </m:r>
+                      <m:r>
+                        <a:rPr sz="6800" i="1">
+                          <a:solidFill>
+                            <a:srgbClr val="000000"/>
+                          </a:solidFill>
+                          <a:latin typeface="Cambria Math" panose="02040503050406030204" pitchFamily="18" charset="0"/>
+                        </a:rPr>
+                        <m:t>}</m:t>
                       </m:r>
                     </m:oMath>
                   </m:oMathPara>
@@ -3226,7 +3266,7 @@
             </p:txBody>
           </p:sp>
         </mc:Choice>
-        <mc:Fallback>
+        <mc:Fallback xmlns="">
           <p:sp>
             <p:nvSpPr>
               <p:cNvPr id="160" name="Vergelijking"/>
@@ -3268,8 +3308,8 @@
           </p:sp>
         </mc:Fallback>
       </mc:AlternateContent>
-      <mc:AlternateContent xmlns:mc="http://schemas.openxmlformats.org/markup-compatibility/2006">
-        <mc:Choice xmlns:a14="http://schemas.microsoft.com/office/drawing/2010/main" Requires="a14">
+      <mc:AlternateContent xmlns:mc="http://schemas.openxmlformats.org/markup-compatibility/2006" xmlns:a14="http://schemas.microsoft.com/office/drawing/2010/main">
+        <mc:Choice Requires="a14">
           <p:sp>
             <p:nvSpPr>
               <p:cNvPr id="161" name="Vergelijking"/>
@@ -3310,7 +3350,16 @@
                           </a:solidFill>
                           <a:latin typeface="Cambria Math" panose="02040503050406030204" pitchFamily="18" charset="0"/>
                         </a:rPr>
-                        <m:t>0≤</m:t>
+                        <m:t>0</m:t>
+                      </m:r>
+                      <m:r>
+                        <a:rPr sz="6800" i="1">
+                          <a:solidFill>
+                            <a:srgbClr val="000000"/>
+                          </a:solidFill>
+                          <a:latin typeface="Cambria Math" panose="02040503050406030204" pitchFamily="18" charset="0"/>
+                        </a:rPr>
+                        <m:t>≤</m:t>
                       </m:r>
                       <m:sSub>
                         <m:sSubPr>
@@ -3371,7 +3420,16 @@
                           </a:solidFill>
                           <a:latin typeface="Cambria Math" panose="02040503050406030204" pitchFamily="18" charset="0"/>
                         </a:rPr>
-                        <m:t>)≤1</m:t>
+                        <m:t>)≤</m:t>
+                      </m:r>
+                      <m:r>
+                        <a:rPr sz="6800" i="1">
+                          <a:solidFill>
+                            <a:srgbClr val="000000"/>
+                          </a:solidFill>
+                          <a:latin typeface="Cambria Math" panose="02040503050406030204" pitchFamily="18" charset="0"/>
+                        </a:rPr>
+                        <m:t>1</m:t>
                       </m:r>
                     </m:oMath>
                   </m:oMathPara>
@@ -3381,7 +3439,7 @@
             </p:txBody>
           </p:sp>
         </mc:Choice>
-        <mc:Fallback>
+        <mc:Fallback xmlns="">
           <p:sp>
             <p:nvSpPr>
               <p:cNvPr id="161" name="Vergelijking"/>
@@ -3459,7 +3517,7 @@
             <a:effectLst/>
             <a:extLst>
               <a:ext uri="{C572A759-6A51-4108-AA02-DFA0A04FC94B}">
-                <ma14:wrappingTextBoxFlag xmlns:ma14="http://schemas.microsoft.com/office/mac/drawingml/2011/main" xmlns:a14="http://schemas.microsoft.com/office/drawing/2010/main" xmlns:m="http://schemas.openxmlformats.org/officeDocument/2006/math" xmlns="" val="1"/>
+                <ma14:wrappingTextBoxFlag xmlns="" xmlns:m="http://schemas.openxmlformats.org/officeDocument/2006/math" xmlns:a14="http://schemas.microsoft.com/office/drawing/2010/main" xmlns:ma14="http://schemas.microsoft.com/office/mac/drawingml/2011/main" val="1"/>
               </a:ext>
             </a:extLst>
           </p:spPr>
@@ -3525,8 +3583,8 @@
             </a:p>
           </p:txBody>
         </p:sp>
-        <mc:AlternateContent xmlns:mc="http://schemas.openxmlformats.org/markup-compatibility/2006">
-          <mc:Choice xmlns:a14="http://schemas.microsoft.com/office/drawing/2010/main" Requires="a14">
+        <mc:AlternateContent xmlns:mc="http://schemas.openxmlformats.org/markup-compatibility/2006" xmlns:a14="http://schemas.microsoft.com/office/drawing/2010/main">
+          <mc:Choice Requires="a14">
             <p:sp>
               <p:nvSpPr>
                 <p:cNvPr id="164" name="Vergelijking"/>
@@ -3566,7 +3624,7 @@
                         <m:sSub>
                           <m:sSubPr>
                             <m:ctrlPr>
-                              <a:rPr sz="6800">
+                              <a:rPr sz="6800" i="1">
                                 <a:solidFill>
                                   <a:srgbClr val="000000"/>
                                 </a:solidFill>
@@ -3675,7 +3733,7 @@
               </p:txBody>
             </p:sp>
           </mc:Choice>
-          <mc:Fallback>
+          <mc:Fallback xmlns="">
             <p:sp>
               <p:nvSpPr>
                 <p:cNvPr id="164" name="Vergelijking"/>
@@ -3765,7 +3823,7 @@
           </a:ln>
           <a:extLst>
             <a:ext uri="{C572A759-6A51-4108-AA02-DFA0A04FC94B}">
-              <ma14:wrappingTextBoxFlag xmlns:ma14="http://schemas.microsoft.com/office/mac/drawingml/2011/main" xmlns:a14="http://schemas.microsoft.com/office/drawing/2010/main" xmlns:m="http://schemas.openxmlformats.org/officeDocument/2006/math" xmlns="" val="1"/>
+              <ma14:wrappingTextBoxFlag xmlns="" xmlns:m="http://schemas.openxmlformats.org/officeDocument/2006/math" xmlns:a14="http://schemas.microsoft.com/office/drawing/2010/main" xmlns:ma14="http://schemas.microsoft.com/office/mac/drawingml/2011/main" val="1"/>
             </a:ext>
           </a:extLst>
         </p:spPr>
@@ -3906,7 +3964,7 @@
           </a:ln>
           <a:extLst>
             <a:ext uri="{C572A759-6A51-4108-AA02-DFA0A04FC94B}">
-              <ma14:wrappingTextBoxFlag xmlns:ma14="http://schemas.microsoft.com/office/mac/drawingml/2011/main" xmlns:a14="http://schemas.microsoft.com/office/drawing/2010/main" xmlns:m="http://schemas.openxmlformats.org/officeDocument/2006/math" xmlns="" val="1"/>
+              <ma14:wrappingTextBoxFlag xmlns="" xmlns:m="http://schemas.openxmlformats.org/officeDocument/2006/math" xmlns:a14="http://schemas.microsoft.com/office/drawing/2010/main" xmlns:ma14="http://schemas.microsoft.com/office/mac/drawingml/2011/main" val="1"/>
             </a:ext>
           </a:extLst>
         </p:spPr>
@@ -3985,7 +4043,7 @@
           </a:ln>
           <a:extLst>
             <a:ext uri="{C572A759-6A51-4108-AA02-DFA0A04FC94B}">
-              <ma14:wrappingTextBoxFlag xmlns:ma14="http://schemas.microsoft.com/office/mac/drawingml/2011/main" xmlns:a14="http://schemas.microsoft.com/office/drawing/2010/main" xmlns:m="http://schemas.openxmlformats.org/officeDocument/2006/math" xmlns="" val="1"/>
+              <ma14:wrappingTextBoxFlag xmlns="" xmlns:m="http://schemas.openxmlformats.org/officeDocument/2006/math" xmlns:a14="http://schemas.microsoft.com/office/drawing/2010/main" xmlns:ma14="http://schemas.microsoft.com/office/mac/drawingml/2011/main" val="1"/>
             </a:ext>
           </a:extLst>
         </p:spPr>
@@ -4032,7 +4090,7 @@
           </a:ln>
           <a:extLst>
             <a:ext uri="{C572A759-6A51-4108-AA02-DFA0A04FC94B}">
-              <ma14:wrappingTextBoxFlag xmlns:ma14="http://schemas.microsoft.com/office/mac/drawingml/2011/main" xmlns:a14="http://schemas.microsoft.com/office/drawing/2010/main" xmlns:m="http://schemas.openxmlformats.org/officeDocument/2006/math" xmlns="" val="1"/>
+              <ma14:wrappingTextBoxFlag xmlns="" xmlns:m="http://schemas.openxmlformats.org/officeDocument/2006/math" xmlns:a14="http://schemas.microsoft.com/office/drawing/2010/main" xmlns:ma14="http://schemas.microsoft.com/office/mac/drawingml/2011/main" val="1"/>
             </a:ext>
           </a:extLst>
         </p:spPr>
@@ -4057,8 +4115,8 @@
           </a:p>
         </p:txBody>
       </p:sp>
-      <mc:AlternateContent xmlns:mc="http://schemas.openxmlformats.org/markup-compatibility/2006">
-        <mc:Choice xmlns:a14="http://schemas.microsoft.com/office/drawing/2010/main" Requires="a14">
+      <mc:AlternateContent xmlns:mc="http://schemas.openxmlformats.org/markup-compatibility/2006" xmlns:a14="http://schemas.microsoft.com/office/drawing/2010/main">
+        <mc:Choice Requires="a14">
           <p:sp>
             <p:nvSpPr>
               <p:cNvPr id="175" name="Vergelijking"/>
@@ -4170,7 +4228,7 @@
             </p:txBody>
           </p:sp>
         </mc:Choice>
-        <mc:Fallback>
+        <mc:Fallback xmlns="">
           <p:sp>
             <p:nvSpPr>
               <p:cNvPr id="175" name="Vergelijking"/>
@@ -4248,7 +4306,7 @@
             <a:effectLst/>
             <a:extLst>
               <a:ext uri="{C572A759-6A51-4108-AA02-DFA0A04FC94B}">
-                <ma14:wrappingTextBoxFlag xmlns:ma14="http://schemas.microsoft.com/office/mac/drawingml/2011/main" xmlns:a14="http://schemas.microsoft.com/office/drawing/2010/main" xmlns:m="http://schemas.openxmlformats.org/officeDocument/2006/math" xmlns="" val="1"/>
+                <ma14:wrappingTextBoxFlag xmlns="" xmlns:m="http://schemas.openxmlformats.org/officeDocument/2006/math" xmlns:a14="http://schemas.microsoft.com/office/drawing/2010/main" xmlns:ma14="http://schemas.microsoft.com/office/mac/drawingml/2011/main" val="1"/>
               </a:ext>
             </a:extLst>
           </p:spPr>
@@ -4287,8 +4345,8 @@
             </a:p>
           </p:txBody>
         </p:sp>
-        <mc:AlternateContent xmlns:mc="http://schemas.openxmlformats.org/markup-compatibility/2006">
-          <mc:Choice xmlns:a14="http://schemas.microsoft.com/office/drawing/2010/main" Requires="a14">
+        <mc:AlternateContent xmlns:mc="http://schemas.openxmlformats.org/markup-compatibility/2006" xmlns:a14="http://schemas.microsoft.com/office/drawing/2010/main">
+          <mc:Choice Requires="a14">
             <p:sp>
               <p:nvSpPr>
                 <p:cNvPr id="177" name="Vergelijking"/>
@@ -4342,7 +4400,7 @@
               </p:txBody>
             </p:sp>
           </mc:Choice>
-          <mc:Fallback>
+          <mc:Fallback xmlns="">
             <p:sp>
               <p:nvSpPr>
                 <p:cNvPr id="177" name="Vergelijking"/>
@@ -4465,7 +4523,7 @@
           </a:ln>
           <a:extLst>
             <a:ext uri="{C572A759-6A51-4108-AA02-DFA0A04FC94B}">
-              <ma14:wrappingTextBoxFlag xmlns:ma14="http://schemas.microsoft.com/office/mac/drawingml/2011/main" xmlns:a14="http://schemas.microsoft.com/office/drawing/2010/main" xmlns:m="http://schemas.openxmlformats.org/officeDocument/2006/math" xmlns="" val="1"/>
+              <ma14:wrappingTextBoxFlag xmlns="" xmlns:m="http://schemas.openxmlformats.org/officeDocument/2006/math" xmlns:a14="http://schemas.microsoft.com/office/drawing/2010/main" xmlns:ma14="http://schemas.microsoft.com/office/mac/drawingml/2011/main" val="1"/>
             </a:ext>
           </a:extLst>
         </p:spPr>
@@ -4490,8 +4548,8 @@
           </a:p>
         </p:txBody>
       </p:sp>
-      <mc:AlternateContent xmlns:mc="http://schemas.openxmlformats.org/markup-compatibility/2006">
-        <mc:Choice xmlns:a14="http://schemas.microsoft.com/office/drawing/2010/main" Requires="a14">
+      <mc:AlternateContent xmlns:mc="http://schemas.openxmlformats.org/markup-compatibility/2006" xmlns:a14="http://schemas.microsoft.com/office/drawing/2010/main">
+        <mc:Choice Requires="a14">
           <p:sp>
             <p:nvSpPr>
               <p:cNvPr id="182" name="Vergelijking"/>
@@ -4646,7 +4704,7 @@
             </p:txBody>
           </p:sp>
         </mc:Choice>
-        <mc:Fallback>
+        <mc:Fallback xmlns="">
           <p:sp>
             <p:nvSpPr>
               <p:cNvPr id="182" name="Vergelijking"/>
@@ -4707,7 +4765,7 @@
           </a:ln>
           <a:extLst>
             <a:ext uri="{C572A759-6A51-4108-AA02-DFA0A04FC94B}">
-              <ma14:wrappingTextBoxFlag xmlns:ma14="http://schemas.microsoft.com/office/mac/drawingml/2011/main" xmlns:a14="http://schemas.microsoft.com/office/drawing/2010/main" xmlns:m="http://schemas.openxmlformats.org/officeDocument/2006/math" xmlns="" val="1"/>
+              <ma14:wrappingTextBoxFlag xmlns="" xmlns:m="http://schemas.openxmlformats.org/officeDocument/2006/math" xmlns:a14="http://schemas.microsoft.com/office/drawing/2010/main" xmlns:ma14="http://schemas.microsoft.com/office/mac/drawingml/2011/main" val="1"/>
             </a:ext>
           </a:extLst>
         </p:spPr>
@@ -4777,7 +4835,7 @@
           </a:ln>
           <a:extLst>
             <a:ext uri="{C572A759-6A51-4108-AA02-DFA0A04FC94B}">
-              <ma14:wrappingTextBoxFlag xmlns:ma14="http://schemas.microsoft.com/office/mac/drawingml/2011/main" xmlns:a14="http://schemas.microsoft.com/office/drawing/2010/main" xmlns:m="http://schemas.openxmlformats.org/officeDocument/2006/math" xmlns="" val="1"/>
+              <ma14:wrappingTextBoxFlag xmlns="" xmlns:m="http://schemas.openxmlformats.org/officeDocument/2006/math" xmlns:a14="http://schemas.microsoft.com/office/drawing/2010/main" xmlns:ma14="http://schemas.microsoft.com/office/mac/drawingml/2011/main" val="1"/>
             </a:ext>
           </a:extLst>
         </p:spPr>
@@ -4802,8 +4860,8 @@
           </a:p>
         </p:txBody>
       </p:sp>
-      <mc:AlternateContent xmlns:mc="http://schemas.openxmlformats.org/markup-compatibility/2006">
-        <mc:Choice xmlns:a14="http://schemas.microsoft.com/office/drawing/2010/main" Requires="a14">
+      <mc:AlternateContent xmlns:mc="http://schemas.openxmlformats.org/markup-compatibility/2006" xmlns:a14="http://schemas.microsoft.com/office/drawing/2010/main">
+        <mc:Choice Requires="a14">
           <p:sp>
             <p:nvSpPr>
               <p:cNvPr id="186" name="Vergelijking"/>
@@ -4948,7 +5006,7 @@
             </p:txBody>
           </p:sp>
         </mc:Choice>
-        <mc:Fallback>
+        <mc:Fallback xmlns="">
           <p:sp>
             <p:nvSpPr>
               <p:cNvPr id="186" name="Vergelijking"/>
@@ -4990,8 +5048,8 @@
           </p:sp>
         </mc:Fallback>
       </mc:AlternateContent>
-      <mc:AlternateContent xmlns:mc="http://schemas.openxmlformats.org/markup-compatibility/2006">
-        <mc:Choice xmlns:a14="http://schemas.microsoft.com/office/drawing/2010/main" Requires="a14">
+      <mc:AlternateContent xmlns:mc="http://schemas.openxmlformats.org/markup-compatibility/2006" xmlns:a14="http://schemas.microsoft.com/office/drawing/2010/main">
+        <mc:Choice Requires="a14">
           <p:sp>
             <p:nvSpPr>
               <p:cNvPr id="187" name="Vergelijking"/>
@@ -5101,7 +5159,7 @@
             </p:txBody>
           </p:sp>
         </mc:Choice>
-        <mc:Fallback>
+        <mc:Fallback xmlns="">
           <p:sp>
             <p:nvSpPr>
               <p:cNvPr id="187" name="Vergelijking"/>
@@ -5188,7 +5246,7 @@
           </a:ln>
           <a:extLst>
             <a:ext uri="{C572A759-6A51-4108-AA02-DFA0A04FC94B}">
-              <ma14:wrappingTextBoxFlag xmlns:ma14="http://schemas.microsoft.com/office/mac/drawingml/2011/main" xmlns:a14="http://schemas.microsoft.com/office/drawing/2010/main" xmlns:m="http://schemas.openxmlformats.org/officeDocument/2006/math" xmlns="" val="1"/>
+              <ma14:wrappingTextBoxFlag xmlns="" xmlns:m="http://schemas.openxmlformats.org/officeDocument/2006/math" xmlns:a14="http://schemas.microsoft.com/office/drawing/2010/main" xmlns:ma14="http://schemas.microsoft.com/office/mac/drawingml/2011/main" val="1"/>
             </a:ext>
           </a:extLst>
         </p:spPr>
@@ -5292,53 +5350,1268 @@
           <a:chExt cx="0" cy="0"/>
         </a:xfrm>
       </p:grpSpPr>
+      <mc:AlternateContent xmlns:mc="http://schemas.openxmlformats.org/markup-compatibility/2006">
+        <mc:Choice xmlns:a14="http://schemas.microsoft.com/office/drawing/2010/main" Requires="a14">
+          <p:sp>
+            <p:nvSpPr>
+              <p:cNvPr id="9" name="Tekstvak 8">
+                <a:extLst>
+                  <a:ext uri="{FF2B5EF4-FFF2-40B4-BE49-F238E27FC236}">
+                    <a16:creationId xmlns:a16="http://schemas.microsoft.com/office/drawing/2014/main" id="{DAB92199-DB78-41EA-D921-A2A421BA942D}"/>
+                  </a:ext>
+                </a:extLst>
+              </p:cNvPr>
+              <p:cNvSpPr txBox="1"/>
+              <p:nvPr/>
+            </p:nvSpPr>
+            <p:spPr>
+              <a:xfrm>
+                <a:off x="5515158" y="755626"/>
+                <a:ext cx="9020226" cy="2265620"/>
+              </a:xfrm>
+              <a:prstGeom prst="rect">
+                <a:avLst/>
+              </a:prstGeom>
+              <a:noFill/>
+              <a:ln w="12700" cap="flat">
+                <a:noFill/>
+                <a:miter lim="400000"/>
+              </a:ln>
+              <a:effectLst/>
+              <a:sp3d/>
+            </p:spPr>
+            <p:style>
+              <a:lnRef idx="0">
+                <a:scrgbClr r="0" g="0" b="0"/>
+              </a:lnRef>
+              <a:fillRef idx="0">
+                <a:scrgbClr r="0" g="0" b="0"/>
+              </a:fillRef>
+              <a:effectRef idx="0">
+                <a:scrgbClr r="0" g="0" b="0"/>
+              </a:effectRef>
+              <a:fontRef idx="none"/>
+            </p:style>
+            <p:txBody>
+              <a:bodyPr rot="0" spcFirstLastPara="1" vertOverflow="overflow" horzOverflow="overflow" vert="horz" wrap="none" lIns="0" tIns="0" rIns="0" bIns="0" numCol="1" spcCol="38100" rtlCol="0" anchor="ctr">
+                <a:spAutoFit/>
+              </a:bodyPr>
+              <a:lstStyle/>
+              <a:p>
+                <a:r>
+                  <a:rPr kumimoji="0" lang="nl-NL" sz="6600" b="0" u="none" strike="noStrike" cap="none" spc="0" normalizeH="0" baseline="0">
+                    <a:ln>
+                      <a:noFill/>
+                    </a:ln>
+                    <a:solidFill>
+                      <a:srgbClr val="000000"/>
+                    </a:solidFill>
+                    <a:effectLst/>
+                    <a:uFillTx/>
+                    <a:sym typeface="Helvetica Light"/>
+                  </a:rPr>
+                  <a:t>Kost</a:t>
+                </a:r>
+                <a:r>
+                  <a:rPr kumimoji="0" lang="nl-NL" sz="6600" b="0" u="none" strike="noStrike" cap="none" spc="0" normalizeH="0">
+                    <a:ln>
+                      <a:noFill/>
+                    </a:ln>
+                    <a:solidFill>
+                      <a:srgbClr val="000000"/>
+                    </a:solidFill>
+                    <a:effectLst/>
+                    <a:uFillTx/>
+                    <a:sym typeface="Helvetica Light"/>
+                  </a:rPr>
+                  <a:t> </a:t>
+                </a:r>
+                <a14:m>
+                  <m:oMath xmlns:m="http://schemas.openxmlformats.org/officeDocument/2006/math">
+                    <m:r>
+                      <a:rPr kumimoji="0" lang="nl-NL" sz="6600" b="0" i="1" u="none" strike="noStrike" cap="none" spc="0" normalizeH="0" baseline="0" smtClean="0">
+                        <a:ln>
+                          <a:noFill/>
+                        </a:ln>
+                        <a:solidFill>
+                          <a:srgbClr val="000000"/>
+                        </a:solidFill>
+                        <a:effectLst/>
+                        <a:uFillTx/>
+                        <a:latin typeface="Cambria Math" panose="02040503050406030204" pitchFamily="18" charset="0"/>
+                        <a:sym typeface="Helvetica Light"/>
+                      </a:rPr>
+                      <m:t>=</m:t>
+                    </m:r>
+                    <m:d>
+                      <m:dPr>
+                        <m:begChr m:val="{"/>
+                        <m:endChr m:val=""/>
+                        <m:ctrlPr>
+                          <a:rPr kumimoji="0" lang="nl-NL" sz="6600" b="0" i="1" u="none" strike="noStrike" cap="none" spc="0" normalizeH="0" baseline="0" smtClean="0">
+                            <a:ln>
+                              <a:noFill/>
+                            </a:ln>
+                            <a:solidFill>
+                              <a:srgbClr val="000000"/>
+                            </a:solidFill>
+                            <a:effectLst/>
+                            <a:uFillTx/>
+                            <a:latin typeface="Cambria Math" panose="02040503050406030204" pitchFamily="18" charset="0"/>
+                            <a:sym typeface="Helvetica Light"/>
+                          </a:rPr>
+                        </m:ctrlPr>
+                      </m:dPr>
+                      <m:e>
+                        <m:eqArr>
+                          <m:eqArrPr>
+                            <m:ctrlPr>
+                              <a:rPr kumimoji="0" lang="nl-NL" sz="6600" b="0" i="1" u="none" strike="noStrike" cap="none" spc="0" normalizeH="0" baseline="0" smtClean="0">
+                                <a:ln>
+                                  <a:noFill/>
+                                </a:ln>
+                                <a:solidFill>
+                                  <a:srgbClr val="000000"/>
+                                </a:solidFill>
+                                <a:effectLst/>
+                                <a:uFillTx/>
+                                <a:latin typeface="Cambria Math" panose="02040503050406030204" pitchFamily="18" charset="0"/>
+                                <a:sym typeface="Helvetica Light"/>
+                              </a:rPr>
+                            </m:ctrlPr>
+                          </m:eqArrPr>
+                          <m:e>
+                            <m:r>
+                              <a:rPr kumimoji="0" lang="nl-NL" sz="6600" b="0" i="1" u="none" strike="noStrike" cap="none" spc="0" normalizeH="0" baseline="0" smtClean="0">
+                                <a:ln>
+                                  <a:noFill/>
+                                </a:ln>
+                                <a:solidFill>
+                                  <a:srgbClr val="000000"/>
+                                </a:solidFill>
+                                <a:effectLst/>
+                                <a:uFillTx/>
+                                <a:latin typeface="Cambria Math" panose="02040503050406030204" pitchFamily="18" charset="0"/>
+                                <a:sym typeface="Helvetica Light"/>
+                              </a:rPr>
+                              <m:t>−</m:t>
+                            </m:r>
+                            <m:r>
+                              <m:rPr>
+                                <m:sty m:val="p"/>
+                              </m:rPr>
+                              <a:rPr kumimoji="0" lang="nl-NL" sz="6600" b="0" i="0" u="none" strike="noStrike" cap="none" spc="0" normalizeH="0" baseline="0" smtClean="0">
+                                <a:ln>
+                                  <a:noFill/>
+                                </a:ln>
+                                <a:solidFill>
+                                  <a:srgbClr val="000000"/>
+                                </a:solidFill>
+                                <a:effectLst/>
+                                <a:uFillTx/>
+                                <a:latin typeface="Cambria Math" panose="02040503050406030204" pitchFamily="18" charset="0"/>
+                                <a:sym typeface="Helvetica Light"/>
+                              </a:rPr>
+                              <m:t>log</m:t>
+                            </m:r>
+                            <m:r>
+                              <a:rPr kumimoji="0" lang="nl-NL" sz="6600" b="0" i="1" u="none" strike="noStrike" cap="none" spc="0" normalizeH="0" baseline="0" smtClean="0">
+                                <a:ln>
+                                  <a:noFill/>
+                                </a:ln>
+                                <a:solidFill>
+                                  <a:srgbClr val="000000"/>
+                                </a:solidFill>
+                                <a:effectLst/>
+                                <a:uFillTx/>
+                                <a:latin typeface="Cambria Math" panose="02040503050406030204" pitchFamily="18" charset="0"/>
+                                <a:sym typeface="Helvetica Light"/>
+                              </a:rPr>
+                              <m:t>⁡(</m:t>
+                            </m:r>
+                            <m:r>
+                              <a:rPr kumimoji="0" lang="nl-NL" sz="6600" b="0" i="1" u="none" strike="noStrike" cap="none" spc="0" normalizeH="0" baseline="0" smtClean="0">
+                                <a:ln>
+                                  <a:noFill/>
+                                </a:ln>
+                                <a:solidFill>
+                                  <a:srgbClr val="000000"/>
+                                </a:solidFill>
+                                <a:effectLst/>
+                                <a:uFillTx/>
+                                <a:latin typeface="Cambria Math" panose="02040503050406030204" pitchFamily="18" charset="0"/>
+                                <a:sym typeface="Helvetica Light"/>
+                              </a:rPr>
+                              <m:t>h</m:t>
+                            </m:r>
+                            <m:r>
+                              <a:rPr kumimoji="0" lang="nl-NL" sz="6600" b="0" i="1" u="none" strike="noStrike" cap="none" spc="0" normalizeH="0" baseline="-25000" smtClean="0">
+                                <a:ln>
+                                  <a:noFill/>
+                                </a:ln>
+                                <a:solidFill>
+                                  <a:srgbClr val="000000"/>
+                                </a:solidFill>
+                                <a:effectLst/>
+                                <a:uFillTx/>
+                                <a:latin typeface="Cambria Math" panose="02040503050406030204" pitchFamily="18" charset="0"/>
+                                <a:ea typeface="Cambria Math" panose="02040503050406030204" pitchFamily="18" charset="0"/>
+                                <a:sym typeface="Helvetica Light"/>
+                              </a:rPr>
+                              <m:t>𝜃</m:t>
+                            </m:r>
+                            <m:r>
+                              <a:rPr kumimoji="0" lang="nl-NL" sz="6600" b="0" i="1" u="none" strike="noStrike" cap="none" spc="0" normalizeH="0" baseline="0" smtClean="0">
+                                <a:ln>
+                                  <a:noFill/>
+                                </a:ln>
+                                <a:solidFill>
+                                  <a:srgbClr val="000000"/>
+                                </a:solidFill>
+                                <a:effectLst/>
+                                <a:uFillTx/>
+                                <a:latin typeface="Cambria Math" panose="02040503050406030204" pitchFamily="18" charset="0"/>
+                                <a:sym typeface="Helvetica Light"/>
+                              </a:rPr>
+                              <m:t>(</m:t>
+                            </m:r>
+                            <m:r>
+                              <a:rPr kumimoji="0" lang="nl-NL" sz="6600" b="0" i="1" u="none" strike="noStrike" cap="none" spc="0" normalizeH="0" baseline="0" smtClean="0">
+                                <a:ln>
+                                  <a:noFill/>
+                                </a:ln>
+                                <a:solidFill>
+                                  <a:srgbClr val="000000"/>
+                                </a:solidFill>
+                                <a:effectLst/>
+                                <a:uFillTx/>
+                                <a:latin typeface="Cambria Math" panose="02040503050406030204" pitchFamily="18" charset="0"/>
+                                <a:sym typeface="Helvetica Light"/>
+                              </a:rPr>
+                              <m:t>𝑥</m:t>
+                            </m:r>
+                            <m:r>
+                              <a:rPr kumimoji="0" lang="nl-NL" sz="6600" b="0" i="1" u="none" strike="noStrike" cap="none" spc="0" normalizeH="0" baseline="0" smtClean="0">
+                                <a:ln>
+                                  <a:noFill/>
+                                </a:ln>
+                                <a:solidFill>
+                                  <a:srgbClr val="000000"/>
+                                </a:solidFill>
+                                <a:effectLst/>
+                                <a:uFillTx/>
+                                <a:latin typeface="Cambria Math" panose="02040503050406030204" pitchFamily="18" charset="0"/>
+                                <a:sym typeface="Helvetica Light"/>
+                              </a:rPr>
+                              <m:t>)</m:t>
+                            </m:r>
+                          </m:e>
+                          <m:e>
+                            <m:r>
+                              <a:rPr kumimoji="0" lang="nl-NL" sz="6600" b="0" i="1" u="none" strike="noStrike" cap="none" spc="0" normalizeH="0" baseline="0" smtClean="0">
+                                <a:ln>
+                                  <a:noFill/>
+                                </a:ln>
+                                <a:solidFill>
+                                  <a:srgbClr val="000000"/>
+                                </a:solidFill>
+                                <a:effectLst/>
+                                <a:uFillTx/>
+                                <a:latin typeface="Cambria Math" panose="02040503050406030204" pitchFamily="18" charset="0"/>
+                                <a:sym typeface="Helvetica Light"/>
+                              </a:rPr>
+                              <m:t>−</m:t>
+                            </m:r>
+                            <m:r>
+                              <m:rPr>
+                                <m:sty m:val="p"/>
+                              </m:rPr>
+                              <a:rPr kumimoji="0" lang="nl-NL" sz="6600" b="0" i="0" u="none" strike="noStrike" cap="none" spc="0" normalizeH="0" baseline="0" smtClean="0">
+                                <a:ln>
+                                  <a:noFill/>
+                                </a:ln>
+                                <a:solidFill>
+                                  <a:srgbClr val="000000"/>
+                                </a:solidFill>
+                                <a:effectLst/>
+                                <a:uFillTx/>
+                                <a:latin typeface="Cambria Math" panose="02040503050406030204" pitchFamily="18" charset="0"/>
+                                <a:sym typeface="Helvetica Light"/>
+                              </a:rPr>
+                              <m:t>log</m:t>
+                            </m:r>
+                            <m:r>
+                              <a:rPr kumimoji="0" lang="nl-NL" sz="6600" b="0" i="1" u="none" strike="noStrike" cap="none" spc="0" normalizeH="0" baseline="0" smtClean="0">
+                                <a:ln>
+                                  <a:noFill/>
+                                </a:ln>
+                                <a:solidFill>
+                                  <a:srgbClr val="000000"/>
+                                </a:solidFill>
+                                <a:effectLst/>
+                                <a:uFillTx/>
+                                <a:latin typeface="Cambria Math" panose="02040503050406030204" pitchFamily="18" charset="0"/>
+                                <a:sym typeface="Helvetica Light"/>
+                              </a:rPr>
+                              <m:t>⁡(</m:t>
+                            </m:r>
+                            <m:r>
+                              <a:rPr kumimoji="0" lang="nl-NL" sz="6600" b="0" i="1" u="none" strike="noStrike" cap="none" spc="0" normalizeH="0" baseline="0" smtClean="0">
+                                <a:ln>
+                                  <a:noFill/>
+                                </a:ln>
+                                <a:solidFill>
+                                  <a:srgbClr val="000000"/>
+                                </a:solidFill>
+                                <a:effectLst/>
+                                <a:uFillTx/>
+                                <a:latin typeface="Cambria Math" panose="02040503050406030204" pitchFamily="18" charset="0"/>
+                                <a:sym typeface="Helvetica Light"/>
+                              </a:rPr>
+                              <m:t>1</m:t>
+                            </m:r>
+                            <m:r>
+                              <a:rPr kumimoji="0" lang="nl-NL" sz="6600" b="0" i="1" u="none" strike="noStrike" cap="none" spc="0" normalizeH="0" baseline="0" smtClean="0">
+                                <a:ln>
+                                  <a:noFill/>
+                                </a:ln>
+                                <a:solidFill>
+                                  <a:srgbClr val="000000"/>
+                                </a:solidFill>
+                                <a:effectLst/>
+                                <a:uFillTx/>
+                                <a:latin typeface="Cambria Math" panose="02040503050406030204" pitchFamily="18" charset="0"/>
+                                <a:sym typeface="Helvetica Light"/>
+                              </a:rPr>
+                              <m:t>−</m:t>
+                            </m:r>
+                            <m:r>
+                              <a:rPr kumimoji="0" lang="nl-NL" sz="6600" b="0" i="1" u="none" strike="noStrike" cap="none" spc="0" normalizeH="0" baseline="0" smtClean="0">
+                                <a:ln>
+                                  <a:noFill/>
+                                </a:ln>
+                                <a:solidFill>
+                                  <a:srgbClr val="000000"/>
+                                </a:solidFill>
+                                <a:effectLst/>
+                                <a:uFillTx/>
+                                <a:latin typeface="Cambria Math" panose="02040503050406030204" pitchFamily="18" charset="0"/>
+                                <a:sym typeface="Helvetica Light"/>
+                              </a:rPr>
+                              <m:t>h</m:t>
+                            </m:r>
+                            <m:r>
+                              <a:rPr lang="nl-NL" sz="6600" i="1" baseline="-25000">
+                                <a:latin typeface="Cambria Math" panose="02040503050406030204" pitchFamily="18" charset="0"/>
+                                <a:ea typeface="Cambria Math" panose="02040503050406030204" pitchFamily="18" charset="0"/>
+                              </a:rPr>
+                              <m:t>𝜃</m:t>
+                            </m:r>
+                            <m:d>
+                              <m:dPr>
+                                <m:ctrlPr>
+                                  <a:rPr kumimoji="0" lang="nl-NL" sz="6600" b="0" i="1" u="none" strike="noStrike" cap="none" spc="0" normalizeH="0" baseline="0" smtClean="0">
+                                    <a:ln>
+                                      <a:noFill/>
+                                    </a:ln>
+                                    <a:solidFill>
+                                      <a:srgbClr val="000000"/>
+                                    </a:solidFill>
+                                    <a:effectLst/>
+                                    <a:uFillTx/>
+                                    <a:latin typeface="Cambria Math" panose="02040503050406030204" pitchFamily="18" charset="0"/>
+                                    <a:sym typeface="Helvetica Light"/>
+                                  </a:rPr>
+                                </m:ctrlPr>
+                              </m:dPr>
+                              <m:e>
+                                <m:r>
+                                  <a:rPr kumimoji="0" lang="nl-NL" sz="6600" b="0" i="1" u="none" strike="noStrike" cap="none" spc="0" normalizeH="0" baseline="0" smtClean="0">
+                                    <a:ln>
+                                      <a:noFill/>
+                                    </a:ln>
+                                    <a:solidFill>
+                                      <a:srgbClr val="000000"/>
+                                    </a:solidFill>
+                                    <a:effectLst/>
+                                    <a:uFillTx/>
+                                    <a:latin typeface="Cambria Math" panose="02040503050406030204" pitchFamily="18" charset="0"/>
+                                    <a:sym typeface="Helvetica Light"/>
+                                  </a:rPr>
+                                  <m:t>𝑥</m:t>
+                                </m:r>
+                              </m:e>
+                            </m:d>
+                            <m:r>
+                              <a:rPr kumimoji="0" lang="nl-NL" sz="6600" b="0" i="1" u="none" strike="noStrike" cap="none" spc="0" normalizeH="0" baseline="0" smtClean="0">
+                                <a:ln>
+                                  <a:noFill/>
+                                </a:ln>
+                                <a:solidFill>
+                                  <a:srgbClr val="000000"/>
+                                </a:solidFill>
+                                <a:effectLst/>
+                                <a:uFillTx/>
+                                <a:latin typeface="Cambria Math" panose="02040503050406030204" pitchFamily="18" charset="0"/>
+                                <a:sym typeface="Helvetica Light"/>
+                              </a:rPr>
+                              <m:t>)</m:t>
+                            </m:r>
+                          </m:e>
+                        </m:eqArr>
+                      </m:e>
+                    </m:d>
+                  </m:oMath>
+                </a14:m>
+                <a:endParaRPr kumimoji="0" lang="nl-NL" sz="6600" b="0" i="0" u="none" strike="noStrike" cap="none" spc="0" normalizeH="0" baseline="0">
+                  <a:ln>
+                    <a:noFill/>
+                  </a:ln>
+                  <a:solidFill>
+                    <a:srgbClr val="000000"/>
+                  </a:solidFill>
+                  <a:effectLst/>
+                  <a:uFillTx/>
+                  <a:sym typeface="Helvetica Light"/>
+                </a:endParaRPr>
+              </a:p>
+            </p:txBody>
+          </p:sp>
+        </mc:Choice>
+        <mc:Fallback>
+          <p:sp>
+            <p:nvSpPr>
+              <p:cNvPr id="9" name="Tekstvak 8">
+                <a:extLst>
+                  <a:ext uri="{FF2B5EF4-FFF2-40B4-BE49-F238E27FC236}">
+                    <a16:creationId xmlns:a16="http://schemas.microsoft.com/office/drawing/2014/main" id="{DAB92199-DB78-41EA-D921-A2A421BA942D}"/>
+                  </a:ext>
+                </a:extLst>
+              </p:cNvPr>
+              <p:cNvSpPr txBox="1">
+                <a:spLocks noRot="1" noChangeAspect="1" noMove="1" noResize="1" noEditPoints="1" noAdjustHandles="1" noChangeArrowheads="1" noChangeShapeType="1" noTextEdit="1"/>
+              </p:cNvSpPr>
+              <p:nvPr/>
+            </p:nvSpPr>
+            <p:spPr>
+              <a:xfrm>
+                <a:off x="5515158" y="755626"/>
+                <a:ext cx="9020226" cy="2265620"/>
+              </a:xfrm>
+              <a:prstGeom prst="rect">
+                <a:avLst/>
+              </a:prstGeom>
+              <a:blipFill>
+                <a:blip r:embed="rId2"/>
+                <a:stretch>
+                  <a:fillRect l="-5206"/>
+                </a:stretch>
+              </a:blipFill>
+              <a:ln w="12700" cap="flat">
+                <a:noFill/>
+                <a:miter lim="400000"/>
+              </a:ln>
+              <a:effectLst/>
+            </p:spPr>
+            <p:txBody>
+              <a:bodyPr/>
+              <a:lstStyle/>
+              <a:p>
+                <a:r>
+                  <a:rPr lang="nl-NL">
+                    <a:noFill/>
+                  </a:rPr>
+                  <a:t> </a:t>
+                </a:r>
+              </a:p>
+            </p:txBody>
+          </p:sp>
+        </mc:Fallback>
+      </mc:AlternateContent>
       <p:sp>
         <p:nvSpPr>
-          <p:cNvPr id="2" name="Titel 1">
+          <p:cNvPr id="10" name="Tekstvak 9">
             <a:extLst>
               <a:ext uri="{FF2B5EF4-FFF2-40B4-BE49-F238E27FC236}">
-                <a16:creationId xmlns:a16="http://schemas.microsoft.com/office/drawing/2014/main" id="{D630876E-F004-0A5E-4324-A4321074952C}"/>
+                <a16:creationId xmlns:a16="http://schemas.microsoft.com/office/drawing/2014/main" id="{81624709-B5B9-56BB-ACDC-579E8F8D445C}"/>
               </a:ext>
             </a:extLst>
           </p:cNvPr>
-          <p:cNvSpPr>
-            <a:spLocks noGrp="1"/>
-          </p:cNvSpPr>
-          <p:nvPr>
-            <p:ph type="title"/>
-          </p:nvPr>
+          <p:cNvSpPr txBox="1"/>
+          <p:nvPr/>
         </p:nvSpPr>
-        <p:spPr/>
+        <p:spPr>
+          <a:xfrm>
+            <a:off x="15147236" y="924684"/>
+            <a:ext cx="3776870" cy="913711"/>
+          </a:xfrm>
+          <a:prstGeom prst="rect">
+            <a:avLst/>
+          </a:prstGeom>
+          <a:noFill/>
+          <a:ln w="12700" cap="flat">
+            <a:noFill/>
+            <a:miter lim="400000"/>
+          </a:ln>
+          <a:effectLst/>
+          <a:sp3d/>
+        </p:spPr>
+        <p:style>
+          <a:lnRef idx="0">
+            <a:scrgbClr r="0" g="0" b="0"/>
+          </a:lnRef>
+          <a:fillRef idx="0">
+            <a:scrgbClr r="0" g="0" b="0"/>
+          </a:fillRef>
+          <a:effectRef idx="0">
+            <a:scrgbClr r="0" g="0" b="0"/>
+          </a:effectRef>
+          <a:fontRef idx="none"/>
+        </p:style>
         <p:txBody>
-          <a:bodyPr/>
+          <a:bodyPr rot="0" spcFirstLastPara="1" vertOverflow="overflow" horzOverflow="overflow" vert="horz" wrap="square" lIns="71437" tIns="71437" rIns="71437" bIns="71437" numCol="1" spcCol="38100" rtlCol="0" anchor="ctr">
+            <a:spAutoFit/>
+          </a:bodyPr>
           <a:lstStyle/>
           <a:p>
-            <a:endParaRPr lang="nl-NL"/>
+            <a:pPr marL="0" marR="0" indent="0" algn="ctr" defTabSz="821531" rtl="0" fontAlgn="auto" latinLnBrk="0" hangingPunct="0">
+              <a:lnSpc>
+                <a:spcPct val="100000"/>
+              </a:lnSpc>
+              <a:spcBef>
+                <a:spcPts val="0"/>
+              </a:spcBef>
+              <a:spcAft>
+                <a:spcPts val="0"/>
+              </a:spcAft>
+              <a:buClrTx/>
+              <a:buSzTx/>
+              <a:buFontTx/>
+              <a:buNone/>
+              <a:tabLst/>
+            </a:pPr>
+            <a:r>
+              <a:rPr kumimoji="0" lang="nl-NL" sz="5000" b="0" i="0" u="none" strike="noStrike" cap="none" spc="0" normalizeH="0" baseline="0">
+                <a:ln>
+                  <a:noFill/>
+                </a:ln>
+                <a:solidFill>
+                  <a:srgbClr val="000000"/>
+                </a:solidFill>
+                <a:effectLst/>
+                <a:uFillTx/>
+                <a:latin typeface="+mn-lt"/>
+                <a:ea typeface="+mn-ea"/>
+                <a:cs typeface="+mn-cs"/>
+                <a:sym typeface="Helvetica Light"/>
+              </a:rPr>
+              <a:t>als y = 1</a:t>
+            </a:r>
           </a:p>
         </p:txBody>
       </p:sp>
       <p:sp>
         <p:nvSpPr>
-          <p:cNvPr id="3" name="Tijdelijke aanduiding voor tekst 2">
+          <p:cNvPr id="11" name="Tekstvak 10">
             <a:extLst>
               <a:ext uri="{FF2B5EF4-FFF2-40B4-BE49-F238E27FC236}">
-                <a16:creationId xmlns:a16="http://schemas.microsoft.com/office/drawing/2014/main" id="{88A71528-E8FA-9363-133B-C7B8170ED67F}"/>
+                <a16:creationId xmlns:a16="http://schemas.microsoft.com/office/drawing/2014/main" id="{35297A93-7727-072A-4B8D-1CAEA7B6E8C5}"/>
               </a:ext>
             </a:extLst>
           </p:cNvPr>
-          <p:cNvSpPr>
-            <a:spLocks noGrp="1"/>
-          </p:cNvSpPr>
-          <p:nvPr>
-            <p:ph type="body" sz="quarter" idx="1"/>
-          </p:nvPr>
+          <p:cNvSpPr txBox="1"/>
+          <p:nvPr/>
         </p:nvSpPr>
-        <p:spPr/>
+        <p:spPr>
+          <a:xfrm>
+            <a:off x="15147236" y="1931849"/>
+            <a:ext cx="3776870" cy="913711"/>
+          </a:xfrm>
+          <a:prstGeom prst="rect">
+            <a:avLst/>
+          </a:prstGeom>
+          <a:noFill/>
+          <a:ln w="12700" cap="flat">
+            <a:noFill/>
+            <a:miter lim="400000"/>
+          </a:ln>
+          <a:effectLst/>
+          <a:sp3d/>
+        </p:spPr>
+        <p:style>
+          <a:lnRef idx="0">
+            <a:scrgbClr r="0" g="0" b="0"/>
+          </a:lnRef>
+          <a:fillRef idx="0">
+            <a:scrgbClr r="0" g="0" b="0"/>
+          </a:fillRef>
+          <a:effectRef idx="0">
+            <a:scrgbClr r="0" g="0" b="0"/>
+          </a:effectRef>
+          <a:fontRef idx="none"/>
+        </p:style>
         <p:txBody>
-          <a:bodyPr/>
+          <a:bodyPr rot="0" spcFirstLastPara="1" vertOverflow="overflow" horzOverflow="overflow" vert="horz" wrap="square" lIns="71437" tIns="71437" rIns="71437" bIns="71437" numCol="1" spcCol="38100" rtlCol="0" anchor="ctr">
+            <a:spAutoFit/>
+          </a:bodyPr>
           <a:lstStyle/>
           <a:p>
-            <a:endParaRPr lang="nl-NL"/>
+            <a:pPr marL="0" marR="0" indent="0" algn="ctr" defTabSz="821531" rtl="0" fontAlgn="auto" latinLnBrk="0" hangingPunct="0">
+              <a:lnSpc>
+                <a:spcPct val="100000"/>
+              </a:lnSpc>
+              <a:spcBef>
+                <a:spcPts val="0"/>
+              </a:spcBef>
+              <a:spcAft>
+                <a:spcPts val="0"/>
+              </a:spcAft>
+              <a:buClrTx/>
+              <a:buSzTx/>
+              <a:buFontTx/>
+              <a:buNone/>
+              <a:tabLst/>
+            </a:pPr>
+            <a:r>
+              <a:rPr kumimoji="0" lang="nl-NL" sz="5000" b="0" i="0" u="none" strike="noStrike" cap="none" spc="0" normalizeH="0" baseline="0">
+                <a:ln>
+                  <a:noFill/>
+                </a:ln>
+                <a:solidFill>
+                  <a:srgbClr val="000000"/>
+                </a:solidFill>
+                <a:effectLst/>
+                <a:uFillTx/>
+                <a:latin typeface="+mn-lt"/>
+                <a:ea typeface="+mn-ea"/>
+                <a:cs typeface="+mn-cs"/>
+                <a:sym typeface="Helvetica Light"/>
+              </a:rPr>
+              <a:t>als y = 0</a:t>
+            </a:r>
+          </a:p>
+        </p:txBody>
+      </p:sp>
+      <p:sp>
+        <p:nvSpPr>
+          <p:cNvPr id="12" name="Tekstvak 11">
+            <a:extLst>
+              <a:ext uri="{FF2B5EF4-FFF2-40B4-BE49-F238E27FC236}">
+                <a16:creationId xmlns:a16="http://schemas.microsoft.com/office/drawing/2014/main" id="{9CCE0766-F730-C548-DE0A-A8380A07FDF9}"/>
+              </a:ext>
+            </a:extLst>
+          </p:cNvPr>
+          <p:cNvSpPr txBox="1"/>
+          <p:nvPr/>
+        </p:nvSpPr>
+        <p:spPr>
+          <a:xfrm>
+            <a:off x="17466366" y="4098579"/>
+            <a:ext cx="3776870" cy="913711"/>
+          </a:xfrm>
+          <a:prstGeom prst="rect">
+            <a:avLst/>
+          </a:prstGeom>
+          <a:noFill/>
+          <a:ln w="12700" cap="flat">
+            <a:noFill/>
+            <a:miter lim="400000"/>
+          </a:ln>
+          <a:effectLst/>
+          <a:sp3d/>
+        </p:spPr>
+        <p:style>
+          <a:lnRef idx="0">
+            <a:scrgbClr r="0" g="0" b="0"/>
+          </a:lnRef>
+          <a:fillRef idx="0">
+            <a:scrgbClr r="0" g="0" b="0"/>
+          </a:fillRef>
+          <a:effectRef idx="0">
+            <a:scrgbClr r="0" g="0" b="0"/>
+          </a:effectRef>
+          <a:fontRef idx="none"/>
+        </p:style>
+        <p:txBody>
+          <a:bodyPr rot="0" spcFirstLastPara="1" vertOverflow="overflow" horzOverflow="overflow" vert="horz" wrap="square" lIns="71437" tIns="71437" rIns="71437" bIns="71437" numCol="1" spcCol="38100" rtlCol="0" anchor="ctr">
+            <a:spAutoFit/>
+          </a:bodyPr>
+          <a:lstStyle/>
+          <a:p>
+            <a:pPr marL="0" marR="0" indent="0" algn="ctr" defTabSz="821531" rtl="0" fontAlgn="auto" latinLnBrk="0" hangingPunct="0">
+              <a:lnSpc>
+                <a:spcPct val="100000"/>
+              </a:lnSpc>
+              <a:spcBef>
+                <a:spcPts val="0"/>
+              </a:spcBef>
+              <a:spcAft>
+                <a:spcPts val="0"/>
+              </a:spcAft>
+              <a:buClrTx/>
+              <a:buSzTx/>
+              <a:buFontTx/>
+              <a:buNone/>
+              <a:tabLst/>
+            </a:pPr>
+            <a:r>
+              <a:rPr kumimoji="0" lang="nl-NL" sz="5000" b="1" i="0" u="none" strike="noStrike" cap="none" spc="0" normalizeH="0" baseline="0">
+                <a:ln>
+                  <a:noFill/>
+                </a:ln>
+                <a:solidFill>
+                  <a:srgbClr val="000000"/>
+                </a:solidFill>
+                <a:effectLst/>
+                <a:uFillTx/>
+                <a:latin typeface="+mn-lt"/>
+                <a:ea typeface="+mn-ea"/>
+                <a:cs typeface="+mn-cs"/>
+                <a:sym typeface="Helvetica Light"/>
+              </a:rPr>
+              <a:t>y = 1</a:t>
+            </a:r>
+          </a:p>
+        </p:txBody>
+      </p:sp>
+      <p:cxnSp>
+        <p:nvCxnSpPr>
+          <p:cNvPr id="13" name="Rechte verbindingslijn 12">
+            <a:extLst>
+              <a:ext uri="{FF2B5EF4-FFF2-40B4-BE49-F238E27FC236}">
+                <a16:creationId xmlns:a16="http://schemas.microsoft.com/office/drawing/2014/main" id="{203950B6-D962-8E0C-4409-2404891163F1}"/>
+              </a:ext>
+            </a:extLst>
+          </p:cNvPr>
+          <p:cNvCxnSpPr/>
+          <p:nvPr/>
+        </p:nvCxnSpPr>
+        <p:spPr>
+          <a:xfrm>
+            <a:off x="3458817" y="4333461"/>
+            <a:ext cx="0" cy="8627165"/>
+          </a:xfrm>
+          <a:prstGeom prst="line">
+            <a:avLst/>
+          </a:prstGeom>
+          <a:noFill/>
+          <a:ln w="25400" cap="flat">
+            <a:solidFill>
+              <a:srgbClr val="000000"/>
+            </a:solidFill>
+            <a:prstDash val="solid"/>
+            <a:miter lim="400000"/>
+          </a:ln>
+          <a:effectLst/>
+          <a:sp3d/>
+        </p:spPr>
+        <p:style>
+          <a:lnRef idx="0">
+            <a:scrgbClr r="0" g="0" b="0"/>
+          </a:lnRef>
+          <a:fillRef idx="0">
+            <a:scrgbClr r="0" g="0" b="0"/>
+          </a:fillRef>
+          <a:effectRef idx="0">
+            <a:scrgbClr r="0" g="0" b="0"/>
+          </a:effectRef>
+          <a:fontRef idx="none"/>
+        </p:style>
+      </p:cxnSp>
+      <p:cxnSp>
+        <p:nvCxnSpPr>
+          <p:cNvPr id="14" name="Rechte verbindingslijn 13">
+            <a:extLst>
+              <a:ext uri="{FF2B5EF4-FFF2-40B4-BE49-F238E27FC236}">
+                <a16:creationId xmlns:a16="http://schemas.microsoft.com/office/drawing/2014/main" id="{3974B9A4-1AC0-9670-47B0-1B64C394AEFD}"/>
+              </a:ext>
+            </a:extLst>
+          </p:cNvPr>
+          <p:cNvCxnSpPr/>
+          <p:nvPr/>
+        </p:nvCxnSpPr>
+        <p:spPr>
+          <a:xfrm>
+            <a:off x="2941983" y="12463670"/>
+            <a:ext cx="14524383" cy="0"/>
+          </a:xfrm>
+          <a:prstGeom prst="line">
+            <a:avLst/>
+          </a:prstGeom>
+          <a:noFill/>
+          <a:ln w="25400" cap="flat">
+            <a:solidFill>
+              <a:srgbClr val="000000"/>
+            </a:solidFill>
+            <a:prstDash val="solid"/>
+            <a:miter lim="400000"/>
+          </a:ln>
+          <a:effectLst/>
+          <a:sp3d/>
+        </p:spPr>
+        <p:style>
+          <a:lnRef idx="0">
+            <a:scrgbClr r="0" g="0" b="0"/>
+          </a:lnRef>
+          <a:fillRef idx="0">
+            <a:scrgbClr r="0" g="0" b="0"/>
+          </a:fillRef>
+          <a:effectRef idx="0">
+            <a:scrgbClr r="0" g="0" b="0"/>
+          </a:effectRef>
+          <a:fontRef idx="none"/>
+        </p:style>
+      </p:cxnSp>
+      <p:sp>
+        <p:nvSpPr>
+          <p:cNvPr id="15" name="Tekstvak 14">
+            <a:extLst>
+              <a:ext uri="{FF2B5EF4-FFF2-40B4-BE49-F238E27FC236}">
+                <a16:creationId xmlns:a16="http://schemas.microsoft.com/office/drawing/2014/main" id="{A9B4CD8A-91FB-6157-B54E-53A6B530C9AD}"/>
+              </a:ext>
+            </a:extLst>
+          </p:cNvPr>
+          <p:cNvSpPr txBox="1"/>
+          <p:nvPr/>
+        </p:nvSpPr>
+        <p:spPr>
+          <a:xfrm>
+            <a:off x="2700263" y="12503770"/>
+            <a:ext cx="500137" cy="913711"/>
+          </a:xfrm>
+          <a:prstGeom prst="rect">
+            <a:avLst/>
+          </a:prstGeom>
+          <a:noFill/>
+          <a:ln w="12700" cap="flat">
+            <a:noFill/>
+            <a:miter lim="400000"/>
+          </a:ln>
+          <a:effectLst/>
+          <a:sp3d/>
+        </p:spPr>
+        <p:style>
+          <a:lnRef idx="0">
+            <a:scrgbClr r="0" g="0" b="0"/>
+          </a:lnRef>
+          <a:fillRef idx="0">
+            <a:scrgbClr r="0" g="0" b="0"/>
+          </a:fillRef>
+          <a:effectRef idx="0">
+            <a:scrgbClr r="0" g="0" b="0"/>
+          </a:effectRef>
+          <a:fontRef idx="none"/>
+        </p:style>
+        <p:txBody>
+          <a:bodyPr rot="0" spcFirstLastPara="1" vertOverflow="overflow" horzOverflow="overflow" vert="horz" wrap="none" lIns="71437" tIns="71437" rIns="71437" bIns="71437" numCol="1" spcCol="38100" rtlCol="0" anchor="ctr">
+            <a:spAutoFit/>
+          </a:bodyPr>
+          <a:lstStyle/>
+          <a:p>
+            <a:pPr marL="0" marR="0" indent="0" algn="ctr" defTabSz="821531" rtl="0" fontAlgn="auto" latinLnBrk="0" hangingPunct="0">
+              <a:lnSpc>
+                <a:spcPct val="100000"/>
+              </a:lnSpc>
+              <a:spcBef>
+                <a:spcPts val="0"/>
+              </a:spcBef>
+              <a:spcAft>
+                <a:spcPts val="0"/>
+              </a:spcAft>
+              <a:buClrTx/>
+              <a:buSzTx/>
+              <a:buFontTx/>
+              <a:buNone/>
+              <a:tabLst/>
+            </a:pPr>
+            <a:r>
+              <a:rPr kumimoji="0" lang="nl-NL" sz="5000" b="0" i="0" u="none" strike="noStrike" cap="none" spc="0" normalizeH="0" baseline="0">
+                <a:ln>
+                  <a:noFill/>
+                </a:ln>
+                <a:solidFill>
+                  <a:srgbClr val="000000"/>
+                </a:solidFill>
+                <a:effectLst/>
+                <a:uFillTx/>
+                <a:latin typeface="+mn-lt"/>
+                <a:ea typeface="+mn-ea"/>
+                <a:cs typeface="+mn-cs"/>
+                <a:sym typeface="Helvetica Light"/>
+              </a:rPr>
+              <a:t>0</a:t>
+            </a:r>
+          </a:p>
+        </p:txBody>
+      </p:sp>
+      <mc:AlternateContent xmlns:mc="http://schemas.openxmlformats.org/markup-compatibility/2006">
+        <mc:Choice xmlns:a14="http://schemas.microsoft.com/office/drawing/2010/main" Requires="a14">
+          <p:sp>
+            <p:nvSpPr>
+              <p:cNvPr id="16" name="Tekstvak 15">
+                <a:extLst>
+                  <a:ext uri="{FF2B5EF4-FFF2-40B4-BE49-F238E27FC236}">
+                    <a16:creationId xmlns:a16="http://schemas.microsoft.com/office/drawing/2014/main" id="{2023034D-4D7E-D498-530B-AE8EF3D9F68E}"/>
+                  </a:ext>
+                </a:extLst>
+              </p:cNvPr>
+              <p:cNvSpPr txBox="1"/>
+              <p:nvPr/>
+            </p:nvSpPr>
+            <p:spPr>
+              <a:xfrm>
+                <a:off x="4820482" y="12583462"/>
+                <a:ext cx="12195312" cy="923330"/>
+              </a:xfrm>
+              <a:prstGeom prst="rect">
+                <a:avLst/>
+              </a:prstGeom>
+              <a:noFill/>
+              <a:ln w="12700" cap="flat">
+                <a:noFill/>
+                <a:miter lim="400000"/>
+              </a:ln>
+              <a:effectLst/>
+              <a:sp3d/>
+            </p:spPr>
+            <p:style>
+              <a:lnRef idx="0">
+                <a:scrgbClr r="0" g="0" b="0"/>
+              </a:lnRef>
+              <a:fillRef idx="0">
+                <a:scrgbClr r="0" g="0" b="0"/>
+              </a:fillRef>
+              <a:effectRef idx="0">
+                <a:scrgbClr r="0" g="0" b="0"/>
+              </a:effectRef>
+              <a:fontRef idx="none"/>
+            </p:style>
+            <p:txBody>
+              <a:bodyPr wrap="square">
+                <a:spAutoFit/>
+              </a:bodyPr>
+              <a:lstStyle/>
+              <a:p>
+                <a:pPr/>
+                <a14:m>
+                  <m:oMath xmlns:m="http://schemas.openxmlformats.org/officeDocument/2006/math">
+                    <m:r>
+                      <a:rPr kumimoji="0" lang="nl-NL" sz="5400" b="0" i="1" u="none" strike="noStrike" cap="none" spc="0" normalizeH="0" baseline="0" smtClean="0">
+                        <a:ln>
+                          <a:noFill/>
+                        </a:ln>
+                        <a:solidFill>
+                          <a:srgbClr val="000000"/>
+                        </a:solidFill>
+                        <a:effectLst/>
+                        <a:uFillTx/>
+                        <a:latin typeface="Cambria Math" panose="02040503050406030204" pitchFamily="18" charset="0"/>
+                        <a:sym typeface="Helvetica Light"/>
+                      </a:rPr>
+                      <m:t>h</m:t>
+                    </m:r>
+                    <m:r>
+                      <a:rPr lang="nl-NL" sz="5400" i="1" baseline="-25000">
+                        <a:latin typeface="Cambria Math" panose="02040503050406030204" pitchFamily="18" charset="0"/>
+                        <a:ea typeface="Cambria Math" panose="02040503050406030204" pitchFamily="18" charset="0"/>
+                      </a:rPr>
+                      <m:t>𝜃</m:t>
+                    </m:r>
+                    <m:d>
+                      <m:dPr>
+                        <m:ctrlPr>
+                          <a:rPr kumimoji="0" lang="nl-NL" sz="5400" b="0" i="1" u="none" strike="noStrike" cap="none" spc="0" normalizeH="0" baseline="0" smtClean="0">
+                            <a:ln>
+                              <a:noFill/>
+                            </a:ln>
+                            <a:solidFill>
+                              <a:srgbClr val="000000"/>
+                            </a:solidFill>
+                            <a:effectLst/>
+                            <a:uFillTx/>
+                            <a:latin typeface="Cambria Math" panose="02040503050406030204" pitchFamily="18" charset="0"/>
+                            <a:sym typeface="Helvetica Light"/>
+                          </a:rPr>
+                        </m:ctrlPr>
+                      </m:dPr>
+                      <m:e>
+                        <m:r>
+                          <a:rPr kumimoji="0" lang="nl-NL" sz="5400" b="0" i="1" u="none" strike="noStrike" cap="none" spc="0" normalizeH="0" baseline="0" smtClean="0">
+                            <a:ln>
+                              <a:noFill/>
+                            </a:ln>
+                            <a:solidFill>
+                              <a:srgbClr val="000000"/>
+                            </a:solidFill>
+                            <a:effectLst/>
+                            <a:uFillTx/>
+                            <a:latin typeface="Cambria Math" panose="02040503050406030204" pitchFamily="18" charset="0"/>
+                            <a:sym typeface="Helvetica Light"/>
+                          </a:rPr>
+                          <m:t>𝑥</m:t>
+                        </m:r>
+                      </m:e>
+                    </m:d>
+                  </m:oMath>
+                </a14:m>
+                <a:r>
+                  <a:rPr lang="nl-NL"/>
+                  <a:t> </a:t>
+                </a:r>
+                <a:r>
+                  <a:rPr lang="nl-NL">
+                    <a:sym typeface="Wingdings" panose="05000000000000000000" pitchFamily="2" charset="2"/>
+                  </a:rPr>
+                  <a:t></a:t>
+                </a:r>
+                <a:endParaRPr lang="nl-NL"/>
+              </a:p>
+            </p:txBody>
+          </p:sp>
+        </mc:Choice>
+        <mc:Fallback>
+          <p:sp>
+            <p:nvSpPr>
+              <p:cNvPr id="16" name="Tekstvak 15">
+                <a:extLst>
+                  <a:ext uri="{FF2B5EF4-FFF2-40B4-BE49-F238E27FC236}">
+                    <a16:creationId xmlns:a16="http://schemas.microsoft.com/office/drawing/2014/main" id="{2023034D-4D7E-D498-530B-AE8EF3D9F68E}"/>
+                  </a:ext>
+                </a:extLst>
+              </p:cNvPr>
+              <p:cNvSpPr txBox="1">
+                <a:spLocks noRot="1" noChangeAspect="1" noMove="1" noResize="1" noEditPoints="1" noAdjustHandles="1" noChangeArrowheads="1" noChangeShapeType="1" noTextEdit="1"/>
+              </p:cNvSpPr>
+              <p:nvPr/>
+            </p:nvSpPr>
+            <p:spPr>
+              <a:xfrm>
+                <a:off x="4820482" y="12583462"/>
+                <a:ext cx="12195312" cy="923330"/>
+              </a:xfrm>
+              <a:prstGeom prst="rect">
+                <a:avLst/>
+              </a:prstGeom>
+              <a:blipFill>
+                <a:blip r:embed="rId3"/>
+                <a:stretch>
+                  <a:fillRect t="-11842" b="-32895"/>
+                </a:stretch>
+              </a:blipFill>
+              <a:ln w="12700" cap="flat">
+                <a:noFill/>
+                <a:miter lim="400000"/>
+              </a:ln>
+              <a:effectLst/>
+            </p:spPr>
+            <p:txBody>
+              <a:bodyPr/>
+              <a:lstStyle/>
+              <a:p>
+                <a:r>
+                  <a:rPr lang="nl-NL">
+                    <a:noFill/>
+                  </a:rPr>
+                  <a:t> </a:t>
+                </a:r>
+              </a:p>
+            </p:txBody>
+          </p:sp>
+        </mc:Fallback>
+      </mc:AlternateContent>
+      <p:sp>
+        <p:nvSpPr>
+          <p:cNvPr id="17" name="Tekstvak 16">
+            <a:extLst>
+              <a:ext uri="{FF2B5EF4-FFF2-40B4-BE49-F238E27FC236}">
+                <a16:creationId xmlns:a16="http://schemas.microsoft.com/office/drawing/2014/main" id="{1D132B2D-6803-F25D-440C-2EC3419B3A3B}"/>
+              </a:ext>
+            </a:extLst>
+          </p:cNvPr>
+          <p:cNvSpPr txBox="1"/>
+          <p:nvPr/>
+        </p:nvSpPr>
+        <p:spPr>
+          <a:xfrm>
+            <a:off x="17075427" y="12583462"/>
+            <a:ext cx="500137" cy="913711"/>
+          </a:xfrm>
+          <a:prstGeom prst="rect">
+            <a:avLst/>
+          </a:prstGeom>
+          <a:noFill/>
+          <a:ln w="12700" cap="flat">
+            <a:noFill/>
+            <a:miter lim="400000"/>
+          </a:ln>
+          <a:effectLst/>
+          <a:sp3d/>
+        </p:spPr>
+        <p:style>
+          <a:lnRef idx="0">
+            <a:scrgbClr r="0" g="0" b="0"/>
+          </a:lnRef>
+          <a:fillRef idx="0">
+            <a:scrgbClr r="0" g="0" b="0"/>
+          </a:fillRef>
+          <a:effectRef idx="0">
+            <a:scrgbClr r="0" g="0" b="0"/>
+          </a:effectRef>
+          <a:fontRef idx="none"/>
+        </p:style>
+        <p:txBody>
+          <a:bodyPr rot="0" spcFirstLastPara="1" vertOverflow="overflow" horzOverflow="overflow" vert="horz" wrap="none" lIns="71437" tIns="71437" rIns="71437" bIns="71437" numCol="1" spcCol="38100" rtlCol="0" anchor="ctr">
+            <a:spAutoFit/>
+          </a:bodyPr>
+          <a:lstStyle/>
+          <a:p>
+            <a:pPr marL="0" marR="0" indent="0" algn="ctr" defTabSz="821531" rtl="0" fontAlgn="auto" latinLnBrk="0" hangingPunct="0">
+              <a:lnSpc>
+                <a:spcPct val="100000"/>
+              </a:lnSpc>
+              <a:spcBef>
+                <a:spcPts val="0"/>
+              </a:spcBef>
+              <a:spcAft>
+                <a:spcPts val="0"/>
+              </a:spcAft>
+              <a:buClrTx/>
+              <a:buSzTx/>
+              <a:buFontTx/>
+              <a:buNone/>
+              <a:tabLst/>
+            </a:pPr>
+            <a:r>
+              <a:rPr lang="nl-NL"/>
+              <a:t>1</a:t>
+            </a:r>
+            <a:endParaRPr kumimoji="0" lang="nl-NL" sz="5000" b="0" i="0" u="none" strike="noStrike" cap="none" spc="0" normalizeH="0" baseline="0">
+              <a:ln>
+                <a:noFill/>
+              </a:ln>
+              <a:solidFill>
+                <a:srgbClr val="000000"/>
+              </a:solidFill>
+              <a:effectLst/>
+              <a:uFillTx/>
+              <a:latin typeface="+mn-lt"/>
+              <a:ea typeface="+mn-ea"/>
+              <a:cs typeface="+mn-cs"/>
+              <a:sym typeface="Helvetica Light"/>
+            </a:endParaRPr>
+          </a:p>
+        </p:txBody>
+      </p:sp>
+      <p:sp>
+        <p:nvSpPr>
+          <p:cNvPr id="18" name="Tekstvak 17">
+            <a:extLst>
+              <a:ext uri="{FF2B5EF4-FFF2-40B4-BE49-F238E27FC236}">
+                <a16:creationId xmlns:a16="http://schemas.microsoft.com/office/drawing/2014/main" id="{D1E385DF-783C-90D8-BF95-1356F8794C5A}"/>
+              </a:ext>
+            </a:extLst>
+          </p:cNvPr>
+          <p:cNvSpPr txBox="1"/>
+          <p:nvPr/>
+        </p:nvSpPr>
+        <p:spPr>
+          <a:xfrm rot="16200000">
+            <a:off x="1411357" y="6997490"/>
+            <a:ext cx="2524536" cy="913711"/>
+          </a:xfrm>
+          <a:prstGeom prst="rect">
+            <a:avLst/>
+          </a:prstGeom>
+          <a:noFill/>
+          <a:ln w="12700" cap="flat">
+            <a:noFill/>
+            <a:miter lim="400000"/>
+          </a:ln>
+          <a:effectLst/>
+          <a:sp3d/>
+        </p:spPr>
+        <p:style>
+          <a:lnRef idx="0">
+            <a:scrgbClr r="0" g="0" b="0"/>
+          </a:lnRef>
+          <a:fillRef idx="0">
+            <a:scrgbClr r="0" g="0" b="0"/>
+          </a:fillRef>
+          <a:effectRef idx="0">
+            <a:scrgbClr r="0" g="0" b="0"/>
+          </a:effectRef>
+          <a:fontRef idx="none"/>
+        </p:style>
+        <p:txBody>
+          <a:bodyPr rot="0" spcFirstLastPara="1" vertOverflow="overflow" horzOverflow="overflow" vert="horz" wrap="square" lIns="71437" tIns="71437" rIns="71437" bIns="71437" numCol="1" spcCol="38100" rtlCol="0" anchor="ctr">
+            <a:spAutoFit/>
+          </a:bodyPr>
+          <a:lstStyle/>
+          <a:p>
+            <a:pPr marL="0" marR="0" indent="0" algn="ctr" defTabSz="821531" rtl="0" fontAlgn="auto" latinLnBrk="0" hangingPunct="0">
+              <a:lnSpc>
+                <a:spcPct val="100000"/>
+              </a:lnSpc>
+              <a:spcBef>
+                <a:spcPts val="0"/>
+              </a:spcBef>
+              <a:spcAft>
+                <a:spcPts val="0"/>
+              </a:spcAft>
+              <a:buClrTx/>
+              <a:buSzTx/>
+              <a:buFontTx/>
+              <a:buNone/>
+              <a:tabLst/>
+            </a:pPr>
+            <a:r>
+              <a:rPr kumimoji="0" lang="nl-NL" sz="5000" b="0" i="0" u="none" strike="noStrike" cap="none" spc="0" normalizeH="0" baseline="0">
+                <a:ln>
+                  <a:noFill/>
+                </a:ln>
+                <a:solidFill>
+                  <a:srgbClr val="000000"/>
+                </a:solidFill>
+                <a:effectLst/>
+                <a:uFillTx/>
+                <a:latin typeface="+mn-lt"/>
+                <a:ea typeface="+mn-ea"/>
+                <a:cs typeface="+mn-cs"/>
+                <a:sym typeface="Helvetica Light"/>
+              </a:rPr>
+              <a:t>kost </a:t>
+            </a:r>
+            <a:r>
+              <a:rPr kumimoji="0" lang="nl-NL" sz="5000" b="0" i="0" u="none" strike="noStrike" cap="none" spc="0" normalizeH="0" baseline="0">
+                <a:ln>
+                  <a:noFill/>
+                </a:ln>
+                <a:solidFill>
+                  <a:srgbClr val="000000"/>
+                </a:solidFill>
+                <a:effectLst/>
+                <a:uFillTx/>
+                <a:latin typeface="+mn-lt"/>
+                <a:ea typeface="+mn-ea"/>
+                <a:cs typeface="+mn-cs"/>
+                <a:sym typeface="Wingdings" panose="05000000000000000000" pitchFamily="2" charset="2"/>
+              </a:rPr>
+              <a:t></a:t>
+            </a:r>
+            <a:endParaRPr kumimoji="0" lang="nl-NL" sz="5000" b="0" i="0" u="none" strike="noStrike" cap="none" spc="0" normalizeH="0" baseline="0">
+              <a:ln>
+                <a:noFill/>
+              </a:ln>
+              <a:solidFill>
+                <a:srgbClr val="000000"/>
+              </a:solidFill>
+              <a:effectLst/>
+              <a:uFillTx/>
+              <a:latin typeface="+mn-lt"/>
+              <a:ea typeface="+mn-ea"/>
+              <a:cs typeface="+mn-cs"/>
+              <a:sym typeface="Helvetica Light"/>
+            </a:endParaRPr>
           </a:p>
         </p:txBody>
       </p:sp>
@@ -5368,53 +6641,1268 @@
           <a:chExt cx="0" cy="0"/>
         </a:xfrm>
       </p:grpSpPr>
+      <mc:AlternateContent xmlns:mc="http://schemas.openxmlformats.org/markup-compatibility/2006">
+        <mc:Choice xmlns:a14="http://schemas.microsoft.com/office/drawing/2010/main" Requires="a14">
+          <p:sp>
+            <p:nvSpPr>
+              <p:cNvPr id="4" name="Tekstvak 3">
+                <a:extLst>
+                  <a:ext uri="{FF2B5EF4-FFF2-40B4-BE49-F238E27FC236}">
+                    <a16:creationId xmlns:a16="http://schemas.microsoft.com/office/drawing/2014/main" id="{DE153D08-CB12-EE61-2DE0-0F5D1FCDA61C}"/>
+                  </a:ext>
+                </a:extLst>
+              </p:cNvPr>
+              <p:cNvSpPr txBox="1"/>
+              <p:nvPr/>
+            </p:nvSpPr>
+            <p:spPr>
+              <a:xfrm>
+                <a:off x="5515158" y="755626"/>
+                <a:ext cx="9020226" cy="2265620"/>
+              </a:xfrm>
+              <a:prstGeom prst="rect">
+                <a:avLst/>
+              </a:prstGeom>
+              <a:noFill/>
+              <a:ln w="12700" cap="flat">
+                <a:noFill/>
+                <a:miter lim="400000"/>
+              </a:ln>
+              <a:effectLst/>
+              <a:sp3d/>
+            </p:spPr>
+            <p:style>
+              <a:lnRef idx="0">
+                <a:scrgbClr r="0" g="0" b="0"/>
+              </a:lnRef>
+              <a:fillRef idx="0">
+                <a:scrgbClr r="0" g="0" b="0"/>
+              </a:fillRef>
+              <a:effectRef idx="0">
+                <a:scrgbClr r="0" g="0" b="0"/>
+              </a:effectRef>
+              <a:fontRef idx="none"/>
+            </p:style>
+            <p:txBody>
+              <a:bodyPr rot="0" spcFirstLastPara="1" vertOverflow="overflow" horzOverflow="overflow" vert="horz" wrap="none" lIns="0" tIns="0" rIns="0" bIns="0" numCol="1" spcCol="38100" rtlCol="0" anchor="ctr">
+                <a:spAutoFit/>
+              </a:bodyPr>
+              <a:lstStyle/>
+              <a:p>
+                <a:r>
+                  <a:rPr kumimoji="0" lang="nl-NL" sz="6600" b="0" u="none" strike="noStrike" cap="none" spc="0" normalizeH="0" baseline="0">
+                    <a:ln>
+                      <a:noFill/>
+                    </a:ln>
+                    <a:solidFill>
+                      <a:srgbClr val="000000"/>
+                    </a:solidFill>
+                    <a:effectLst/>
+                    <a:uFillTx/>
+                    <a:sym typeface="Helvetica Light"/>
+                  </a:rPr>
+                  <a:t>Kost</a:t>
+                </a:r>
+                <a:r>
+                  <a:rPr kumimoji="0" lang="nl-NL" sz="6600" b="0" u="none" strike="noStrike" cap="none" spc="0" normalizeH="0">
+                    <a:ln>
+                      <a:noFill/>
+                    </a:ln>
+                    <a:solidFill>
+                      <a:srgbClr val="000000"/>
+                    </a:solidFill>
+                    <a:effectLst/>
+                    <a:uFillTx/>
+                    <a:sym typeface="Helvetica Light"/>
+                  </a:rPr>
+                  <a:t> </a:t>
+                </a:r>
+                <a14:m>
+                  <m:oMath xmlns:m="http://schemas.openxmlformats.org/officeDocument/2006/math">
+                    <m:r>
+                      <a:rPr kumimoji="0" lang="nl-NL" sz="6600" b="0" i="1" u="none" strike="noStrike" cap="none" spc="0" normalizeH="0" baseline="0" smtClean="0">
+                        <a:ln>
+                          <a:noFill/>
+                        </a:ln>
+                        <a:solidFill>
+                          <a:srgbClr val="000000"/>
+                        </a:solidFill>
+                        <a:effectLst/>
+                        <a:uFillTx/>
+                        <a:latin typeface="Cambria Math" panose="02040503050406030204" pitchFamily="18" charset="0"/>
+                        <a:sym typeface="Helvetica Light"/>
+                      </a:rPr>
+                      <m:t>=</m:t>
+                    </m:r>
+                    <m:d>
+                      <m:dPr>
+                        <m:begChr m:val="{"/>
+                        <m:endChr m:val=""/>
+                        <m:ctrlPr>
+                          <a:rPr kumimoji="0" lang="nl-NL" sz="6600" b="0" i="1" u="none" strike="noStrike" cap="none" spc="0" normalizeH="0" baseline="0" smtClean="0">
+                            <a:ln>
+                              <a:noFill/>
+                            </a:ln>
+                            <a:solidFill>
+                              <a:srgbClr val="000000"/>
+                            </a:solidFill>
+                            <a:effectLst/>
+                            <a:uFillTx/>
+                            <a:latin typeface="Cambria Math" panose="02040503050406030204" pitchFamily="18" charset="0"/>
+                            <a:sym typeface="Helvetica Light"/>
+                          </a:rPr>
+                        </m:ctrlPr>
+                      </m:dPr>
+                      <m:e>
+                        <m:eqArr>
+                          <m:eqArrPr>
+                            <m:ctrlPr>
+                              <a:rPr kumimoji="0" lang="nl-NL" sz="6600" b="0" i="1" u="none" strike="noStrike" cap="none" spc="0" normalizeH="0" baseline="0" smtClean="0">
+                                <a:ln>
+                                  <a:noFill/>
+                                </a:ln>
+                                <a:solidFill>
+                                  <a:srgbClr val="000000"/>
+                                </a:solidFill>
+                                <a:effectLst/>
+                                <a:uFillTx/>
+                                <a:latin typeface="Cambria Math" panose="02040503050406030204" pitchFamily="18" charset="0"/>
+                                <a:sym typeface="Helvetica Light"/>
+                              </a:rPr>
+                            </m:ctrlPr>
+                          </m:eqArrPr>
+                          <m:e>
+                            <m:r>
+                              <a:rPr kumimoji="0" lang="nl-NL" sz="6600" b="0" i="1" u="none" strike="noStrike" cap="none" spc="0" normalizeH="0" baseline="0" smtClean="0">
+                                <a:ln>
+                                  <a:noFill/>
+                                </a:ln>
+                                <a:solidFill>
+                                  <a:srgbClr val="000000"/>
+                                </a:solidFill>
+                                <a:effectLst/>
+                                <a:uFillTx/>
+                                <a:latin typeface="Cambria Math" panose="02040503050406030204" pitchFamily="18" charset="0"/>
+                                <a:sym typeface="Helvetica Light"/>
+                              </a:rPr>
+                              <m:t>−</m:t>
+                            </m:r>
+                            <m:r>
+                              <m:rPr>
+                                <m:sty m:val="p"/>
+                              </m:rPr>
+                              <a:rPr kumimoji="0" lang="nl-NL" sz="6600" b="0" i="0" u="none" strike="noStrike" cap="none" spc="0" normalizeH="0" baseline="0" smtClean="0">
+                                <a:ln>
+                                  <a:noFill/>
+                                </a:ln>
+                                <a:solidFill>
+                                  <a:srgbClr val="000000"/>
+                                </a:solidFill>
+                                <a:effectLst/>
+                                <a:uFillTx/>
+                                <a:latin typeface="Cambria Math" panose="02040503050406030204" pitchFamily="18" charset="0"/>
+                                <a:sym typeface="Helvetica Light"/>
+                              </a:rPr>
+                              <m:t>log</m:t>
+                            </m:r>
+                            <m:r>
+                              <a:rPr kumimoji="0" lang="nl-NL" sz="6600" b="0" i="1" u="none" strike="noStrike" cap="none" spc="0" normalizeH="0" baseline="0" smtClean="0">
+                                <a:ln>
+                                  <a:noFill/>
+                                </a:ln>
+                                <a:solidFill>
+                                  <a:srgbClr val="000000"/>
+                                </a:solidFill>
+                                <a:effectLst/>
+                                <a:uFillTx/>
+                                <a:latin typeface="Cambria Math" panose="02040503050406030204" pitchFamily="18" charset="0"/>
+                                <a:sym typeface="Helvetica Light"/>
+                              </a:rPr>
+                              <m:t>⁡(</m:t>
+                            </m:r>
+                            <m:r>
+                              <a:rPr kumimoji="0" lang="nl-NL" sz="6600" b="0" i="1" u="none" strike="noStrike" cap="none" spc="0" normalizeH="0" baseline="0" smtClean="0">
+                                <a:ln>
+                                  <a:noFill/>
+                                </a:ln>
+                                <a:solidFill>
+                                  <a:srgbClr val="000000"/>
+                                </a:solidFill>
+                                <a:effectLst/>
+                                <a:uFillTx/>
+                                <a:latin typeface="Cambria Math" panose="02040503050406030204" pitchFamily="18" charset="0"/>
+                                <a:sym typeface="Helvetica Light"/>
+                              </a:rPr>
+                              <m:t>h</m:t>
+                            </m:r>
+                            <m:r>
+                              <a:rPr kumimoji="0" lang="nl-NL" sz="6600" b="0" i="1" u="none" strike="noStrike" cap="none" spc="0" normalizeH="0" baseline="-25000" smtClean="0">
+                                <a:ln>
+                                  <a:noFill/>
+                                </a:ln>
+                                <a:solidFill>
+                                  <a:srgbClr val="000000"/>
+                                </a:solidFill>
+                                <a:effectLst/>
+                                <a:uFillTx/>
+                                <a:latin typeface="Cambria Math" panose="02040503050406030204" pitchFamily="18" charset="0"/>
+                                <a:ea typeface="Cambria Math" panose="02040503050406030204" pitchFamily="18" charset="0"/>
+                                <a:sym typeface="Helvetica Light"/>
+                              </a:rPr>
+                              <m:t>𝜃</m:t>
+                            </m:r>
+                            <m:r>
+                              <a:rPr kumimoji="0" lang="nl-NL" sz="6600" b="0" i="1" u="none" strike="noStrike" cap="none" spc="0" normalizeH="0" baseline="0" smtClean="0">
+                                <a:ln>
+                                  <a:noFill/>
+                                </a:ln>
+                                <a:solidFill>
+                                  <a:srgbClr val="000000"/>
+                                </a:solidFill>
+                                <a:effectLst/>
+                                <a:uFillTx/>
+                                <a:latin typeface="Cambria Math" panose="02040503050406030204" pitchFamily="18" charset="0"/>
+                                <a:sym typeface="Helvetica Light"/>
+                              </a:rPr>
+                              <m:t>(</m:t>
+                            </m:r>
+                            <m:r>
+                              <a:rPr kumimoji="0" lang="nl-NL" sz="6600" b="0" i="1" u="none" strike="noStrike" cap="none" spc="0" normalizeH="0" baseline="0" smtClean="0">
+                                <a:ln>
+                                  <a:noFill/>
+                                </a:ln>
+                                <a:solidFill>
+                                  <a:srgbClr val="000000"/>
+                                </a:solidFill>
+                                <a:effectLst/>
+                                <a:uFillTx/>
+                                <a:latin typeface="Cambria Math" panose="02040503050406030204" pitchFamily="18" charset="0"/>
+                                <a:sym typeface="Helvetica Light"/>
+                              </a:rPr>
+                              <m:t>𝑥</m:t>
+                            </m:r>
+                            <m:r>
+                              <a:rPr kumimoji="0" lang="nl-NL" sz="6600" b="0" i="1" u="none" strike="noStrike" cap="none" spc="0" normalizeH="0" baseline="0" smtClean="0">
+                                <a:ln>
+                                  <a:noFill/>
+                                </a:ln>
+                                <a:solidFill>
+                                  <a:srgbClr val="000000"/>
+                                </a:solidFill>
+                                <a:effectLst/>
+                                <a:uFillTx/>
+                                <a:latin typeface="Cambria Math" panose="02040503050406030204" pitchFamily="18" charset="0"/>
+                                <a:sym typeface="Helvetica Light"/>
+                              </a:rPr>
+                              <m:t>)</m:t>
+                            </m:r>
+                          </m:e>
+                          <m:e>
+                            <m:r>
+                              <a:rPr kumimoji="0" lang="nl-NL" sz="6600" b="0" i="1" u="none" strike="noStrike" cap="none" spc="0" normalizeH="0" baseline="0" smtClean="0">
+                                <a:ln>
+                                  <a:noFill/>
+                                </a:ln>
+                                <a:solidFill>
+                                  <a:srgbClr val="000000"/>
+                                </a:solidFill>
+                                <a:effectLst/>
+                                <a:uFillTx/>
+                                <a:latin typeface="Cambria Math" panose="02040503050406030204" pitchFamily="18" charset="0"/>
+                                <a:sym typeface="Helvetica Light"/>
+                              </a:rPr>
+                              <m:t>−</m:t>
+                            </m:r>
+                            <m:r>
+                              <m:rPr>
+                                <m:sty m:val="p"/>
+                              </m:rPr>
+                              <a:rPr kumimoji="0" lang="nl-NL" sz="6600" b="0" i="0" u="none" strike="noStrike" cap="none" spc="0" normalizeH="0" baseline="0" smtClean="0">
+                                <a:ln>
+                                  <a:noFill/>
+                                </a:ln>
+                                <a:solidFill>
+                                  <a:srgbClr val="000000"/>
+                                </a:solidFill>
+                                <a:effectLst/>
+                                <a:uFillTx/>
+                                <a:latin typeface="Cambria Math" panose="02040503050406030204" pitchFamily="18" charset="0"/>
+                                <a:sym typeface="Helvetica Light"/>
+                              </a:rPr>
+                              <m:t>log</m:t>
+                            </m:r>
+                            <m:r>
+                              <a:rPr kumimoji="0" lang="nl-NL" sz="6600" b="0" i="1" u="none" strike="noStrike" cap="none" spc="0" normalizeH="0" baseline="0" smtClean="0">
+                                <a:ln>
+                                  <a:noFill/>
+                                </a:ln>
+                                <a:solidFill>
+                                  <a:srgbClr val="000000"/>
+                                </a:solidFill>
+                                <a:effectLst/>
+                                <a:uFillTx/>
+                                <a:latin typeface="Cambria Math" panose="02040503050406030204" pitchFamily="18" charset="0"/>
+                                <a:sym typeface="Helvetica Light"/>
+                              </a:rPr>
+                              <m:t>⁡(</m:t>
+                            </m:r>
+                            <m:r>
+                              <a:rPr kumimoji="0" lang="nl-NL" sz="6600" b="0" i="1" u="none" strike="noStrike" cap="none" spc="0" normalizeH="0" baseline="0" smtClean="0">
+                                <a:ln>
+                                  <a:noFill/>
+                                </a:ln>
+                                <a:solidFill>
+                                  <a:srgbClr val="000000"/>
+                                </a:solidFill>
+                                <a:effectLst/>
+                                <a:uFillTx/>
+                                <a:latin typeface="Cambria Math" panose="02040503050406030204" pitchFamily="18" charset="0"/>
+                                <a:sym typeface="Helvetica Light"/>
+                              </a:rPr>
+                              <m:t>1</m:t>
+                            </m:r>
+                            <m:r>
+                              <a:rPr kumimoji="0" lang="nl-NL" sz="6600" b="0" i="1" u="none" strike="noStrike" cap="none" spc="0" normalizeH="0" baseline="0" smtClean="0">
+                                <a:ln>
+                                  <a:noFill/>
+                                </a:ln>
+                                <a:solidFill>
+                                  <a:srgbClr val="000000"/>
+                                </a:solidFill>
+                                <a:effectLst/>
+                                <a:uFillTx/>
+                                <a:latin typeface="Cambria Math" panose="02040503050406030204" pitchFamily="18" charset="0"/>
+                                <a:sym typeface="Helvetica Light"/>
+                              </a:rPr>
+                              <m:t>−</m:t>
+                            </m:r>
+                            <m:r>
+                              <a:rPr kumimoji="0" lang="nl-NL" sz="6600" b="0" i="1" u="none" strike="noStrike" cap="none" spc="0" normalizeH="0" baseline="0" smtClean="0">
+                                <a:ln>
+                                  <a:noFill/>
+                                </a:ln>
+                                <a:solidFill>
+                                  <a:srgbClr val="000000"/>
+                                </a:solidFill>
+                                <a:effectLst/>
+                                <a:uFillTx/>
+                                <a:latin typeface="Cambria Math" panose="02040503050406030204" pitchFamily="18" charset="0"/>
+                                <a:sym typeface="Helvetica Light"/>
+                              </a:rPr>
+                              <m:t>h</m:t>
+                            </m:r>
+                            <m:r>
+                              <a:rPr lang="nl-NL" sz="6600" i="1" baseline="-25000">
+                                <a:latin typeface="Cambria Math" panose="02040503050406030204" pitchFamily="18" charset="0"/>
+                                <a:ea typeface="Cambria Math" panose="02040503050406030204" pitchFamily="18" charset="0"/>
+                              </a:rPr>
+                              <m:t>𝜃</m:t>
+                            </m:r>
+                            <m:d>
+                              <m:dPr>
+                                <m:ctrlPr>
+                                  <a:rPr kumimoji="0" lang="nl-NL" sz="6600" b="0" i="1" u="none" strike="noStrike" cap="none" spc="0" normalizeH="0" baseline="0" smtClean="0">
+                                    <a:ln>
+                                      <a:noFill/>
+                                    </a:ln>
+                                    <a:solidFill>
+                                      <a:srgbClr val="000000"/>
+                                    </a:solidFill>
+                                    <a:effectLst/>
+                                    <a:uFillTx/>
+                                    <a:latin typeface="Cambria Math" panose="02040503050406030204" pitchFamily="18" charset="0"/>
+                                    <a:sym typeface="Helvetica Light"/>
+                                  </a:rPr>
+                                </m:ctrlPr>
+                              </m:dPr>
+                              <m:e>
+                                <m:r>
+                                  <a:rPr kumimoji="0" lang="nl-NL" sz="6600" b="0" i="1" u="none" strike="noStrike" cap="none" spc="0" normalizeH="0" baseline="0" smtClean="0">
+                                    <a:ln>
+                                      <a:noFill/>
+                                    </a:ln>
+                                    <a:solidFill>
+                                      <a:srgbClr val="000000"/>
+                                    </a:solidFill>
+                                    <a:effectLst/>
+                                    <a:uFillTx/>
+                                    <a:latin typeface="Cambria Math" panose="02040503050406030204" pitchFamily="18" charset="0"/>
+                                    <a:sym typeface="Helvetica Light"/>
+                                  </a:rPr>
+                                  <m:t>𝑥</m:t>
+                                </m:r>
+                              </m:e>
+                            </m:d>
+                            <m:r>
+                              <a:rPr kumimoji="0" lang="nl-NL" sz="6600" b="0" i="1" u="none" strike="noStrike" cap="none" spc="0" normalizeH="0" baseline="0" smtClean="0">
+                                <a:ln>
+                                  <a:noFill/>
+                                </a:ln>
+                                <a:solidFill>
+                                  <a:srgbClr val="000000"/>
+                                </a:solidFill>
+                                <a:effectLst/>
+                                <a:uFillTx/>
+                                <a:latin typeface="Cambria Math" panose="02040503050406030204" pitchFamily="18" charset="0"/>
+                                <a:sym typeface="Helvetica Light"/>
+                              </a:rPr>
+                              <m:t>)</m:t>
+                            </m:r>
+                          </m:e>
+                        </m:eqArr>
+                      </m:e>
+                    </m:d>
+                  </m:oMath>
+                </a14:m>
+                <a:endParaRPr kumimoji="0" lang="nl-NL" sz="6600" b="0" i="0" u="none" strike="noStrike" cap="none" spc="0" normalizeH="0" baseline="0">
+                  <a:ln>
+                    <a:noFill/>
+                  </a:ln>
+                  <a:solidFill>
+                    <a:srgbClr val="000000"/>
+                  </a:solidFill>
+                  <a:effectLst/>
+                  <a:uFillTx/>
+                  <a:sym typeface="Helvetica Light"/>
+                </a:endParaRPr>
+              </a:p>
+            </p:txBody>
+          </p:sp>
+        </mc:Choice>
+        <mc:Fallback>
+          <p:sp>
+            <p:nvSpPr>
+              <p:cNvPr id="4" name="Tekstvak 3">
+                <a:extLst>
+                  <a:ext uri="{FF2B5EF4-FFF2-40B4-BE49-F238E27FC236}">
+                    <a16:creationId xmlns:a16="http://schemas.microsoft.com/office/drawing/2014/main" id="{DE153D08-CB12-EE61-2DE0-0F5D1FCDA61C}"/>
+                  </a:ext>
+                </a:extLst>
+              </p:cNvPr>
+              <p:cNvSpPr txBox="1">
+                <a:spLocks noRot="1" noChangeAspect="1" noMove="1" noResize="1" noEditPoints="1" noAdjustHandles="1" noChangeArrowheads="1" noChangeShapeType="1" noTextEdit="1"/>
+              </p:cNvSpPr>
+              <p:nvPr/>
+            </p:nvSpPr>
+            <p:spPr>
+              <a:xfrm>
+                <a:off x="5515158" y="755626"/>
+                <a:ext cx="9020226" cy="2265620"/>
+              </a:xfrm>
+              <a:prstGeom prst="rect">
+                <a:avLst/>
+              </a:prstGeom>
+              <a:blipFill>
+                <a:blip r:embed="rId2"/>
+                <a:stretch>
+                  <a:fillRect l="-5206"/>
+                </a:stretch>
+              </a:blipFill>
+              <a:ln w="12700" cap="flat">
+                <a:noFill/>
+                <a:miter lim="400000"/>
+              </a:ln>
+              <a:effectLst/>
+            </p:spPr>
+            <p:txBody>
+              <a:bodyPr/>
+              <a:lstStyle/>
+              <a:p>
+                <a:r>
+                  <a:rPr lang="nl-NL">
+                    <a:noFill/>
+                  </a:rPr>
+                  <a:t> </a:t>
+                </a:r>
+              </a:p>
+            </p:txBody>
+          </p:sp>
+        </mc:Fallback>
+      </mc:AlternateContent>
       <p:sp>
         <p:nvSpPr>
-          <p:cNvPr id="2" name="Titel 1">
+          <p:cNvPr id="5" name="Tekstvak 4">
             <a:extLst>
               <a:ext uri="{FF2B5EF4-FFF2-40B4-BE49-F238E27FC236}">
-                <a16:creationId xmlns:a16="http://schemas.microsoft.com/office/drawing/2014/main" id="{5866B2AB-120B-6E0D-7BB1-355EB77A8636}"/>
+                <a16:creationId xmlns:a16="http://schemas.microsoft.com/office/drawing/2014/main" id="{805E2FC1-F274-25E6-DFB5-A786AF80C025}"/>
               </a:ext>
             </a:extLst>
           </p:cNvPr>
-          <p:cNvSpPr>
-            <a:spLocks noGrp="1"/>
-          </p:cNvSpPr>
-          <p:nvPr>
-            <p:ph type="title"/>
-          </p:nvPr>
+          <p:cNvSpPr txBox="1"/>
+          <p:nvPr/>
         </p:nvSpPr>
-        <p:spPr/>
+        <p:spPr>
+          <a:xfrm>
+            <a:off x="15147236" y="924684"/>
+            <a:ext cx="3776870" cy="913711"/>
+          </a:xfrm>
+          <a:prstGeom prst="rect">
+            <a:avLst/>
+          </a:prstGeom>
+          <a:noFill/>
+          <a:ln w="12700" cap="flat">
+            <a:noFill/>
+            <a:miter lim="400000"/>
+          </a:ln>
+          <a:effectLst/>
+          <a:sp3d/>
+        </p:spPr>
+        <p:style>
+          <a:lnRef idx="0">
+            <a:scrgbClr r="0" g="0" b="0"/>
+          </a:lnRef>
+          <a:fillRef idx="0">
+            <a:scrgbClr r="0" g="0" b="0"/>
+          </a:fillRef>
+          <a:effectRef idx="0">
+            <a:scrgbClr r="0" g="0" b="0"/>
+          </a:effectRef>
+          <a:fontRef idx="none"/>
+        </p:style>
         <p:txBody>
-          <a:bodyPr/>
+          <a:bodyPr rot="0" spcFirstLastPara="1" vertOverflow="overflow" horzOverflow="overflow" vert="horz" wrap="square" lIns="71437" tIns="71437" rIns="71437" bIns="71437" numCol="1" spcCol="38100" rtlCol="0" anchor="ctr">
+            <a:spAutoFit/>
+          </a:bodyPr>
           <a:lstStyle/>
           <a:p>
-            <a:endParaRPr lang="nl-NL"/>
+            <a:pPr marL="0" marR="0" indent="0" algn="ctr" defTabSz="821531" rtl="0" fontAlgn="auto" latinLnBrk="0" hangingPunct="0">
+              <a:lnSpc>
+                <a:spcPct val="100000"/>
+              </a:lnSpc>
+              <a:spcBef>
+                <a:spcPts val="0"/>
+              </a:spcBef>
+              <a:spcAft>
+                <a:spcPts val="0"/>
+              </a:spcAft>
+              <a:buClrTx/>
+              <a:buSzTx/>
+              <a:buFontTx/>
+              <a:buNone/>
+              <a:tabLst/>
+            </a:pPr>
+            <a:r>
+              <a:rPr kumimoji="0" lang="nl-NL" sz="5000" b="0" i="0" u="none" strike="noStrike" cap="none" spc="0" normalizeH="0" baseline="0">
+                <a:ln>
+                  <a:noFill/>
+                </a:ln>
+                <a:solidFill>
+                  <a:srgbClr val="000000"/>
+                </a:solidFill>
+                <a:effectLst/>
+                <a:uFillTx/>
+                <a:latin typeface="+mn-lt"/>
+                <a:ea typeface="+mn-ea"/>
+                <a:cs typeface="+mn-cs"/>
+                <a:sym typeface="Helvetica Light"/>
+              </a:rPr>
+              <a:t>als y = 1</a:t>
+            </a:r>
           </a:p>
         </p:txBody>
       </p:sp>
       <p:sp>
         <p:nvSpPr>
-          <p:cNvPr id="3" name="Tijdelijke aanduiding voor tekst 2">
+          <p:cNvPr id="6" name="Tekstvak 5">
             <a:extLst>
               <a:ext uri="{FF2B5EF4-FFF2-40B4-BE49-F238E27FC236}">
-                <a16:creationId xmlns:a16="http://schemas.microsoft.com/office/drawing/2014/main" id="{AB26042C-DA52-DD72-5973-588A0177CB43}"/>
+                <a16:creationId xmlns:a16="http://schemas.microsoft.com/office/drawing/2014/main" id="{2ACC8EAD-E518-B972-904A-32485040789E}"/>
               </a:ext>
             </a:extLst>
           </p:cNvPr>
-          <p:cNvSpPr>
-            <a:spLocks noGrp="1"/>
-          </p:cNvSpPr>
-          <p:nvPr>
-            <p:ph type="body" sz="quarter" idx="1"/>
-          </p:nvPr>
+          <p:cNvSpPr txBox="1"/>
+          <p:nvPr/>
         </p:nvSpPr>
-        <p:spPr/>
+        <p:spPr>
+          <a:xfrm>
+            <a:off x="15147236" y="1931849"/>
+            <a:ext cx="3776870" cy="913711"/>
+          </a:xfrm>
+          <a:prstGeom prst="rect">
+            <a:avLst/>
+          </a:prstGeom>
+          <a:noFill/>
+          <a:ln w="12700" cap="flat">
+            <a:noFill/>
+            <a:miter lim="400000"/>
+          </a:ln>
+          <a:effectLst/>
+          <a:sp3d/>
+        </p:spPr>
+        <p:style>
+          <a:lnRef idx="0">
+            <a:scrgbClr r="0" g="0" b="0"/>
+          </a:lnRef>
+          <a:fillRef idx="0">
+            <a:scrgbClr r="0" g="0" b="0"/>
+          </a:fillRef>
+          <a:effectRef idx="0">
+            <a:scrgbClr r="0" g="0" b="0"/>
+          </a:effectRef>
+          <a:fontRef idx="none"/>
+        </p:style>
         <p:txBody>
-          <a:bodyPr/>
+          <a:bodyPr rot="0" spcFirstLastPara="1" vertOverflow="overflow" horzOverflow="overflow" vert="horz" wrap="square" lIns="71437" tIns="71437" rIns="71437" bIns="71437" numCol="1" spcCol="38100" rtlCol="0" anchor="ctr">
+            <a:spAutoFit/>
+          </a:bodyPr>
           <a:lstStyle/>
           <a:p>
-            <a:endParaRPr lang="nl-NL"/>
+            <a:pPr marL="0" marR="0" indent="0" algn="ctr" defTabSz="821531" rtl="0" fontAlgn="auto" latinLnBrk="0" hangingPunct="0">
+              <a:lnSpc>
+                <a:spcPct val="100000"/>
+              </a:lnSpc>
+              <a:spcBef>
+                <a:spcPts val="0"/>
+              </a:spcBef>
+              <a:spcAft>
+                <a:spcPts val="0"/>
+              </a:spcAft>
+              <a:buClrTx/>
+              <a:buSzTx/>
+              <a:buFontTx/>
+              <a:buNone/>
+              <a:tabLst/>
+            </a:pPr>
+            <a:r>
+              <a:rPr kumimoji="0" lang="nl-NL" sz="5000" b="0" i="0" u="none" strike="noStrike" cap="none" spc="0" normalizeH="0" baseline="0">
+                <a:ln>
+                  <a:noFill/>
+                </a:ln>
+                <a:solidFill>
+                  <a:srgbClr val="000000"/>
+                </a:solidFill>
+                <a:effectLst/>
+                <a:uFillTx/>
+                <a:latin typeface="+mn-lt"/>
+                <a:ea typeface="+mn-ea"/>
+                <a:cs typeface="+mn-cs"/>
+                <a:sym typeface="Helvetica Light"/>
+              </a:rPr>
+              <a:t>als y = 0</a:t>
+            </a:r>
+          </a:p>
+        </p:txBody>
+      </p:sp>
+      <p:sp>
+        <p:nvSpPr>
+          <p:cNvPr id="7" name="Tekstvak 6">
+            <a:extLst>
+              <a:ext uri="{FF2B5EF4-FFF2-40B4-BE49-F238E27FC236}">
+                <a16:creationId xmlns:a16="http://schemas.microsoft.com/office/drawing/2014/main" id="{E7E9DF57-CA36-92E5-454C-7CC47E0C5A3C}"/>
+              </a:ext>
+            </a:extLst>
+          </p:cNvPr>
+          <p:cNvSpPr txBox="1"/>
+          <p:nvPr/>
+        </p:nvSpPr>
+        <p:spPr>
+          <a:xfrm>
+            <a:off x="17466366" y="4098579"/>
+            <a:ext cx="3776870" cy="913711"/>
+          </a:xfrm>
+          <a:prstGeom prst="rect">
+            <a:avLst/>
+          </a:prstGeom>
+          <a:noFill/>
+          <a:ln w="12700" cap="flat">
+            <a:noFill/>
+            <a:miter lim="400000"/>
+          </a:ln>
+          <a:effectLst/>
+          <a:sp3d/>
+        </p:spPr>
+        <p:style>
+          <a:lnRef idx="0">
+            <a:scrgbClr r="0" g="0" b="0"/>
+          </a:lnRef>
+          <a:fillRef idx="0">
+            <a:scrgbClr r="0" g="0" b="0"/>
+          </a:fillRef>
+          <a:effectRef idx="0">
+            <a:scrgbClr r="0" g="0" b="0"/>
+          </a:effectRef>
+          <a:fontRef idx="none"/>
+        </p:style>
+        <p:txBody>
+          <a:bodyPr rot="0" spcFirstLastPara="1" vertOverflow="overflow" horzOverflow="overflow" vert="horz" wrap="square" lIns="71437" tIns="71437" rIns="71437" bIns="71437" numCol="1" spcCol="38100" rtlCol="0" anchor="ctr">
+            <a:spAutoFit/>
+          </a:bodyPr>
+          <a:lstStyle/>
+          <a:p>
+            <a:pPr marL="0" marR="0" indent="0" algn="ctr" defTabSz="821531" rtl="0" fontAlgn="auto" latinLnBrk="0" hangingPunct="0">
+              <a:lnSpc>
+                <a:spcPct val="100000"/>
+              </a:lnSpc>
+              <a:spcBef>
+                <a:spcPts val="0"/>
+              </a:spcBef>
+              <a:spcAft>
+                <a:spcPts val="0"/>
+              </a:spcAft>
+              <a:buClrTx/>
+              <a:buSzTx/>
+              <a:buFontTx/>
+              <a:buNone/>
+              <a:tabLst/>
+            </a:pPr>
+            <a:r>
+              <a:rPr kumimoji="0" lang="nl-NL" sz="5000" b="1" i="0" u="none" strike="noStrike" cap="none" spc="0" normalizeH="0" baseline="0">
+                <a:ln>
+                  <a:noFill/>
+                </a:ln>
+                <a:solidFill>
+                  <a:srgbClr val="000000"/>
+                </a:solidFill>
+                <a:effectLst/>
+                <a:uFillTx/>
+                <a:latin typeface="+mn-lt"/>
+                <a:ea typeface="+mn-ea"/>
+                <a:cs typeface="+mn-cs"/>
+                <a:sym typeface="Helvetica Light"/>
+              </a:rPr>
+              <a:t>y = 0</a:t>
+            </a:r>
+          </a:p>
+        </p:txBody>
+      </p:sp>
+      <p:cxnSp>
+        <p:nvCxnSpPr>
+          <p:cNvPr id="9" name="Rechte verbindingslijn 8">
+            <a:extLst>
+              <a:ext uri="{FF2B5EF4-FFF2-40B4-BE49-F238E27FC236}">
+                <a16:creationId xmlns:a16="http://schemas.microsoft.com/office/drawing/2014/main" id="{86E1AD3C-ED53-FE68-6B7F-55BB393F5404}"/>
+              </a:ext>
+            </a:extLst>
+          </p:cNvPr>
+          <p:cNvCxnSpPr/>
+          <p:nvPr/>
+        </p:nvCxnSpPr>
+        <p:spPr>
+          <a:xfrm>
+            <a:off x="3458817" y="4333461"/>
+            <a:ext cx="0" cy="8627165"/>
+          </a:xfrm>
+          <a:prstGeom prst="line">
+            <a:avLst/>
+          </a:prstGeom>
+          <a:noFill/>
+          <a:ln w="25400" cap="flat">
+            <a:solidFill>
+              <a:srgbClr val="000000"/>
+            </a:solidFill>
+            <a:prstDash val="solid"/>
+            <a:miter lim="400000"/>
+          </a:ln>
+          <a:effectLst/>
+          <a:sp3d/>
+        </p:spPr>
+        <p:style>
+          <a:lnRef idx="0">
+            <a:scrgbClr r="0" g="0" b="0"/>
+          </a:lnRef>
+          <a:fillRef idx="0">
+            <a:scrgbClr r="0" g="0" b="0"/>
+          </a:fillRef>
+          <a:effectRef idx="0">
+            <a:scrgbClr r="0" g="0" b="0"/>
+          </a:effectRef>
+          <a:fontRef idx="none"/>
+        </p:style>
+      </p:cxnSp>
+      <p:cxnSp>
+        <p:nvCxnSpPr>
+          <p:cNvPr id="11" name="Rechte verbindingslijn 10">
+            <a:extLst>
+              <a:ext uri="{FF2B5EF4-FFF2-40B4-BE49-F238E27FC236}">
+                <a16:creationId xmlns:a16="http://schemas.microsoft.com/office/drawing/2014/main" id="{9448C7DB-92F8-5374-4FD6-6483DBE191BC}"/>
+              </a:ext>
+            </a:extLst>
+          </p:cNvPr>
+          <p:cNvCxnSpPr/>
+          <p:nvPr/>
+        </p:nvCxnSpPr>
+        <p:spPr>
+          <a:xfrm>
+            <a:off x="2941983" y="12463670"/>
+            <a:ext cx="14524383" cy="0"/>
+          </a:xfrm>
+          <a:prstGeom prst="line">
+            <a:avLst/>
+          </a:prstGeom>
+          <a:noFill/>
+          <a:ln w="25400" cap="flat">
+            <a:solidFill>
+              <a:srgbClr val="000000"/>
+            </a:solidFill>
+            <a:prstDash val="solid"/>
+            <a:miter lim="400000"/>
+          </a:ln>
+          <a:effectLst/>
+          <a:sp3d/>
+        </p:spPr>
+        <p:style>
+          <a:lnRef idx="0">
+            <a:scrgbClr r="0" g="0" b="0"/>
+          </a:lnRef>
+          <a:fillRef idx="0">
+            <a:scrgbClr r="0" g="0" b="0"/>
+          </a:fillRef>
+          <a:effectRef idx="0">
+            <a:scrgbClr r="0" g="0" b="0"/>
+          </a:effectRef>
+          <a:fontRef idx="none"/>
+        </p:style>
+      </p:cxnSp>
+      <p:sp>
+        <p:nvSpPr>
+          <p:cNvPr id="12" name="Tekstvak 11">
+            <a:extLst>
+              <a:ext uri="{FF2B5EF4-FFF2-40B4-BE49-F238E27FC236}">
+                <a16:creationId xmlns:a16="http://schemas.microsoft.com/office/drawing/2014/main" id="{DD5A6E2A-AC09-FCE1-D620-5D3C8DE0008E}"/>
+              </a:ext>
+            </a:extLst>
+          </p:cNvPr>
+          <p:cNvSpPr txBox="1"/>
+          <p:nvPr/>
+        </p:nvSpPr>
+        <p:spPr>
+          <a:xfrm>
+            <a:off x="2700263" y="12503770"/>
+            <a:ext cx="500137" cy="913711"/>
+          </a:xfrm>
+          <a:prstGeom prst="rect">
+            <a:avLst/>
+          </a:prstGeom>
+          <a:noFill/>
+          <a:ln w="12700" cap="flat">
+            <a:noFill/>
+            <a:miter lim="400000"/>
+          </a:ln>
+          <a:effectLst/>
+          <a:sp3d/>
+        </p:spPr>
+        <p:style>
+          <a:lnRef idx="0">
+            <a:scrgbClr r="0" g="0" b="0"/>
+          </a:lnRef>
+          <a:fillRef idx="0">
+            <a:scrgbClr r="0" g="0" b="0"/>
+          </a:fillRef>
+          <a:effectRef idx="0">
+            <a:scrgbClr r="0" g="0" b="0"/>
+          </a:effectRef>
+          <a:fontRef idx="none"/>
+        </p:style>
+        <p:txBody>
+          <a:bodyPr rot="0" spcFirstLastPara="1" vertOverflow="overflow" horzOverflow="overflow" vert="horz" wrap="none" lIns="71437" tIns="71437" rIns="71437" bIns="71437" numCol="1" spcCol="38100" rtlCol="0" anchor="ctr">
+            <a:spAutoFit/>
+          </a:bodyPr>
+          <a:lstStyle/>
+          <a:p>
+            <a:pPr marL="0" marR="0" indent="0" algn="ctr" defTabSz="821531" rtl="0" fontAlgn="auto" latinLnBrk="0" hangingPunct="0">
+              <a:lnSpc>
+                <a:spcPct val="100000"/>
+              </a:lnSpc>
+              <a:spcBef>
+                <a:spcPts val="0"/>
+              </a:spcBef>
+              <a:spcAft>
+                <a:spcPts val="0"/>
+              </a:spcAft>
+              <a:buClrTx/>
+              <a:buSzTx/>
+              <a:buFontTx/>
+              <a:buNone/>
+              <a:tabLst/>
+            </a:pPr>
+            <a:r>
+              <a:rPr kumimoji="0" lang="nl-NL" sz="5000" b="0" i="0" u="none" strike="noStrike" cap="none" spc="0" normalizeH="0" baseline="0">
+                <a:ln>
+                  <a:noFill/>
+                </a:ln>
+                <a:solidFill>
+                  <a:srgbClr val="000000"/>
+                </a:solidFill>
+                <a:effectLst/>
+                <a:uFillTx/>
+                <a:latin typeface="+mn-lt"/>
+                <a:ea typeface="+mn-ea"/>
+                <a:cs typeface="+mn-cs"/>
+                <a:sym typeface="Helvetica Light"/>
+              </a:rPr>
+              <a:t>0</a:t>
+            </a:r>
+          </a:p>
+        </p:txBody>
+      </p:sp>
+      <mc:AlternateContent xmlns:mc="http://schemas.openxmlformats.org/markup-compatibility/2006">
+        <mc:Choice xmlns:a14="http://schemas.microsoft.com/office/drawing/2010/main" Requires="a14">
+          <p:sp>
+            <p:nvSpPr>
+              <p:cNvPr id="14" name="Tekstvak 13">
+                <a:extLst>
+                  <a:ext uri="{FF2B5EF4-FFF2-40B4-BE49-F238E27FC236}">
+                    <a16:creationId xmlns:a16="http://schemas.microsoft.com/office/drawing/2014/main" id="{700FDEC5-683B-13F9-E78F-88CDF23EE74D}"/>
+                  </a:ext>
+                </a:extLst>
+              </p:cNvPr>
+              <p:cNvSpPr txBox="1"/>
+              <p:nvPr/>
+            </p:nvSpPr>
+            <p:spPr>
+              <a:xfrm>
+                <a:off x="4820482" y="12583462"/>
+                <a:ext cx="12195312" cy="923330"/>
+              </a:xfrm>
+              <a:prstGeom prst="rect">
+                <a:avLst/>
+              </a:prstGeom>
+              <a:noFill/>
+              <a:ln w="12700" cap="flat">
+                <a:noFill/>
+                <a:miter lim="400000"/>
+              </a:ln>
+              <a:effectLst/>
+              <a:sp3d/>
+            </p:spPr>
+            <p:style>
+              <a:lnRef idx="0">
+                <a:scrgbClr r="0" g="0" b="0"/>
+              </a:lnRef>
+              <a:fillRef idx="0">
+                <a:scrgbClr r="0" g="0" b="0"/>
+              </a:fillRef>
+              <a:effectRef idx="0">
+                <a:scrgbClr r="0" g="0" b="0"/>
+              </a:effectRef>
+              <a:fontRef idx="none"/>
+            </p:style>
+            <p:txBody>
+              <a:bodyPr wrap="square">
+                <a:spAutoFit/>
+              </a:bodyPr>
+              <a:lstStyle/>
+              <a:p>
+                <a:pPr/>
+                <a14:m>
+                  <m:oMath xmlns:m="http://schemas.openxmlformats.org/officeDocument/2006/math">
+                    <m:r>
+                      <a:rPr kumimoji="0" lang="nl-NL" sz="5400" b="0" i="1" u="none" strike="noStrike" cap="none" spc="0" normalizeH="0" baseline="0" smtClean="0">
+                        <a:ln>
+                          <a:noFill/>
+                        </a:ln>
+                        <a:solidFill>
+                          <a:srgbClr val="000000"/>
+                        </a:solidFill>
+                        <a:effectLst/>
+                        <a:uFillTx/>
+                        <a:latin typeface="Cambria Math" panose="02040503050406030204" pitchFamily="18" charset="0"/>
+                        <a:sym typeface="Helvetica Light"/>
+                      </a:rPr>
+                      <m:t>h</m:t>
+                    </m:r>
+                    <m:r>
+                      <a:rPr lang="nl-NL" sz="5400" i="1" baseline="-25000">
+                        <a:latin typeface="Cambria Math" panose="02040503050406030204" pitchFamily="18" charset="0"/>
+                        <a:ea typeface="Cambria Math" panose="02040503050406030204" pitchFamily="18" charset="0"/>
+                      </a:rPr>
+                      <m:t>𝜃</m:t>
+                    </m:r>
+                    <m:d>
+                      <m:dPr>
+                        <m:ctrlPr>
+                          <a:rPr kumimoji="0" lang="nl-NL" sz="5400" b="0" i="1" u="none" strike="noStrike" cap="none" spc="0" normalizeH="0" baseline="0" smtClean="0">
+                            <a:ln>
+                              <a:noFill/>
+                            </a:ln>
+                            <a:solidFill>
+                              <a:srgbClr val="000000"/>
+                            </a:solidFill>
+                            <a:effectLst/>
+                            <a:uFillTx/>
+                            <a:latin typeface="Cambria Math" panose="02040503050406030204" pitchFamily="18" charset="0"/>
+                            <a:sym typeface="Helvetica Light"/>
+                          </a:rPr>
+                        </m:ctrlPr>
+                      </m:dPr>
+                      <m:e>
+                        <m:r>
+                          <a:rPr kumimoji="0" lang="nl-NL" sz="5400" b="0" i="1" u="none" strike="noStrike" cap="none" spc="0" normalizeH="0" baseline="0" smtClean="0">
+                            <a:ln>
+                              <a:noFill/>
+                            </a:ln>
+                            <a:solidFill>
+                              <a:srgbClr val="000000"/>
+                            </a:solidFill>
+                            <a:effectLst/>
+                            <a:uFillTx/>
+                            <a:latin typeface="Cambria Math" panose="02040503050406030204" pitchFamily="18" charset="0"/>
+                            <a:sym typeface="Helvetica Light"/>
+                          </a:rPr>
+                          <m:t>𝑥</m:t>
+                        </m:r>
+                      </m:e>
+                    </m:d>
+                  </m:oMath>
+                </a14:m>
+                <a:r>
+                  <a:rPr lang="nl-NL"/>
+                  <a:t> </a:t>
+                </a:r>
+                <a:r>
+                  <a:rPr lang="nl-NL">
+                    <a:sym typeface="Wingdings" panose="05000000000000000000" pitchFamily="2" charset="2"/>
+                  </a:rPr>
+                  <a:t></a:t>
+                </a:r>
+                <a:endParaRPr lang="nl-NL"/>
+              </a:p>
+            </p:txBody>
+          </p:sp>
+        </mc:Choice>
+        <mc:Fallback>
+          <p:sp>
+            <p:nvSpPr>
+              <p:cNvPr id="14" name="Tekstvak 13">
+                <a:extLst>
+                  <a:ext uri="{FF2B5EF4-FFF2-40B4-BE49-F238E27FC236}">
+                    <a16:creationId xmlns:a16="http://schemas.microsoft.com/office/drawing/2014/main" id="{700FDEC5-683B-13F9-E78F-88CDF23EE74D}"/>
+                  </a:ext>
+                </a:extLst>
+              </p:cNvPr>
+              <p:cNvSpPr txBox="1">
+                <a:spLocks noRot="1" noChangeAspect="1" noMove="1" noResize="1" noEditPoints="1" noAdjustHandles="1" noChangeArrowheads="1" noChangeShapeType="1" noTextEdit="1"/>
+              </p:cNvSpPr>
+              <p:nvPr/>
+            </p:nvSpPr>
+            <p:spPr>
+              <a:xfrm>
+                <a:off x="4820482" y="12583462"/>
+                <a:ext cx="12195312" cy="923330"/>
+              </a:xfrm>
+              <a:prstGeom prst="rect">
+                <a:avLst/>
+              </a:prstGeom>
+              <a:blipFill>
+                <a:blip r:embed="rId3"/>
+                <a:stretch>
+                  <a:fillRect t="-11842" b="-32895"/>
+                </a:stretch>
+              </a:blipFill>
+              <a:ln w="12700" cap="flat">
+                <a:noFill/>
+                <a:miter lim="400000"/>
+              </a:ln>
+              <a:effectLst/>
+            </p:spPr>
+            <p:txBody>
+              <a:bodyPr/>
+              <a:lstStyle/>
+              <a:p>
+                <a:r>
+                  <a:rPr lang="nl-NL">
+                    <a:noFill/>
+                  </a:rPr>
+                  <a:t> </a:t>
+                </a:r>
+              </a:p>
+            </p:txBody>
+          </p:sp>
+        </mc:Fallback>
+      </mc:AlternateContent>
+      <p:sp>
+        <p:nvSpPr>
+          <p:cNvPr id="17" name="Tekstvak 16">
+            <a:extLst>
+              <a:ext uri="{FF2B5EF4-FFF2-40B4-BE49-F238E27FC236}">
+                <a16:creationId xmlns:a16="http://schemas.microsoft.com/office/drawing/2014/main" id="{41CF4352-FBDD-4069-F935-03D55D732A69}"/>
+              </a:ext>
+            </a:extLst>
+          </p:cNvPr>
+          <p:cNvSpPr txBox="1"/>
+          <p:nvPr/>
+        </p:nvSpPr>
+        <p:spPr>
+          <a:xfrm>
+            <a:off x="17075427" y="12583462"/>
+            <a:ext cx="500137" cy="913711"/>
+          </a:xfrm>
+          <a:prstGeom prst="rect">
+            <a:avLst/>
+          </a:prstGeom>
+          <a:noFill/>
+          <a:ln w="12700" cap="flat">
+            <a:noFill/>
+            <a:miter lim="400000"/>
+          </a:ln>
+          <a:effectLst/>
+          <a:sp3d/>
+        </p:spPr>
+        <p:style>
+          <a:lnRef idx="0">
+            <a:scrgbClr r="0" g="0" b="0"/>
+          </a:lnRef>
+          <a:fillRef idx="0">
+            <a:scrgbClr r="0" g="0" b="0"/>
+          </a:fillRef>
+          <a:effectRef idx="0">
+            <a:scrgbClr r="0" g="0" b="0"/>
+          </a:effectRef>
+          <a:fontRef idx="none"/>
+        </p:style>
+        <p:txBody>
+          <a:bodyPr rot="0" spcFirstLastPara="1" vertOverflow="overflow" horzOverflow="overflow" vert="horz" wrap="none" lIns="71437" tIns="71437" rIns="71437" bIns="71437" numCol="1" spcCol="38100" rtlCol="0" anchor="ctr">
+            <a:spAutoFit/>
+          </a:bodyPr>
+          <a:lstStyle/>
+          <a:p>
+            <a:pPr marL="0" marR="0" indent="0" algn="ctr" defTabSz="821531" rtl="0" fontAlgn="auto" latinLnBrk="0" hangingPunct="0">
+              <a:lnSpc>
+                <a:spcPct val="100000"/>
+              </a:lnSpc>
+              <a:spcBef>
+                <a:spcPts val="0"/>
+              </a:spcBef>
+              <a:spcAft>
+                <a:spcPts val="0"/>
+              </a:spcAft>
+              <a:buClrTx/>
+              <a:buSzTx/>
+              <a:buFontTx/>
+              <a:buNone/>
+              <a:tabLst/>
+            </a:pPr>
+            <a:r>
+              <a:rPr lang="nl-NL"/>
+              <a:t>1</a:t>
+            </a:r>
+            <a:endParaRPr kumimoji="0" lang="nl-NL" sz="5000" b="0" i="0" u="none" strike="noStrike" cap="none" spc="0" normalizeH="0" baseline="0">
+              <a:ln>
+                <a:noFill/>
+              </a:ln>
+              <a:solidFill>
+                <a:srgbClr val="000000"/>
+              </a:solidFill>
+              <a:effectLst/>
+              <a:uFillTx/>
+              <a:latin typeface="+mn-lt"/>
+              <a:ea typeface="+mn-ea"/>
+              <a:cs typeface="+mn-cs"/>
+              <a:sym typeface="Helvetica Light"/>
+            </a:endParaRPr>
+          </a:p>
+        </p:txBody>
+      </p:sp>
+      <p:sp>
+        <p:nvSpPr>
+          <p:cNvPr id="18" name="Tekstvak 17">
+            <a:extLst>
+              <a:ext uri="{FF2B5EF4-FFF2-40B4-BE49-F238E27FC236}">
+                <a16:creationId xmlns:a16="http://schemas.microsoft.com/office/drawing/2014/main" id="{D020B4B0-5B46-C7D4-8E26-9080EEA35498}"/>
+              </a:ext>
+            </a:extLst>
+          </p:cNvPr>
+          <p:cNvSpPr txBox="1"/>
+          <p:nvPr/>
+        </p:nvSpPr>
+        <p:spPr>
+          <a:xfrm rot="16200000">
+            <a:off x="1411357" y="6997490"/>
+            <a:ext cx="2524536" cy="913711"/>
+          </a:xfrm>
+          <a:prstGeom prst="rect">
+            <a:avLst/>
+          </a:prstGeom>
+          <a:noFill/>
+          <a:ln w="12700" cap="flat">
+            <a:noFill/>
+            <a:miter lim="400000"/>
+          </a:ln>
+          <a:effectLst/>
+          <a:sp3d/>
+        </p:spPr>
+        <p:style>
+          <a:lnRef idx="0">
+            <a:scrgbClr r="0" g="0" b="0"/>
+          </a:lnRef>
+          <a:fillRef idx="0">
+            <a:scrgbClr r="0" g="0" b="0"/>
+          </a:fillRef>
+          <a:effectRef idx="0">
+            <a:scrgbClr r="0" g="0" b="0"/>
+          </a:effectRef>
+          <a:fontRef idx="none"/>
+        </p:style>
+        <p:txBody>
+          <a:bodyPr rot="0" spcFirstLastPara="1" vertOverflow="overflow" horzOverflow="overflow" vert="horz" wrap="square" lIns="71437" tIns="71437" rIns="71437" bIns="71437" numCol="1" spcCol="38100" rtlCol="0" anchor="ctr">
+            <a:spAutoFit/>
+          </a:bodyPr>
+          <a:lstStyle/>
+          <a:p>
+            <a:pPr marL="0" marR="0" indent="0" algn="ctr" defTabSz="821531" rtl="0" fontAlgn="auto" latinLnBrk="0" hangingPunct="0">
+              <a:lnSpc>
+                <a:spcPct val="100000"/>
+              </a:lnSpc>
+              <a:spcBef>
+                <a:spcPts val="0"/>
+              </a:spcBef>
+              <a:spcAft>
+                <a:spcPts val="0"/>
+              </a:spcAft>
+              <a:buClrTx/>
+              <a:buSzTx/>
+              <a:buFontTx/>
+              <a:buNone/>
+              <a:tabLst/>
+            </a:pPr>
+            <a:r>
+              <a:rPr kumimoji="0" lang="nl-NL" sz="5000" b="0" i="0" u="none" strike="noStrike" cap="none" spc="0" normalizeH="0" baseline="0">
+                <a:ln>
+                  <a:noFill/>
+                </a:ln>
+                <a:solidFill>
+                  <a:srgbClr val="000000"/>
+                </a:solidFill>
+                <a:effectLst/>
+                <a:uFillTx/>
+                <a:latin typeface="+mn-lt"/>
+                <a:ea typeface="+mn-ea"/>
+                <a:cs typeface="+mn-cs"/>
+                <a:sym typeface="Helvetica Light"/>
+              </a:rPr>
+              <a:t>kost </a:t>
+            </a:r>
+            <a:r>
+              <a:rPr kumimoji="0" lang="nl-NL" sz="5000" b="0" i="0" u="none" strike="noStrike" cap="none" spc="0" normalizeH="0" baseline="0">
+                <a:ln>
+                  <a:noFill/>
+                </a:ln>
+                <a:solidFill>
+                  <a:srgbClr val="000000"/>
+                </a:solidFill>
+                <a:effectLst/>
+                <a:uFillTx/>
+                <a:latin typeface="+mn-lt"/>
+                <a:ea typeface="+mn-ea"/>
+                <a:cs typeface="+mn-cs"/>
+                <a:sym typeface="Wingdings" panose="05000000000000000000" pitchFamily="2" charset="2"/>
+              </a:rPr>
+              <a:t></a:t>
+            </a:r>
+            <a:endParaRPr kumimoji="0" lang="nl-NL" sz="5000" b="0" i="0" u="none" strike="noStrike" cap="none" spc="0" normalizeH="0" baseline="0">
+              <a:ln>
+                <a:noFill/>
+              </a:ln>
+              <a:solidFill>
+                <a:srgbClr val="000000"/>
+              </a:solidFill>
+              <a:effectLst/>
+              <a:uFillTx/>
+              <a:latin typeface="+mn-lt"/>
+              <a:ea typeface="+mn-ea"/>
+              <a:cs typeface="+mn-cs"/>
+              <a:sym typeface="Helvetica Light"/>
+            </a:endParaRPr>
           </a:p>
         </p:txBody>
       </p:sp>
@@ -5444,56 +7932,1651 @@
           <a:chExt cx="0" cy="0"/>
         </a:xfrm>
       </p:grpSpPr>
+      <mc:AlternateContent xmlns:mc="http://schemas.openxmlformats.org/markup-compatibility/2006">
+        <mc:Choice xmlns:a14="http://schemas.microsoft.com/office/drawing/2010/main" Requires="a14">
+          <p:sp>
+            <p:nvSpPr>
+              <p:cNvPr id="4" name="Tekstvak 3">
+                <a:extLst>
+                  <a:ext uri="{FF2B5EF4-FFF2-40B4-BE49-F238E27FC236}">
+                    <a16:creationId xmlns:a16="http://schemas.microsoft.com/office/drawing/2014/main" id="{A70097F0-F003-34FC-BA38-4F72B75528E5}"/>
+                  </a:ext>
+                </a:extLst>
+              </p:cNvPr>
+              <p:cNvSpPr txBox="1"/>
+              <p:nvPr/>
+            </p:nvSpPr>
+            <p:spPr>
+              <a:xfrm>
+                <a:off x="5713940" y="2345887"/>
+                <a:ext cx="9020226" cy="2265620"/>
+              </a:xfrm>
+              <a:prstGeom prst="rect">
+                <a:avLst/>
+              </a:prstGeom>
+              <a:noFill/>
+              <a:ln w="12700" cap="flat">
+                <a:noFill/>
+                <a:miter lim="400000"/>
+              </a:ln>
+              <a:effectLst/>
+              <a:sp3d/>
+            </p:spPr>
+            <p:style>
+              <a:lnRef idx="0">
+                <a:scrgbClr r="0" g="0" b="0"/>
+              </a:lnRef>
+              <a:fillRef idx="0">
+                <a:scrgbClr r="0" g="0" b="0"/>
+              </a:fillRef>
+              <a:effectRef idx="0">
+                <a:scrgbClr r="0" g="0" b="0"/>
+              </a:effectRef>
+              <a:fontRef idx="none"/>
+            </p:style>
+            <p:txBody>
+              <a:bodyPr rot="0" spcFirstLastPara="1" vertOverflow="overflow" horzOverflow="overflow" vert="horz" wrap="none" lIns="0" tIns="0" rIns="0" bIns="0" numCol="1" spcCol="38100" rtlCol="0" anchor="ctr">
+                <a:spAutoFit/>
+              </a:bodyPr>
+              <a:lstStyle/>
+              <a:p>
+                <a:r>
+                  <a:rPr kumimoji="0" lang="nl-NL" sz="6600" b="0" u="none" strike="noStrike" cap="none" spc="0" normalizeH="0" baseline="0">
+                    <a:ln>
+                      <a:noFill/>
+                    </a:ln>
+                    <a:solidFill>
+                      <a:srgbClr val="000000"/>
+                    </a:solidFill>
+                    <a:effectLst/>
+                    <a:uFillTx/>
+                    <a:sym typeface="Helvetica Light"/>
+                  </a:rPr>
+                  <a:t>Kost</a:t>
+                </a:r>
+                <a:r>
+                  <a:rPr kumimoji="0" lang="nl-NL" sz="6600" b="0" u="none" strike="noStrike" cap="none" spc="0" normalizeH="0">
+                    <a:ln>
+                      <a:noFill/>
+                    </a:ln>
+                    <a:solidFill>
+                      <a:srgbClr val="000000"/>
+                    </a:solidFill>
+                    <a:effectLst/>
+                    <a:uFillTx/>
+                    <a:sym typeface="Helvetica Light"/>
+                  </a:rPr>
+                  <a:t> </a:t>
+                </a:r>
+                <a14:m>
+                  <m:oMath xmlns:m="http://schemas.openxmlformats.org/officeDocument/2006/math">
+                    <m:r>
+                      <a:rPr kumimoji="0" lang="nl-NL" sz="6600" b="0" i="1" u="none" strike="noStrike" cap="none" spc="0" normalizeH="0" baseline="0" smtClean="0">
+                        <a:ln>
+                          <a:noFill/>
+                        </a:ln>
+                        <a:solidFill>
+                          <a:srgbClr val="000000"/>
+                        </a:solidFill>
+                        <a:effectLst/>
+                        <a:uFillTx/>
+                        <a:latin typeface="Cambria Math" panose="02040503050406030204" pitchFamily="18" charset="0"/>
+                        <a:sym typeface="Helvetica Light"/>
+                      </a:rPr>
+                      <m:t>=</m:t>
+                    </m:r>
+                    <m:d>
+                      <m:dPr>
+                        <m:begChr m:val="{"/>
+                        <m:endChr m:val=""/>
+                        <m:ctrlPr>
+                          <a:rPr kumimoji="0" lang="nl-NL" sz="6600" b="0" i="1" u="none" strike="noStrike" cap="none" spc="0" normalizeH="0" baseline="0" smtClean="0">
+                            <a:ln>
+                              <a:noFill/>
+                            </a:ln>
+                            <a:solidFill>
+                              <a:srgbClr val="000000"/>
+                            </a:solidFill>
+                            <a:effectLst/>
+                            <a:uFillTx/>
+                            <a:latin typeface="Cambria Math" panose="02040503050406030204" pitchFamily="18" charset="0"/>
+                            <a:sym typeface="Helvetica Light"/>
+                          </a:rPr>
+                        </m:ctrlPr>
+                      </m:dPr>
+                      <m:e>
+                        <m:eqArr>
+                          <m:eqArrPr>
+                            <m:ctrlPr>
+                              <a:rPr kumimoji="0" lang="nl-NL" sz="6600" b="0" i="1" u="none" strike="noStrike" cap="none" spc="0" normalizeH="0" baseline="0" smtClean="0">
+                                <a:ln>
+                                  <a:noFill/>
+                                </a:ln>
+                                <a:solidFill>
+                                  <a:srgbClr val="000000"/>
+                                </a:solidFill>
+                                <a:effectLst/>
+                                <a:uFillTx/>
+                                <a:latin typeface="Cambria Math" panose="02040503050406030204" pitchFamily="18" charset="0"/>
+                                <a:sym typeface="Helvetica Light"/>
+                              </a:rPr>
+                            </m:ctrlPr>
+                          </m:eqArrPr>
+                          <m:e>
+                            <m:r>
+                              <a:rPr kumimoji="0" lang="nl-NL" sz="6600" b="0" i="1" u="none" strike="noStrike" cap="none" spc="0" normalizeH="0" baseline="0" smtClean="0">
+                                <a:ln>
+                                  <a:noFill/>
+                                </a:ln>
+                                <a:solidFill>
+                                  <a:srgbClr val="000000"/>
+                                </a:solidFill>
+                                <a:effectLst/>
+                                <a:uFillTx/>
+                                <a:latin typeface="Cambria Math" panose="02040503050406030204" pitchFamily="18" charset="0"/>
+                                <a:sym typeface="Helvetica Light"/>
+                              </a:rPr>
+                              <m:t>−</m:t>
+                            </m:r>
+                            <m:r>
+                              <m:rPr>
+                                <m:sty m:val="p"/>
+                              </m:rPr>
+                              <a:rPr kumimoji="0" lang="nl-NL" sz="6600" b="0" i="0" u="none" strike="noStrike" cap="none" spc="0" normalizeH="0" baseline="0" smtClean="0">
+                                <a:ln>
+                                  <a:noFill/>
+                                </a:ln>
+                                <a:solidFill>
+                                  <a:srgbClr val="000000"/>
+                                </a:solidFill>
+                                <a:effectLst/>
+                                <a:uFillTx/>
+                                <a:latin typeface="Cambria Math" panose="02040503050406030204" pitchFamily="18" charset="0"/>
+                                <a:sym typeface="Helvetica Light"/>
+                              </a:rPr>
+                              <m:t>log</m:t>
+                            </m:r>
+                            <m:r>
+                              <a:rPr kumimoji="0" lang="nl-NL" sz="6600" b="0" i="1" u="none" strike="noStrike" cap="none" spc="0" normalizeH="0" baseline="0" smtClean="0">
+                                <a:ln>
+                                  <a:noFill/>
+                                </a:ln>
+                                <a:solidFill>
+                                  <a:srgbClr val="000000"/>
+                                </a:solidFill>
+                                <a:effectLst/>
+                                <a:uFillTx/>
+                                <a:latin typeface="Cambria Math" panose="02040503050406030204" pitchFamily="18" charset="0"/>
+                                <a:sym typeface="Helvetica Light"/>
+                              </a:rPr>
+                              <m:t>⁡(</m:t>
+                            </m:r>
+                            <m:r>
+                              <a:rPr kumimoji="0" lang="nl-NL" sz="6600" b="0" i="1" u="none" strike="noStrike" cap="none" spc="0" normalizeH="0" baseline="0" smtClean="0">
+                                <a:ln>
+                                  <a:noFill/>
+                                </a:ln>
+                                <a:solidFill>
+                                  <a:srgbClr val="000000"/>
+                                </a:solidFill>
+                                <a:effectLst/>
+                                <a:uFillTx/>
+                                <a:latin typeface="Cambria Math" panose="02040503050406030204" pitchFamily="18" charset="0"/>
+                                <a:sym typeface="Helvetica Light"/>
+                              </a:rPr>
+                              <m:t>h</m:t>
+                            </m:r>
+                            <m:r>
+                              <a:rPr kumimoji="0" lang="nl-NL" sz="6600" b="0" i="1" u="none" strike="noStrike" cap="none" spc="0" normalizeH="0" baseline="-25000" smtClean="0">
+                                <a:ln>
+                                  <a:noFill/>
+                                </a:ln>
+                                <a:solidFill>
+                                  <a:srgbClr val="000000"/>
+                                </a:solidFill>
+                                <a:effectLst/>
+                                <a:uFillTx/>
+                                <a:latin typeface="Cambria Math" panose="02040503050406030204" pitchFamily="18" charset="0"/>
+                                <a:ea typeface="Cambria Math" panose="02040503050406030204" pitchFamily="18" charset="0"/>
+                                <a:sym typeface="Helvetica Light"/>
+                              </a:rPr>
+                              <m:t>𝜃</m:t>
+                            </m:r>
+                            <m:r>
+                              <a:rPr kumimoji="0" lang="nl-NL" sz="6600" b="0" i="1" u="none" strike="noStrike" cap="none" spc="0" normalizeH="0" baseline="0" smtClean="0">
+                                <a:ln>
+                                  <a:noFill/>
+                                </a:ln>
+                                <a:solidFill>
+                                  <a:srgbClr val="000000"/>
+                                </a:solidFill>
+                                <a:effectLst/>
+                                <a:uFillTx/>
+                                <a:latin typeface="Cambria Math" panose="02040503050406030204" pitchFamily="18" charset="0"/>
+                                <a:sym typeface="Helvetica Light"/>
+                              </a:rPr>
+                              <m:t>(</m:t>
+                            </m:r>
+                            <m:r>
+                              <a:rPr kumimoji="0" lang="nl-NL" sz="6600" b="0" i="1" u="none" strike="noStrike" cap="none" spc="0" normalizeH="0" baseline="0" smtClean="0">
+                                <a:ln>
+                                  <a:noFill/>
+                                </a:ln>
+                                <a:solidFill>
+                                  <a:srgbClr val="000000"/>
+                                </a:solidFill>
+                                <a:effectLst/>
+                                <a:uFillTx/>
+                                <a:latin typeface="Cambria Math" panose="02040503050406030204" pitchFamily="18" charset="0"/>
+                                <a:sym typeface="Helvetica Light"/>
+                              </a:rPr>
+                              <m:t>𝑥</m:t>
+                            </m:r>
+                            <m:r>
+                              <a:rPr kumimoji="0" lang="nl-NL" sz="6600" b="0" i="1" u="none" strike="noStrike" cap="none" spc="0" normalizeH="0" baseline="0" smtClean="0">
+                                <a:ln>
+                                  <a:noFill/>
+                                </a:ln>
+                                <a:solidFill>
+                                  <a:srgbClr val="000000"/>
+                                </a:solidFill>
+                                <a:effectLst/>
+                                <a:uFillTx/>
+                                <a:latin typeface="Cambria Math" panose="02040503050406030204" pitchFamily="18" charset="0"/>
+                                <a:sym typeface="Helvetica Light"/>
+                              </a:rPr>
+                              <m:t>)</m:t>
+                            </m:r>
+                          </m:e>
+                          <m:e>
+                            <m:r>
+                              <a:rPr kumimoji="0" lang="nl-NL" sz="6600" b="0" i="1" u="none" strike="noStrike" cap="none" spc="0" normalizeH="0" baseline="0" smtClean="0">
+                                <a:ln>
+                                  <a:noFill/>
+                                </a:ln>
+                                <a:solidFill>
+                                  <a:srgbClr val="000000"/>
+                                </a:solidFill>
+                                <a:effectLst/>
+                                <a:uFillTx/>
+                                <a:latin typeface="Cambria Math" panose="02040503050406030204" pitchFamily="18" charset="0"/>
+                                <a:sym typeface="Helvetica Light"/>
+                              </a:rPr>
+                              <m:t>−</m:t>
+                            </m:r>
+                            <m:r>
+                              <m:rPr>
+                                <m:sty m:val="p"/>
+                              </m:rPr>
+                              <a:rPr kumimoji="0" lang="nl-NL" sz="6600" b="0" i="0" u="none" strike="noStrike" cap="none" spc="0" normalizeH="0" baseline="0" smtClean="0">
+                                <a:ln>
+                                  <a:noFill/>
+                                </a:ln>
+                                <a:solidFill>
+                                  <a:srgbClr val="000000"/>
+                                </a:solidFill>
+                                <a:effectLst/>
+                                <a:uFillTx/>
+                                <a:latin typeface="Cambria Math" panose="02040503050406030204" pitchFamily="18" charset="0"/>
+                                <a:sym typeface="Helvetica Light"/>
+                              </a:rPr>
+                              <m:t>log</m:t>
+                            </m:r>
+                            <m:r>
+                              <a:rPr kumimoji="0" lang="nl-NL" sz="6600" b="0" i="1" u="none" strike="noStrike" cap="none" spc="0" normalizeH="0" baseline="0" smtClean="0">
+                                <a:ln>
+                                  <a:noFill/>
+                                </a:ln>
+                                <a:solidFill>
+                                  <a:srgbClr val="000000"/>
+                                </a:solidFill>
+                                <a:effectLst/>
+                                <a:uFillTx/>
+                                <a:latin typeface="Cambria Math" panose="02040503050406030204" pitchFamily="18" charset="0"/>
+                                <a:sym typeface="Helvetica Light"/>
+                              </a:rPr>
+                              <m:t>⁡(</m:t>
+                            </m:r>
+                            <m:r>
+                              <a:rPr kumimoji="0" lang="nl-NL" sz="6600" b="0" i="1" u="none" strike="noStrike" cap="none" spc="0" normalizeH="0" baseline="0" smtClean="0">
+                                <a:ln>
+                                  <a:noFill/>
+                                </a:ln>
+                                <a:solidFill>
+                                  <a:srgbClr val="000000"/>
+                                </a:solidFill>
+                                <a:effectLst/>
+                                <a:uFillTx/>
+                                <a:latin typeface="Cambria Math" panose="02040503050406030204" pitchFamily="18" charset="0"/>
+                                <a:sym typeface="Helvetica Light"/>
+                              </a:rPr>
+                              <m:t>1</m:t>
+                            </m:r>
+                            <m:r>
+                              <a:rPr kumimoji="0" lang="nl-NL" sz="6600" b="0" i="1" u="none" strike="noStrike" cap="none" spc="0" normalizeH="0" baseline="0" smtClean="0">
+                                <a:ln>
+                                  <a:noFill/>
+                                </a:ln>
+                                <a:solidFill>
+                                  <a:srgbClr val="000000"/>
+                                </a:solidFill>
+                                <a:effectLst/>
+                                <a:uFillTx/>
+                                <a:latin typeface="Cambria Math" panose="02040503050406030204" pitchFamily="18" charset="0"/>
+                                <a:sym typeface="Helvetica Light"/>
+                              </a:rPr>
+                              <m:t>−</m:t>
+                            </m:r>
+                            <m:r>
+                              <a:rPr kumimoji="0" lang="nl-NL" sz="6600" b="0" i="1" u="none" strike="noStrike" cap="none" spc="0" normalizeH="0" baseline="0" smtClean="0">
+                                <a:ln>
+                                  <a:noFill/>
+                                </a:ln>
+                                <a:solidFill>
+                                  <a:srgbClr val="000000"/>
+                                </a:solidFill>
+                                <a:effectLst/>
+                                <a:uFillTx/>
+                                <a:latin typeface="Cambria Math" panose="02040503050406030204" pitchFamily="18" charset="0"/>
+                                <a:sym typeface="Helvetica Light"/>
+                              </a:rPr>
+                              <m:t>h</m:t>
+                            </m:r>
+                            <m:r>
+                              <a:rPr lang="nl-NL" sz="6600" i="1" baseline="-25000">
+                                <a:latin typeface="Cambria Math" panose="02040503050406030204" pitchFamily="18" charset="0"/>
+                                <a:ea typeface="Cambria Math" panose="02040503050406030204" pitchFamily="18" charset="0"/>
+                              </a:rPr>
+                              <m:t>𝜃</m:t>
+                            </m:r>
+                            <m:d>
+                              <m:dPr>
+                                <m:ctrlPr>
+                                  <a:rPr kumimoji="0" lang="nl-NL" sz="6600" b="0" i="1" u="none" strike="noStrike" cap="none" spc="0" normalizeH="0" baseline="0" smtClean="0">
+                                    <a:ln>
+                                      <a:noFill/>
+                                    </a:ln>
+                                    <a:solidFill>
+                                      <a:srgbClr val="000000"/>
+                                    </a:solidFill>
+                                    <a:effectLst/>
+                                    <a:uFillTx/>
+                                    <a:latin typeface="Cambria Math" panose="02040503050406030204" pitchFamily="18" charset="0"/>
+                                    <a:sym typeface="Helvetica Light"/>
+                                  </a:rPr>
+                                </m:ctrlPr>
+                              </m:dPr>
+                              <m:e>
+                                <m:r>
+                                  <a:rPr kumimoji="0" lang="nl-NL" sz="6600" b="0" i="1" u="none" strike="noStrike" cap="none" spc="0" normalizeH="0" baseline="0" smtClean="0">
+                                    <a:ln>
+                                      <a:noFill/>
+                                    </a:ln>
+                                    <a:solidFill>
+                                      <a:srgbClr val="000000"/>
+                                    </a:solidFill>
+                                    <a:effectLst/>
+                                    <a:uFillTx/>
+                                    <a:latin typeface="Cambria Math" panose="02040503050406030204" pitchFamily="18" charset="0"/>
+                                    <a:sym typeface="Helvetica Light"/>
+                                  </a:rPr>
+                                  <m:t>𝑥</m:t>
+                                </m:r>
+                              </m:e>
+                            </m:d>
+                            <m:r>
+                              <a:rPr kumimoji="0" lang="nl-NL" sz="6600" b="0" i="1" u="none" strike="noStrike" cap="none" spc="0" normalizeH="0" baseline="0" smtClean="0">
+                                <a:ln>
+                                  <a:noFill/>
+                                </a:ln>
+                                <a:solidFill>
+                                  <a:srgbClr val="000000"/>
+                                </a:solidFill>
+                                <a:effectLst/>
+                                <a:uFillTx/>
+                                <a:latin typeface="Cambria Math" panose="02040503050406030204" pitchFamily="18" charset="0"/>
+                                <a:sym typeface="Helvetica Light"/>
+                              </a:rPr>
+                              <m:t>)</m:t>
+                            </m:r>
+                          </m:e>
+                        </m:eqArr>
+                      </m:e>
+                    </m:d>
+                  </m:oMath>
+                </a14:m>
+                <a:endParaRPr kumimoji="0" lang="nl-NL" sz="6600" b="0" i="0" u="none" strike="noStrike" cap="none" spc="0" normalizeH="0" baseline="0">
+                  <a:ln>
+                    <a:noFill/>
+                  </a:ln>
+                  <a:solidFill>
+                    <a:srgbClr val="000000"/>
+                  </a:solidFill>
+                  <a:effectLst/>
+                  <a:uFillTx/>
+                  <a:sym typeface="Helvetica Light"/>
+                </a:endParaRPr>
+              </a:p>
+            </p:txBody>
+          </p:sp>
+        </mc:Choice>
+        <mc:Fallback>
+          <p:sp>
+            <p:nvSpPr>
+              <p:cNvPr id="4" name="Tekstvak 3">
+                <a:extLst>
+                  <a:ext uri="{FF2B5EF4-FFF2-40B4-BE49-F238E27FC236}">
+                    <a16:creationId xmlns:a16="http://schemas.microsoft.com/office/drawing/2014/main" id="{A70097F0-F003-34FC-BA38-4F72B75528E5}"/>
+                  </a:ext>
+                </a:extLst>
+              </p:cNvPr>
+              <p:cNvSpPr txBox="1">
+                <a:spLocks noRot="1" noChangeAspect="1" noMove="1" noResize="1" noEditPoints="1" noAdjustHandles="1" noChangeArrowheads="1" noChangeShapeType="1" noTextEdit="1"/>
+              </p:cNvSpPr>
+              <p:nvPr/>
+            </p:nvSpPr>
+            <p:spPr>
+              <a:xfrm>
+                <a:off x="5713940" y="2345887"/>
+                <a:ext cx="9020226" cy="2265620"/>
+              </a:xfrm>
+              <a:prstGeom prst="rect">
+                <a:avLst/>
+              </a:prstGeom>
+              <a:blipFill>
+                <a:blip r:embed="rId2"/>
+                <a:stretch>
+                  <a:fillRect l="-5135"/>
+                </a:stretch>
+              </a:blipFill>
+              <a:ln w="12700" cap="flat">
+                <a:noFill/>
+                <a:miter lim="400000"/>
+              </a:ln>
+              <a:effectLst/>
+            </p:spPr>
+            <p:txBody>
+              <a:bodyPr/>
+              <a:lstStyle/>
+              <a:p>
+                <a:r>
+                  <a:rPr lang="nl-NL">
+                    <a:noFill/>
+                  </a:rPr>
+                  <a:t> </a:t>
+                </a:r>
+              </a:p>
+            </p:txBody>
+          </p:sp>
+        </mc:Fallback>
+      </mc:AlternateContent>
       <p:sp>
         <p:nvSpPr>
-          <p:cNvPr id="2" name="Titel 1">
+          <p:cNvPr id="5" name="Tekstvak 4">
             <a:extLst>
               <a:ext uri="{FF2B5EF4-FFF2-40B4-BE49-F238E27FC236}">
-                <a16:creationId xmlns:a16="http://schemas.microsoft.com/office/drawing/2014/main" id="{29ABEB1A-2EEE-ACD8-1CEC-38ABEBA380E9}"/>
+                <a16:creationId xmlns:a16="http://schemas.microsoft.com/office/drawing/2014/main" id="{0B750EDC-2168-DC2B-1B04-664691771B18}"/>
               </a:ext>
             </a:extLst>
           </p:cNvPr>
-          <p:cNvSpPr>
-            <a:spLocks noGrp="1"/>
-          </p:cNvSpPr>
-          <p:nvPr>
-            <p:ph type="title"/>
-          </p:nvPr>
+          <p:cNvSpPr txBox="1"/>
+          <p:nvPr/>
         </p:nvSpPr>
-        <p:spPr/>
+        <p:spPr>
+          <a:xfrm>
+            <a:off x="15346018" y="2514945"/>
+            <a:ext cx="3776870" cy="913711"/>
+          </a:xfrm>
+          <a:prstGeom prst="rect">
+            <a:avLst/>
+          </a:prstGeom>
+          <a:noFill/>
+          <a:ln w="12700" cap="flat">
+            <a:noFill/>
+            <a:miter lim="400000"/>
+          </a:ln>
+          <a:effectLst/>
+          <a:sp3d/>
+        </p:spPr>
+        <p:style>
+          <a:lnRef idx="0">
+            <a:scrgbClr r="0" g="0" b="0"/>
+          </a:lnRef>
+          <a:fillRef idx="0">
+            <a:scrgbClr r="0" g="0" b="0"/>
+          </a:fillRef>
+          <a:effectRef idx="0">
+            <a:scrgbClr r="0" g="0" b="0"/>
+          </a:effectRef>
+          <a:fontRef idx="none"/>
+        </p:style>
         <p:txBody>
-          <a:bodyPr/>
+          <a:bodyPr rot="0" spcFirstLastPara="1" vertOverflow="overflow" horzOverflow="overflow" vert="horz" wrap="square" lIns="71437" tIns="71437" rIns="71437" bIns="71437" numCol="1" spcCol="38100" rtlCol="0" anchor="ctr">
+            <a:spAutoFit/>
+          </a:bodyPr>
           <a:lstStyle/>
           <a:p>
-            <a:endParaRPr lang="nl-NL"/>
+            <a:pPr marL="0" marR="0" indent="0" algn="ctr" defTabSz="821531" rtl="0" fontAlgn="auto" latinLnBrk="0" hangingPunct="0">
+              <a:lnSpc>
+                <a:spcPct val="100000"/>
+              </a:lnSpc>
+              <a:spcBef>
+                <a:spcPts val="0"/>
+              </a:spcBef>
+              <a:spcAft>
+                <a:spcPts val="0"/>
+              </a:spcAft>
+              <a:buClrTx/>
+              <a:buSzTx/>
+              <a:buFontTx/>
+              <a:buNone/>
+              <a:tabLst/>
+            </a:pPr>
+            <a:r>
+              <a:rPr kumimoji="0" lang="nl-NL" sz="5000" b="0" i="0" u="none" strike="noStrike" cap="none" spc="0" normalizeH="0" baseline="0">
+                <a:ln>
+                  <a:noFill/>
+                </a:ln>
+                <a:solidFill>
+                  <a:srgbClr val="000000"/>
+                </a:solidFill>
+                <a:effectLst/>
+                <a:uFillTx/>
+                <a:latin typeface="+mn-lt"/>
+                <a:ea typeface="+mn-ea"/>
+                <a:cs typeface="+mn-cs"/>
+                <a:sym typeface="Helvetica Light"/>
+              </a:rPr>
+              <a:t>als y = 1</a:t>
+            </a:r>
           </a:p>
         </p:txBody>
       </p:sp>
       <p:sp>
         <p:nvSpPr>
-          <p:cNvPr id="3" name="Tijdelijke aanduiding voor tekst 2">
+          <p:cNvPr id="6" name="Tekstvak 5">
             <a:extLst>
               <a:ext uri="{FF2B5EF4-FFF2-40B4-BE49-F238E27FC236}">
-                <a16:creationId xmlns:a16="http://schemas.microsoft.com/office/drawing/2014/main" id="{5CB28BF7-BFF0-C748-8F0B-0DC52C268BD1}"/>
+                <a16:creationId xmlns:a16="http://schemas.microsoft.com/office/drawing/2014/main" id="{CA9AFF90-C7F3-9727-18A4-82D2ECE564E3}"/>
               </a:ext>
             </a:extLst>
           </p:cNvPr>
-          <p:cNvSpPr>
-            <a:spLocks noGrp="1"/>
-          </p:cNvSpPr>
-          <p:nvPr>
-            <p:ph type="body" sz="quarter" idx="1"/>
-          </p:nvPr>
+          <p:cNvSpPr txBox="1"/>
+          <p:nvPr/>
         </p:nvSpPr>
-        <p:spPr/>
+        <p:spPr>
+          <a:xfrm>
+            <a:off x="15346018" y="3522110"/>
+            <a:ext cx="3776870" cy="913711"/>
+          </a:xfrm>
+          <a:prstGeom prst="rect">
+            <a:avLst/>
+          </a:prstGeom>
+          <a:noFill/>
+          <a:ln w="12700" cap="flat">
+            <a:noFill/>
+            <a:miter lim="400000"/>
+          </a:ln>
+          <a:effectLst/>
+          <a:sp3d/>
+        </p:spPr>
+        <p:style>
+          <a:lnRef idx="0">
+            <a:scrgbClr r="0" g="0" b="0"/>
+          </a:lnRef>
+          <a:fillRef idx="0">
+            <a:scrgbClr r="0" g="0" b="0"/>
+          </a:fillRef>
+          <a:effectRef idx="0">
+            <a:scrgbClr r="0" g="0" b="0"/>
+          </a:effectRef>
+          <a:fontRef idx="none"/>
+        </p:style>
         <p:txBody>
-          <a:bodyPr/>
+          <a:bodyPr rot="0" spcFirstLastPara="1" vertOverflow="overflow" horzOverflow="overflow" vert="horz" wrap="square" lIns="71437" tIns="71437" rIns="71437" bIns="71437" numCol="1" spcCol="38100" rtlCol="0" anchor="ctr">
+            <a:spAutoFit/>
+          </a:bodyPr>
           <a:lstStyle/>
           <a:p>
-            <a:endParaRPr lang="nl-NL"/>
+            <a:pPr marL="0" marR="0" indent="0" algn="ctr" defTabSz="821531" rtl="0" fontAlgn="auto" latinLnBrk="0" hangingPunct="0">
+              <a:lnSpc>
+                <a:spcPct val="100000"/>
+              </a:lnSpc>
+              <a:spcBef>
+                <a:spcPts val="0"/>
+              </a:spcBef>
+              <a:spcAft>
+                <a:spcPts val="0"/>
+              </a:spcAft>
+              <a:buClrTx/>
+              <a:buSzTx/>
+              <a:buFontTx/>
+              <a:buNone/>
+              <a:tabLst/>
+            </a:pPr>
+            <a:r>
+              <a:rPr kumimoji="0" lang="nl-NL" sz="5000" b="0" i="0" u="none" strike="noStrike" cap="none" spc="0" normalizeH="0" baseline="0">
+                <a:ln>
+                  <a:noFill/>
+                </a:ln>
+                <a:solidFill>
+                  <a:srgbClr val="000000"/>
+                </a:solidFill>
+                <a:effectLst/>
+                <a:uFillTx/>
+                <a:latin typeface="+mn-lt"/>
+                <a:ea typeface="+mn-ea"/>
+                <a:cs typeface="+mn-cs"/>
+                <a:sym typeface="Helvetica Light"/>
+              </a:rPr>
+              <a:t>als y = 0</a:t>
+            </a:r>
           </a:p>
         </p:txBody>
       </p:sp>
+      <mc:AlternateContent xmlns:mc="http://schemas.openxmlformats.org/markup-compatibility/2006">
+        <mc:Choice xmlns:a14="http://schemas.microsoft.com/office/drawing/2010/main" Requires="a14">
+          <p:sp>
+            <p:nvSpPr>
+              <p:cNvPr id="7" name="Tekstvak 6">
+                <a:extLst>
+                  <a:ext uri="{FF2B5EF4-FFF2-40B4-BE49-F238E27FC236}">
+                    <a16:creationId xmlns:a16="http://schemas.microsoft.com/office/drawing/2014/main" id="{FD976174-B40C-F7C5-6DEE-0DC13038FE80}"/>
+                  </a:ext>
+                </a:extLst>
+              </p:cNvPr>
+              <p:cNvSpPr txBox="1"/>
+              <p:nvPr/>
+            </p:nvSpPr>
+            <p:spPr>
+              <a:xfrm>
+                <a:off x="7522562" y="5910148"/>
+                <a:ext cx="15646912" cy="1146468"/>
+              </a:xfrm>
+              <a:prstGeom prst="rect">
+                <a:avLst/>
+              </a:prstGeom>
+              <a:noFill/>
+              <a:ln w="12700" cap="flat">
+                <a:noFill/>
+                <a:miter lim="400000"/>
+              </a:ln>
+              <a:effectLst/>
+              <a:sp3d/>
+            </p:spPr>
+            <p:style>
+              <a:lnRef idx="0">
+                <a:scrgbClr r="0" g="0" b="0"/>
+              </a:lnRef>
+              <a:fillRef idx="0">
+                <a:scrgbClr r="0" g="0" b="0"/>
+              </a:fillRef>
+              <a:effectRef idx="0">
+                <a:scrgbClr r="0" g="0" b="0"/>
+              </a:effectRef>
+              <a:fontRef idx="none"/>
+            </p:style>
+            <p:txBody>
+              <a:bodyPr rot="0" spcFirstLastPara="1" vertOverflow="overflow" horzOverflow="overflow" vert="horz" wrap="none" lIns="0" tIns="0" rIns="0" bIns="0" numCol="1" spcCol="38100" rtlCol="0" anchor="ctr">
+                <a:spAutoFit/>
+              </a:bodyPr>
+              <a:lstStyle/>
+              <a:p>
+                <a14:m>
+                  <m:oMathPara xmlns:m="http://schemas.openxmlformats.org/officeDocument/2006/math">
+                    <m:oMathParaPr>
+                      <m:jc m:val="centerGroup"/>
+                    </m:oMathParaPr>
+                    <m:oMath xmlns:m="http://schemas.openxmlformats.org/officeDocument/2006/math">
+                      <m:r>
+                        <a:rPr kumimoji="0" lang="nl-NL" sz="6600" b="0" i="1" u="none" strike="noStrike" cap="none" spc="0" normalizeH="0" baseline="0" smtClean="0">
+                          <a:ln>
+                            <a:noFill/>
+                          </a:ln>
+                          <a:solidFill>
+                            <a:srgbClr val="000000"/>
+                          </a:solidFill>
+                          <a:effectLst/>
+                          <a:uFillTx/>
+                          <a:latin typeface="Cambria Math" panose="02040503050406030204" pitchFamily="18" charset="0"/>
+                          <a:sym typeface="Helvetica Light"/>
+                        </a:rPr>
+                        <m:t>=−</m:t>
+                      </m:r>
+                      <m:r>
+                        <a:rPr kumimoji="0" lang="nl-NL" sz="6600" b="0" i="1" u="none" strike="noStrike" cap="none" spc="0" normalizeH="0" baseline="0" smtClean="0">
+                          <a:ln>
+                            <a:noFill/>
+                          </a:ln>
+                          <a:solidFill>
+                            <a:srgbClr val="000000"/>
+                          </a:solidFill>
+                          <a:effectLst/>
+                          <a:uFillTx/>
+                          <a:latin typeface="Cambria Math" panose="02040503050406030204" pitchFamily="18" charset="0"/>
+                          <a:sym typeface="Helvetica Light"/>
+                        </a:rPr>
+                        <m:t>𝑦</m:t>
+                      </m:r>
+                      <m:func>
+                        <m:funcPr>
+                          <m:ctrlPr>
+                            <a:rPr kumimoji="0" lang="nl-NL" sz="6600" b="0" i="1" u="none" strike="noStrike" cap="none" spc="0" normalizeH="0" baseline="0" smtClean="0">
+                              <a:ln>
+                                <a:noFill/>
+                              </a:ln>
+                              <a:solidFill>
+                                <a:srgbClr val="000000"/>
+                              </a:solidFill>
+                              <a:effectLst/>
+                              <a:uFillTx/>
+                              <a:latin typeface="Cambria Math" panose="02040503050406030204" pitchFamily="18" charset="0"/>
+                              <a:sym typeface="Helvetica Light"/>
+                            </a:rPr>
+                          </m:ctrlPr>
+                        </m:funcPr>
+                        <m:fName>
+                          <m:r>
+                            <m:rPr>
+                              <m:sty m:val="p"/>
+                            </m:rPr>
+                            <a:rPr kumimoji="0" lang="nl-NL" sz="6600" b="0" i="0" u="none" strike="noStrike" cap="none" spc="0" normalizeH="0" baseline="0" smtClean="0">
+                              <a:ln>
+                                <a:noFill/>
+                              </a:ln>
+                              <a:solidFill>
+                                <a:srgbClr val="000000"/>
+                              </a:solidFill>
+                              <a:effectLst/>
+                              <a:uFillTx/>
+                              <a:latin typeface="Cambria Math" panose="02040503050406030204" pitchFamily="18" charset="0"/>
+                              <a:sym typeface="Helvetica Light"/>
+                            </a:rPr>
+                            <m:t>log</m:t>
+                          </m:r>
+                        </m:fName>
+                        <m:e>
+                          <m:d>
+                            <m:dPr>
+                              <m:ctrlPr>
+                                <a:rPr kumimoji="0" lang="nl-NL" sz="6600" b="0" i="1" u="none" strike="noStrike" cap="none" spc="0" normalizeH="0" baseline="0" smtClean="0">
+                                  <a:ln>
+                                    <a:noFill/>
+                                  </a:ln>
+                                  <a:solidFill>
+                                    <a:srgbClr val="000000"/>
+                                  </a:solidFill>
+                                  <a:effectLst/>
+                                  <a:uFillTx/>
+                                  <a:latin typeface="Cambria Math" panose="02040503050406030204" pitchFamily="18" charset="0"/>
+                                  <a:sym typeface="Helvetica Light"/>
+                                </a:rPr>
+                              </m:ctrlPr>
+                            </m:dPr>
+                            <m:e>
+                              <m:r>
+                                <a:rPr kumimoji="0" lang="nl-NL" sz="6600" b="0" i="1" u="none" strike="noStrike" cap="none" spc="0" normalizeH="0" baseline="0" smtClean="0">
+                                  <a:ln>
+                                    <a:noFill/>
+                                  </a:ln>
+                                  <a:solidFill>
+                                    <a:srgbClr val="000000"/>
+                                  </a:solidFill>
+                                  <a:effectLst/>
+                                  <a:uFillTx/>
+                                  <a:latin typeface="Cambria Math" panose="02040503050406030204" pitchFamily="18" charset="0"/>
+                                  <a:sym typeface="Helvetica Light"/>
+                                </a:rPr>
+                                <m:t>h</m:t>
+                              </m:r>
+                              <m:r>
+                                <a:rPr lang="nl-NL" sz="6600" i="1" baseline="-25000">
+                                  <a:latin typeface="Cambria Math" panose="02040503050406030204" pitchFamily="18" charset="0"/>
+                                  <a:ea typeface="Cambria Math" panose="02040503050406030204" pitchFamily="18" charset="0"/>
+                                </a:rPr>
+                                <m:t>𝜃</m:t>
+                              </m:r>
+                              <m:d>
+                                <m:dPr>
+                                  <m:ctrlPr>
+                                    <a:rPr kumimoji="0" lang="nl-NL" sz="6600" b="0" i="1" u="none" strike="noStrike" cap="none" spc="0" normalizeH="0" baseline="0" smtClean="0">
+                                      <a:ln>
+                                        <a:noFill/>
+                                      </a:ln>
+                                      <a:solidFill>
+                                        <a:srgbClr val="000000"/>
+                                      </a:solidFill>
+                                      <a:effectLst/>
+                                      <a:uFillTx/>
+                                      <a:latin typeface="Cambria Math" panose="02040503050406030204" pitchFamily="18" charset="0"/>
+                                      <a:sym typeface="Helvetica Light"/>
+                                    </a:rPr>
+                                  </m:ctrlPr>
+                                </m:dPr>
+                                <m:e>
+                                  <m:r>
+                                    <a:rPr kumimoji="0" lang="nl-NL" sz="6600" b="0" i="1" u="none" strike="noStrike" cap="none" spc="0" normalizeH="0" baseline="0" smtClean="0">
+                                      <a:ln>
+                                        <a:noFill/>
+                                      </a:ln>
+                                      <a:solidFill>
+                                        <a:srgbClr val="000000"/>
+                                      </a:solidFill>
+                                      <a:effectLst/>
+                                      <a:uFillTx/>
+                                      <a:latin typeface="Cambria Math" panose="02040503050406030204" pitchFamily="18" charset="0"/>
+                                      <a:sym typeface="Helvetica Light"/>
+                                    </a:rPr>
+                                    <m:t>𝑥</m:t>
+                                  </m:r>
+                                </m:e>
+                              </m:d>
+                            </m:e>
+                          </m:d>
+                        </m:e>
+                      </m:func>
+                      <m:r>
+                        <a:rPr kumimoji="0" lang="nl-NL" sz="6600" b="0" i="1" u="none" strike="noStrike" cap="none" spc="0" normalizeH="0" baseline="0" smtClean="0">
+                          <a:ln>
+                            <a:noFill/>
+                          </a:ln>
+                          <a:solidFill>
+                            <a:srgbClr val="000000"/>
+                          </a:solidFill>
+                          <a:effectLst/>
+                          <a:uFillTx/>
+                          <a:latin typeface="Cambria Math" panose="02040503050406030204" pitchFamily="18" charset="0"/>
+                          <a:sym typeface="Helvetica Light"/>
+                        </a:rPr>
+                        <m:t>−</m:t>
+                      </m:r>
+                      <m:d>
+                        <m:dPr>
+                          <m:ctrlPr>
+                            <a:rPr kumimoji="0" lang="nl-NL" sz="6600" b="0" i="1" u="none" strike="noStrike" cap="none" spc="0" normalizeH="0" baseline="0" smtClean="0">
+                              <a:ln>
+                                <a:noFill/>
+                              </a:ln>
+                              <a:solidFill>
+                                <a:srgbClr val="000000"/>
+                              </a:solidFill>
+                              <a:effectLst/>
+                              <a:uFillTx/>
+                              <a:latin typeface="Cambria Math" panose="02040503050406030204" pitchFamily="18" charset="0"/>
+                              <a:sym typeface="Helvetica Light"/>
+                            </a:rPr>
+                          </m:ctrlPr>
+                        </m:dPr>
+                        <m:e>
+                          <m:r>
+                            <a:rPr kumimoji="0" lang="nl-NL" sz="6600" b="0" i="1" u="none" strike="noStrike" cap="none" spc="0" normalizeH="0" baseline="0" smtClean="0">
+                              <a:ln>
+                                <a:noFill/>
+                              </a:ln>
+                              <a:solidFill>
+                                <a:srgbClr val="000000"/>
+                              </a:solidFill>
+                              <a:effectLst/>
+                              <a:uFillTx/>
+                              <a:latin typeface="Cambria Math" panose="02040503050406030204" pitchFamily="18" charset="0"/>
+                              <a:sym typeface="Helvetica Light"/>
+                            </a:rPr>
+                            <m:t>1</m:t>
+                          </m:r>
+                          <m:r>
+                            <a:rPr kumimoji="0" lang="nl-NL" sz="6600" b="0" i="1" u="none" strike="noStrike" cap="none" spc="0" normalizeH="0" baseline="0" smtClean="0">
+                              <a:ln>
+                                <a:noFill/>
+                              </a:ln>
+                              <a:solidFill>
+                                <a:srgbClr val="000000"/>
+                              </a:solidFill>
+                              <a:effectLst/>
+                              <a:uFillTx/>
+                              <a:latin typeface="Cambria Math" panose="02040503050406030204" pitchFamily="18" charset="0"/>
+                              <a:sym typeface="Helvetica Light"/>
+                            </a:rPr>
+                            <m:t> −</m:t>
+                          </m:r>
+                          <m:r>
+                            <a:rPr kumimoji="0" lang="nl-NL" sz="6600" b="0" i="1" u="none" strike="noStrike" cap="none" spc="0" normalizeH="0" baseline="0" smtClean="0">
+                              <a:ln>
+                                <a:noFill/>
+                              </a:ln>
+                              <a:solidFill>
+                                <a:srgbClr val="000000"/>
+                              </a:solidFill>
+                              <a:effectLst/>
+                              <a:uFillTx/>
+                              <a:latin typeface="Cambria Math" panose="02040503050406030204" pitchFamily="18" charset="0"/>
+                              <a:sym typeface="Helvetica Light"/>
+                            </a:rPr>
+                            <m:t>𝑦</m:t>
+                          </m:r>
+                        </m:e>
+                      </m:d>
+                      <m:func>
+                        <m:funcPr>
+                          <m:ctrlPr>
+                            <a:rPr kumimoji="0" lang="nl-NL" sz="6600" b="0" i="1" u="none" strike="noStrike" cap="none" spc="0" normalizeH="0" baseline="0" smtClean="0">
+                              <a:ln>
+                                <a:noFill/>
+                              </a:ln>
+                              <a:solidFill>
+                                <a:srgbClr val="000000"/>
+                              </a:solidFill>
+                              <a:effectLst/>
+                              <a:uFillTx/>
+                              <a:latin typeface="Cambria Math" panose="02040503050406030204" pitchFamily="18" charset="0"/>
+                              <a:sym typeface="Helvetica Light"/>
+                            </a:rPr>
+                          </m:ctrlPr>
+                        </m:funcPr>
+                        <m:fName>
+                          <m:r>
+                            <m:rPr>
+                              <m:sty m:val="p"/>
+                            </m:rPr>
+                            <a:rPr kumimoji="0" lang="nl-NL" sz="6600" b="0" i="0" u="none" strike="noStrike" cap="none" spc="0" normalizeH="0" baseline="0" smtClean="0">
+                              <a:ln>
+                                <a:noFill/>
+                              </a:ln>
+                              <a:solidFill>
+                                <a:srgbClr val="000000"/>
+                              </a:solidFill>
+                              <a:effectLst/>
+                              <a:uFillTx/>
+                              <a:latin typeface="Cambria Math" panose="02040503050406030204" pitchFamily="18" charset="0"/>
+                              <a:sym typeface="Helvetica Light"/>
+                            </a:rPr>
+                            <m:t>log</m:t>
+                          </m:r>
+                        </m:fName>
+                        <m:e>
+                          <m:r>
+                            <a:rPr kumimoji="0" lang="nl-NL" sz="6600" b="0" i="1" u="none" strike="noStrike" cap="none" spc="0" normalizeH="0" baseline="0" smtClean="0">
+                              <a:ln>
+                                <a:noFill/>
+                              </a:ln>
+                              <a:solidFill>
+                                <a:srgbClr val="000000"/>
+                              </a:solidFill>
+                              <a:effectLst/>
+                              <a:uFillTx/>
+                              <a:latin typeface="Cambria Math" panose="02040503050406030204" pitchFamily="18" charset="0"/>
+                              <a:sym typeface="Helvetica Light"/>
+                            </a:rPr>
+                            <m:t>(</m:t>
+                          </m:r>
+                          <m:r>
+                            <a:rPr kumimoji="0" lang="nl-NL" sz="6600" b="0" i="1" u="none" strike="noStrike" cap="none" spc="0" normalizeH="0" baseline="0" smtClean="0">
+                              <a:ln>
+                                <a:noFill/>
+                              </a:ln>
+                              <a:solidFill>
+                                <a:srgbClr val="000000"/>
+                              </a:solidFill>
+                              <a:effectLst/>
+                              <a:uFillTx/>
+                              <a:latin typeface="Cambria Math" panose="02040503050406030204" pitchFamily="18" charset="0"/>
+                              <a:sym typeface="Helvetica Light"/>
+                            </a:rPr>
+                            <m:t>1</m:t>
+                          </m:r>
+                          <m:r>
+                            <a:rPr kumimoji="0" lang="nl-NL" sz="6600" b="0" i="1" u="none" strike="noStrike" cap="none" spc="0" normalizeH="0" baseline="0" smtClean="0">
+                              <a:ln>
+                                <a:noFill/>
+                              </a:ln>
+                              <a:solidFill>
+                                <a:srgbClr val="000000"/>
+                              </a:solidFill>
+                              <a:effectLst/>
+                              <a:uFillTx/>
+                              <a:latin typeface="Cambria Math" panose="02040503050406030204" pitchFamily="18" charset="0"/>
+                              <a:sym typeface="Helvetica Light"/>
+                            </a:rPr>
+                            <m:t> −</m:t>
+                          </m:r>
+                          <m:r>
+                            <a:rPr kumimoji="0" lang="nl-NL" sz="6600" b="0" i="1" u="none" strike="noStrike" cap="none" spc="0" normalizeH="0" baseline="0" smtClean="0">
+                              <a:ln>
+                                <a:noFill/>
+                              </a:ln>
+                              <a:solidFill>
+                                <a:srgbClr val="000000"/>
+                              </a:solidFill>
+                              <a:effectLst/>
+                              <a:uFillTx/>
+                              <a:latin typeface="Cambria Math" panose="02040503050406030204" pitchFamily="18" charset="0"/>
+                              <a:sym typeface="Helvetica Light"/>
+                            </a:rPr>
+                            <m:t>h</m:t>
+                          </m:r>
+                          <m:r>
+                            <a:rPr lang="nl-NL" sz="6600" i="1" baseline="-25000">
+                              <a:latin typeface="Cambria Math" panose="02040503050406030204" pitchFamily="18" charset="0"/>
+                              <a:ea typeface="Cambria Math" panose="02040503050406030204" pitchFamily="18" charset="0"/>
+                            </a:rPr>
+                            <m:t>𝜃</m:t>
+                          </m:r>
+                          <m:d>
+                            <m:dPr>
+                              <m:ctrlPr>
+                                <a:rPr kumimoji="0" lang="nl-NL" sz="6600" b="0" i="1" u="none" strike="noStrike" cap="none" spc="0" normalizeH="0" baseline="0" smtClean="0">
+                                  <a:ln>
+                                    <a:noFill/>
+                                  </a:ln>
+                                  <a:solidFill>
+                                    <a:srgbClr val="000000"/>
+                                  </a:solidFill>
+                                  <a:effectLst/>
+                                  <a:uFillTx/>
+                                  <a:latin typeface="Cambria Math" panose="02040503050406030204" pitchFamily="18" charset="0"/>
+                                  <a:sym typeface="Helvetica Light"/>
+                                </a:rPr>
+                              </m:ctrlPr>
+                            </m:dPr>
+                            <m:e>
+                              <m:r>
+                                <a:rPr kumimoji="0" lang="nl-NL" sz="6600" b="0" i="1" u="none" strike="noStrike" cap="none" spc="0" normalizeH="0" baseline="0" smtClean="0">
+                                  <a:ln>
+                                    <a:noFill/>
+                                  </a:ln>
+                                  <a:solidFill>
+                                    <a:srgbClr val="000000"/>
+                                  </a:solidFill>
+                                  <a:effectLst/>
+                                  <a:uFillTx/>
+                                  <a:latin typeface="Cambria Math" panose="02040503050406030204" pitchFamily="18" charset="0"/>
+                                  <a:sym typeface="Helvetica Light"/>
+                                </a:rPr>
+                                <m:t>𝑥</m:t>
+                              </m:r>
+                            </m:e>
+                          </m:d>
+                          <m:r>
+                            <a:rPr kumimoji="0" lang="nl-NL" sz="6600" b="0" i="1" u="none" strike="noStrike" cap="none" spc="0" normalizeH="0" baseline="0" smtClean="0">
+                              <a:ln>
+                                <a:noFill/>
+                              </a:ln>
+                              <a:solidFill>
+                                <a:srgbClr val="000000"/>
+                              </a:solidFill>
+                              <a:effectLst/>
+                              <a:uFillTx/>
+                              <a:latin typeface="Cambria Math" panose="02040503050406030204" pitchFamily="18" charset="0"/>
+                              <a:sym typeface="Helvetica Light"/>
+                            </a:rPr>
+                            <m:t>)</m:t>
+                          </m:r>
+                        </m:e>
+                      </m:func>
+                    </m:oMath>
+                  </m:oMathPara>
+                </a14:m>
+                <a:endParaRPr kumimoji="0" lang="nl-NL" sz="6600" b="0" i="0" u="none" strike="noStrike" cap="none" spc="0" normalizeH="0" baseline="0">
+                  <a:ln>
+                    <a:noFill/>
+                  </a:ln>
+                  <a:solidFill>
+                    <a:srgbClr val="000000"/>
+                  </a:solidFill>
+                  <a:effectLst/>
+                  <a:uFillTx/>
+                  <a:sym typeface="Helvetica Light"/>
+                </a:endParaRPr>
+              </a:p>
+            </p:txBody>
+          </p:sp>
+        </mc:Choice>
+        <mc:Fallback>
+          <p:sp>
+            <p:nvSpPr>
+              <p:cNvPr id="7" name="Tekstvak 6">
+                <a:extLst>
+                  <a:ext uri="{FF2B5EF4-FFF2-40B4-BE49-F238E27FC236}">
+                    <a16:creationId xmlns:a16="http://schemas.microsoft.com/office/drawing/2014/main" id="{FD976174-B40C-F7C5-6DEE-0DC13038FE80}"/>
+                  </a:ext>
+                </a:extLst>
+              </p:cNvPr>
+              <p:cNvSpPr txBox="1">
+                <a:spLocks noRot="1" noChangeAspect="1" noMove="1" noResize="1" noEditPoints="1" noAdjustHandles="1" noChangeArrowheads="1" noChangeShapeType="1" noTextEdit="1"/>
+              </p:cNvSpPr>
+              <p:nvPr/>
+            </p:nvSpPr>
+            <p:spPr>
+              <a:xfrm>
+                <a:off x="7522562" y="5910148"/>
+                <a:ext cx="15646912" cy="1146468"/>
+              </a:xfrm>
+              <a:prstGeom prst="rect">
+                <a:avLst/>
+              </a:prstGeom>
+              <a:blipFill>
+                <a:blip r:embed="rId3"/>
+                <a:stretch>
+                  <a:fillRect/>
+                </a:stretch>
+              </a:blipFill>
+              <a:ln w="12700" cap="flat">
+                <a:noFill/>
+                <a:miter lim="400000"/>
+              </a:ln>
+              <a:effectLst/>
+            </p:spPr>
+            <p:txBody>
+              <a:bodyPr/>
+              <a:lstStyle/>
+              <a:p>
+                <a:r>
+                  <a:rPr lang="nl-NL">
+                    <a:noFill/>
+                  </a:rPr>
+                  <a:t> </a:t>
+                </a:r>
+              </a:p>
+            </p:txBody>
+          </p:sp>
+        </mc:Fallback>
+      </mc:AlternateContent>
+      <mc:AlternateContent xmlns:mc="http://schemas.openxmlformats.org/markup-compatibility/2006">
+        <mc:Choice xmlns:a14="http://schemas.microsoft.com/office/drawing/2010/main" Requires="a14">
+          <p:sp>
+            <p:nvSpPr>
+              <p:cNvPr id="8" name="Tekstvak 7">
+                <a:extLst>
+                  <a:ext uri="{FF2B5EF4-FFF2-40B4-BE49-F238E27FC236}">
+                    <a16:creationId xmlns:a16="http://schemas.microsoft.com/office/drawing/2014/main" id="{B6494F6E-673C-6382-1273-CC0CF912D177}"/>
+                  </a:ext>
+                </a:extLst>
+              </p:cNvPr>
+              <p:cNvSpPr txBox="1"/>
+              <p:nvPr/>
+            </p:nvSpPr>
+            <p:spPr>
+              <a:xfrm>
+                <a:off x="7343659" y="7957709"/>
+                <a:ext cx="15344374" cy="1146468"/>
+              </a:xfrm>
+              <a:prstGeom prst="rect">
+                <a:avLst/>
+              </a:prstGeom>
+              <a:noFill/>
+              <a:ln w="12700" cap="flat">
+                <a:noFill/>
+                <a:miter lim="400000"/>
+              </a:ln>
+              <a:effectLst/>
+              <a:sp3d/>
+            </p:spPr>
+            <p:style>
+              <a:lnRef idx="0">
+                <a:scrgbClr r="0" g="0" b="0"/>
+              </a:lnRef>
+              <a:fillRef idx="0">
+                <a:scrgbClr r="0" g="0" b="0"/>
+              </a:fillRef>
+              <a:effectRef idx="0">
+                <a:scrgbClr r="0" g="0" b="0"/>
+              </a:effectRef>
+              <a:fontRef idx="none"/>
+            </p:style>
+            <p:txBody>
+              <a:bodyPr rot="0" spcFirstLastPara="1" vertOverflow="overflow" horzOverflow="overflow" vert="horz" wrap="square" lIns="0" tIns="0" rIns="0" bIns="0" numCol="1" spcCol="38100" rtlCol="0" anchor="ctr">
+                <a:spAutoFit/>
+              </a:bodyPr>
+              <a:lstStyle/>
+              <a:p>
+                <a14:m>
+                  <m:oMathPara xmlns:m="http://schemas.openxmlformats.org/officeDocument/2006/math">
+                    <m:oMathParaPr>
+                      <m:jc m:val="centerGroup"/>
+                    </m:oMathParaPr>
+                    <m:oMath xmlns:m="http://schemas.openxmlformats.org/officeDocument/2006/math">
+                      <m:r>
+                        <a:rPr lang="nl-NL" sz="6600" i="1" smtClean="0">
+                          <a:latin typeface="Cambria Math" panose="02040503050406030204" pitchFamily="18" charset="0"/>
+                        </a:rPr>
+                        <m:t>=</m:t>
+                      </m:r>
+                      <m:r>
+                        <a:rPr kumimoji="0" lang="nl-NL" sz="6600" b="0" i="1" u="none" strike="noStrike" cap="none" spc="0" normalizeH="0" baseline="0" smtClean="0">
+                          <a:ln>
+                            <a:noFill/>
+                          </a:ln>
+                          <a:solidFill>
+                            <a:srgbClr val="000000"/>
+                          </a:solidFill>
+                          <a:effectLst/>
+                          <a:uFillTx/>
+                          <a:latin typeface="Cambria Math" panose="02040503050406030204" pitchFamily="18" charset="0"/>
+                          <a:sym typeface="Helvetica Light"/>
+                        </a:rPr>
+                        <m:t>𝑦</m:t>
+                      </m:r>
+                      <m:func>
+                        <m:funcPr>
+                          <m:ctrlPr>
+                            <a:rPr kumimoji="0" lang="nl-NL" sz="6600" b="0" i="1" u="none" strike="noStrike" cap="none" spc="0" normalizeH="0" baseline="0" smtClean="0">
+                              <a:ln>
+                                <a:noFill/>
+                              </a:ln>
+                              <a:solidFill>
+                                <a:srgbClr val="000000"/>
+                              </a:solidFill>
+                              <a:effectLst/>
+                              <a:uFillTx/>
+                              <a:latin typeface="Cambria Math" panose="02040503050406030204" pitchFamily="18" charset="0"/>
+                              <a:sym typeface="Helvetica Light"/>
+                            </a:rPr>
+                          </m:ctrlPr>
+                        </m:funcPr>
+                        <m:fName>
+                          <m:r>
+                            <m:rPr>
+                              <m:sty m:val="p"/>
+                            </m:rPr>
+                            <a:rPr kumimoji="0" lang="nl-NL" sz="6600" b="0" i="0" u="none" strike="noStrike" cap="none" spc="0" normalizeH="0" baseline="0" smtClean="0">
+                              <a:ln>
+                                <a:noFill/>
+                              </a:ln>
+                              <a:solidFill>
+                                <a:srgbClr val="000000"/>
+                              </a:solidFill>
+                              <a:effectLst/>
+                              <a:uFillTx/>
+                              <a:latin typeface="Cambria Math" panose="02040503050406030204" pitchFamily="18" charset="0"/>
+                              <a:sym typeface="Helvetica Light"/>
+                            </a:rPr>
+                            <m:t>log</m:t>
+                          </m:r>
+                        </m:fName>
+                        <m:e>
+                          <m:d>
+                            <m:dPr>
+                              <m:ctrlPr>
+                                <a:rPr kumimoji="0" lang="nl-NL" sz="6600" b="0" i="1" u="none" strike="noStrike" cap="none" spc="0" normalizeH="0" baseline="0" smtClean="0">
+                                  <a:ln>
+                                    <a:noFill/>
+                                  </a:ln>
+                                  <a:solidFill>
+                                    <a:srgbClr val="000000"/>
+                                  </a:solidFill>
+                                  <a:effectLst/>
+                                  <a:uFillTx/>
+                                  <a:latin typeface="Cambria Math" panose="02040503050406030204" pitchFamily="18" charset="0"/>
+                                  <a:sym typeface="Helvetica Light"/>
+                                </a:rPr>
+                              </m:ctrlPr>
+                            </m:dPr>
+                            <m:e>
+                              <m:r>
+                                <a:rPr kumimoji="0" lang="nl-NL" sz="6600" b="0" i="1" u="none" strike="noStrike" cap="none" spc="0" normalizeH="0" baseline="0" smtClean="0">
+                                  <a:ln>
+                                    <a:noFill/>
+                                  </a:ln>
+                                  <a:solidFill>
+                                    <a:srgbClr val="000000"/>
+                                  </a:solidFill>
+                                  <a:effectLst/>
+                                  <a:uFillTx/>
+                                  <a:latin typeface="Cambria Math" panose="02040503050406030204" pitchFamily="18" charset="0"/>
+                                  <a:sym typeface="Helvetica Light"/>
+                                </a:rPr>
+                                <m:t>h</m:t>
+                              </m:r>
+                              <m:r>
+                                <a:rPr lang="nl-NL" sz="6600" i="1" baseline="-25000">
+                                  <a:latin typeface="Cambria Math" panose="02040503050406030204" pitchFamily="18" charset="0"/>
+                                  <a:ea typeface="Cambria Math" panose="02040503050406030204" pitchFamily="18" charset="0"/>
+                                </a:rPr>
+                                <m:t>𝜃</m:t>
+                              </m:r>
+                              <m:d>
+                                <m:dPr>
+                                  <m:ctrlPr>
+                                    <a:rPr kumimoji="0" lang="nl-NL" sz="6600" b="0" i="1" u="none" strike="noStrike" cap="none" spc="0" normalizeH="0" baseline="0" smtClean="0">
+                                      <a:ln>
+                                        <a:noFill/>
+                                      </a:ln>
+                                      <a:solidFill>
+                                        <a:srgbClr val="000000"/>
+                                      </a:solidFill>
+                                      <a:effectLst/>
+                                      <a:uFillTx/>
+                                      <a:latin typeface="Cambria Math" panose="02040503050406030204" pitchFamily="18" charset="0"/>
+                                      <a:sym typeface="Helvetica Light"/>
+                                    </a:rPr>
+                                  </m:ctrlPr>
+                                </m:dPr>
+                                <m:e>
+                                  <m:r>
+                                    <a:rPr kumimoji="0" lang="nl-NL" sz="6600" b="0" i="1" u="none" strike="noStrike" cap="none" spc="0" normalizeH="0" baseline="0" smtClean="0">
+                                      <a:ln>
+                                        <a:noFill/>
+                                      </a:ln>
+                                      <a:solidFill>
+                                        <a:srgbClr val="000000"/>
+                                      </a:solidFill>
+                                      <a:effectLst/>
+                                      <a:uFillTx/>
+                                      <a:latin typeface="Cambria Math" panose="02040503050406030204" pitchFamily="18" charset="0"/>
+                                      <a:sym typeface="Helvetica Light"/>
+                                    </a:rPr>
+                                    <m:t>𝑥</m:t>
+                                  </m:r>
+                                </m:e>
+                              </m:d>
+                            </m:e>
+                          </m:d>
+                        </m:e>
+                      </m:func>
+                      <m:r>
+                        <a:rPr kumimoji="0" lang="nl-NL" sz="6600" b="0" i="1" u="none" strike="noStrike" cap="none" spc="0" normalizeH="0" baseline="0" smtClean="0">
+                          <a:ln>
+                            <a:noFill/>
+                          </a:ln>
+                          <a:solidFill>
+                            <a:srgbClr val="000000"/>
+                          </a:solidFill>
+                          <a:effectLst/>
+                          <a:uFillTx/>
+                          <a:latin typeface="Cambria Math" panose="02040503050406030204" pitchFamily="18" charset="0"/>
+                          <a:sym typeface="Helvetica Light"/>
+                        </a:rPr>
+                        <m:t>+</m:t>
+                      </m:r>
+                      <m:d>
+                        <m:dPr>
+                          <m:ctrlPr>
+                            <a:rPr kumimoji="0" lang="nl-NL" sz="6600" b="0" i="1" u="none" strike="noStrike" cap="none" spc="0" normalizeH="0" baseline="0" smtClean="0">
+                              <a:ln>
+                                <a:noFill/>
+                              </a:ln>
+                              <a:solidFill>
+                                <a:srgbClr val="000000"/>
+                              </a:solidFill>
+                              <a:effectLst/>
+                              <a:uFillTx/>
+                              <a:latin typeface="Cambria Math" panose="02040503050406030204" pitchFamily="18" charset="0"/>
+                              <a:sym typeface="Helvetica Light"/>
+                            </a:rPr>
+                          </m:ctrlPr>
+                        </m:dPr>
+                        <m:e>
+                          <m:r>
+                            <a:rPr kumimoji="0" lang="nl-NL" sz="6600" b="0" i="1" u="none" strike="noStrike" cap="none" spc="0" normalizeH="0" baseline="0" smtClean="0">
+                              <a:ln>
+                                <a:noFill/>
+                              </a:ln>
+                              <a:solidFill>
+                                <a:srgbClr val="000000"/>
+                              </a:solidFill>
+                              <a:effectLst/>
+                              <a:uFillTx/>
+                              <a:latin typeface="Cambria Math" panose="02040503050406030204" pitchFamily="18" charset="0"/>
+                              <a:sym typeface="Helvetica Light"/>
+                            </a:rPr>
+                            <m:t>1</m:t>
+                          </m:r>
+                          <m:r>
+                            <a:rPr kumimoji="0" lang="nl-NL" sz="6600" b="0" i="1" u="none" strike="noStrike" cap="none" spc="0" normalizeH="0" baseline="0" smtClean="0">
+                              <a:ln>
+                                <a:noFill/>
+                              </a:ln>
+                              <a:solidFill>
+                                <a:srgbClr val="000000"/>
+                              </a:solidFill>
+                              <a:effectLst/>
+                              <a:uFillTx/>
+                              <a:latin typeface="Cambria Math" panose="02040503050406030204" pitchFamily="18" charset="0"/>
+                              <a:sym typeface="Helvetica Light"/>
+                            </a:rPr>
+                            <m:t> −</m:t>
+                          </m:r>
+                          <m:r>
+                            <a:rPr kumimoji="0" lang="nl-NL" sz="6600" b="0" i="1" u="none" strike="noStrike" cap="none" spc="0" normalizeH="0" baseline="0" smtClean="0">
+                              <a:ln>
+                                <a:noFill/>
+                              </a:ln>
+                              <a:solidFill>
+                                <a:srgbClr val="000000"/>
+                              </a:solidFill>
+                              <a:effectLst/>
+                              <a:uFillTx/>
+                              <a:latin typeface="Cambria Math" panose="02040503050406030204" pitchFamily="18" charset="0"/>
+                              <a:sym typeface="Helvetica Light"/>
+                            </a:rPr>
+                            <m:t>𝑦</m:t>
+                          </m:r>
+                        </m:e>
+                      </m:d>
+                      <m:func>
+                        <m:funcPr>
+                          <m:ctrlPr>
+                            <a:rPr kumimoji="0" lang="nl-NL" sz="6600" b="0" i="1" u="none" strike="noStrike" cap="none" spc="0" normalizeH="0" baseline="0" smtClean="0">
+                              <a:ln>
+                                <a:noFill/>
+                              </a:ln>
+                              <a:solidFill>
+                                <a:srgbClr val="000000"/>
+                              </a:solidFill>
+                              <a:effectLst/>
+                              <a:uFillTx/>
+                              <a:latin typeface="Cambria Math" panose="02040503050406030204" pitchFamily="18" charset="0"/>
+                              <a:sym typeface="Helvetica Light"/>
+                            </a:rPr>
+                          </m:ctrlPr>
+                        </m:funcPr>
+                        <m:fName>
+                          <m:r>
+                            <m:rPr>
+                              <m:sty m:val="p"/>
+                            </m:rPr>
+                            <a:rPr kumimoji="0" lang="nl-NL" sz="6600" b="0" i="0" u="none" strike="noStrike" cap="none" spc="0" normalizeH="0" baseline="0" smtClean="0">
+                              <a:ln>
+                                <a:noFill/>
+                              </a:ln>
+                              <a:solidFill>
+                                <a:srgbClr val="000000"/>
+                              </a:solidFill>
+                              <a:effectLst/>
+                              <a:uFillTx/>
+                              <a:latin typeface="Cambria Math" panose="02040503050406030204" pitchFamily="18" charset="0"/>
+                              <a:sym typeface="Helvetica Light"/>
+                            </a:rPr>
+                            <m:t>log</m:t>
+                          </m:r>
+                        </m:fName>
+                        <m:e>
+                          <m:r>
+                            <a:rPr kumimoji="0" lang="nl-NL" sz="6600" b="0" i="1" u="none" strike="noStrike" cap="none" spc="0" normalizeH="0" baseline="0" smtClean="0">
+                              <a:ln>
+                                <a:noFill/>
+                              </a:ln>
+                              <a:solidFill>
+                                <a:srgbClr val="000000"/>
+                              </a:solidFill>
+                              <a:effectLst/>
+                              <a:uFillTx/>
+                              <a:latin typeface="Cambria Math" panose="02040503050406030204" pitchFamily="18" charset="0"/>
+                              <a:sym typeface="Helvetica Light"/>
+                            </a:rPr>
+                            <m:t>(</m:t>
+                          </m:r>
+                          <m:r>
+                            <a:rPr kumimoji="0" lang="nl-NL" sz="6600" b="0" i="1" u="none" strike="noStrike" cap="none" spc="0" normalizeH="0" baseline="0" smtClean="0">
+                              <a:ln>
+                                <a:noFill/>
+                              </a:ln>
+                              <a:solidFill>
+                                <a:srgbClr val="000000"/>
+                              </a:solidFill>
+                              <a:effectLst/>
+                              <a:uFillTx/>
+                              <a:latin typeface="Cambria Math" panose="02040503050406030204" pitchFamily="18" charset="0"/>
+                              <a:sym typeface="Helvetica Light"/>
+                            </a:rPr>
+                            <m:t>1</m:t>
+                          </m:r>
+                          <m:r>
+                            <a:rPr kumimoji="0" lang="nl-NL" sz="6600" b="0" i="1" u="none" strike="noStrike" cap="none" spc="0" normalizeH="0" baseline="0" smtClean="0">
+                              <a:ln>
+                                <a:noFill/>
+                              </a:ln>
+                              <a:solidFill>
+                                <a:srgbClr val="000000"/>
+                              </a:solidFill>
+                              <a:effectLst/>
+                              <a:uFillTx/>
+                              <a:latin typeface="Cambria Math" panose="02040503050406030204" pitchFamily="18" charset="0"/>
+                              <a:sym typeface="Helvetica Light"/>
+                            </a:rPr>
+                            <m:t> −</m:t>
+                          </m:r>
+                          <m:r>
+                            <a:rPr kumimoji="0" lang="nl-NL" sz="6600" b="0" i="1" u="none" strike="noStrike" cap="none" spc="0" normalizeH="0" baseline="0" smtClean="0">
+                              <a:ln>
+                                <a:noFill/>
+                              </a:ln>
+                              <a:solidFill>
+                                <a:srgbClr val="000000"/>
+                              </a:solidFill>
+                              <a:effectLst/>
+                              <a:uFillTx/>
+                              <a:latin typeface="Cambria Math" panose="02040503050406030204" pitchFamily="18" charset="0"/>
+                              <a:sym typeface="Helvetica Light"/>
+                            </a:rPr>
+                            <m:t>h</m:t>
+                          </m:r>
+                          <m:r>
+                            <a:rPr lang="nl-NL" sz="6600" i="1" baseline="-25000">
+                              <a:latin typeface="Cambria Math" panose="02040503050406030204" pitchFamily="18" charset="0"/>
+                              <a:ea typeface="Cambria Math" panose="02040503050406030204" pitchFamily="18" charset="0"/>
+                            </a:rPr>
+                            <m:t>𝜃</m:t>
+                          </m:r>
+                          <m:d>
+                            <m:dPr>
+                              <m:ctrlPr>
+                                <a:rPr kumimoji="0" lang="nl-NL" sz="6600" b="0" i="1" u="none" strike="noStrike" cap="none" spc="0" normalizeH="0" baseline="0" smtClean="0">
+                                  <a:ln>
+                                    <a:noFill/>
+                                  </a:ln>
+                                  <a:solidFill>
+                                    <a:srgbClr val="000000"/>
+                                  </a:solidFill>
+                                  <a:effectLst/>
+                                  <a:uFillTx/>
+                                  <a:latin typeface="Cambria Math" panose="02040503050406030204" pitchFamily="18" charset="0"/>
+                                  <a:sym typeface="Helvetica Light"/>
+                                </a:rPr>
+                              </m:ctrlPr>
+                            </m:dPr>
+                            <m:e>
+                              <m:r>
+                                <a:rPr kumimoji="0" lang="nl-NL" sz="6600" b="0" i="1" u="none" strike="noStrike" cap="none" spc="0" normalizeH="0" baseline="0" smtClean="0">
+                                  <a:ln>
+                                    <a:noFill/>
+                                  </a:ln>
+                                  <a:solidFill>
+                                    <a:srgbClr val="000000"/>
+                                  </a:solidFill>
+                                  <a:effectLst/>
+                                  <a:uFillTx/>
+                                  <a:latin typeface="Cambria Math" panose="02040503050406030204" pitchFamily="18" charset="0"/>
+                                  <a:sym typeface="Helvetica Light"/>
+                                </a:rPr>
+                                <m:t>𝑥</m:t>
+                              </m:r>
+                            </m:e>
+                          </m:d>
+                          <m:r>
+                            <a:rPr kumimoji="0" lang="nl-NL" sz="6600" b="0" i="1" u="none" strike="noStrike" cap="none" spc="0" normalizeH="0" baseline="0" smtClean="0">
+                              <a:ln>
+                                <a:noFill/>
+                              </a:ln>
+                              <a:solidFill>
+                                <a:srgbClr val="000000"/>
+                              </a:solidFill>
+                              <a:effectLst/>
+                              <a:uFillTx/>
+                              <a:latin typeface="Cambria Math" panose="02040503050406030204" pitchFamily="18" charset="0"/>
+                              <a:sym typeface="Helvetica Light"/>
+                            </a:rPr>
+                            <m:t>)</m:t>
+                          </m:r>
+                        </m:e>
+                      </m:func>
+                    </m:oMath>
+                  </m:oMathPara>
+                </a14:m>
+                <a:endParaRPr kumimoji="0" lang="nl-NL" sz="6600" b="0" i="0" u="none" strike="noStrike" cap="none" spc="0" normalizeH="0" baseline="0">
+                  <a:ln>
+                    <a:noFill/>
+                  </a:ln>
+                  <a:solidFill>
+                    <a:srgbClr val="000000"/>
+                  </a:solidFill>
+                  <a:effectLst/>
+                  <a:uFillTx/>
+                  <a:sym typeface="Helvetica Light"/>
+                </a:endParaRPr>
+              </a:p>
+            </p:txBody>
+          </p:sp>
+        </mc:Choice>
+        <mc:Fallback>
+          <p:sp>
+            <p:nvSpPr>
+              <p:cNvPr id="8" name="Tekstvak 7">
+                <a:extLst>
+                  <a:ext uri="{FF2B5EF4-FFF2-40B4-BE49-F238E27FC236}">
+                    <a16:creationId xmlns:a16="http://schemas.microsoft.com/office/drawing/2014/main" id="{B6494F6E-673C-6382-1273-CC0CF912D177}"/>
+                  </a:ext>
+                </a:extLst>
+              </p:cNvPr>
+              <p:cNvSpPr txBox="1">
+                <a:spLocks noRot="1" noChangeAspect="1" noMove="1" noResize="1" noEditPoints="1" noAdjustHandles="1" noChangeArrowheads="1" noChangeShapeType="1" noTextEdit="1"/>
+              </p:cNvSpPr>
+              <p:nvPr/>
+            </p:nvSpPr>
+            <p:spPr>
+              <a:xfrm>
+                <a:off x="7343659" y="7957709"/>
+                <a:ext cx="15344374" cy="1146468"/>
+              </a:xfrm>
+              <a:prstGeom prst="rect">
+                <a:avLst/>
+              </a:prstGeom>
+              <a:blipFill>
+                <a:blip r:embed="rId4"/>
+                <a:stretch>
+                  <a:fillRect b="-532"/>
+                </a:stretch>
+              </a:blipFill>
+              <a:ln w="12700" cap="flat">
+                <a:noFill/>
+                <a:miter lim="400000"/>
+              </a:ln>
+              <a:effectLst/>
+            </p:spPr>
+            <p:txBody>
+              <a:bodyPr/>
+              <a:lstStyle/>
+              <a:p>
+                <a:r>
+                  <a:rPr lang="nl-NL">
+                    <a:noFill/>
+                  </a:rPr>
+                  <a:t> </a:t>
+                </a:r>
+              </a:p>
+            </p:txBody>
+          </p:sp>
+        </mc:Fallback>
+      </mc:AlternateContent>
     </p:spTree>
   </p:cSld>
   <p:clrMapOvr>
@@ -5504,152 +9587,6 @@
 </file>
 
 <file path=ppt/slides/slide19.xml><?xml version="1.0" encoding="utf-8"?>
-<p:sld xmlns:a="http://schemas.openxmlformats.org/drawingml/2006/main" xmlns:r="http://schemas.openxmlformats.org/officeDocument/2006/relationships" xmlns:p="http://schemas.openxmlformats.org/presentationml/2006/main">
-  <p:cSld>
-    <p:spTree>
-      <p:nvGrpSpPr>
-        <p:cNvPr id="1" name=""/>
-        <p:cNvGrpSpPr/>
-        <p:nvPr/>
-      </p:nvGrpSpPr>
-      <p:grpSpPr>
-        <a:xfrm>
-          <a:off x="0" y="0"/>
-          <a:ext cx="0" cy="0"/>
-          <a:chOff x="0" y="0"/>
-          <a:chExt cx="0" cy="0"/>
-        </a:xfrm>
-      </p:grpSpPr>
-      <p:sp>
-        <p:nvSpPr>
-          <p:cNvPr id="2" name="Titel 1">
-            <a:extLst>
-              <a:ext uri="{FF2B5EF4-FFF2-40B4-BE49-F238E27FC236}">
-                <a16:creationId xmlns:a16="http://schemas.microsoft.com/office/drawing/2014/main" id="{D48B641D-22D7-E2FC-F855-38BE6E7D5652}"/>
-              </a:ext>
-            </a:extLst>
-          </p:cNvPr>
-          <p:cNvSpPr>
-            <a:spLocks noGrp="1"/>
-          </p:cNvSpPr>
-          <p:nvPr>
-            <p:ph type="title"/>
-          </p:nvPr>
-        </p:nvSpPr>
-        <p:spPr/>
-        <p:txBody>
-          <a:bodyPr/>
-          <a:lstStyle/>
-          <a:p>
-            <a:endParaRPr lang="nl-NL"/>
-          </a:p>
-        </p:txBody>
-      </p:sp>
-      <p:sp>
-        <p:nvSpPr>
-          <p:cNvPr id="3" name="Tijdelijke aanduiding voor tekst 2">
-            <a:extLst>
-              <a:ext uri="{FF2B5EF4-FFF2-40B4-BE49-F238E27FC236}">
-                <a16:creationId xmlns:a16="http://schemas.microsoft.com/office/drawing/2014/main" id="{C37C002C-C441-66CF-C95D-F2F0A551083A}"/>
-              </a:ext>
-            </a:extLst>
-          </p:cNvPr>
-          <p:cNvSpPr>
-            <a:spLocks noGrp="1"/>
-          </p:cNvSpPr>
-          <p:nvPr>
-            <p:ph type="body" sz="quarter" idx="1"/>
-          </p:nvPr>
-        </p:nvSpPr>
-        <p:spPr/>
-        <p:txBody>
-          <a:bodyPr/>
-          <a:lstStyle/>
-          <a:p>
-            <a:endParaRPr lang="nl-NL"/>
-          </a:p>
-        </p:txBody>
-      </p:sp>
-    </p:spTree>
-  </p:cSld>
-  <p:clrMapOvr>
-    <a:masterClrMapping/>
-  </p:clrMapOvr>
-  <p:transition spd="med"/>
-</p:sld>
-</file>
-
-<file path=ppt/slides/slide2.xml><?xml version="1.0" encoding="utf-8"?>
-<p:sld xmlns:a="http://schemas.openxmlformats.org/drawingml/2006/main" xmlns:r="http://schemas.openxmlformats.org/officeDocument/2006/relationships" xmlns:p="http://schemas.openxmlformats.org/presentationml/2006/main">
-  <p:cSld>
-    <p:spTree>
-      <p:nvGrpSpPr>
-        <p:cNvPr id="1" name=""/>
-        <p:cNvGrpSpPr/>
-        <p:nvPr/>
-      </p:nvGrpSpPr>
-      <p:grpSpPr>
-        <a:xfrm>
-          <a:off x="0" y="0"/>
-          <a:ext cx="0" cy="0"/>
-          <a:chOff x="0" y="0"/>
-          <a:chExt cx="0" cy="0"/>
-        </a:xfrm>
-      </p:grpSpPr>
-      <p:sp>
-        <p:nvSpPr>
-          <p:cNvPr id="122" name="ml:classificatie"/>
-          <p:cNvSpPr txBox="1"/>
-          <p:nvPr/>
-        </p:nvSpPr>
-        <p:spPr>
-          <a:xfrm>
-            <a:off x="5997376" y="6043612"/>
-            <a:ext cx="12389248" cy="1628776"/>
-          </a:xfrm>
-          <a:prstGeom prst="rect">
-            <a:avLst/>
-          </a:prstGeom>
-          <a:ln w="12700">
-            <a:miter lim="400000"/>
-          </a:ln>
-          <a:extLst>
-            <a:ext uri="{C572A759-6A51-4108-AA02-DFA0A04FC94B}">
-              <ma14:wrappingTextBoxFlag xmlns:ma14="http://schemas.microsoft.com/office/mac/drawingml/2011/main" xmlns:a14="http://schemas.microsoft.com/office/drawing/2010/main" xmlns:m="http://schemas.openxmlformats.org/officeDocument/2006/math" xmlns="" val="1"/>
-            </a:ext>
-          </a:extLst>
-        </p:spPr>
-        <p:txBody>
-          <a:bodyPr wrap="none" lIns="71437" tIns="71437" rIns="71437" bIns="71437" anchor="ctr">
-            <a:spAutoFit/>
-          </a:bodyPr>
-          <a:lstStyle>
-            <a:lvl1pPr>
-              <a:defRPr sz="10000">
-                <a:latin typeface="Menlo Regular"/>
-                <a:ea typeface="Menlo Regular"/>
-                <a:cs typeface="Menlo Regular"/>
-                <a:sym typeface="Menlo Regular"/>
-              </a:defRPr>
-            </a:lvl1pPr>
-          </a:lstStyle>
-          <a:p>
-            <a:r>
-              <a:t>ml:classificatie</a:t>
-            </a:r>
-          </a:p>
-        </p:txBody>
-      </p:sp>
-    </p:spTree>
-  </p:cSld>
-  <p:clrMapOvr>
-    <a:masterClrMapping/>
-  </p:clrMapOvr>
-  <p:transition spd="med"/>
-</p:sld>
-</file>
-
-<file path=ppt/slides/slide20.xml><?xml version="1.0" encoding="utf-8"?>
 <p:sld xmlns:a="http://schemas.openxmlformats.org/drawingml/2006/main" xmlns:r="http://schemas.openxmlformats.org/officeDocument/2006/relationships" xmlns:p="http://schemas.openxmlformats.org/presentationml/2006/main">
   <p:cSld>
     <p:spTree>
@@ -5685,7 +9622,7 @@
           </a:ln>
           <a:extLst>
             <a:ext uri="{C572A759-6A51-4108-AA02-DFA0A04FC94B}">
-              <ma14:wrappingTextBoxFlag xmlns:ma14="http://schemas.microsoft.com/office/mac/drawingml/2011/main" xmlns:a14="http://schemas.microsoft.com/office/drawing/2010/main" xmlns:m="http://schemas.openxmlformats.org/officeDocument/2006/math" xmlns="" val="1"/>
+              <ma14:wrappingTextBoxFlag xmlns="" xmlns:m="http://schemas.openxmlformats.org/officeDocument/2006/math" xmlns:a14="http://schemas.microsoft.com/office/drawing/2010/main" xmlns:ma14="http://schemas.microsoft.com/office/mac/drawingml/2011/main" val="1"/>
             </a:ext>
           </a:extLst>
         </p:spPr>
@@ -5710,8 +9647,8 @@
           </a:p>
         </p:txBody>
       </p:sp>
-      <mc:AlternateContent xmlns:mc="http://schemas.openxmlformats.org/markup-compatibility/2006">
-        <mc:Choice xmlns:a14="http://schemas.microsoft.com/office/drawing/2010/main" Requires="a14">
+      <mc:AlternateContent xmlns:mc="http://schemas.openxmlformats.org/markup-compatibility/2006" xmlns:a14="http://schemas.microsoft.com/office/drawing/2010/main">
+        <mc:Choice Requires="a14">
           <p:sp>
             <p:nvSpPr>
               <p:cNvPr id="227" name="Vergelijking"/>
@@ -5866,7 +9803,16 @@
                                   </a:solidFill>
                                   <a:latin typeface="Cambria Math" panose="02040503050406030204" pitchFamily="18" charset="0"/>
                                 </a:rPr>
-                                <m:t>=1</m:t>
+                                <m:t>=</m:t>
+                              </m:r>
+                              <m:r>
+                                <a:rPr sz="5100" i="1">
+                                  <a:solidFill>
+                                    <a:srgbClr val="000000"/>
+                                  </a:solidFill>
+                                  <a:latin typeface="Cambria Math" panose="02040503050406030204" pitchFamily="18" charset="0"/>
+                                </a:rPr>
+                                <m:t>1</m:t>
                               </m:r>
                             </m:lim>
                           </m:limLow>
@@ -6069,7 +10015,25 @@
                               </a:solidFill>
                               <a:latin typeface="Cambria Math" panose="02040503050406030204" pitchFamily="18" charset="0"/>
                             </a:rPr>
-                            <m:t>))+(1−</m:t>
+                            <m:t>))+(</m:t>
+                          </m:r>
+                          <m:r>
+                            <a:rPr sz="5100" i="1">
+                              <a:solidFill>
+                                <a:srgbClr val="000000"/>
+                              </a:solidFill>
+                              <a:latin typeface="Cambria Math" panose="02040503050406030204" pitchFamily="18" charset="0"/>
+                            </a:rPr>
+                            <m:t>1</m:t>
+                          </m:r>
+                          <m:r>
+                            <a:rPr sz="5100" i="1">
+                              <a:solidFill>
+                                <a:srgbClr val="000000"/>
+                              </a:solidFill>
+                              <a:latin typeface="Cambria Math" panose="02040503050406030204" pitchFamily="18" charset="0"/>
+                            </a:rPr>
+                            <m:t>−</m:t>
                           </m:r>
                           <m:sSup>
                             <m:sSupPr>
@@ -6148,7 +10112,25 @@
                               </a:solidFill>
                               <a:latin typeface="Cambria Math" panose="02040503050406030204" pitchFamily="18" charset="0"/>
                             </a:rPr>
-                            <m:t>(1−</m:t>
+                            <m:t>(</m:t>
+                          </m:r>
+                          <m:r>
+                            <a:rPr sz="5100" i="1">
+                              <a:solidFill>
+                                <a:srgbClr val="000000"/>
+                              </a:solidFill>
+                              <a:latin typeface="Cambria Math" panose="02040503050406030204" pitchFamily="18" charset="0"/>
+                            </a:rPr>
+                            <m:t>1</m:t>
+                          </m:r>
+                          <m:r>
+                            <a:rPr sz="5100" i="1">
+                              <a:solidFill>
+                                <a:srgbClr val="000000"/>
+                              </a:solidFill>
+                              <a:latin typeface="Cambria Math" panose="02040503050406030204" pitchFamily="18" charset="0"/>
+                            </a:rPr>
+                            <m:t>−</m:t>
                           </m:r>
                           <m:sSub>
                             <m:sSubPr>
@@ -6264,7 +10246,7 @@
             </p:txBody>
           </p:sp>
         </mc:Choice>
-        <mc:Fallback>
+        <mc:Fallback xmlns="">
           <p:sp>
             <p:nvSpPr>
               <p:cNvPr id="227" name="Vergelijking"/>
@@ -6306,8 +10288,8 @@
           </p:sp>
         </mc:Fallback>
       </mc:AlternateContent>
-      <mc:AlternateContent xmlns:mc="http://schemas.openxmlformats.org/markup-compatibility/2006">
-        <mc:Choice xmlns:a14="http://schemas.microsoft.com/office/drawing/2010/main" Requires="a14">
+      <mc:AlternateContent xmlns:mc="http://schemas.openxmlformats.org/markup-compatibility/2006" xmlns:a14="http://schemas.microsoft.com/office/drawing/2010/main">
+        <mc:Choice Requires="a14">
           <p:sp>
             <p:nvSpPr>
               <p:cNvPr id="228" name="Vergelijking"/>
@@ -6360,7 +10342,7 @@
                               </a:solidFill>
                               <a:latin typeface="Cambria Math" panose="02040503050406030204" pitchFamily="18" charset="0"/>
                             </a:rPr>
-                            <m:t>∂</m:t>
+                            <m:t>𝜕</m:t>
                           </m:r>
                         </m:num>
                         <m:den>
@@ -6371,7 +10353,7 @@
                               </a:solidFill>
                               <a:latin typeface="Cambria Math" panose="02040503050406030204" pitchFamily="18" charset="0"/>
                             </a:rPr>
-                            <m:t>∂</m:t>
+                            <m:t>𝜕</m:t>
                           </m:r>
                           <m:sSub>
                             <m:sSubPr>
@@ -6681,7 +10663,7 @@
             </p:txBody>
           </p:sp>
         </mc:Choice>
-        <mc:Fallback>
+        <mc:Fallback xmlns="">
           <p:sp>
             <p:nvSpPr>
               <p:cNvPr id="228" name="Vergelijking"/>
@@ -6774,7 +10756,7 @@
           </a:ln>
           <a:extLst>
             <a:ext uri="{C572A759-6A51-4108-AA02-DFA0A04FC94B}">
-              <ma14:wrappingTextBoxFlag xmlns:ma14="http://schemas.microsoft.com/office/mac/drawingml/2011/main" xmlns:a14="http://schemas.microsoft.com/office/drawing/2010/main" xmlns:m="http://schemas.openxmlformats.org/officeDocument/2006/math" xmlns="" val="1"/>
+              <ma14:wrappingTextBoxFlag xmlns="" xmlns:m="http://schemas.openxmlformats.org/officeDocument/2006/math" xmlns:a14="http://schemas.microsoft.com/office/drawing/2010/main" xmlns:ma14="http://schemas.microsoft.com/office/mac/drawingml/2011/main" val="1"/>
             </a:ext>
           </a:extLst>
         </p:spPr>
@@ -6807,7 +10789,77 @@
 </p:sld>
 </file>
 
-<file path=ppt/slides/slide21.xml><?xml version="1.0" encoding="utf-8"?>
+<file path=ppt/slides/slide2.xml><?xml version="1.0" encoding="utf-8"?>
+<p:sld xmlns:a="http://schemas.openxmlformats.org/drawingml/2006/main" xmlns:r="http://schemas.openxmlformats.org/officeDocument/2006/relationships" xmlns:p="http://schemas.openxmlformats.org/presentationml/2006/main">
+  <p:cSld>
+    <p:spTree>
+      <p:nvGrpSpPr>
+        <p:cNvPr id="1" name=""/>
+        <p:cNvGrpSpPr/>
+        <p:nvPr/>
+      </p:nvGrpSpPr>
+      <p:grpSpPr>
+        <a:xfrm>
+          <a:off x="0" y="0"/>
+          <a:ext cx="0" cy="0"/>
+          <a:chOff x="0" y="0"/>
+          <a:chExt cx="0" cy="0"/>
+        </a:xfrm>
+      </p:grpSpPr>
+      <p:sp>
+        <p:nvSpPr>
+          <p:cNvPr id="122" name="ml:classificatie"/>
+          <p:cNvSpPr txBox="1"/>
+          <p:nvPr/>
+        </p:nvSpPr>
+        <p:spPr>
+          <a:xfrm>
+            <a:off x="5997376" y="6043612"/>
+            <a:ext cx="12389248" cy="1628776"/>
+          </a:xfrm>
+          <a:prstGeom prst="rect">
+            <a:avLst/>
+          </a:prstGeom>
+          <a:ln w="12700">
+            <a:miter lim="400000"/>
+          </a:ln>
+          <a:extLst>
+            <a:ext uri="{C572A759-6A51-4108-AA02-DFA0A04FC94B}">
+              <ma14:wrappingTextBoxFlag xmlns="" xmlns:m="http://schemas.openxmlformats.org/officeDocument/2006/math" xmlns:a14="http://schemas.microsoft.com/office/drawing/2010/main" xmlns:ma14="http://schemas.microsoft.com/office/mac/drawingml/2011/main" val="1"/>
+            </a:ext>
+          </a:extLst>
+        </p:spPr>
+        <p:txBody>
+          <a:bodyPr wrap="none" lIns="71437" tIns="71437" rIns="71437" bIns="71437" anchor="ctr">
+            <a:spAutoFit/>
+          </a:bodyPr>
+          <a:lstStyle>
+            <a:lvl1pPr>
+              <a:defRPr sz="10000">
+                <a:latin typeface="Menlo Regular"/>
+                <a:ea typeface="Menlo Regular"/>
+                <a:cs typeface="Menlo Regular"/>
+                <a:sym typeface="Menlo Regular"/>
+              </a:defRPr>
+            </a:lvl1pPr>
+          </a:lstStyle>
+          <a:p>
+            <a:r>
+              <a:t>ml:classificatie</a:t>
+            </a:r>
+          </a:p>
+        </p:txBody>
+      </p:sp>
+    </p:spTree>
+  </p:cSld>
+  <p:clrMapOvr>
+    <a:masterClrMapping/>
+  </p:clrMapOvr>
+  <p:transition spd="med"/>
+</p:sld>
+</file>
+
+<file path=ppt/slides/slide20.xml><?xml version="1.0" encoding="utf-8"?>
 <p:sld xmlns:a="http://schemas.openxmlformats.org/drawingml/2006/main" xmlns:r="http://schemas.openxmlformats.org/officeDocument/2006/relationships" xmlns:p="http://schemas.openxmlformats.org/presentationml/2006/main">
   <p:cSld>
     <p:spTree>
@@ -6843,7 +10895,7 @@
           </a:ln>
           <a:extLst>
             <a:ext uri="{C572A759-6A51-4108-AA02-DFA0A04FC94B}">
-              <ma14:wrappingTextBoxFlag xmlns:ma14="http://schemas.microsoft.com/office/mac/drawingml/2011/main" xmlns:a14="http://schemas.microsoft.com/office/drawing/2010/main" xmlns:m="http://schemas.openxmlformats.org/officeDocument/2006/math" xmlns="" val="1"/>
+              <ma14:wrappingTextBoxFlag xmlns="" xmlns:m="http://schemas.openxmlformats.org/officeDocument/2006/math" xmlns:a14="http://schemas.microsoft.com/office/drawing/2010/main" xmlns:ma14="http://schemas.microsoft.com/office/mac/drawingml/2011/main" val="1"/>
             </a:ext>
           </a:extLst>
         </p:spPr>
@@ -6904,7 +10956,7 @@
             <a:effectLst/>
             <a:extLst>
               <a:ext uri="{C572A759-6A51-4108-AA02-DFA0A04FC94B}">
-                <ma14:wrappingTextBoxFlag xmlns:ma14="http://schemas.microsoft.com/office/mac/drawingml/2011/main" xmlns:a14="http://schemas.microsoft.com/office/drawing/2010/main" xmlns:m="http://schemas.openxmlformats.org/officeDocument/2006/math" xmlns="" val="1"/>
+                <ma14:wrappingTextBoxFlag xmlns="" xmlns:m="http://schemas.openxmlformats.org/officeDocument/2006/math" xmlns:a14="http://schemas.microsoft.com/office/drawing/2010/main" xmlns:ma14="http://schemas.microsoft.com/office/mac/drawingml/2011/main" val="1"/>
               </a:ext>
             </a:extLst>
           </p:spPr>
@@ -6947,8 +10999,8 @@
             </a:p>
           </p:txBody>
         </p:sp>
-        <mc:AlternateContent xmlns:mc="http://schemas.openxmlformats.org/markup-compatibility/2006">
-          <mc:Choice xmlns:a14="http://schemas.microsoft.com/office/drawing/2010/main" Requires="a14">
+        <mc:AlternateContent xmlns:mc="http://schemas.openxmlformats.org/markup-compatibility/2006" xmlns:a14="http://schemas.microsoft.com/office/drawing/2010/main">
+          <mc:Choice Requires="a14">
             <p:sp>
               <p:nvSpPr>
                 <p:cNvPr id="234" name="Vergelijking"/>
@@ -6988,7 +11040,7 @@
                         <m:sSub>
                           <m:sSubPr>
                             <m:ctrlPr>
-                              <a:rPr sz="5100">
+                              <a:rPr sz="5100" i="1">
                                 <a:solidFill>
                                   <a:srgbClr val="000000"/>
                                 </a:solidFill>
@@ -7099,7 +11151,7 @@
               </p:txBody>
             </p:sp>
           </mc:Choice>
-          <mc:Fallback>
+          <mc:Fallback xmlns="">
             <p:sp>
               <p:nvSpPr>
                 <p:cNvPr id="234" name="Vergelijking"/>
@@ -7144,8 +11196,8 @@
           </mc:Fallback>
         </mc:AlternateContent>
       </p:grpSp>
-      <mc:AlternateContent xmlns:mc="http://schemas.openxmlformats.org/markup-compatibility/2006">
-        <mc:Choice xmlns:a14="http://schemas.microsoft.com/office/drawing/2010/main" Requires="a14">
+      <mc:AlternateContent xmlns:mc="http://schemas.openxmlformats.org/markup-compatibility/2006" xmlns:a14="http://schemas.microsoft.com/office/drawing/2010/main">
+        <mc:Choice Requires="a14">
           <p:sp>
             <p:nvSpPr>
               <p:cNvPr id="236" name="Vergelijking"/>
@@ -7182,7 +11234,7 @@
                       <m:sSub>
                         <m:sSubPr>
                           <m:ctrlPr>
-                            <a:rPr sz="5100">
+                            <a:rPr sz="5100" i="1">
                               <a:solidFill>
                                 <a:srgbClr val="000000"/>
                               </a:solidFill>
@@ -7293,7 +11345,7 @@
                               </a:solidFill>
                               <a:latin typeface="Cambria Math" panose="02040503050406030204" pitchFamily="18" charset="0"/>
                             </a:rPr>
-                            <m:t>∂</m:t>
+                            <m:t>𝜕</m:t>
                           </m:r>
                         </m:num>
                         <m:den>
@@ -7304,7 +11356,7 @@
                               </a:solidFill>
                               <a:latin typeface="Cambria Math" panose="02040503050406030204" pitchFamily="18" charset="0"/>
                             </a:rPr>
-                            <m:t>∂</m:t>
+                            <m:t>𝜕</m:t>
                           </m:r>
                           <m:sSub>
                             <m:sSubPr>
@@ -7386,7 +11438,7 @@
             </p:txBody>
           </p:sp>
         </mc:Choice>
-        <mc:Fallback>
+        <mc:Fallback xmlns="">
           <p:sp>
             <p:nvSpPr>
               <p:cNvPr id="236" name="Vergelijking"/>
@@ -7428,8 +11480,8 @@
           </p:sp>
         </mc:Fallback>
       </mc:AlternateContent>
-      <mc:AlternateContent xmlns:mc="http://schemas.openxmlformats.org/markup-compatibility/2006">
-        <mc:Choice xmlns:a14="http://schemas.microsoft.com/office/drawing/2010/main" Requires="a14">
+      <mc:AlternateContent xmlns:mc="http://schemas.openxmlformats.org/markup-compatibility/2006" xmlns:a14="http://schemas.microsoft.com/office/drawing/2010/main">
+        <mc:Choice Requires="a14">
           <p:sp>
             <p:nvSpPr>
               <p:cNvPr id="237" name="Vergelijking"/>
@@ -7871,7 +11923,7 @@
             </p:txBody>
           </p:sp>
         </mc:Choice>
-        <mc:Fallback>
+        <mc:Fallback xmlns="">
           <p:sp>
             <p:nvSpPr>
               <p:cNvPr id="237" name="Vergelijking"/>
@@ -7922,7 +11974,7 @@
 </p:sld>
 </file>
 
-<file path=ppt/slides/slide22.xml><?xml version="1.0" encoding="utf-8"?>
+<file path=ppt/slides/slide21.xml><?xml version="1.0" encoding="utf-8"?>
 <p:sld xmlns:a="http://schemas.openxmlformats.org/drawingml/2006/main" xmlns:r="http://schemas.openxmlformats.org/officeDocument/2006/relationships" xmlns:p="http://schemas.openxmlformats.org/presentationml/2006/main">
   <p:cSld>
     <p:spTree>
@@ -7958,7 +12010,7 @@
           </a:ln>
           <a:extLst>
             <a:ext uri="{C572A759-6A51-4108-AA02-DFA0A04FC94B}">
-              <ma14:wrappingTextBoxFlag xmlns:ma14="http://schemas.microsoft.com/office/mac/drawingml/2011/main" xmlns:a14="http://schemas.microsoft.com/office/drawing/2010/main" xmlns:m="http://schemas.openxmlformats.org/officeDocument/2006/math" xmlns="" val="1"/>
+              <ma14:wrappingTextBoxFlag xmlns="" xmlns:m="http://schemas.openxmlformats.org/officeDocument/2006/math" xmlns:a14="http://schemas.microsoft.com/office/drawing/2010/main" xmlns:ma14="http://schemas.microsoft.com/office/mac/drawingml/2011/main" val="1"/>
             </a:ext>
           </a:extLst>
         </p:spPr>
@@ -7992,7 +12044,7 @@
 </p:sld>
 </file>
 
-<file path=ppt/slides/slide23.xml><?xml version="1.0" encoding="utf-8"?>
+<file path=ppt/slides/slide22.xml><?xml version="1.0" encoding="utf-8"?>
 <p:sld xmlns:a="http://schemas.openxmlformats.org/drawingml/2006/main" xmlns:r="http://schemas.openxmlformats.org/officeDocument/2006/relationships" xmlns:p="http://schemas.openxmlformats.org/presentationml/2006/main">
   <p:cSld>
     <p:spTree>
@@ -13600,7 +17652,7 @@
 </p:sld>
 </file>
 
-<file path=ppt/slides/slide24.xml><?xml version="1.0" encoding="utf-8"?>
+<file path=ppt/slides/slide23.xml><?xml version="1.0" encoding="utf-8"?>
 <p:sld xmlns:a="http://schemas.openxmlformats.org/drawingml/2006/main" xmlns:r="http://schemas.openxmlformats.org/officeDocument/2006/relationships" xmlns:p="http://schemas.openxmlformats.org/presentationml/2006/main">
   <p:cSld>
     <p:spTree>
@@ -13617,8 +17669,8 @@
           <a:chExt cx="0" cy="0"/>
         </a:xfrm>
       </p:grpSpPr>
-      <mc:AlternateContent xmlns:mc="http://schemas.openxmlformats.org/markup-compatibility/2006">
-        <mc:Choice xmlns:a14="http://schemas.microsoft.com/office/drawing/2010/main" Requires="a14">
+      <mc:AlternateContent xmlns:mc="http://schemas.openxmlformats.org/markup-compatibility/2006" xmlns:a14="http://schemas.microsoft.com/office/drawing/2010/main">
+        <mc:Choice Requires="a14">
           <p:sp>
             <p:nvSpPr>
               <p:cNvPr id="360" name="Vergelijking"/>
@@ -13685,7 +17737,25 @@
                                   </a:solidFill>
                                   <a:latin typeface="Cambria Math" panose="02040503050406030204" pitchFamily="18" charset="0"/>
                                 </a:rPr>
-                                <m:t>0.213</m:t>
+                                <m:t>0</m:t>
+                              </m:r>
+                              <m:r>
+                                <a:rPr sz="5100" i="1">
+                                  <a:solidFill>
+                                    <a:srgbClr val="000000"/>
+                                  </a:solidFill>
+                                  <a:latin typeface="Cambria Math" panose="02040503050406030204" pitchFamily="18" charset="0"/>
+                                </a:rPr>
+                                <m:t>.</m:t>
+                              </m:r>
+                              <m:r>
+                                <a:rPr sz="5100" i="1">
+                                  <a:solidFill>
+                                    <a:srgbClr val="000000"/>
+                                  </a:solidFill>
+                                  <a:latin typeface="Cambria Math" panose="02040503050406030204" pitchFamily="18" charset="0"/>
+                                </a:rPr>
+                                <m:t>213</m:t>
                               </m:r>
                             </m:e>
                             <m:e>
@@ -13696,7 +17766,25 @@
                                   </a:solidFill>
                                   <a:latin typeface="Cambria Math" panose="02040503050406030204" pitchFamily="18" charset="0"/>
                                 </a:rPr>
-                                <m:t>0.423</m:t>
+                                <m:t>0</m:t>
+                              </m:r>
+                              <m:r>
+                                <a:rPr sz="5100" i="1">
+                                  <a:solidFill>
+                                    <a:srgbClr val="000000"/>
+                                  </a:solidFill>
+                                  <a:latin typeface="Cambria Math" panose="02040503050406030204" pitchFamily="18" charset="0"/>
+                                </a:rPr>
+                                <m:t>.</m:t>
+                              </m:r>
+                              <m:r>
+                                <a:rPr sz="5100" i="1">
+                                  <a:solidFill>
+                                    <a:srgbClr val="000000"/>
+                                  </a:solidFill>
+                                  <a:latin typeface="Cambria Math" panose="02040503050406030204" pitchFamily="18" charset="0"/>
+                                </a:rPr>
+                                <m:t>423</m:t>
                               </m:r>
                             </m:e>
                             <m:e>
@@ -13707,7 +17795,25 @@
                                   </a:solidFill>
                                   <a:latin typeface="Cambria Math" panose="02040503050406030204" pitchFamily="18" charset="0"/>
                                 </a:rPr>
-                                <m:t>0.786</m:t>
+                                <m:t>0</m:t>
+                              </m:r>
+                              <m:r>
+                                <a:rPr sz="5100" i="1">
+                                  <a:solidFill>
+                                    <a:srgbClr val="000000"/>
+                                  </a:solidFill>
+                                  <a:latin typeface="Cambria Math" panose="02040503050406030204" pitchFamily="18" charset="0"/>
+                                </a:rPr>
+                                <m:t>.</m:t>
+                              </m:r>
+                              <m:r>
+                                <a:rPr sz="5100" i="1">
+                                  <a:solidFill>
+                                    <a:srgbClr val="000000"/>
+                                  </a:solidFill>
+                                  <a:latin typeface="Cambria Math" panose="02040503050406030204" pitchFamily="18" charset="0"/>
+                                </a:rPr>
+                                <m:t>786</m:t>
                               </m:r>
                             </m:e>
                             <m:e>
@@ -13718,7 +17824,25 @@
                                   </a:solidFill>
                                   <a:latin typeface="Cambria Math" panose="02040503050406030204" pitchFamily="18" charset="0"/>
                                 </a:rPr>
-                                <m:t>0.143</m:t>
+                                <m:t>0</m:t>
+                              </m:r>
+                              <m:r>
+                                <a:rPr sz="5100" i="1">
+                                  <a:solidFill>
+                                    <a:srgbClr val="000000"/>
+                                  </a:solidFill>
+                                  <a:latin typeface="Cambria Math" panose="02040503050406030204" pitchFamily="18" charset="0"/>
+                                </a:rPr>
+                                <m:t>.</m:t>
+                              </m:r>
+                              <m:r>
+                                <a:rPr sz="5100" i="1">
+                                  <a:solidFill>
+                                    <a:srgbClr val="000000"/>
+                                  </a:solidFill>
+                                  <a:latin typeface="Cambria Math" panose="02040503050406030204" pitchFamily="18" charset="0"/>
+                                </a:rPr>
+                                <m:t>143</m:t>
                               </m:r>
                             </m:e>
                           </m:eqArr>
@@ -13732,7 +17856,7 @@
             </p:txBody>
           </p:sp>
         </mc:Choice>
-        <mc:Fallback>
+        <mc:Fallback xmlns="">
           <p:sp>
             <p:nvSpPr>
               <p:cNvPr id="360" name="Vergelijking"/>
@@ -13774,8 +17898,8 @@
           </p:sp>
         </mc:Fallback>
       </mc:AlternateContent>
-      <mc:AlternateContent xmlns:mc="http://schemas.openxmlformats.org/markup-compatibility/2006">
-        <mc:Choice xmlns:a14="http://schemas.microsoft.com/office/drawing/2010/main" Requires="a14">
+      <mc:AlternateContent xmlns:mc="http://schemas.openxmlformats.org/markup-compatibility/2006" xmlns:a14="http://schemas.microsoft.com/office/drawing/2010/main">
+        <mc:Choice Requires="a14">
           <p:sp>
             <p:nvSpPr>
               <p:cNvPr id="361" name="Vergelijking"/>
@@ -13889,7 +18013,7 @@
             </p:txBody>
           </p:sp>
         </mc:Choice>
-        <mc:Fallback>
+        <mc:Fallback xmlns="">
           <p:sp>
             <p:nvSpPr>
               <p:cNvPr id="361" name="Vergelijking"/>
@@ -14065,8 +18189,8 @@
             </a:p>
           </p:txBody>
         </p:sp>
-        <mc:AlternateContent xmlns:mc="http://schemas.openxmlformats.org/markup-compatibility/2006">
-          <mc:Choice xmlns:a14="http://schemas.microsoft.com/office/drawing/2010/main" Requires="a14">
+        <mc:AlternateContent xmlns:mc="http://schemas.openxmlformats.org/markup-compatibility/2006" xmlns:a14="http://schemas.microsoft.com/office/drawing/2010/main">
+          <mc:Choice Requires="a14">
             <p:sp>
               <p:nvSpPr>
                 <p:cNvPr id="365" name="Cirkel"/>
@@ -14094,7 +18218,7 @@
                 <a:effectLst/>
                 <a:extLst>
                   <a:ext uri="{C572A759-6A51-4108-AA02-DFA0A04FC94B}">
-                    <ma14:wrappingTextBoxFlag xmlns:ma14="http://schemas.microsoft.com/office/mac/drawingml/2011/main" xmlns:m="http://schemas.openxmlformats.org/officeDocument/2006/math" xmlns="" val="1"/>
+                    <ma14:wrappingTextBoxFlag xmlns="" xmlns:m="http://schemas.openxmlformats.org/officeDocument/2006/math" xmlns:ma14="http://schemas.microsoft.com/office/mac/drawingml/2011/main" val="1"/>
                   </a:ext>
                 </a:extLst>
               </p:spPr>
@@ -14140,7 +18264,7 @@
               </p:txBody>
             </p:sp>
           </mc:Choice>
-          <mc:Fallback>
+          <mc:Fallback xmlns="">
             <p:sp>
               <p:nvSpPr>
                 <p:cNvPr id="365" name="Cirkel"/>
@@ -15237,8 +19361,8 @@
             </a:p>
           </p:txBody>
         </p:sp>
-        <mc:AlternateContent xmlns:mc="http://schemas.openxmlformats.org/markup-compatibility/2006">
-          <mc:Choice xmlns:a14="http://schemas.microsoft.com/office/drawing/2010/main" Requires="a14">
+        <mc:AlternateContent xmlns:mc="http://schemas.openxmlformats.org/markup-compatibility/2006" xmlns:a14="http://schemas.microsoft.com/office/drawing/2010/main">
+          <mc:Choice Requires="a14">
             <p:sp>
               <p:nvSpPr>
                 <p:cNvPr id="387" name="Vergelijking"/>
@@ -15278,7 +19402,7 @@
                         <m:sSub>
                           <m:sSubPr>
                             <m:ctrlPr>
-                              <a:rPr sz="5100">
+                              <a:rPr sz="5100" i="1">
                                 <a:solidFill>
                                   <a:srgbClr val="000000"/>
                                 </a:solidFill>
@@ -15344,7 +19468,7 @@
               </p:txBody>
             </p:sp>
           </mc:Choice>
-          <mc:Fallback>
+          <mc:Fallback xmlns="">
             <p:sp>
               <p:nvSpPr>
                 <p:cNvPr id="387" name="Vergelijking"/>
@@ -15388,8 +19512,8 @@
             </p:sp>
           </mc:Fallback>
         </mc:AlternateContent>
-        <mc:AlternateContent xmlns:mc="http://schemas.openxmlformats.org/markup-compatibility/2006">
-          <mc:Choice xmlns:a14="http://schemas.microsoft.com/office/drawing/2010/main" Requires="a14">
+        <mc:AlternateContent xmlns:mc="http://schemas.openxmlformats.org/markup-compatibility/2006" xmlns:a14="http://schemas.microsoft.com/office/drawing/2010/main">
+          <mc:Choice Requires="a14">
             <p:sp>
               <p:nvSpPr>
                 <p:cNvPr id="388" name="Vergelijking"/>
@@ -15429,7 +19553,7 @@
                         <m:sSub>
                           <m:sSubPr>
                             <m:ctrlPr>
-                              <a:rPr sz="5100">
+                              <a:rPr sz="5100" i="1">
                                 <a:solidFill>
                                   <a:srgbClr val="000000"/>
                                 </a:solidFill>
@@ -15495,7 +19619,7 @@
               </p:txBody>
             </p:sp>
           </mc:Choice>
-          <mc:Fallback>
+          <mc:Fallback xmlns="">
             <p:sp>
               <p:nvSpPr>
                 <p:cNvPr id="388" name="Vergelijking"/>
@@ -15539,8 +19663,8 @@
             </p:sp>
           </mc:Fallback>
         </mc:AlternateContent>
-        <mc:AlternateContent xmlns:mc="http://schemas.openxmlformats.org/markup-compatibility/2006">
-          <mc:Choice xmlns:a14="http://schemas.microsoft.com/office/drawing/2010/main" Requires="a14">
+        <mc:AlternateContent xmlns:mc="http://schemas.openxmlformats.org/markup-compatibility/2006" xmlns:a14="http://schemas.microsoft.com/office/drawing/2010/main">
+          <mc:Choice Requires="a14">
             <p:sp>
               <p:nvSpPr>
                 <p:cNvPr id="389" name="Vergelijking"/>
@@ -15580,7 +19704,7 @@
                         <m:sSub>
                           <m:sSubPr>
                             <m:ctrlPr>
-                              <a:rPr sz="5100">
+                              <a:rPr sz="5100" i="1">
                                 <a:solidFill>
                                   <a:srgbClr val="000000"/>
                                 </a:solidFill>
@@ -15646,7 +19770,7 @@
               </p:txBody>
             </p:sp>
           </mc:Choice>
-          <mc:Fallback>
+          <mc:Fallback xmlns="">
             <p:sp>
               <p:nvSpPr>
                 <p:cNvPr id="389" name="Vergelijking"/>
@@ -15690,8 +19814,8 @@
             </p:sp>
           </mc:Fallback>
         </mc:AlternateContent>
-        <mc:AlternateContent xmlns:mc="http://schemas.openxmlformats.org/markup-compatibility/2006">
-          <mc:Choice xmlns:a14="http://schemas.microsoft.com/office/drawing/2010/main" Requires="a14">
+        <mc:AlternateContent xmlns:mc="http://schemas.openxmlformats.org/markup-compatibility/2006" xmlns:a14="http://schemas.microsoft.com/office/drawing/2010/main">
+          <mc:Choice Requires="a14">
             <p:sp>
               <p:nvSpPr>
                 <p:cNvPr id="390" name="Vergelijking"/>
@@ -15731,7 +19855,7 @@
                         <m:sSub>
                           <m:sSubPr>
                             <m:ctrlPr>
-                              <a:rPr sz="5100">
+                              <a:rPr sz="5100" i="1">
                                 <a:solidFill>
                                   <a:srgbClr val="000000"/>
                                 </a:solidFill>
@@ -15797,7 +19921,7 @@
               </p:txBody>
             </p:sp>
           </mc:Choice>
-          <mc:Fallback>
+          <mc:Fallback xmlns="">
             <p:sp>
               <p:nvSpPr>
                 <p:cNvPr id="390" name="Vergelijking"/>
@@ -15841,8 +19965,8 @@
             </p:sp>
           </mc:Fallback>
         </mc:AlternateContent>
-        <mc:AlternateContent xmlns:mc="http://schemas.openxmlformats.org/markup-compatibility/2006">
-          <mc:Choice xmlns:a14="http://schemas.microsoft.com/office/drawing/2010/main" Requires="a14">
+        <mc:AlternateContent xmlns:mc="http://schemas.openxmlformats.org/markup-compatibility/2006" xmlns:a14="http://schemas.microsoft.com/office/drawing/2010/main">
+          <mc:Choice Requires="a14">
             <p:sp>
               <p:nvSpPr>
                 <p:cNvPr id="391" name="Cirkel"/>
@@ -15870,7 +19994,7 @@
                 <a:effectLst/>
                 <a:extLst>
                   <a:ext uri="{C572A759-6A51-4108-AA02-DFA0A04FC94B}">
-                    <ma14:wrappingTextBoxFlag xmlns:ma14="http://schemas.microsoft.com/office/mac/drawingml/2011/main" xmlns:m="http://schemas.openxmlformats.org/officeDocument/2006/math" xmlns="" val="1"/>
+                    <ma14:wrappingTextBoxFlag xmlns="" xmlns:m="http://schemas.openxmlformats.org/officeDocument/2006/math" xmlns:ma14="http://schemas.microsoft.com/office/mac/drawingml/2011/main" val="1"/>
                   </a:ext>
                 </a:extLst>
               </p:spPr>
@@ -15916,7 +20040,7 @@
               </p:txBody>
             </p:sp>
           </mc:Choice>
-          <mc:Fallback>
+          <mc:Fallback xmlns="">
             <p:sp>
               <p:nvSpPr>
                 <p:cNvPr id="391" name="Cirkel"/>
@@ -15968,8 +20092,8 @@
             </p:sp>
           </mc:Fallback>
         </mc:AlternateContent>
-        <mc:AlternateContent xmlns:mc="http://schemas.openxmlformats.org/markup-compatibility/2006">
-          <mc:Choice xmlns:a14="http://schemas.microsoft.com/office/drawing/2010/main" Requires="a14">
+        <mc:AlternateContent xmlns:mc="http://schemas.openxmlformats.org/markup-compatibility/2006" xmlns:a14="http://schemas.microsoft.com/office/drawing/2010/main">
+          <mc:Choice Requires="a14">
             <p:sp>
               <p:nvSpPr>
                 <p:cNvPr id="392" name="Cirkel"/>
@@ -15997,7 +20121,7 @@
                 <a:effectLst/>
                 <a:extLst>
                   <a:ext uri="{C572A759-6A51-4108-AA02-DFA0A04FC94B}">
-                    <ma14:wrappingTextBoxFlag xmlns:ma14="http://schemas.microsoft.com/office/mac/drawingml/2011/main" xmlns:m="http://schemas.openxmlformats.org/officeDocument/2006/math" xmlns="" val="1"/>
+                    <ma14:wrappingTextBoxFlag xmlns="" xmlns:m="http://schemas.openxmlformats.org/officeDocument/2006/math" xmlns:ma14="http://schemas.microsoft.com/office/mac/drawingml/2011/main" val="1"/>
                   </a:ext>
                 </a:extLst>
               </p:spPr>
@@ -16043,7 +20167,7 @@
               </p:txBody>
             </p:sp>
           </mc:Choice>
-          <mc:Fallback>
+          <mc:Fallback xmlns="">
             <p:sp>
               <p:nvSpPr>
                 <p:cNvPr id="392" name="Cirkel"/>
@@ -16095,8 +20219,8 @@
             </p:sp>
           </mc:Fallback>
         </mc:AlternateContent>
-        <mc:AlternateContent xmlns:mc="http://schemas.openxmlformats.org/markup-compatibility/2006">
-          <mc:Choice xmlns:a14="http://schemas.microsoft.com/office/drawing/2010/main" Requires="a14">
+        <mc:AlternateContent xmlns:mc="http://schemas.openxmlformats.org/markup-compatibility/2006" xmlns:a14="http://schemas.microsoft.com/office/drawing/2010/main">
+          <mc:Choice Requires="a14">
             <p:sp>
               <p:nvSpPr>
                 <p:cNvPr id="393" name="Cirkel"/>
@@ -16124,7 +20248,7 @@
                 <a:effectLst/>
                 <a:extLst>
                   <a:ext uri="{C572A759-6A51-4108-AA02-DFA0A04FC94B}">
-                    <ma14:wrappingTextBoxFlag xmlns:ma14="http://schemas.microsoft.com/office/mac/drawingml/2011/main" xmlns:m="http://schemas.openxmlformats.org/officeDocument/2006/math" xmlns="" val="1"/>
+                    <ma14:wrappingTextBoxFlag xmlns="" xmlns:m="http://schemas.openxmlformats.org/officeDocument/2006/math" xmlns:ma14="http://schemas.microsoft.com/office/mac/drawingml/2011/main" val="1"/>
                   </a:ext>
                 </a:extLst>
               </p:spPr>
@@ -16170,7 +20294,7 @@
               </p:txBody>
             </p:sp>
           </mc:Choice>
-          <mc:Fallback>
+          <mc:Fallback xmlns="">
             <p:sp>
               <p:nvSpPr>
                 <p:cNvPr id="393" name="Cirkel"/>
@@ -16268,7 +20392,7 @@
           </a:ln>
           <a:extLst>
             <a:ext uri="{C572A759-6A51-4108-AA02-DFA0A04FC94B}">
-              <ma14:wrappingTextBoxFlag xmlns:ma14="http://schemas.microsoft.com/office/mac/drawingml/2011/main" xmlns:a14="http://schemas.microsoft.com/office/drawing/2010/main" xmlns:m="http://schemas.openxmlformats.org/officeDocument/2006/math" xmlns="" val="1"/>
+              <ma14:wrappingTextBoxFlag xmlns="" xmlns:m="http://schemas.openxmlformats.org/officeDocument/2006/math" xmlns:a14="http://schemas.microsoft.com/office/drawing/2010/main" xmlns:ma14="http://schemas.microsoft.com/office/mac/drawingml/2011/main" val="1"/>
             </a:ext>
           </a:extLst>
         </p:spPr>
@@ -16312,7 +20436,7 @@
           </a:ln>
           <a:extLst>
             <a:ext uri="{C572A759-6A51-4108-AA02-DFA0A04FC94B}">
-              <ma14:wrappingTextBoxFlag xmlns:ma14="http://schemas.microsoft.com/office/mac/drawingml/2011/main" xmlns:a14="http://schemas.microsoft.com/office/drawing/2010/main" xmlns:m="http://schemas.openxmlformats.org/officeDocument/2006/math" xmlns="" val="1"/>
+              <ma14:wrappingTextBoxFlag xmlns="" xmlns:m="http://schemas.openxmlformats.org/officeDocument/2006/math" xmlns:a14="http://schemas.microsoft.com/office/drawing/2010/main" xmlns:ma14="http://schemas.microsoft.com/office/mac/drawingml/2011/main" val="1"/>
             </a:ext>
           </a:extLst>
         </p:spPr>
@@ -16471,7 +20595,7 @@
           </a:ln>
           <a:extLst>
             <a:ext uri="{C572A759-6A51-4108-AA02-DFA0A04FC94B}">
-              <ma14:wrappingTextBoxFlag xmlns:ma14="http://schemas.microsoft.com/office/mac/drawingml/2011/main" xmlns:a14="http://schemas.microsoft.com/office/drawing/2010/main" xmlns:m="http://schemas.openxmlformats.org/officeDocument/2006/math" xmlns="" val="1"/>
+              <ma14:wrappingTextBoxFlag xmlns="" xmlns:m="http://schemas.openxmlformats.org/officeDocument/2006/math" xmlns:a14="http://schemas.microsoft.com/office/drawing/2010/main" xmlns:ma14="http://schemas.microsoft.com/office/mac/drawingml/2011/main" val="1"/>
             </a:ext>
           </a:extLst>
         </p:spPr>
@@ -16589,7 +20713,7 @@
           </a:ln>
           <a:extLst>
             <a:ext uri="{C572A759-6A51-4108-AA02-DFA0A04FC94B}">
-              <ma14:wrappingTextBoxFlag xmlns:ma14="http://schemas.microsoft.com/office/mac/drawingml/2011/main" xmlns:a14="http://schemas.microsoft.com/office/drawing/2010/main" xmlns:m="http://schemas.openxmlformats.org/officeDocument/2006/math" xmlns="" val="1"/>
+              <ma14:wrappingTextBoxFlag xmlns="" xmlns:m="http://schemas.openxmlformats.org/officeDocument/2006/math" xmlns:a14="http://schemas.microsoft.com/office/drawing/2010/main" xmlns:ma14="http://schemas.microsoft.com/office/mac/drawingml/2011/main" val="1"/>
             </a:ext>
           </a:extLst>
         </p:spPr>
@@ -16659,7 +20783,7 @@
           </a:ln>
           <a:extLst>
             <a:ext uri="{C572A759-6A51-4108-AA02-DFA0A04FC94B}">
-              <ma14:wrappingTextBoxFlag xmlns:ma14="http://schemas.microsoft.com/office/mac/drawingml/2011/main" xmlns:a14="http://schemas.microsoft.com/office/drawing/2010/main" xmlns:m="http://schemas.openxmlformats.org/officeDocument/2006/math" xmlns="" val="1"/>
+              <ma14:wrappingTextBoxFlag xmlns="" xmlns:m="http://schemas.openxmlformats.org/officeDocument/2006/math" xmlns:a14="http://schemas.microsoft.com/office/drawing/2010/main" xmlns:ma14="http://schemas.microsoft.com/office/mac/drawingml/2011/main" val="1"/>
             </a:ext>
           </a:extLst>
         </p:spPr>
@@ -16703,7 +20827,7 @@
           </a:ln>
           <a:extLst>
             <a:ext uri="{C572A759-6A51-4108-AA02-DFA0A04FC94B}">
-              <ma14:wrappingTextBoxFlag xmlns:ma14="http://schemas.microsoft.com/office/mac/drawingml/2011/main" xmlns:a14="http://schemas.microsoft.com/office/drawing/2010/main" xmlns:m="http://schemas.openxmlformats.org/officeDocument/2006/math" xmlns="" val="1"/>
+              <ma14:wrappingTextBoxFlag xmlns="" xmlns:m="http://schemas.openxmlformats.org/officeDocument/2006/math" xmlns:a14="http://schemas.microsoft.com/office/drawing/2010/main" xmlns:ma14="http://schemas.microsoft.com/office/mac/drawingml/2011/main" val="1"/>
             </a:ext>
           </a:extLst>
         </p:spPr>
@@ -17040,7 +21164,7 @@
           </a:ln>
           <a:extLst>
             <a:ext uri="{C572A759-6A51-4108-AA02-DFA0A04FC94B}">
-              <ma14:wrappingTextBoxFlag xmlns:ma14="http://schemas.microsoft.com/office/mac/drawingml/2011/main" xmlns:a14="http://schemas.microsoft.com/office/drawing/2010/main" xmlns:m="http://schemas.openxmlformats.org/officeDocument/2006/math" xmlns="" val="1"/>
+              <ma14:wrappingTextBoxFlag xmlns="" xmlns:m="http://schemas.openxmlformats.org/officeDocument/2006/math" xmlns:a14="http://schemas.microsoft.com/office/drawing/2010/main" xmlns:ma14="http://schemas.microsoft.com/office/mac/drawingml/2011/main" val="1"/>
             </a:ext>
           </a:extLst>
         </p:spPr>
@@ -17769,7 +21893,7 @@
           </a:ln>
           <a:extLst>
             <a:ext uri="{C572A759-6A51-4108-AA02-DFA0A04FC94B}">
-              <ma14:wrappingTextBoxFlag xmlns:ma14="http://schemas.microsoft.com/office/mac/drawingml/2011/main" xmlns:a14="http://schemas.microsoft.com/office/drawing/2010/main" xmlns:m="http://schemas.openxmlformats.org/officeDocument/2006/math" xmlns="" val="1"/>
+              <ma14:wrappingTextBoxFlag xmlns="" xmlns:m="http://schemas.openxmlformats.org/officeDocument/2006/math" xmlns:a14="http://schemas.microsoft.com/office/drawing/2010/main" xmlns:ma14="http://schemas.microsoft.com/office/mac/drawingml/2011/main" val="1"/>
             </a:ext>
           </a:extLst>
         </p:spPr>
@@ -17813,7 +21937,7 @@
           </a:ln>
           <a:extLst>
             <a:ext uri="{C572A759-6A51-4108-AA02-DFA0A04FC94B}">
-              <ma14:wrappingTextBoxFlag xmlns:ma14="http://schemas.microsoft.com/office/mac/drawingml/2011/main" xmlns:a14="http://schemas.microsoft.com/office/drawing/2010/main" xmlns:m="http://schemas.openxmlformats.org/officeDocument/2006/math" xmlns="" val="1"/>
+              <ma14:wrappingTextBoxFlag xmlns="" xmlns:m="http://schemas.openxmlformats.org/officeDocument/2006/math" xmlns:a14="http://schemas.microsoft.com/office/drawing/2010/main" xmlns:ma14="http://schemas.microsoft.com/office/mac/drawingml/2011/main" val="1"/>
             </a:ext>
           </a:extLst>
         </p:spPr>
@@ -17857,7 +21981,7 @@
           </a:ln>
           <a:extLst>
             <a:ext uri="{C572A759-6A51-4108-AA02-DFA0A04FC94B}">
-              <ma14:wrappingTextBoxFlag xmlns:ma14="http://schemas.microsoft.com/office/mac/drawingml/2011/main" xmlns:a14="http://schemas.microsoft.com/office/drawing/2010/main" xmlns:m="http://schemas.openxmlformats.org/officeDocument/2006/math" xmlns="" val="1"/>
+              <ma14:wrappingTextBoxFlag xmlns="" xmlns:m="http://schemas.openxmlformats.org/officeDocument/2006/math" xmlns:a14="http://schemas.microsoft.com/office/drawing/2010/main" xmlns:ma14="http://schemas.microsoft.com/office/mac/drawingml/2011/main" val="1"/>
             </a:ext>
           </a:extLst>
         </p:spPr>
@@ -17944,7 +22068,7 @@
           </a:ln>
           <a:extLst>
             <a:ext uri="{C572A759-6A51-4108-AA02-DFA0A04FC94B}">
-              <ma14:wrappingTextBoxFlag xmlns:ma14="http://schemas.microsoft.com/office/mac/drawingml/2011/main" xmlns:a14="http://schemas.microsoft.com/office/drawing/2010/main" xmlns:m="http://schemas.openxmlformats.org/officeDocument/2006/math" xmlns="" val="1"/>
+              <ma14:wrappingTextBoxFlag xmlns="" xmlns:m="http://schemas.openxmlformats.org/officeDocument/2006/math" xmlns:a14="http://schemas.microsoft.com/office/drawing/2010/main" xmlns:ma14="http://schemas.microsoft.com/office/mac/drawingml/2011/main" val="1"/>
             </a:ext>
           </a:extLst>
         </p:spPr>

--- a/docs/lectures/wk3/ML_wk3_Logistische_regressie.pptx
+++ b/docs/lectures/wk3/ML_wk3_Logistische_regressie.pptx
@@ -2150,7 +2150,7 @@
           </a:ln>
           <a:extLst>
             <a:ext uri="{C572A759-6A51-4108-AA02-DFA0A04FC94B}">
-              <ma14:wrappingTextBoxFlag xmlns="" xmlns:m="http://schemas.openxmlformats.org/officeDocument/2006/math" xmlns:a14="http://schemas.microsoft.com/office/drawing/2010/main" xmlns:ma14="http://schemas.microsoft.com/office/mac/drawingml/2011/main" val="1"/>
+              <ma14:wrappingTextBoxFlag xmlns:ma14="http://schemas.microsoft.com/office/mac/drawingml/2011/main" xmlns:a14="http://schemas.microsoft.com/office/drawing/2010/main" xmlns:m="http://schemas.openxmlformats.org/officeDocument/2006/math" xmlns="" val="1"/>
             </a:ext>
           </a:extLst>
         </p:spPr>
@@ -2189,7 +2189,7 @@
           </a:ln>
           <a:extLst>
             <a:ext uri="{C572A759-6A51-4108-AA02-DFA0A04FC94B}">
-              <ma14:wrappingTextBoxFlag xmlns="" xmlns:m="http://schemas.openxmlformats.org/officeDocument/2006/math" xmlns:a14="http://schemas.microsoft.com/office/drawing/2010/main" xmlns:ma14="http://schemas.microsoft.com/office/mac/drawingml/2011/main" val="1"/>
+              <ma14:wrappingTextBoxFlag xmlns:ma14="http://schemas.microsoft.com/office/mac/drawingml/2011/main" xmlns:a14="http://schemas.microsoft.com/office/drawing/2010/main" xmlns:m="http://schemas.openxmlformats.org/officeDocument/2006/math" xmlns="" val="1"/>
             </a:ext>
           </a:extLst>
         </p:spPr>
@@ -3062,7 +3062,7 @@
           </a:ln>
           <a:extLst>
             <a:ext uri="{C572A759-6A51-4108-AA02-DFA0A04FC94B}">
-              <ma14:wrappingTextBoxFlag xmlns="" xmlns:m="http://schemas.openxmlformats.org/officeDocument/2006/math" xmlns:a14="http://schemas.microsoft.com/office/drawing/2010/main" xmlns:ma14="http://schemas.microsoft.com/office/mac/drawingml/2011/main" val="1"/>
+              <ma14:wrappingTextBoxFlag xmlns:ma14="http://schemas.microsoft.com/office/mac/drawingml/2011/main" xmlns:a14="http://schemas.microsoft.com/office/drawing/2010/main" xmlns:m="http://schemas.openxmlformats.org/officeDocument/2006/math" xmlns="" val="1"/>
             </a:ext>
           </a:extLst>
         </p:spPr>
@@ -3144,7 +3144,7 @@
           </a:ln>
           <a:extLst>
             <a:ext uri="{C572A759-6A51-4108-AA02-DFA0A04FC94B}">
-              <ma14:wrappingTextBoxFlag xmlns="" xmlns:m="http://schemas.openxmlformats.org/officeDocument/2006/math" xmlns:a14="http://schemas.microsoft.com/office/drawing/2010/main" xmlns:ma14="http://schemas.microsoft.com/office/mac/drawingml/2011/main" val="1"/>
+              <ma14:wrappingTextBoxFlag xmlns:ma14="http://schemas.microsoft.com/office/mac/drawingml/2011/main" xmlns:a14="http://schemas.microsoft.com/office/drawing/2010/main" xmlns:m="http://schemas.openxmlformats.org/officeDocument/2006/math" xmlns="" val="1"/>
             </a:ext>
           </a:extLst>
         </p:spPr>
@@ -3517,7 +3517,7 @@
             <a:effectLst/>
             <a:extLst>
               <a:ext uri="{C572A759-6A51-4108-AA02-DFA0A04FC94B}">
-                <ma14:wrappingTextBoxFlag xmlns="" xmlns:m="http://schemas.openxmlformats.org/officeDocument/2006/math" xmlns:a14="http://schemas.microsoft.com/office/drawing/2010/main" xmlns:ma14="http://schemas.microsoft.com/office/mac/drawingml/2011/main" val="1"/>
+                <ma14:wrappingTextBoxFlag xmlns:ma14="http://schemas.microsoft.com/office/mac/drawingml/2011/main" xmlns:a14="http://schemas.microsoft.com/office/drawing/2010/main" xmlns:m="http://schemas.openxmlformats.org/officeDocument/2006/math" xmlns="" val="1"/>
               </a:ext>
             </a:extLst>
           </p:spPr>
@@ -3823,7 +3823,7 @@
           </a:ln>
           <a:extLst>
             <a:ext uri="{C572A759-6A51-4108-AA02-DFA0A04FC94B}">
-              <ma14:wrappingTextBoxFlag xmlns="" xmlns:m="http://schemas.openxmlformats.org/officeDocument/2006/math" xmlns:a14="http://schemas.microsoft.com/office/drawing/2010/main" xmlns:ma14="http://schemas.microsoft.com/office/mac/drawingml/2011/main" val="1"/>
+              <ma14:wrappingTextBoxFlag xmlns:ma14="http://schemas.microsoft.com/office/mac/drawingml/2011/main" xmlns:a14="http://schemas.microsoft.com/office/drawing/2010/main" xmlns:m="http://schemas.openxmlformats.org/officeDocument/2006/math" xmlns="" val="1"/>
             </a:ext>
           </a:extLst>
         </p:spPr>
@@ -3964,7 +3964,7 @@
           </a:ln>
           <a:extLst>
             <a:ext uri="{C572A759-6A51-4108-AA02-DFA0A04FC94B}">
-              <ma14:wrappingTextBoxFlag xmlns="" xmlns:m="http://schemas.openxmlformats.org/officeDocument/2006/math" xmlns:a14="http://schemas.microsoft.com/office/drawing/2010/main" xmlns:ma14="http://schemas.microsoft.com/office/mac/drawingml/2011/main" val="1"/>
+              <ma14:wrappingTextBoxFlag xmlns:ma14="http://schemas.microsoft.com/office/mac/drawingml/2011/main" xmlns:a14="http://schemas.microsoft.com/office/drawing/2010/main" xmlns:m="http://schemas.openxmlformats.org/officeDocument/2006/math" xmlns="" val="1"/>
             </a:ext>
           </a:extLst>
         </p:spPr>
@@ -4043,7 +4043,7 @@
           </a:ln>
           <a:extLst>
             <a:ext uri="{C572A759-6A51-4108-AA02-DFA0A04FC94B}">
-              <ma14:wrappingTextBoxFlag xmlns="" xmlns:m="http://schemas.openxmlformats.org/officeDocument/2006/math" xmlns:a14="http://schemas.microsoft.com/office/drawing/2010/main" xmlns:ma14="http://schemas.microsoft.com/office/mac/drawingml/2011/main" val="1"/>
+              <ma14:wrappingTextBoxFlag xmlns:ma14="http://schemas.microsoft.com/office/mac/drawingml/2011/main" xmlns:a14="http://schemas.microsoft.com/office/drawing/2010/main" xmlns:m="http://schemas.openxmlformats.org/officeDocument/2006/math" xmlns="" val="1"/>
             </a:ext>
           </a:extLst>
         </p:spPr>
@@ -4090,7 +4090,7 @@
           </a:ln>
           <a:extLst>
             <a:ext uri="{C572A759-6A51-4108-AA02-DFA0A04FC94B}">
-              <ma14:wrappingTextBoxFlag xmlns="" xmlns:m="http://schemas.openxmlformats.org/officeDocument/2006/math" xmlns:a14="http://schemas.microsoft.com/office/drawing/2010/main" xmlns:ma14="http://schemas.microsoft.com/office/mac/drawingml/2011/main" val="1"/>
+              <ma14:wrappingTextBoxFlag xmlns:ma14="http://schemas.microsoft.com/office/mac/drawingml/2011/main" xmlns:a14="http://schemas.microsoft.com/office/drawing/2010/main" xmlns:m="http://schemas.openxmlformats.org/officeDocument/2006/math" xmlns="" val="1"/>
             </a:ext>
           </a:extLst>
         </p:spPr>
@@ -4306,7 +4306,7 @@
             <a:effectLst/>
             <a:extLst>
               <a:ext uri="{C572A759-6A51-4108-AA02-DFA0A04FC94B}">
-                <ma14:wrappingTextBoxFlag xmlns="" xmlns:m="http://schemas.openxmlformats.org/officeDocument/2006/math" xmlns:a14="http://schemas.microsoft.com/office/drawing/2010/main" xmlns:ma14="http://schemas.microsoft.com/office/mac/drawingml/2011/main" val="1"/>
+                <ma14:wrappingTextBoxFlag xmlns:ma14="http://schemas.microsoft.com/office/mac/drawingml/2011/main" xmlns:a14="http://schemas.microsoft.com/office/drawing/2010/main" xmlns:m="http://schemas.openxmlformats.org/officeDocument/2006/math" xmlns="" val="1"/>
               </a:ext>
             </a:extLst>
           </p:spPr>
@@ -4523,7 +4523,7 @@
           </a:ln>
           <a:extLst>
             <a:ext uri="{C572A759-6A51-4108-AA02-DFA0A04FC94B}">
-              <ma14:wrappingTextBoxFlag xmlns="" xmlns:m="http://schemas.openxmlformats.org/officeDocument/2006/math" xmlns:a14="http://schemas.microsoft.com/office/drawing/2010/main" xmlns:ma14="http://schemas.microsoft.com/office/mac/drawingml/2011/main" val="1"/>
+              <ma14:wrappingTextBoxFlag xmlns:ma14="http://schemas.microsoft.com/office/mac/drawingml/2011/main" xmlns:a14="http://schemas.microsoft.com/office/drawing/2010/main" xmlns:m="http://schemas.openxmlformats.org/officeDocument/2006/math" xmlns="" val="1"/>
             </a:ext>
           </a:extLst>
         </p:spPr>
@@ -4765,7 +4765,7 @@
           </a:ln>
           <a:extLst>
             <a:ext uri="{C572A759-6A51-4108-AA02-DFA0A04FC94B}">
-              <ma14:wrappingTextBoxFlag xmlns="" xmlns:m="http://schemas.openxmlformats.org/officeDocument/2006/math" xmlns:a14="http://schemas.microsoft.com/office/drawing/2010/main" xmlns:ma14="http://schemas.microsoft.com/office/mac/drawingml/2011/main" val="1"/>
+              <ma14:wrappingTextBoxFlag xmlns:ma14="http://schemas.microsoft.com/office/mac/drawingml/2011/main" xmlns:a14="http://schemas.microsoft.com/office/drawing/2010/main" xmlns:m="http://schemas.openxmlformats.org/officeDocument/2006/math" xmlns="" val="1"/>
             </a:ext>
           </a:extLst>
         </p:spPr>
@@ -4835,7 +4835,7 @@
           </a:ln>
           <a:extLst>
             <a:ext uri="{C572A759-6A51-4108-AA02-DFA0A04FC94B}">
-              <ma14:wrappingTextBoxFlag xmlns="" xmlns:m="http://schemas.openxmlformats.org/officeDocument/2006/math" xmlns:a14="http://schemas.microsoft.com/office/drawing/2010/main" xmlns:ma14="http://schemas.microsoft.com/office/mac/drawingml/2011/main" val="1"/>
+              <ma14:wrappingTextBoxFlag xmlns:ma14="http://schemas.microsoft.com/office/mac/drawingml/2011/main" xmlns:a14="http://schemas.microsoft.com/office/drawing/2010/main" xmlns:m="http://schemas.openxmlformats.org/officeDocument/2006/math" xmlns="" val="1"/>
             </a:ext>
           </a:extLst>
         </p:spPr>
@@ -5246,7 +5246,7 @@
           </a:ln>
           <a:extLst>
             <a:ext uri="{C572A759-6A51-4108-AA02-DFA0A04FC94B}">
-              <ma14:wrappingTextBoxFlag xmlns="" xmlns:m="http://schemas.openxmlformats.org/officeDocument/2006/math" xmlns:a14="http://schemas.microsoft.com/office/drawing/2010/main" xmlns:ma14="http://schemas.microsoft.com/office/mac/drawingml/2011/main" val="1"/>
+              <ma14:wrappingTextBoxFlag xmlns:ma14="http://schemas.microsoft.com/office/mac/drawingml/2011/main" xmlns:a14="http://schemas.microsoft.com/office/drawing/2010/main" xmlns:m="http://schemas.openxmlformats.org/officeDocument/2006/math" xmlns="" val="1"/>
             </a:ext>
           </a:extLst>
         </p:spPr>
@@ -5350,8 +5350,8 @@
           <a:chExt cx="0" cy="0"/>
         </a:xfrm>
       </p:grpSpPr>
-      <mc:AlternateContent xmlns:mc="http://schemas.openxmlformats.org/markup-compatibility/2006">
-        <mc:Choice xmlns:a14="http://schemas.microsoft.com/office/drawing/2010/main" Requires="a14">
+      <mc:AlternateContent xmlns:mc="http://schemas.openxmlformats.org/markup-compatibility/2006" xmlns:a14="http://schemas.microsoft.com/office/drawing/2010/main">
+        <mc:Choice Requires="a14">
           <p:sp>
             <p:nvSpPr>
               <p:cNvPr id="9" name="Tekstvak 8">
@@ -5778,7 +5778,7 @@
             </p:txBody>
           </p:sp>
         </mc:Choice>
-        <mc:Fallback>
+        <mc:Fallback xmlns="">
           <p:sp>
             <p:nvSpPr>
               <p:cNvPr id="9" name="Tekstvak 8">
@@ -6244,8 +6244,8 @@
           </a:p>
         </p:txBody>
       </p:sp>
-      <mc:AlternateContent xmlns:mc="http://schemas.openxmlformats.org/markup-compatibility/2006">
-        <mc:Choice xmlns:a14="http://schemas.microsoft.com/office/drawing/2010/main" Requires="a14">
+      <mc:AlternateContent xmlns:mc="http://schemas.openxmlformats.org/markup-compatibility/2006" xmlns:a14="http://schemas.microsoft.com/office/drawing/2010/main">
+        <mc:Choice Requires="a14">
           <p:sp>
             <p:nvSpPr>
               <p:cNvPr id="16" name="Tekstvak 15">
@@ -6292,7 +6292,6 @@
               </a:bodyPr>
               <a:lstStyle/>
               <a:p>
-                <a:pPr/>
                 <a14:m>
                   <m:oMath xmlns:m="http://schemas.openxmlformats.org/officeDocument/2006/math">
                     <m:r>
@@ -6369,7 +6368,7 @@
             </p:txBody>
           </p:sp>
         </mc:Choice>
-        <mc:Fallback>
+        <mc:Fallback xmlns="">
           <p:sp>
             <p:nvSpPr>
               <p:cNvPr id="16" name="Tekstvak 15">
@@ -6641,8 +6640,8 @@
           <a:chExt cx="0" cy="0"/>
         </a:xfrm>
       </p:grpSpPr>
-      <mc:AlternateContent xmlns:mc="http://schemas.openxmlformats.org/markup-compatibility/2006">
-        <mc:Choice xmlns:a14="http://schemas.microsoft.com/office/drawing/2010/main" Requires="a14">
+      <mc:AlternateContent xmlns:mc="http://schemas.openxmlformats.org/markup-compatibility/2006" xmlns:a14="http://schemas.microsoft.com/office/drawing/2010/main">
+        <mc:Choice Requires="a14">
           <p:sp>
             <p:nvSpPr>
               <p:cNvPr id="4" name="Tekstvak 3">
@@ -7069,7 +7068,7 @@
             </p:txBody>
           </p:sp>
         </mc:Choice>
-        <mc:Fallback>
+        <mc:Fallback xmlns="">
           <p:sp>
             <p:nvSpPr>
               <p:cNvPr id="4" name="Tekstvak 3">
@@ -7535,8 +7534,8 @@
           </a:p>
         </p:txBody>
       </p:sp>
-      <mc:AlternateContent xmlns:mc="http://schemas.openxmlformats.org/markup-compatibility/2006">
-        <mc:Choice xmlns:a14="http://schemas.microsoft.com/office/drawing/2010/main" Requires="a14">
+      <mc:AlternateContent xmlns:mc="http://schemas.openxmlformats.org/markup-compatibility/2006" xmlns:a14="http://schemas.microsoft.com/office/drawing/2010/main">
+        <mc:Choice Requires="a14">
           <p:sp>
             <p:nvSpPr>
               <p:cNvPr id="14" name="Tekstvak 13">
@@ -7583,7 +7582,6 @@
               </a:bodyPr>
               <a:lstStyle/>
               <a:p>
-                <a:pPr/>
                 <a14:m>
                   <m:oMath xmlns:m="http://schemas.openxmlformats.org/officeDocument/2006/math">
                     <m:r>
@@ -7660,7 +7658,7 @@
             </p:txBody>
           </p:sp>
         </mc:Choice>
-        <mc:Fallback>
+        <mc:Fallback xmlns="">
           <p:sp>
             <p:nvSpPr>
               <p:cNvPr id="14" name="Tekstvak 13">
@@ -7932,8 +7930,8 @@
           <a:chExt cx="0" cy="0"/>
         </a:xfrm>
       </p:grpSpPr>
-      <mc:AlternateContent xmlns:mc="http://schemas.openxmlformats.org/markup-compatibility/2006">
-        <mc:Choice xmlns:a14="http://schemas.microsoft.com/office/drawing/2010/main" Requires="a14">
+      <mc:AlternateContent xmlns:mc="http://schemas.openxmlformats.org/markup-compatibility/2006" xmlns:a14="http://schemas.microsoft.com/office/drawing/2010/main">
+        <mc:Choice Requires="a14">
           <p:sp>
             <p:nvSpPr>
               <p:cNvPr id="4" name="Tekstvak 3">
@@ -8235,37 +8233,7 @@
                                 <a:latin typeface="Cambria Math" panose="02040503050406030204" pitchFamily="18" charset="0"/>
                                 <a:sym typeface="Helvetica Light"/>
                               </a:rPr>
-                              <m:t>⁡(</m:t>
-                            </m:r>
-                            <m:r>
-                              <a:rPr kumimoji="0" lang="nl-NL" sz="6600" b="0" i="1" u="none" strike="noStrike" cap="none" spc="0" normalizeH="0" baseline="0" smtClean="0">
-                                <a:ln>
-                                  <a:noFill/>
-                                </a:ln>
-                                <a:solidFill>
-                                  <a:srgbClr val="000000"/>
-                                </a:solidFill>
-                                <a:effectLst/>
-                                <a:uFillTx/>
-                                <a:latin typeface="Cambria Math" panose="02040503050406030204" pitchFamily="18" charset="0"/>
-                                <a:sym typeface="Helvetica Light"/>
-                              </a:rPr>
-                              <m:t>1</m:t>
-                            </m:r>
-                            <m:r>
-                              <a:rPr kumimoji="0" lang="nl-NL" sz="6600" b="0" i="1" u="none" strike="noStrike" cap="none" spc="0" normalizeH="0" baseline="0" smtClean="0">
-                                <a:ln>
-                                  <a:noFill/>
-                                </a:ln>
-                                <a:solidFill>
-                                  <a:srgbClr val="000000"/>
-                                </a:solidFill>
-                                <a:effectLst/>
-                                <a:uFillTx/>
-                                <a:latin typeface="Cambria Math" panose="02040503050406030204" pitchFamily="18" charset="0"/>
-                                <a:sym typeface="Helvetica Light"/>
-                              </a:rPr>
-                              <m:t>−</m:t>
+                              <m:t>⁡(1−</m:t>
                             </m:r>
                             <m:r>
                               <a:rPr kumimoji="0" lang="nl-NL" sz="6600" b="0" i="1" u="none" strike="noStrike" cap="none" spc="0" normalizeH="0" baseline="0" smtClean="0">
@@ -8360,7 +8328,7 @@
             </p:txBody>
           </p:sp>
         </mc:Choice>
-        <mc:Fallback>
+        <mc:Fallback xmlns="">
           <p:sp>
             <p:nvSpPr>
               <p:cNvPr id="4" name="Tekstvak 3">
@@ -8574,8 +8542,8 @@
           </a:p>
         </p:txBody>
       </p:sp>
-      <mc:AlternateContent xmlns:mc="http://schemas.openxmlformats.org/markup-compatibility/2006">
-        <mc:Choice xmlns:a14="http://schemas.microsoft.com/office/drawing/2010/main" Requires="a14">
+      <mc:AlternateContent xmlns:mc="http://schemas.openxmlformats.org/markup-compatibility/2006" xmlns:a14="http://schemas.microsoft.com/office/drawing/2010/main">
+        <mc:Choice Requires="a14">
           <p:sp>
             <p:nvSpPr>
               <p:cNvPr id="7" name="Tekstvak 6">
@@ -8622,6 +8590,7 @@
               </a:bodyPr>
               <a:lstStyle/>
               <a:p>
+                <a:pPr/>
                 <a14:m>
                   <m:oMathPara xmlns:m="http://schemas.openxmlformats.org/officeDocument/2006/math">
                     <m:oMathParaPr>
@@ -8821,22 +8790,7 @@
                               <a:latin typeface="Cambria Math" panose="02040503050406030204" pitchFamily="18" charset="0"/>
                               <a:sym typeface="Helvetica Light"/>
                             </a:rPr>
-                            <m:t>1</m:t>
-                          </m:r>
-                          <m:r>
-                            <a:rPr kumimoji="0" lang="nl-NL" sz="6600" b="0" i="1" u="none" strike="noStrike" cap="none" spc="0" normalizeH="0" baseline="0" smtClean="0">
-                              <a:ln>
-                                <a:noFill/>
-                              </a:ln>
-                              <a:solidFill>
-                                <a:srgbClr val="000000"/>
-                              </a:solidFill>
-                              <a:effectLst/>
-                              <a:uFillTx/>
-                              <a:latin typeface="Cambria Math" panose="02040503050406030204" pitchFamily="18" charset="0"/>
-                              <a:sym typeface="Helvetica Light"/>
-                            </a:rPr>
-                            <m:t> −</m:t>
+                            <m:t>1 −</m:t>
                           </m:r>
                           <m:r>
                             <a:rPr kumimoji="0" lang="nl-NL" sz="6600" b="0" i="1" u="none" strike="noStrike" cap="none" spc="0" normalizeH="0" baseline="0" smtClean="0">
@@ -8906,37 +8860,7 @@
                               <a:latin typeface="Cambria Math" panose="02040503050406030204" pitchFamily="18" charset="0"/>
                               <a:sym typeface="Helvetica Light"/>
                             </a:rPr>
-                            <m:t>(</m:t>
-                          </m:r>
-                          <m:r>
-                            <a:rPr kumimoji="0" lang="nl-NL" sz="6600" b="0" i="1" u="none" strike="noStrike" cap="none" spc="0" normalizeH="0" baseline="0" smtClean="0">
-                              <a:ln>
-                                <a:noFill/>
-                              </a:ln>
-                              <a:solidFill>
-                                <a:srgbClr val="000000"/>
-                              </a:solidFill>
-                              <a:effectLst/>
-                              <a:uFillTx/>
-                              <a:latin typeface="Cambria Math" panose="02040503050406030204" pitchFamily="18" charset="0"/>
-                              <a:sym typeface="Helvetica Light"/>
-                            </a:rPr>
-                            <m:t>1</m:t>
-                          </m:r>
-                          <m:r>
-                            <a:rPr kumimoji="0" lang="nl-NL" sz="6600" b="0" i="1" u="none" strike="noStrike" cap="none" spc="0" normalizeH="0" baseline="0" smtClean="0">
-                              <a:ln>
-                                <a:noFill/>
-                              </a:ln>
-                              <a:solidFill>
-                                <a:srgbClr val="000000"/>
-                              </a:solidFill>
-                              <a:effectLst/>
-                              <a:uFillTx/>
-                              <a:latin typeface="Cambria Math" panose="02040503050406030204" pitchFamily="18" charset="0"/>
-                              <a:sym typeface="Helvetica Light"/>
-                            </a:rPr>
-                            <m:t> −</m:t>
+                            <m:t>(1 −</m:t>
                           </m:r>
                           <m:r>
                             <a:rPr kumimoji="0" lang="nl-NL" sz="6600" b="0" i="1" u="none" strike="noStrike" cap="none" spc="0" normalizeH="0" baseline="0" smtClean="0">
@@ -9030,7 +8954,7 @@
             </p:txBody>
           </p:sp>
         </mc:Choice>
-        <mc:Fallback>
+        <mc:Fallback xmlns="">
           <p:sp>
             <p:nvSpPr>
               <p:cNvPr id="7" name="Tekstvak 6">
@@ -9080,8 +9004,8 @@
           </p:sp>
         </mc:Fallback>
       </mc:AlternateContent>
-      <mc:AlternateContent xmlns:mc="http://schemas.openxmlformats.org/markup-compatibility/2006">
-        <mc:Choice xmlns:a14="http://schemas.microsoft.com/office/drawing/2010/main" Requires="a14">
+      <mc:AlternateContent xmlns:mc="http://schemas.openxmlformats.org/markup-compatibility/2006" xmlns:a14="http://schemas.microsoft.com/office/drawing/2010/main">
+        <mc:Choice Requires="a14">
           <p:sp>
             <p:nvSpPr>
               <p:cNvPr id="8" name="Tekstvak 7">
@@ -9128,6 +9052,7 @@
               </a:bodyPr>
               <a:lstStyle/>
               <a:p>
+                <a:pPr/>
                 <a14:m>
                   <m:oMathPara xmlns:m="http://schemas.openxmlformats.org/officeDocument/2006/math">
                     <m:oMathParaPr>
@@ -9318,22 +9243,7 @@
                               <a:latin typeface="Cambria Math" panose="02040503050406030204" pitchFamily="18" charset="0"/>
                               <a:sym typeface="Helvetica Light"/>
                             </a:rPr>
-                            <m:t>1</m:t>
-                          </m:r>
-                          <m:r>
-                            <a:rPr kumimoji="0" lang="nl-NL" sz="6600" b="0" i="1" u="none" strike="noStrike" cap="none" spc="0" normalizeH="0" baseline="0" smtClean="0">
-                              <a:ln>
-                                <a:noFill/>
-                              </a:ln>
-                              <a:solidFill>
-                                <a:srgbClr val="000000"/>
-                              </a:solidFill>
-                              <a:effectLst/>
-                              <a:uFillTx/>
-                              <a:latin typeface="Cambria Math" panose="02040503050406030204" pitchFamily="18" charset="0"/>
-                              <a:sym typeface="Helvetica Light"/>
-                            </a:rPr>
-                            <m:t> −</m:t>
+                            <m:t>1 −</m:t>
                           </m:r>
                           <m:r>
                             <a:rPr kumimoji="0" lang="nl-NL" sz="6600" b="0" i="1" u="none" strike="noStrike" cap="none" spc="0" normalizeH="0" baseline="0" smtClean="0">
@@ -9403,37 +9313,7 @@
                               <a:latin typeface="Cambria Math" panose="02040503050406030204" pitchFamily="18" charset="0"/>
                               <a:sym typeface="Helvetica Light"/>
                             </a:rPr>
-                            <m:t>(</m:t>
-                          </m:r>
-                          <m:r>
-                            <a:rPr kumimoji="0" lang="nl-NL" sz="6600" b="0" i="1" u="none" strike="noStrike" cap="none" spc="0" normalizeH="0" baseline="0" smtClean="0">
-                              <a:ln>
-                                <a:noFill/>
-                              </a:ln>
-                              <a:solidFill>
-                                <a:srgbClr val="000000"/>
-                              </a:solidFill>
-                              <a:effectLst/>
-                              <a:uFillTx/>
-                              <a:latin typeface="Cambria Math" panose="02040503050406030204" pitchFamily="18" charset="0"/>
-                              <a:sym typeface="Helvetica Light"/>
-                            </a:rPr>
-                            <m:t>1</m:t>
-                          </m:r>
-                          <m:r>
-                            <a:rPr kumimoji="0" lang="nl-NL" sz="6600" b="0" i="1" u="none" strike="noStrike" cap="none" spc="0" normalizeH="0" baseline="0" smtClean="0">
-                              <a:ln>
-                                <a:noFill/>
-                              </a:ln>
-                              <a:solidFill>
-                                <a:srgbClr val="000000"/>
-                              </a:solidFill>
-                              <a:effectLst/>
-                              <a:uFillTx/>
-                              <a:latin typeface="Cambria Math" panose="02040503050406030204" pitchFamily="18" charset="0"/>
-                              <a:sym typeface="Helvetica Light"/>
-                            </a:rPr>
-                            <m:t> −</m:t>
+                            <m:t>(1 −</m:t>
                           </m:r>
                           <m:r>
                             <a:rPr kumimoji="0" lang="nl-NL" sz="6600" b="0" i="1" u="none" strike="noStrike" cap="none" spc="0" normalizeH="0" baseline="0" smtClean="0">
@@ -9527,7 +9407,7 @@
             </p:txBody>
           </p:sp>
         </mc:Choice>
-        <mc:Fallback>
+        <mc:Fallback xmlns="">
           <p:sp>
             <p:nvSpPr>
               <p:cNvPr id="8" name="Tekstvak 7">
@@ -9622,7 +9502,7 @@
           </a:ln>
           <a:extLst>
             <a:ext uri="{C572A759-6A51-4108-AA02-DFA0A04FC94B}">
-              <ma14:wrappingTextBoxFlag xmlns="" xmlns:m="http://schemas.openxmlformats.org/officeDocument/2006/math" xmlns:a14="http://schemas.microsoft.com/office/drawing/2010/main" xmlns:ma14="http://schemas.microsoft.com/office/mac/drawingml/2011/main" val="1"/>
+              <ma14:wrappingTextBoxFlag xmlns:ma14="http://schemas.microsoft.com/office/mac/drawingml/2011/main" xmlns:a14="http://schemas.microsoft.com/office/drawing/2010/main" xmlns:m="http://schemas.openxmlformats.org/officeDocument/2006/math" xmlns="" val="1"/>
             </a:ext>
           </a:extLst>
         </p:spPr>
@@ -10288,8 +10168,8 @@
           </p:sp>
         </mc:Fallback>
       </mc:AlternateContent>
-      <mc:AlternateContent xmlns:mc="http://schemas.openxmlformats.org/markup-compatibility/2006" xmlns:a14="http://schemas.microsoft.com/office/drawing/2010/main">
-        <mc:Choice Requires="a14">
+      <mc:AlternateContent xmlns:mc="http://schemas.openxmlformats.org/markup-compatibility/2006">
+        <mc:Choice xmlns:a14="http://schemas.microsoft.com/office/drawing/2010/main" Requires="a14">
           <p:sp>
             <p:nvSpPr>
               <p:cNvPr id="228" name="Vergelijking"/>
@@ -10298,8 +10178,8 @@
             </p:nvSpPr>
             <p:spPr>
               <a:xfrm>
-                <a:off x="9237836" y="8826906"/>
-                <a:ext cx="7097640" cy="1612755"/>
+                <a:off x="5743840" y="8906419"/>
+                <a:ext cx="12991155" cy="1713739"/>
               </a:xfrm>
               <a:prstGeom prst="rect">
                 <a:avLst/>
@@ -10309,7 +10189,7 @@
               </a:ln>
             </p:spPr>
             <p:txBody>
-              <a:bodyPr wrap="none" lIns="0" tIns="0" rIns="0" bIns="0">
+              <a:bodyPr wrap="square" lIns="0" tIns="0" rIns="0" bIns="0">
                 <a:spAutoFit/>
               </a:bodyPr>
               <a:lstStyle/>
@@ -10425,7 +10305,97 @@
                           </a:solidFill>
                           <a:latin typeface="Cambria Math" panose="02040503050406030204" pitchFamily="18" charset="0"/>
                         </a:rPr>
-                        <m:t>)=(</m:t>
+                        <m:t>)=</m:t>
+                      </m:r>
+                      <m:f>
+                        <m:fPr>
+                          <m:ctrlPr>
+                            <a:rPr lang="ar-AE" sz="5100" i="1">
+                              <a:latin typeface="Cambria Math" panose="02040503050406030204" pitchFamily="18" charset="0"/>
+                            </a:rPr>
+                          </m:ctrlPr>
+                        </m:fPr>
+                        <m:num>
+                          <m:r>
+                            <a:rPr lang="ar-AE" sz="5100" i="1">
+                              <a:latin typeface="Cambria Math" panose="02040503050406030204" pitchFamily="18" charset="0"/>
+                            </a:rPr>
+                            <m:t>1</m:t>
+                          </m:r>
+                        </m:num>
+                        <m:den>
+                          <m:r>
+                            <a:rPr lang="ar-AE" sz="5100" i="1">
+                              <a:latin typeface="Cambria Math" panose="02040503050406030204" pitchFamily="18" charset="0"/>
+                            </a:rPr>
+                            <m:t>𝑚</m:t>
+                          </m:r>
+                        </m:den>
+                      </m:f>
+                      <m:limUpp>
+                        <m:limUppPr>
+                          <m:ctrlPr>
+                            <a:rPr lang="ar-AE" sz="5100" i="1">
+                              <a:latin typeface="Cambria Math" panose="02040503050406030204" pitchFamily="18" charset="0"/>
+                            </a:rPr>
+                          </m:ctrlPr>
+                        </m:limUppPr>
+                        <m:e>
+                          <m:limLow>
+                            <m:limLowPr>
+                              <m:ctrlPr>
+                                <a:rPr lang="ar-AE" sz="5100" i="1">
+                                  <a:latin typeface="Cambria Math" panose="02040503050406030204" pitchFamily="18" charset="0"/>
+                                </a:rPr>
+                              </m:ctrlPr>
+                            </m:limLowPr>
+                            <m:e>
+                              <m:r>
+                                <a:rPr lang="ar-AE" sz="5100" i="1">
+                                  <a:latin typeface="Cambria Math" panose="02040503050406030204" pitchFamily="18" charset="0"/>
+                                </a:rPr>
+                                <m:t>∑</m:t>
+                              </m:r>
+                            </m:e>
+                            <m:lim>
+                              <m:r>
+                                <a:rPr lang="ar-AE" sz="5100" i="1">
+                                  <a:latin typeface="Cambria Math" panose="02040503050406030204" pitchFamily="18" charset="0"/>
+                                </a:rPr>
+                                <m:t>𝑖</m:t>
+                              </m:r>
+                              <m:r>
+                                <a:rPr lang="ar-AE" sz="5100" i="1">
+                                  <a:latin typeface="Cambria Math" panose="02040503050406030204" pitchFamily="18" charset="0"/>
+                                </a:rPr>
+                                <m:t>=</m:t>
+                              </m:r>
+                              <m:r>
+                                <a:rPr lang="ar-AE" sz="5100" i="1">
+                                  <a:latin typeface="Cambria Math" panose="02040503050406030204" pitchFamily="18" charset="0"/>
+                                </a:rPr>
+                                <m:t>1</m:t>
+                              </m:r>
+                            </m:lim>
+                          </m:limLow>
+                        </m:e>
+                        <m:lim>
+                          <m:r>
+                            <a:rPr lang="ar-AE" sz="5100" i="1">
+                              <a:latin typeface="Cambria Math" panose="02040503050406030204" pitchFamily="18" charset="0"/>
+                            </a:rPr>
+                            <m:t>𝑚</m:t>
+                          </m:r>
+                        </m:lim>
+                      </m:limUpp>
+                      <m:r>
+                        <a:rPr sz="5100" i="1">
+                          <a:solidFill>
+                            <a:srgbClr val="000000"/>
+                          </a:solidFill>
+                          <a:latin typeface="Cambria Math" panose="02040503050406030204" pitchFamily="18" charset="0"/>
+                        </a:rPr>
+                        <m:t>(</m:t>
                       </m:r>
                       <m:sSub>
                         <m:sSubPr>
@@ -10663,7 +10633,7 @@
             </p:txBody>
           </p:sp>
         </mc:Choice>
-        <mc:Fallback xmlns="">
+        <mc:Fallback>
           <p:sp>
             <p:nvSpPr>
               <p:cNvPr id="228" name="Vergelijking"/>
@@ -10674,8 +10644,8 @@
             </p:nvSpPr>
             <p:spPr>
               <a:xfrm>
-                <a:off x="9237836" y="8826906"/>
-                <a:ext cx="7097640" cy="1612755"/>
+                <a:off x="5743840" y="8906419"/>
+                <a:ext cx="12991155" cy="1713739"/>
               </a:xfrm>
               <a:prstGeom prst="rect">
                 <a:avLst/>
@@ -10683,7 +10653,7 @@
               <a:blipFill>
                 <a:blip r:embed="rId3"/>
                 <a:stretch>
-                  <a:fillRect l="-3393" t="-1563" r="-23036" b="-18750"/>
+                  <a:fillRect/>
                 </a:stretch>
               </a:blipFill>
               <a:ln w="12700">
@@ -10756,7 +10726,7 @@
           </a:ln>
           <a:extLst>
             <a:ext uri="{C572A759-6A51-4108-AA02-DFA0A04FC94B}">
-              <ma14:wrappingTextBoxFlag xmlns="" xmlns:m="http://schemas.openxmlformats.org/officeDocument/2006/math" xmlns:a14="http://schemas.microsoft.com/office/drawing/2010/main" xmlns:ma14="http://schemas.microsoft.com/office/mac/drawingml/2011/main" val="1"/>
+              <ma14:wrappingTextBoxFlag xmlns:ma14="http://schemas.microsoft.com/office/mac/drawingml/2011/main" xmlns:a14="http://schemas.microsoft.com/office/drawing/2010/main" xmlns:m="http://schemas.openxmlformats.org/officeDocument/2006/math" xmlns="" val="1"/>
             </a:ext>
           </a:extLst>
         </p:spPr>
@@ -10825,7 +10795,7 @@
           </a:ln>
           <a:extLst>
             <a:ext uri="{C572A759-6A51-4108-AA02-DFA0A04FC94B}">
-              <ma14:wrappingTextBoxFlag xmlns="" xmlns:m="http://schemas.openxmlformats.org/officeDocument/2006/math" xmlns:a14="http://schemas.microsoft.com/office/drawing/2010/main" xmlns:ma14="http://schemas.microsoft.com/office/mac/drawingml/2011/main" val="1"/>
+              <ma14:wrappingTextBoxFlag xmlns:ma14="http://schemas.microsoft.com/office/mac/drawingml/2011/main" xmlns:a14="http://schemas.microsoft.com/office/drawing/2010/main" xmlns:m="http://schemas.openxmlformats.org/officeDocument/2006/math" xmlns="" val="1"/>
             </a:ext>
           </a:extLst>
         </p:spPr>
@@ -10895,7 +10865,7 @@
           </a:ln>
           <a:extLst>
             <a:ext uri="{C572A759-6A51-4108-AA02-DFA0A04FC94B}">
-              <ma14:wrappingTextBoxFlag xmlns="" xmlns:m="http://schemas.openxmlformats.org/officeDocument/2006/math" xmlns:a14="http://schemas.microsoft.com/office/drawing/2010/main" xmlns:ma14="http://schemas.microsoft.com/office/mac/drawingml/2011/main" val="1"/>
+              <ma14:wrappingTextBoxFlag xmlns:ma14="http://schemas.microsoft.com/office/mac/drawingml/2011/main" xmlns:a14="http://schemas.microsoft.com/office/drawing/2010/main" xmlns:m="http://schemas.openxmlformats.org/officeDocument/2006/math" xmlns="" val="1"/>
             </a:ext>
           </a:extLst>
         </p:spPr>
@@ -10956,7 +10926,7 @@
             <a:effectLst/>
             <a:extLst>
               <a:ext uri="{C572A759-6A51-4108-AA02-DFA0A04FC94B}">
-                <ma14:wrappingTextBoxFlag xmlns="" xmlns:m="http://schemas.openxmlformats.org/officeDocument/2006/math" xmlns:a14="http://schemas.microsoft.com/office/drawing/2010/main" xmlns:ma14="http://schemas.microsoft.com/office/mac/drawingml/2011/main" val="1"/>
+                <ma14:wrappingTextBoxFlag xmlns:ma14="http://schemas.microsoft.com/office/mac/drawingml/2011/main" xmlns:a14="http://schemas.microsoft.com/office/drawing/2010/main" xmlns:m="http://schemas.openxmlformats.org/officeDocument/2006/math" xmlns="" val="1"/>
               </a:ext>
             </a:extLst>
           </p:spPr>
@@ -12010,7 +11980,7 @@
           </a:ln>
           <a:extLst>
             <a:ext uri="{C572A759-6A51-4108-AA02-DFA0A04FC94B}">
-              <ma14:wrappingTextBoxFlag xmlns="" xmlns:m="http://schemas.openxmlformats.org/officeDocument/2006/math" xmlns:a14="http://schemas.microsoft.com/office/drawing/2010/main" xmlns:ma14="http://schemas.microsoft.com/office/mac/drawingml/2011/main" val="1"/>
+              <ma14:wrappingTextBoxFlag xmlns:ma14="http://schemas.microsoft.com/office/mac/drawingml/2011/main" xmlns:a14="http://schemas.microsoft.com/office/drawing/2010/main" xmlns:m="http://schemas.openxmlformats.org/officeDocument/2006/math" xmlns="" val="1"/>
             </a:ext>
           </a:extLst>
         </p:spPr>
@@ -17737,25 +17707,7 @@
                                   </a:solidFill>
                                   <a:latin typeface="Cambria Math" panose="02040503050406030204" pitchFamily="18" charset="0"/>
                                 </a:rPr>
-                                <m:t>0</m:t>
-                              </m:r>
-                              <m:r>
-                                <a:rPr sz="5100" i="1">
-                                  <a:solidFill>
-                                    <a:srgbClr val="000000"/>
-                                  </a:solidFill>
-                                  <a:latin typeface="Cambria Math" panose="02040503050406030204" pitchFamily="18" charset="0"/>
-                                </a:rPr>
-                                <m:t>.</m:t>
-                              </m:r>
-                              <m:r>
-                                <a:rPr sz="5100" i="1">
-                                  <a:solidFill>
-                                    <a:srgbClr val="000000"/>
-                                  </a:solidFill>
-                                  <a:latin typeface="Cambria Math" panose="02040503050406030204" pitchFamily="18" charset="0"/>
-                                </a:rPr>
-                                <m:t>213</m:t>
+                                <m:t>0.213</m:t>
                               </m:r>
                             </m:e>
                             <m:e>
@@ -17766,25 +17718,7 @@
                                   </a:solidFill>
                                   <a:latin typeface="Cambria Math" panose="02040503050406030204" pitchFamily="18" charset="0"/>
                                 </a:rPr>
-                                <m:t>0</m:t>
-                              </m:r>
-                              <m:r>
-                                <a:rPr sz="5100" i="1">
-                                  <a:solidFill>
-                                    <a:srgbClr val="000000"/>
-                                  </a:solidFill>
-                                  <a:latin typeface="Cambria Math" panose="02040503050406030204" pitchFamily="18" charset="0"/>
-                                </a:rPr>
-                                <m:t>.</m:t>
-                              </m:r>
-                              <m:r>
-                                <a:rPr sz="5100" i="1">
-                                  <a:solidFill>
-                                    <a:srgbClr val="000000"/>
-                                  </a:solidFill>
-                                  <a:latin typeface="Cambria Math" panose="02040503050406030204" pitchFamily="18" charset="0"/>
-                                </a:rPr>
-                                <m:t>423</m:t>
+                                <m:t>0.423</m:t>
                               </m:r>
                             </m:e>
                             <m:e>
@@ -17795,25 +17729,7 @@
                                   </a:solidFill>
                                   <a:latin typeface="Cambria Math" panose="02040503050406030204" pitchFamily="18" charset="0"/>
                                 </a:rPr>
-                                <m:t>0</m:t>
-                              </m:r>
-                              <m:r>
-                                <a:rPr sz="5100" i="1">
-                                  <a:solidFill>
-                                    <a:srgbClr val="000000"/>
-                                  </a:solidFill>
-                                  <a:latin typeface="Cambria Math" panose="02040503050406030204" pitchFamily="18" charset="0"/>
-                                </a:rPr>
-                                <m:t>.</m:t>
-                              </m:r>
-                              <m:r>
-                                <a:rPr sz="5100" i="1">
-                                  <a:solidFill>
-                                    <a:srgbClr val="000000"/>
-                                  </a:solidFill>
-                                  <a:latin typeface="Cambria Math" panose="02040503050406030204" pitchFamily="18" charset="0"/>
-                                </a:rPr>
-                                <m:t>786</m:t>
+                                <m:t>0.786</m:t>
                               </m:r>
                             </m:e>
                             <m:e>
@@ -17824,25 +17740,7 @@
                                   </a:solidFill>
                                   <a:latin typeface="Cambria Math" panose="02040503050406030204" pitchFamily="18" charset="0"/>
                                 </a:rPr>
-                                <m:t>0</m:t>
-                              </m:r>
-                              <m:r>
-                                <a:rPr sz="5100" i="1">
-                                  <a:solidFill>
-                                    <a:srgbClr val="000000"/>
-                                  </a:solidFill>
-                                  <a:latin typeface="Cambria Math" panose="02040503050406030204" pitchFamily="18" charset="0"/>
-                                </a:rPr>
-                                <m:t>.</m:t>
-                              </m:r>
-                              <m:r>
-                                <a:rPr sz="5100" i="1">
-                                  <a:solidFill>
-                                    <a:srgbClr val="000000"/>
-                                  </a:solidFill>
-                                  <a:latin typeface="Cambria Math" panose="02040503050406030204" pitchFamily="18" charset="0"/>
-                                </a:rPr>
-                                <m:t>143</m:t>
+                                <m:t>0.143</m:t>
                               </m:r>
                             </m:e>
                           </m:eqArr>
@@ -18218,7 +18116,7 @@
                 <a:effectLst/>
                 <a:extLst>
                   <a:ext uri="{C572A759-6A51-4108-AA02-DFA0A04FC94B}">
-                    <ma14:wrappingTextBoxFlag xmlns="" xmlns:m="http://schemas.openxmlformats.org/officeDocument/2006/math" xmlns:ma14="http://schemas.microsoft.com/office/mac/drawingml/2011/main" val="1"/>
+                    <ma14:wrappingTextBoxFlag xmlns:ma14="http://schemas.microsoft.com/office/mac/drawingml/2011/main" xmlns:m="http://schemas.openxmlformats.org/officeDocument/2006/math" xmlns="" val="1"/>
                   </a:ext>
                 </a:extLst>
               </p:spPr>
@@ -19994,7 +19892,7 @@
                 <a:effectLst/>
                 <a:extLst>
                   <a:ext uri="{C572A759-6A51-4108-AA02-DFA0A04FC94B}">
-                    <ma14:wrappingTextBoxFlag xmlns="" xmlns:m="http://schemas.openxmlformats.org/officeDocument/2006/math" xmlns:ma14="http://schemas.microsoft.com/office/mac/drawingml/2011/main" val="1"/>
+                    <ma14:wrappingTextBoxFlag xmlns:ma14="http://schemas.microsoft.com/office/mac/drawingml/2011/main" xmlns:m="http://schemas.openxmlformats.org/officeDocument/2006/math" xmlns="" val="1"/>
                   </a:ext>
                 </a:extLst>
               </p:spPr>
@@ -20121,7 +20019,7 @@
                 <a:effectLst/>
                 <a:extLst>
                   <a:ext uri="{C572A759-6A51-4108-AA02-DFA0A04FC94B}">
-                    <ma14:wrappingTextBoxFlag xmlns="" xmlns:m="http://schemas.openxmlformats.org/officeDocument/2006/math" xmlns:ma14="http://schemas.microsoft.com/office/mac/drawingml/2011/main" val="1"/>
+                    <ma14:wrappingTextBoxFlag xmlns:ma14="http://schemas.microsoft.com/office/mac/drawingml/2011/main" xmlns:m="http://schemas.openxmlformats.org/officeDocument/2006/math" xmlns="" val="1"/>
                   </a:ext>
                 </a:extLst>
               </p:spPr>
@@ -20248,7 +20146,7 @@
                 <a:effectLst/>
                 <a:extLst>
                   <a:ext uri="{C572A759-6A51-4108-AA02-DFA0A04FC94B}">
-                    <ma14:wrappingTextBoxFlag xmlns="" xmlns:m="http://schemas.openxmlformats.org/officeDocument/2006/math" xmlns:ma14="http://schemas.microsoft.com/office/mac/drawingml/2011/main" val="1"/>
+                    <ma14:wrappingTextBoxFlag xmlns:ma14="http://schemas.microsoft.com/office/mac/drawingml/2011/main" xmlns:m="http://schemas.openxmlformats.org/officeDocument/2006/math" xmlns="" val="1"/>
                   </a:ext>
                 </a:extLst>
               </p:spPr>
@@ -20347,6 +20245,36 @@
           </mc:Fallback>
         </mc:AlternateContent>
       </p:grpSp>
+      <p:pic>
+        <p:nvPicPr>
+          <p:cNvPr id="3" name="Afbeelding 2">
+            <a:extLst>
+              <a:ext uri="{FF2B5EF4-FFF2-40B4-BE49-F238E27FC236}">
+                <a16:creationId xmlns:a16="http://schemas.microsoft.com/office/drawing/2014/main" id="{2F3E5F56-0854-C2BD-1A40-BB59ABED1AF5}"/>
+              </a:ext>
+            </a:extLst>
+          </p:cNvPr>
+          <p:cNvPicPr>
+            <a:picLocks noChangeAspect="1"/>
+          </p:cNvPicPr>
+          <p:nvPr/>
+        </p:nvPicPr>
+        <p:blipFill>
+          <a:blip r:embed="rId11"/>
+          <a:stretch>
+            <a:fillRect/>
+          </a:stretch>
+        </p:blipFill>
+        <p:spPr>
+          <a:xfrm>
+            <a:off x="17016080" y="10220687"/>
+            <a:ext cx="5456345" cy="2240998"/>
+          </a:xfrm>
+          <a:prstGeom prst="rect">
+            <a:avLst/>
+          </a:prstGeom>
+        </p:spPr>
+      </p:pic>
     </p:spTree>
   </p:cSld>
   <p:clrMapOvr>
@@ -20392,7 +20320,7 @@
           </a:ln>
           <a:extLst>
             <a:ext uri="{C572A759-6A51-4108-AA02-DFA0A04FC94B}">
-              <ma14:wrappingTextBoxFlag xmlns="" xmlns:m="http://schemas.openxmlformats.org/officeDocument/2006/math" xmlns:a14="http://schemas.microsoft.com/office/drawing/2010/main" xmlns:ma14="http://schemas.microsoft.com/office/mac/drawingml/2011/main" val="1"/>
+              <ma14:wrappingTextBoxFlag xmlns:ma14="http://schemas.microsoft.com/office/mac/drawingml/2011/main" xmlns:a14="http://schemas.microsoft.com/office/drawing/2010/main" xmlns:m="http://schemas.openxmlformats.org/officeDocument/2006/math" xmlns="" val="1"/>
             </a:ext>
           </a:extLst>
         </p:spPr>
@@ -20436,7 +20364,7 @@
           </a:ln>
           <a:extLst>
             <a:ext uri="{C572A759-6A51-4108-AA02-DFA0A04FC94B}">
-              <ma14:wrappingTextBoxFlag xmlns="" xmlns:m="http://schemas.openxmlformats.org/officeDocument/2006/math" xmlns:a14="http://schemas.microsoft.com/office/drawing/2010/main" xmlns:ma14="http://schemas.microsoft.com/office/mac/drawingml/2011/main" val="1"/>
+              <ma14:wrappingTextBoxFlag xmlns:ma14="http://schemas.microsoft.com/office/mac/drawingml/2011/main" xmlns:a14="http://schemas.microsoft.com/office/drawing/2010/main" xmlns:m="http://schemas.openxmlformats.org/officeDocument/2006/math" xmlns="" val="1"/>
             </a:ext>
           </a:extLst>
         </p:spPr>
@@ -20595,7 +20523,7 @@
           </a:ln>
           <a:extLst>
             <a:ext uri="{C572A759-6A51-4108-AA02-DFA0A04FC94B}">
-              <ma14:wrappingTextBoxFlag xmlns="" xmlns:m="http://schemas.openxmlformats.org/officeDocument/2006/math" xmlns:a14="http://schemas.microsoft.com/office/drawing/2010/main" xmlns:ma14="http://schemas.microsoft.com/office/mac/drawingml/2011/main" val="1"/>
+              <ma14:wrappingTextBoxFlag xmlns:ma14="http://schemas.microsoft.com/office/mac/drawingml/2011/main" xmlns:a14="http://schemas.microsoft.com/office/drawing/2010/main" xmlns:m="http://schemas.openxmlformats.org/officeDocument/2006/math" xmlns="" val="1"/>
             </a:ext>
           </a:extLst>
         </p:spPr>
@@ -20713,7 +20641,7 @@
           </a:ln>
           <a:extLst>
             <a:ext uri="{C572A759-6A51-4108-AA02-DFA0A04FC94B}">
-              <ma14:wrappingTextBoxFlag xmlns="" xmlns:m="http://schemas.openxmlformats.org/officeDocument/2006/math" xmlns:a14="http://schemas.microsoft.com/office/drawing/2010/main" xmlns:ma14="http://schemas.microsoft.com/office/mac/drawingml/2011/main" val="1"/>
+              <ma14:wrappingTextBoxFlag xmlns:ma14="http://schemas.microsoft.com/office/mac/drawingml/2011/main" xmlns:a14="http://schemas.microsoft.com/office/drawing/2010/main" xmlns:m="http://schemas.openxmlformats.org/officeDocument/2006/math" xmlns="" val="1"/>
             </a:ext>
           </a:extLst>
         </p:spPr>
@@ -20783,7 +20711,7 @@
           </a:ln>
           <a:extLst>
             <a:ext uri="{C572A759-6A51-4108-AA02-DFA0A04FC94B}">
-              <ma14:wrappingTextBoxFlag xmlns="" xmlns:m="http://schemas.openxmlformats.org/officeDocument/2006/math" xmlns:a14="http://schemas.microsoft.com/office/drawing/2010/main" xmlns:ma14="http://schemas.microsoft.com/office/mac/drawingml/2011/main" val="1"/>
+              <ma14:wrappingTextBoxFlag xmlns:ma14="http://schemas.microsoft.com/office/mac/drawingml/2011/main" xmlns:a14="http://schemas.microsoft.com/office/drawing/2010/main" xmlns:m="http://schemas.openxmlformats.org/officeDocument/2006/math" xmlns="" val="1"/>
             </a:ext>
           </a:extLst>
         </p:spPr>
@@ -20827,7 +20755,7 @@
           </a:ln>
           <a:extLst>
             <a:ext uri="{C572A759-6A51-4108-AA02-DFA0A04FC94B}">
-              <ma14:wrappingTextBoxFlag xmlns="" xmlns:m="http://schemas.openxmlformats.org/officeDocument/2006/math" xmlns:a14="http://schemas.microsoft.com/office/drawing/2010/main" xmlns:ma14="http://schemas.microsoft.com/office/mac/drawingml/2011/main" val="1"/>
+              <ma14:wrappingTextBoxFlag xmlns:ma14="http://schemas.microsoft.com/office/mac/drawingml/2011/main" xmlns:a14="http://schemas.microsoft.com/office/drawing/2010/main" xmlns:m="http://schemas.openxmlformats.org/officeDocument/2006/math" xmlns="" val="1"/>
             </a:ext>
           </a:extLst>
         </p:spPr>
@@ -21164,7 +21092,7 @@
           </a:ln>
           <a:extLst>
             <a:ext uri="{C572A759-6A51-4108-AA02-DFA0A04FC94B}">
-              <ma14:wrappingTextBoxFlag xmlns="" xmlns:m="http://schemas.openxmlformats.org/officeDocument/2006/math" xmlns:a14="http://schemas.microsoft.com/office/drawing/2010/main" xmlns:ma14="http://schemas.microsoft.com/office/mac/drawingml/2011/main" val="1"/>
+              <ma14:wrappingTextBoxFlag xmlns:ma14="http://schemas.microsoft.com/office/mac/drawingml/2011/main" xmlns:a14="http://schemas.microsoft.com/office/drawing/2010/main" xmlns:m="http://schemas.openxmlformats.org/officeDocument/2006/math" xmlns="" val="1"/>
             </a:ext>
           </a:extLst>
         </p:spPr>
@@ -21893,7 +21821,7 @@
           </a:ln>
           <a:extLst>
             <a:ext uri="{C572A759-6A51-4108-AA02-DFA0A04FC94B}">
-              <ma14:wrappingTextBoxFlag xmlns="" xmlns:m="http://schemas.openxmlformats.org/officeDocument/2006/math" xmlns:a14="http://schemas.microsoft.com/office/drawing/2010/main" xmlns:ma14="http://schemas.microsoft.com/office/mac/drawingml/2011/main" val="1"/>
+              <ma14:wrappingTextBoxFlag xmlns:ma14="http://schemas.microsoft.com/office/mac/drawingml/2011/main" xmlns:a14="http://schemas.microsoft.com/office/drawing/2010/main" xmlns:m="http://schemas.openxmlformats.org/officeDocument/2006/math" xmlns="" val="1"/>
             </a:ext>
           </a:extLst>
         </p:spPr>
@@ -21937,7 +21865,7 @@
           </a:ln>
           <a:extLst>
             <a:ext uri="{C572A759-6A51-4108-AA02-DFA0A04FC94B}">
-              <ma14:wrappingTextBoxFlag xmlns="" xmlns:m="http://schemas.openxmlformats.org/officeDocument/2006/math" xmlns:a14="http://schemas.microsoft.com/office/drawing/2010/main" xmlns:ma14="http://schemas.microsoft.com/office/mac/drawingml/2011/main" val="1"/>
+              <ma14:wrappingTextBoxFlag xmlns:ma14="http://schemas.microsoft.com/office/mac/drawingml/2011/main" xmlns:a14="http://schemas.microsoft.com/office/drawing/2010/main" xmlns:m="http://schemas.openxmlformats.org/officeDocument/2006/math" xmlns="" val="1"/>
             </a:ext>
           </a:extLst>
         </p:spPr>
@@ -21981,7 +21909,7 @@
           </a:ln>
           <a:extLst>
             <a:ext uri="{C572A759-6A51-4108-AA02-DFA0A04FC94B}">
-              <ma14:wrappingTextBoxFlag xmlns="" xmlns:m="http://schemas.openxmlformats.org/officeDocument/2006/math" xmlns:a14="http://schemas.microsoft.com/office/drawing/2010/main" xmlns:ma14="http://schemas.microsoft.com/office/mac/drawingml/2011/main" val="1"/>
+              <ma14:wrappingTextBoxFlag xmlns:ma14="http://schemas.microsoft.com/office/mac/drawingml/2011/main" xmlns:a14="http://schemas.microsoft.com/office/drawing/2010/main" xmlns:m="http://schemas.openxmlformats.org/officeDocument/2006/math" xmlns="" val="1"/>
             </a:ext>
           </a:extLst>
         </p:spPr>
@@ -22068,7 +21996,7 @@
           </a:ln>
           <a:extLst>
             <a:ext uri="{C572A759-6A51-4108-AA02-DFA0A04FC94B}">
-              <ma14:wrappingTextBoxFlag xmlns="" xmlns:m="http://schemas.openxmlformats.org/officeDocument/2006/math" xmlns:a14="http://schemas.microsoft.com/office/drawing/2010/main" xmlns:ma14="http://schemas.microsoft.com/office/mac/drawingml/2011/main" val="1"/>
+              <ma14:wrappingTextBoxFlag xmlns:ma14="http://schemas.microsoft.com/office/mac/drawingml/2011/main" xmlns:a14="http://schemas.microsoft.com/office/drawing/2010/main" xmlns:m="http://schemas.openxmlformats.org/officeDocument/2006/math" xmlns="" val="1"/>
             </a:ext>
           </a:extLst>
         </p:spPr>

--- a/docs/lectures/wk3/ML_wk3_Logistische_regressie.pptx
+++ b/docs/lectures/wk3/ML_wk3_Logistische_regressie.pptx
@@ -5,32 +5,33 @@
     <p:sldMasterId id="2147483648" r:id="rId1"/>
   </p:sldMasterIdLst>
   <p:notesMasterIdLst>
-    <p:notesMasterId r:id="rId25"/>
+    <p:notesMasterId r:id="rId26"/>
   </p:notesMasterIdLst>
   <p:sldIdLst>
     <p:sldId id="256" r:id="rId2"/>
-    <p:sldId id="257" r:id="rId3"/>
-    <p:sldId id="258" r:id="rId4"/>
-    <p:sldId id="259" r:id="rId5"/>
-    <p:sldId id="260" r:id="rId6"/>
-    <p:sldId id="261" r:id="rId7"/>
-    <p:sldId id="262" r:id="rId8"/>
-    <p:sldId id="263" r:id="rId9"/>
-    <p:sldId id="264" r:id="rId10"/>
-    <p:sldId id="265" r:id="rId11"/>
-    <p:sldId id="266" r:id="rId12"/>
-    <p:sldId id="267" r:id="rId13"/>
-    <p:sldId id="268" r:id="rId14"/>
-    <p:sldId id="269" r:id="rId15"/>
-    <p:sldId id="270" r:id="rId16"/>
-    <p:sldId id="271" r:id="rId17"/>
-    <p:sldId id="272" r:id="rId18"/>
-    <p:sldId id="273" r:id="rId19"/>
-    <p:sldId id="275" r:id="rId20"/>
-    <p:sldId id="276" r:id="rId21"/>
-    <p:sldId id="277" r:id="rId22"/>
-    <p:sldId id="278" r:id="rId23"/>
-    <p:sldId id="279" r:id="rId24"/>
+    <p:sldId id="280" r:id="rId3"/>
+    <p:sldId id="257" r:id="rId4"/>
+    <p:sldId id="258" r:id="rId5"/>
+    <p:sldId id="259" r:id="rId6"/>
+    <p:sldId id="260" r:id="rId7"/>
+    <p:sldId id="261" r:id="rId8"/>
+    <p:sldId id="262" r:id="rId9"/>
+    <p:sldId id="263" r:id="rId10"/>
+    <p:sldId id="264" r:id="rId11"/>
+    <p:sldId id="265" r:id="rId12"/>
+    <p:sldId id="266" r:id="rId13"/>
+    <p:sldId id="267" r:id="rId14"/>
+    <p:sldId id="268" r:id="rId15"/>
+    <p:sldId id="269" r:id="rId16"/>
+    <p:sldId id="270" r:id="rId17"/>
+    <p:sldId id="271" r:id="rId18"/>
+    <p:sldId id="272" r:id="rId19"/>
+    <p:sldId id="273" r:id="rId20"/>
+    <p:sldId id="275" r:id="rId21"/>
+    <p:sldId id="276" r:id="rId22"/>
+    <p:sldId id="277" r:id="rId23"/>
+    <p:sldId id="278" r:id="rId24"/>
+    <p:sldId id="279" r:id="rId25"/>
   </p:sldIdLst>
   <p:sldSz cx="24384000" cy="13716000"/>
   <p:notesSz cx="6858000" cy="9144000"/>
@@ -521,6 +522,156 @@
     </a:lvl9pPr>
   </p:notesStyle>
 </p:notesMaster>
+</file>
+
+<file path=ppt/notesSlides/notesSlide1.xml><?xml version="1.0" encoding="utf-8"?>
+<p:notes xmlns:a="http://schemas.openxmlformats.org/drawingml/2006/main" xmlns:r="http://schemas.openxmlformats.org/officeDocument/2006/relationships" xmlns:p="http://schemas.openxmlformats.org/presentationml/2006/main">
+  <p:cSld>
+    <p:spTree>
+      <p:nvGrpSpPr>
+        <p:cNvPr id="1" name=""/>
+        <p:cNvGrpSpPr/>
+        <p:nvPr/>
+      </p:nvGrpSpPr>
+      <p:grpSpPr>
+        <a:xfrm>
+          <a:off x="0" y="0"/>
+          <a:ext cx="0" cy="0"/>
+          <a:chOff x="0" y="0"/>
+          <a:chExt cx="0" cy="0"/>
+        </a:xfrm>
+      </p:grpSpPr>
+      <p:sp>
+        <p:nvSpPr>
+          <p:cNvPr id="2" name="Tijdelijke aanduiding voor dia-afbeelding 1"/>
+          <p:cNvSpPr>
+            <a:spLocks noGrp="1" noRot="1" noChangeAspect="1"/>
+          </p:cNvSpPr>
+          <p:nvPr>
+            <p:ph type="sldImg"/>
+          </p:nvPr>
+        </p:nvSpPr>
+        <p:spPr>
+          <a:xfrm>
+            <a:off x="381000" y="685800"/>
+            <a:ext cx="6096000" cy="3429000"/>
+          </a:xfrm>
+        </p:spPr>
+      </p:sp>
+      <p:sp>
+        <p:nvSpPr>
+          <p:cNvPr id="3" name="Tijdelijke aanduiding voor notities 2"/>
+          <p:cNvSpPr>
+            <a:spLocks noGrp="1"/>
+          </p:cNvSpPr>
+          <p:nvPr>
+            <p:ph type="body" idx="1"/>
+          </p:nvPr>
+        </p:nvSpPr>
+        <p:spPr/>
+        <p:txBody>
+          <a:bodyPr/>
+          <a:lstStyle/>
+          <a:p>
+            <a:r>
+              <a:rPr lang="nl-NL"/>
+              <a:t>Eerste rij geeft -2,4*1 + 1,5*1,6 = 0; sigmoid(0) = 0,5</a:t>
+            </a:r>
+          </a:p>
+          <a:p>
+            <a:r>
+              <a:rPr lang="nl-NL"/>
+              <a:t>Tweede rij geeft -2,4*1 + 1,5*2,5 = -2,4 + 3,75 = 1,35; sigmoid(1,35) ~ 0,8</a:t>
+            </a:r>
+          </a:p>
+          <a:p>
+            <a:r>
+              <a:rPr lang="nl-NL"/>
+              <a:t>En dan even terug naar slide 9, de groene lijn van Virginica</a:t>
+            </a:r>
+          </a:p>
+        </p:txBody>
+      </p:sp>
+    </p:spTree>
+    <p:extLst>
+      <p:ext uri="{BB962C8B-B14F-4D97-AF65-F5344CB8AC3E}">
+        <p14:creationId xmlns:p14="http://schemas.microsoft.com/office/powerpoint/2010/main" val="905026533"/>
+      </p:ext>
+    </p:extLst>
+  </p:cSld>
+  <p:clrMapOvr>
+    <a:masterClrMapping/>
+  </p:clrMapOvr>
+</p:notes>
+</file>
+
+<file path=ppt/notesSlides/notesSlide2.xml><?xml version="1.0" encoding="utf-8"?>
+<p:notes xmlns:a="http://schemas.openxmlformats.org/drawingml/2006/main" xmlns:r="http://schemas.openxmlformats.org/officeDocument/2006/relationships" xmlns:p="http://schemas.openxmlformats.org/presentationml/2006/main">
+  <p:cSld>
+    <p:spTree>
+      <p:nvGrpSpPr>
+        <p:cNvPr id="1" name=""/>
+        <p:cNvGrpSpPr/>
+        <p:nvPr/>
+      </p:nvGrpSpPr>
+      <p:grpSpPr>
+        <a:xfrm>
+          <a:off x="0" y="0"/>
+          <a:ext cx="0" cy="0"/>
+          <a:chOff x="0" y="0"/>
+          <a:chExt cx="0" cy="0"/>
+        </a:xfrm>
+      </p:grpSpPr>
+      <p:sp>
+        <p:nvSpPr>
+          <p:cNvPr id="2" name="Tijdelijke aanduiding voor dia-afbeelding 1"/>
+          <p:cNvSpPr>
+            <a:spLocks noGrp="1" noRot="1" noChangeAspect="1"/>
+          </p:cNvSpPr>
+          <p:nvPr>
+            <p:ph type="sldImg"/>
+          </p:nvPr>
+        </p:nvSpPr>
+        <p:spPr>
+          <a:xfrm>
+            <a:off x="381000" y="685800"/>
+            <a:ext cx="6096000" cy="3429000"/>
+          </a:xfrm>
+        </p:spPr>
+      </p:sp>
+      <p:sp>
+        <p:nvSpPr>
+          <p:cNvPr id="3" name="Tijdelijke aanduiding voor notities 2"/>
+          <p:cNvSpPr>
+            <a:spLocks noGrp="1"/>
+          </p:cNvSpPr>
+          <p:nvPr>
+            <p:ph type="body" idx="1"/>
+          </p:nvPr>
+        </p:nvSpPr>
+        <p:spPr/>
+        <p:txBody>
+          <a:bodyPr/>
+          <a:lstStyle/>
+          <a:p>
+            <a:r>
+              <a:rPr lang="nl-NL"/>
+              <a:t>Softmax (zie formule rechtsonder) maakt dat de kansen optellen tot 1, zodat je ze kunt gebruiken om te samplen uit alle uitkomsten in plaats van altijd de hoogste kans te pakken (cf. LLM’s).</a:t>
+            </a:r>
+          </a:p>
+        </p:txBody>
+      </p:sp>
+    </p:spTree>
+    <p:extLst>
+      <p:ext uri="{BB962C8B-B14F-4D97-AF65-F5344CB8AC3E}">
+        <p14:creationId xmlns:p14="http://schemas.microsoft.com/office/powerpoint/2010/main" val="1996393440"/>
+      </p:ext>
+    </p:extLst>
+  </p:cSld>
+  <p:clrMapOvr>
+    <a:masterClrMapping/>
+  </p:clrMapOvr>
+</p:notes>
 </file>
 
 <file path=ppt/slideLayouts/slideLayout1.xml><?xml version="1.0" encoding="utf-8"?>
@@ -3127,6 +3278,857 @@
       </p:grpSpPr>
       <p:sp>
         <p:nvSpPr>
+          <p:cNvPr id="142" name="Lijn"/>
+          <p:cNvSpPr/>
+          <p:nvPr/>
+        </p:nvSpPr>
+        <p:spPr>
+          <a:xfrm flipV="1">
+            <a:off x="7008260" y="4483548"/>
+            <a:ext cx="1" cy="4748904"/>
+          </a:xfrm>
+          <a:prstGeom prst="line">
+            <a:avLst/>
+          </a:prstGeom>
+          <a:ln w="25400">
+            <a:solidFill>
+              <a:srgbClr val="000000"/>
+            </a:solidFill>
+            <a:miter lim="400000"/>
+          </a:ln>
+        </p:spPr>
+        <p:txBody>
+          <a:bodyPr lIns="71437" tIns="71437" rIns="71437" bIns="71437" anchor="ctr"/>
+          <a:lstStyle/>
+          <a:p>
+            <a:pPr>
+              <a:defRPr sz="3200"/>
+            </a:pPr>
+            <a:endParaRPr/>
+          </a:p>
+        </p:txBody>
+      </p:sp>
+      <p:sp>
+        <p:nvSpPr>
+          <p:cNvPr id="143" name="Lijn"/>
+          <p:cNvSpPr/>
+          <p:nvPr/>
+        </p:nvSpPr>
+        <p:spPr>
+          <a:xfrm>
+            <a:off x="6458901" y="8552291"/>
+            <a:ext cx="11466198" cy="1"/>
+          </a:xfrm>
+          <a:prstGeom prst="line">
+            <a:avLst/>
+          </a:prstGeom>
+          <a:ln w="25400">
+            <a:solidFill>
+              <a:srgbClr val="000000"/>
+            </a:solidFill>
+            <a:miter lim="400000"/>
+          </a:ln>
+        </p:spPr>
+        <p:txBody>
+          <a:bodyPr lIns="71437" tIns="71437" rIns="71437" bIns="71437" anchor="ctr"/>
+          <a:lstStyle/>
+          <a:p>
+            <a:pPr>
+              <a:defRPr sz="3200"/>
+            </a:pPr>
+            <a:endParaRPr/>
+          </a:p>
+        </p:txBody>
+      </p:sp>
+      <p:sp>
+        <p:nvSpPr>
+          <p:cNvPr id="144" name="Driehoek"/>
+          <p:cNvSpPr/>
+          <p:nvPr/>
+        </p:nvSpPr>
+        <p:spPr>
+          <a:xfrm>
+            <a:off x="11990568" y="4669978"/>
+            <a:ext cx="536086" cy="543034"/>
+          </a:xfrm>
+          <a:custGeom>
+            <a:avLst/>
+            <a:gdLst/>
+            <a:ahLst/>
+            <a:cxnLst>
+              <a:cxn ang="0">
+                <a:pos x="wd2" y="hd2"/>
+              </a:cxn>
+              <a:cxn ang="5400000">
+                <a:pos x="wd2" y="hd2"/>
+              </a:cxn>
+              <a:cxn ang="10800000">
+                <a:pos x="wd2" y="hd2"/>
+              </a:cxn>
+              <a:cxn ang="16200000">
+                <a:pos x="wd2" y="hd2"/>
+              </a:cxn>
+            </a:cxnLst>
+            <a:rect l="0" t="0" r="r" b="b"/>
+            <a:pathLst>
+              <a:path w="21600" h="21600" extrusionOk="0">
+                <a:moveTo>
+                  <a:pt x="10800" y="0"/>
+                </a:moveTo>
+                <a:lnTo>
+                  <a:pt x="21600" y="21600"/>
+                </a:lnTo>
+                <a:lnTo>
+                  <a:pt x="0" y="21600"/>
+                </a:lnTo>
+                <a:close/>
+              </a:path>
+            </a:pathLst>
+          </a:custGeom>
+          <a:solidFill>
+            <a:schemeClr val="accent2">
+              <a:hueOff val="-2473792"/>
+              <a:satOff val="-50209"/>
+              <a:lumOff val="23543"/>
+            </a:schemeClr>
+          </a:solidFill>
+          <a:ln w="12700">
+            <a:solidFill>
+              <a:schemeClr val="accent2">
+                <a:hueOff val="-554920"/>
+                <a:satOff val="-21482"/>
+                <a:lumOff val="-6228"/>
+              </a:schemeClr>
+            </a:solidFill>
+            <a:miter lim="400000"/>
+          </a:ln>
+        </p:spPr>
+        <p:txBody>
+          <a:bodyPr lIns="71437" tIns="71437" rIns="71437" bIns="71437" anchor="ctr"/>
+          <a:lstStyle/>
+          <a:p>
+            <a:pPr>
+              <a:defRPr sz="3200">
+                <a:solidFill>
+                  <a:srgbClr val="FFFFFF"/>
+                </a:solidFill>
+              </a:defRPr>
+            </a:pPr>
+            <a:endParaRPr/>
+          </a:p>
+        </p:txBody>
+      </p:sp>
+      <p:sp>
+        <p:nvSpPr>
+          <p:cNvPr id="145" name="Driehoek"/>
+          <p:cNvSpPr/>
+          <p:nvPr/>
+        </p:nvSpPr>
+        <p:spPr>
+          <a:xfrm>
+            <a:off x="12775520" y="4669978"/>
+            <a:ext cx="536085" cy="543034"/>
+          </a:xfrm>
+          <a:custGeom>
+            <a:avLst/>
+            <a:gdLst/>
+            <a:ahLst/>
+            <a:cxnLst>
+              <a:cxn ang="0">
+                <a:pos x="wd2" y="hd2"/>
+              </a:cxn>
+              <a:cxn ang="5400000">
+                <a:pos x="wd2" y="hd2"/>
+              </a:cxn>
+              <a:cxn ang="10800000">
+                <a:pos x="wd2" y="hd2"/>
+              </a:cxn>
+              <a:cxn ang="16200000">
+                <a:pos x="wd2" y="hd2"/>
+              </a:cxn>
+            </a:cxnLst>
+            <a:rect l="0" t="0" r="r" b="b"/>
+            <a:pathLst>
+              <a:path w="21600" h="21600" extrusionOk="0">
+                <a:moveTo>
+                  <a:pt x="10800" y="0"/>
+                </a:moveTo>
+                <a:lnTo>
+                  <a:pt x="21600" y="21600"/>
+                </a:lnTo>
+                <a:lnTo>
+                  <a:pt x="0" y="21600"/>
+                </a:lnTo>
+                <a:close/>
+              </a:path>
+            </a:pathLst>
+          </a:custGeom>
+          <a:solidFill>
+            <a:schemeClr val="accent2">
+              <a:hueOff val="-2473792"/>
+              <a:satOff val="-50209"/>
+              <a:lumOff val="23543"/>
+            </a:schemeClr>
+          </a:solidFill>
+          <a:ln w="12700">
+            <a:solidFill>
+              <a:schemeClr val="accent2">
+                <a:hueOff val="-554920"/>
+                <a:satOff val="-21482"/>
+                <a:lumOff val="-6228"/>
+              </a:schemeClr>
+            </a:solidFill>
+            <a:miter lim="400000"/>
+          </a:ln>
+        </p:spPr>
+        <p:txBody>
+          <a:bodyPr lIns="71437" tIns="71437" rIns="71437" bIns="71437" anchor="ctr"/>
+          <a:lstStyle/>
+          <a:p>
+            <a:pPr>
+              <a:defRPr sz="3200">
+                <a:solidFill>
+                  <a:srgbClr val="FFFFFF"/>
+                </a:solidFill>
+              </a:defRPr>
+            </a:pPr>
+            <a:endParaRPr/>
+          </a:p>
+        </p:txBody>
+      </p:sp>
+      <p:sp>
+        <p:nvSpPr>
+          <p:cNvPr id="146" name="Driehoek"/>
+          <p:cNvSpPr/>
+          <p:nvPr/>
+        </p:nvSpPr>
+        <p:spPr>
+          <a:xfrm>
+            <a:off x="13638965" y="4669978"/>
+            <a:ext cx="536086" cy="543034"/>
+          </a:xfrm>
+          <a:custGeom>
+            <a:avLst/>
+            <a:gdLst/>
+            <a:ahLst/>
+            <a:cxnLst>
+              <a:cxn ang="0">
+                <a:pos x="wd2" y="hd2"/>
+              </a:cxn>
+              <a:cxn ang="5400000">
+                <a:pos x="wd2" y="hd2"/>
+              </a:cxn>
+              <a:cxn ang="10800000">
+                <a:pos x="wd2" y="hd2"/>
+              </a:cxn>
+              <a:cxn ang="16200000">
+                <a:pos x="wd2" y="hd2"/>
+              </a:cxn>
+            </a:cxnLst>
+            <a:rect l="0" t="0" r="r" b="b"/>
+            <a:pathLst>
+              <a:path w="21600" h="21600" extrusionOk="0">
+                <a:moveTo>
+                  <a:pt x="10800" y="0"/>
+                </a:moveTo>
+                <a:lnTo>
+                  <a:pt x="21600" y="21600"/>
+                </a:lnTo>
+                <a:lnTo>
+                  <a:pt x="0" y="21600"/>
+                </a:lnTo>
+                <a:close/>
+              </a:path>
+            </a:pathLst>
+          </a:custGeom>
+          <a:solidFill>
+            <a:schemeClr val="accent2">
+              <a:hueOff val="-2473792"/>
+              <a:satOff val="-50209"/>
+              <a:lumOff val="23543"/>
+            </a:schemeClr>
+          </a:solidFill>
+          <a:ln w="12700">
+            <a:solidFill>
+              <a:schemeClr val="accent2">
+                <a:hueOff val="-554920"/>
+                <a:satOff val="-21482"/>
+                <a:lumOff val="-6228"/>
+              </a:schemeClr>
+            </a:solidFill>
+            <a:miter lim="400000"/>
+          </a:ln>
+        </p:spPr>
+        <p:txBody>
+          <a:bodyPr lIns="71437" tIns="71437" rIns="71437" bIns="71437" anchor="ctr"/>
+          <a:lstStyle/>
+          <a:p>
+            <a:pPr>
+              <a:defRPr sz="3200">
+                <a:solidFill>
+                  <a:srgbClr val="FFFFFF"/>
+                </a:solidFill>
+              </a:defRPr>
+            </a:pPr>
+            <a:endParaRPr/>
+          </a:p>
+        </p:txBody>
+      </p:sp>
+      <p:sp>
+        <p:nvSpPr>
+          <p:cNvPr id="147" name="Driehoek"/>
+          <p:cNvSpPr/>
+          <p:nvPr/>
+        </p:nvSpPr>
+        <p:spPr>
+          <a:xfrm>
+            <a:off x="14363267" y="4669978"/>
+            <a:ext cx="536085" cy="543034"/>
+          </a:xfrm>
+          <a:custGeom>
+            <a:avLst/>
+            <a:gdLst/>
+            <a:ahLst/>
+            <a:cxnLst>
+              <a:cxn ang="0">
+                <a:pos x="wd2" y="hd2"/>
+              </a:cxn>
+              <a:cxn ang="5400000">
+                <a:pos x="wd2" y="hd2"/>
+              </a:cxn>
+              <a:cxn ang="10800000">
+                <a:pos x="wd2" y="hd2"/>
+              </a:cxn>
+              <a:cxn ang="16200000">
+                <a:pos x="wd2" y="hd2"/>
+              </a:cxn>
+            </a:cxnLst>
+            <a:rect l="0" t="0" r="r" b="b"/>
+            <a:pathLst>
+              <a:path w="21600" h="21600" extrusionOk="0">
+                <a:moveTo>
+                  <a:pt x="10800" y="0"/>
+                </a:moveTo>
+                <a:lnTo>
+                  <a:pt x="21600" y="21600"/>
+                </a:lnTo>
+                <a:lnTo>
+                  <a:pt x="0" y="21600"/>
+                </a:lnTo>
+                <a:close/>
+              </a:path>
+            </a:pathLst>
+          </a:custGeom>
+          <a:solidFill>
+            <a:schemeClr val="accent2">
+              <a:hueOff val="-2473792"/>
+              <a:satOff val="-50209"/>
+              <a:lumOff val="23543"/>
+            </a:schemeClr>
+          </a:solidFill>
+          <a:ln w="12700">
+            <a:solidFill>
+              <a:schemeClr val="accent2">
+                <a:hueOff val="-554920"/>
+                <a:satOff val="-21482"/>
+                <a:lumOff val="-6228"/>
+              </a:schemeClr>
+            </a:solidFill>
+            <a:miter lim="400000"/>
+          </a:ln>
+        </p:spPr>
+        <p:txBody>
+          <a:bodyPr lIns="71437" tIns="71437" rIns="71437" bIns="71437" anchor="ctr"/>
+          <a:lstStyle/>
+          <a:p>
+            <a:pPr>
+              <a:defRPr sz="3200">
+                <a:solidFill>
+                  <a:srgbClr val="FFFFFF"/>
+                </a:solidFill>
+              </a:defRPr>
+            </a:pPr>
+            <a:endParaRPr/>
+          </a:p>
+        </p:txBody>
+      </p:sp>
+      <p:sp>
+        <p:nvSpPr>
+          <p:cNvPr id="148" name="Cirkel"/>
+          <p:cNvSpPr/>
+          <p:nvPr/>
+        </p:nvSpPr>
+        <p:spPr>
+          <a:xfrm>
+            <a:off x="7407251" y="7700750"/>
+            <a:ext cx="564817" cy="564818"/>
+          </a:xfrm>
+          <a:prstGeom prst="ellipse">
+            <a:avLst/>
+          </a:prstGeom>
+          <a:solidFill>
+            <a:schemeClr val="accent1">
+              <a:satOff val="-3355"/>
+              <a:lumOff val="26614"/>
+            </a:schemeClr>
+          </a:solidFill>
+          <a:ln w="12700">
+            <a:solidFill>
+              <a:schemeClr val="accent1">
+                <a:hueOff val="47394"/>
+                <a:satOff val="-25753"/>
+                <a:lumOff val="-7544"/>
+              </a:schemeClr>
+            </a:solidFill>
+            <a:miter lim="400000"/>
+          </a:ln>
+        </p:spPr>
+        <p:txBody>
+          <a:bodyPr lIns="71437" tIns="71437" rIns="71437" bIns="71437" anchor="ctr"/>
+          <a:lstStyle/>
+          <a:p>
+            <a:pPr>
+              <a:defRPr sz="3200">
+                <a:solidFill>
+                  <a:srgbClr val="FFFFFF"/>
+                </a:solidFill>
+              </a:defRPr>
+            </a:pPr>
+            <a:endParaRPr/>
+          </a:p>
+        </p:txBody>
+      </p:sp>
+      <p:sp>
+        <p:nvSpPr>
+          <p:cNvPr id="149" name="Cirkel"/>
+          <p:cNvSpPr/>
+          <p:nvPr/>
+        </p:nvSpPr>
+        <p:spPr>
+          <a:xfrm>
+            <a:off x="8362129" y="7700750"/>
+            <a:ext cx="564817" cy="564818"/>
+          </a:xfrm>
+          <a:prstGeom prst="ellipse">
+            <a:avLst/>
+          </a:prstGeom>
+          <a:solidFill>
+            <a:schemeClr val="accent1">
+              <a:satOff val="-3355"/>
+              <a:lumOff val="26614"/>
+            </a:schemeClr>
+          </a:solidFill>
+          <a:ln w="12700">
+            <a:solidFill>
+              <a:schemeClr val="accent1">
+                <a:hueOff val="47394"/>
+                <a:satOff val="-25753"/>
+                <a:lumOff val="-7544"/>
+              </a:schemeClr>
+            </a:solidFill>
+            <a:miter lim="400000"/>
+          </a:ln>
+        </p:spPr>
+        <p:txBody>
+          <a:bodyPr lIns="71437" tIns="71437" rIns="71437" bIns="71437" anchor="ctr"/>
+          <a:lstStyle/>
+          <a:p>
+            <a:pPr>
+              <a:defRPr sz="3200">
+                <a:solidFill>
+                  <a:srgbClr val="FFFFFF"/>
+                </a:solidFill>
+              </a:defRPr>
+            </a:pPr>
+            <a:endParaRPr/>
+          </a:p>
+        </p:txBody>
+      </p:sp>
+      <p:sp>
+        <p:nvSpPr>
+          <p:cNvPr id="150" name="Cirkel"/>
+          <p:cNvSpPr/>
+          <p:nvPr/>
+        </p:nvSpPr>
+        <p:spPr>
+          <a:xfrm>
+            <a:off x="9177128" y="7700750"/>
+            <a:ext cx="564817" cy="564818"/>
+          </a:xfrm>
+          <a:prstGeom prst="ellipse">
+            <a:avLst/>
+          </a:prstGeom>
+          <a:solidFill>
+            <a:schemeClr val="accent1">
+              <a:satOff val="-3355"/>
+              <a:lumOff val="26614"/>
+            </a:schemeClr>
+          </a:solidFill>
+          <a:ln w="12700">
+            <a:solidFill>
+              <a:schemeClr val="accent1">
+                <a:hueOff val="47394"/>
+                <a:satOff val="-25753"/>
+                <a:lumOff val="-7544"/>
+              </a:schemeClr>
+            </a:solidFill>
+            <a:miter lim="400000"/>
+          </a:ln>
+        </p:spPr>
+        <p:txBody>
+          <a:bodyPr lIns="71437" tIns="71437" rIns="71437" bIns="71437" anchor="ctr"/>
+          <a:lstStyle/>
+          <a:p>
+            <a:pPr>
+              <a:defRPr sz="3200">
+                <a:solidFill>
+                  <a:srgbClr val="FFFFFF"/>
+                </a:solidFill>
+              </a:defRPr>
+            </a:pPr>
+            <a:endParaRPr/>
+          </a:p>
+        </p:txBody>
+      </p:sp>
+      <p:sp>
+        <p:nvSpPr>
+          <p:cNvPr id="151" name="Cirkel"/>
+          <p:cNvSpPr/>
+          <p:nvPr/>
+        </p:nvSpPr>
+        <p:spPr>
+          <a:xfrm>
+            <a:off x="9883461" y="7700750"/>
+            <a:ext cx="564817" cy="564818"/>
+          </a:xfrm>
+          <a:prstGeom prst="ellipse">
+            <a:avLst/>
+          </a:prstGeom>
+          <a:solidFill>
+            <a:schemeClr val="accent1">
+              <a:satOff val="-3355"/>
+              <a:lumOff val="26614"/>
+            </a:schemeClr>
+          </a:solidFill>
+          <a:ln w="12700">
+            <a:solidFill>
+              <a:schemeClr val="accent1">
+                <a:hueOff val="47394"/>
+                <a:satOff val="-25753"/>
+                <a:lumOff val="-7544"/>
+              </a:schemeClr>
+            </a:solidFill>
+            <a:miter lim="400000"/>
+          </a:ln>
+        </p:spPr>
+        <p:txBody>
+          <a:bodyPr lIns="71437" tIns="71437" rIns="71437" bIns="71437" anchor="ctr"/>
+          <a:lstStyle/>
+          <a:p>
+            <a:pPr>
+              <a:defRPr sz="3200">
+                <a:solidFill>
+                  <a:srgbClr val="FFFFFF"/>
+                </a:solidFill>
+              </a:defRPr>
+            </a:pPr>
+            <a:endParaRPr/>
+          </a:p>
+        </p:txBody>
+      </p:sp>
+      <p:sp>
+        <p:nvSpPr>
+          <p:cNvPr id="152" name="Cirkel"/>
+          <p:cNvSpPr/>
+          <p:nvPr/>
+        </p:nvSpPr>
+        <p:spPr>
+          <a:xfrm>
+            <a:off x="10589794" y="7700750"/>
+            <a:ext cx="564817" cy="564818"/>
+          </a:xfrm>
+          <a:prstGeom prst="ellipse">
+            <a:avLst/>
+          </a:prstGeom>
+          <a:solidFill>
+            <a:schemeClr val="accent1">
+              <a:satOff val="-3355"/>
+              <a:lumOff val="26614"/>
+            </a:schemeClr>
+          </a:solidFill>
+          <a:ln w="12700">
+            <a:solidFill>
+              <a:schemeClr val="accent1">
+                <a:hueOff val="47394"/>
+                <a:satOff val="-25753"/>
+                <a:lumOff val="-7544"/>
+              </a:schemeClr>
+            </a:solidFill>
+            <a:miter lim="400000"/>
+          </a:ln>
+        </p:spPr>
+        <p:txBody>
+          <a:bodyPr lIns="71437" tIns="71437" rIns="71437" bIns="71437" anchor="ctr"/>
+          <a:lstStyle/>
+          <a:p>
+            <a:pPr>
+              <a:defRPr sz="3200">
+                <a:solidFill>
+                  <a:srgbClr val="FFFFFF"/>
+                </a:solidFill>
+              </a:defRPr>
+            </a:pPr>
+            <a:endParaRPr/>
+          </a:p>
+        </p:txBody>
+      </p:sp>
+      <p:sp>
+        <p:nvSpPr>
+          <p:cNvPr id="153" name="Iris-Virginica"/>
+          <p:cNvSpPr txBox="1"/>
+          <p:nvPr/>
+        </p:nvSpPr>
+        <p:spPr>
+          <a:xfrm>
+            <a:off x="4369221" y="4661631"/>
+            <a:ext cx="2190751" cy="548482"/>
+          </a:xfrm>
+          <a:prstGeom prst="rect">
+            <a:avLst/>
+          </a:prstGeom>
+          <a:ln w="12700">
+            <a:miter lim="400000"/>
+          </a:ln>
+          <a:extLst>
+            <a:ext uri="{C572A759-6A51-4108-AA02-DFA0A04FC94B}">
+              <ma14:wrappingTextBoxFlag xmlns:ma14="http://schemas.microsoft.com/office/mac/drawingml/2011/main" xmlns:a14="http://schemas.microsoft.com/office/drawing/2010/main" xmlns:m="http://schemas.openxmlformats.org/officeDocument/2006/math" xmlns="" val="1"/>
+            </a:ext>
+          </a:extLst>
+        </p:spPr>
+        <p:txBody>
+          <a:bodyPr wrap="none" lIns="71437" tIns="71437" rIns="71437" bIns="71437" anchor="ctr">
+            <a:spAutoFit/>
+          </a:bodyPr>
+          <a:lstStyle>
+            <a:lvl1pPr>
+              <a:defRPr sz="3200">
+                <a:latin typeface="Calibri"/>
+                <a:ea typeface="Calibri"/>
+                <a:cs typeface="Calibri"/>
+                <a:sym typeface="Calibri"/>
+              </a:defRPr>
+            </a:lvl1pPr>
+          </a:lstStyle>
+          <a:p>
+            <a:r>
+              <a:t>Iris-Virginica</a:t>
+            </a:r>
+          </a:p>
+        </p:txBody>
+      </p:sp>
+      <p:sp>
+        <p:nvSpPr>
+          <p:cNvPr id="154" name="Niet Iris-Virginica"/>
+          <p:cNvSpPr txBox="1"/>
+          <p:nvPr/>
+        </p:nvSpPr>
+        <p:spPr>
+          <a:xfrm>
+            <a:off x="3972084" y="7708917"/>
+            <a:ext cx="2974380" cy="548483"/>
+          </a:xfrm>
+          <a:prstGeom prst="rect">
+            <a:avLst/>
+          </a:prstGeom>
+          <a:ln w="12700">
+            <a:miter lim="400000"/>
+          </a:ln>
+          <a:extLst>
+            <a:ext uri="{C572A759-6A51-4108-AA02-DFA0A04FC94B}">
+              <ma14:wrappingTextBoxFlag xmlns:ma14="http://schemas.microsoft.com/office/mac/drawingml/2011/main" xmlns:a14="http://schemas.microsoft.com/office/drawing/2010/main" xmlns:m="http://schemas.openxmlformats.org/officeDocument/2006/math" xmlns="" val="1"/>
+            </a:ext>
+          </a:extLst>
+        </p:spPr>
+        <p:txBody>
+          <a:bodyPr wrap="none" lIns="71437" tIns="71437" rIns="71437" bIns="71437" anchor="ctr">
+            <a:spAutoFit/>
+          </a:bodyPr>
+          <a:lstStyle>
+            <a:lvl1pPr>
+              <a:defRPr sz="3200">
+                <a:latin typeface="Calibri"/>
+                <a:ea typeface="Calibri"/>
+                <a:cs typeface="Calibri"/>
+                <a:sym typeface="Calibri"/>
+              </a:defRPr>
+            </a:lvl1pPr>
+          </a:lstStyle>
+          <a:p>
+            <a:r>
+              <a:t>Niet Iris-Virginica</a:t>
+            </a:r>
+          </a:p>
+        </p:txBody>
+      </p:sp>
+      <p:sp>
+        <p:nvSpPr>
+          <p:cNvPr id="155" name="Breedte bloemblad (cm) →"/>
+          <p:cNvSpPr txBox="1"/>
+          <p:nvPr/>
+        </p:nvSpPr>
+        <p:spPr>
+          <a:xfrm>
+            <a:off x="9886290" y="9384370"/>
+            <a:ext cx="4744641" cy="641351"/>
+          </a:xfrm>
+          <a:prstGeom prst="rect">
+            <a:avLst/>
+          </a:prstGeom>
+          <a:ln w="12700">
+            <a:miter lim="400000"/>
+          </a:ln>
+          <a:extLst>
+            <a:ext uri="{C572A759-6A51-4108-AA02-DFA0A04FC94B}">
+              <ma14:wrappingTextBoxFlag xmlns:ma14="http://schemas.microsoft.com/office/mac/drawingml/2011/main" xmlns:a14="http://schemas.microsoft.com/office/drawing/2010/main" xmlns:m="http://schemas.openxmlformats.org/officeDocument/2006/math" xmlns="" val="1"/>
+            </a:ext>
+          </a:extLst>
+        </p:spPr>
+        <p:txBody>
+          <a:bodyPr wrap="none" lIns="71437" tIns="71437" rIns="71437" bIns="71437" anchor="ctr">
+            <a:spAutoFit/>
+          </a:bodyPr>
+          <a:lstStyle/>
+          <a:p>
+            <a:pPr>
+              <a:defRPr sz="3200">
+                <a:latin typeface="Calibri"/>
+                <a:ea typeface="Calibri"/>
+                <a:cs typeface="Calibri"/>
+                <a:sym typeface="Calibri"/>
+              </a:defRPr>
+            </a:pPr>
+            <a:r>
+              <a:t>Breedte bloemblad (cm) </a:t>
+            </a:r>
+            <a:r>
+              <a:rPr>
+                <a:latin typeface="Helvetica"/>
+                <a:ea typeface="Helvetica"/>
+                <a:cs typeface="Helvetica"/>
+                <a:sym typeface="Helvetica"/>
+              </a:rPr>
+              <a:t>→</a:t>
+            </a:r>
+            <a:r>
+              <a:t> </a:t>
+            </a:r>
+          </a:p>
+        </p:txBody>
+      </p:sp>
+      <p:sp>
+        <p:nvSpPr>
+          <p:cNvPr id="156" name="Lijn"/>
+          <p:cNvSpPr/>
+          <p:nvPr/>
+        </p:nvSpPr>
+        <p:spPr>
+          <a:xfrm flipV="1">
+            <a:off x="12011390" y="7872133"/>
+            <a:ext cx="1" cy="955079"/>
+          </a:xfrm>
+          <a:prstGeom prst="line">
+            <a:avLst/>
+          </a:prstGeom>
+          <a:ln w="25400">
+            <a:solidFill>
+              <a:srgbClr val="000000"/>
+            </a:solidFill>
+            <a:miter lim="400000"/>
+          </a:ln>
+        </p:spPr>
+        <p:txBody>
+          <a:bodyPr lIns="71437" tIns="71437" rIns="71437" bIns="71437" anchor="ctr"/>
+          <a:lstStyle/>
+          <a:p>
+            <a:pPr>
+              <a:defRPr sz="3200"/>
+            </a:pPr>
+            <a:endParaRPr/>
+          </a:p>
+        </p:txBody>
+      </p:sp>
+      <p:sp>
+        <p:nvSpPr>
+          <p:cNvPr id="157" name="1,6"/>
+          <p:cNvSpPr txBox="1"/>
+          <p:nvPr/>
+        </p:nvSpPr>
+        <p:spPr>
+          <a:xfrm>
+            <a:off x="11676923" y="8882439"/>
+            <a:ext cx="668934" cy="548482"/>
+          </a:xfrm>
+          <a:prstGeom prst="rect">
+            <a:avLst/>
+          </a:prstGeom>
+          <a:ln w="12700">
+            <a:miter lim="400000"/>
+          </a:ln>
+          <a:extLst>
+            <a:ext uri="{C572A759-6A51-4108-AA02-DFA0A04FC94B}">
+              <ma14:wrappingTextBoxFlag xmlns:ma14="http://schemas.microsoft.com/office/mac/drawingml/2011/main" xmlns:a14="http://schemas.microsoft.com/office/drawing/2010/main" xmlns:m="http://schemas.openxmlformats.org/officeDocument/2006/math" xmlns="" val="1"/>
+            </a:ext>
+          </a:extLst>
+        </p:spPr>
+        <p:txBody>
+          <a:bodyPr wrap="none" lIns="71437" tIns="71437" rIns="71437" bIns="71437" anchor="ctr">
+            <a:spAutoFit/>
+          </a:bodyPr>
+          <a:lstStyle>
+            <a:lvl1pPr>
+              <a:defRPr sz="3200">
+                <a:latin typeface="Calibri"/>
+                <a:ea typeface="Calibri"/>
+                <a:cs typeface="Calibri"/>
+                <a:sym typeface="Calibri"/>
+              </a:defRPr>
+            </a:lvl1pPr>
+          </a:lstStyle>
+          <a:p>
+            <a:r>
+              <a:t>1,6</a:t>
+            </a:r>
+          </a:p>
+        </p:txBody>
+      </p:sp>
+    </p:spTree>
+  </p:cSld>
+  <p:clrMapOvr>
+    <a:masterClrMapping/>
+  </p:clrMapOvr>
+  <p:transition spd="med"/>
+</p:sld>
+</file>
+
+<file path=ppt/slides/slide11.xml><?xml version="1.0" encoding="utf-8"?>
+<p:sld xmlns:a="http://schemas.openxmlformats.org/drawingml/2006/main" xmlns:r="http://schemas.openxmlformats.org/officeDocument/2006/relationships" xmlns:p="http://schemas.openxmlformats.org/presentationml/2006/main">
+  <p:cSld>
+    <p:spTree>
+      <p:nvGrpSpPr>
+        <p:cNvPr id="1" name=""/>
+        <p:cNvGrpSpPr/>
+        <p:nvPr/>
+      </p:nvGrpSpPr>
+      <p:grpSpPr>
+        <a:xfrm>
+          <a:off x="0" y="0"/>
+          <a:ext cx="0" cy="0"/>
+          <a:chOff x="0" y="0"/>
+          <a:chExt cx="0" cy="0"/>
+        </a:xfrm>
+      </p:grpSpPr>
+      <p:sp>
+        <p:nvSpPr>
           <p:cNvPr id="159" name="Binaire classificatie"/>
           <p:cNvSpPr txBox="1"/>
           <p:nvPr/>
@@ -3481,303 +4483,293 @@
           </p:sp>
         </mc:Fallback>
       </mc:AlternateContent>
-      <p:grpSp>
-        <p:nvGrpSpPr>
-          <p:cNvPr id="165" name="Groepeer"/>
-          <p:cNvGrpSpPr/>
+      <p:sp>
+        <p:nvSpPr>
+          <p:cNvPr id="162" name="Lineaire regressie"/>
+          <p:cNvSpPr txBox="1"/>
           <p:nvPr/>
-        </p:nvGrpSpPr>
-        <p:grpSpPr>
+        </p:nvSpPr>
+        <p:spPr>
+          <a:xfrm>
+            <a:off x="13206391" y="8616529"/>
+            <a:ext cx="6403996" cy="1159932"/>
+          </a:xfrm>
+          <a:prstGeom prst="rect">
+            <a:avLst/>
+          </a:prstGeom>
+          <a:noFill/>
+          <a:ln w="12700" cap="flat">
+            <a:noFill/>
+            <a:miter lim="400000"/>
+          </a:ln>
+          <a:effectLst/>
+          <a:extLst>
+            <a:ext uri="{C572A759-6A51-4108-AA02-DFA0A04FC94B}">
+              <ma14:wrappingTextBoxFlag xmlns:ma14="http://schemas.microsoft.com/office/mac/drawingml/2011/main" xmlns:a14="http://schemas.microsoft.com/office/drawing/2010/main" xmlns:m="http://schemas.openxmlformats.org/officeDocument/2006/math" xmlns="" val="1"/>
+            </a:ext>
+          </a:extLst>
+        </p:spPr>
+        <p:txBody>
+          <a:bodyPr wrap="none" lIns="71437" tIns="71437" rIns="71437" bIns="71437" numCol="1" anchor="ctr">
+            <a:spAutoFit/>
+          </a:bodyPr>
+          <a:lstStyle>
+            <a:lvl1pPr>
+              <a:defRPr sz="6600">
+                <a:latin typeface="Calibri"/>
+                <a:ea typeface="Calibri"/>
+                <a:cs typeface="Calibri"/>
+                <a:sym typeface="Calibri"/>
+              </a:defRPr>
+            </a:lvl1pPr>
+          </a:lstStyle>
+          <a:p>
+            <a:r>
+              <a:t>Lineaire regressie</a:t>
+            </a:r>
+            <a:r>
+              <a:rPr lang="nl-NL"/>
+              <a:t>:</a:t>
+            </a:r>
+            <a:endParaRPr/>
+          </a:p>
+        </p:txBody>
+      </p:sp>
+      <p:sp>
+        <p:nvSpPr>
+          <p:cNvPr id="163" name="Rechthoek"/>
+          <p:cNvSpPr/>
+          <p:nvPr/>
+        </p:nvSpPr>
+        <p:spPr>
           <a:xfrm>
             <a:off x="13125381" y="8557997"/>
-            <a:ext cx="6566016" cy="2421673"/>
-            <a:chOff x="0" y="0"/>
-            <a:chExt cx="6566014" cy="2421672"/>
+            <a:ext cx="6566017" cy="2421674"/>
           </a:xfrm>
-        </p:grpSpPr>
-        <p:sp>
-          <p:nvSpPr>
-            <p:cNvPr id="162" name="Lineaire regressie"/>
-            <p:cNvSpPr txBox="1"/>
-            <p:nvPr/>
-          </p:nvSpPr>
-          <p:spPr>
-            <a:xfrm>
-              <a:off x="235298" y="138856"/>
-              <a:ext cx="6095418" cy="999283"/>
-            </a:xfrm>
-            <a:prstGeom prst="rect">
-              <a:avLst/>
-            </a:prstGeom>
-            <a:noFill/>
-            <a:ln w="12700" cap="flat">
+          <a:prstGeom prst="rect">
+            <a:avLst/>
+          </a:prstGeom>
+          <a:noFill/>
+          <a:ln w="25400" cap="flat">
+            <a:solidFill>
+              <a:srgbClr val="000000"/>
+            </a:solidFill>
+            <a:prstDash val="solid"/>
+            <a:miter lim="400000"/>
+          </a:ln>
+          <a:effectLst/>
+        </p:spPr>
+        <p:txBody>
+          <a:bodyPr wrap="square" lIns="71437" tIns="71437" rIns="71437" bIns="71437" numCol="1" anchor="ctr">
+            <a:noAutofit/>
+          </a:bodyPr>
+          <a:lstStyle/>
+          <a:p>
+            <a:pPr>
+              <a:defRPr sz="3200">
+                <a:solidFill>
+                  <a:srgbClr val="FFFFFF"/>
+                </a:solidFill>
+              </a:defRPr>
+            </a:pPr>
+            <a:endParaRPr/>
+          </a:p>
+        </p:txBody>
+      </p:sp>
+      <mc:AlternateContent xmlns:mc="http://schemas.openxmlformats.org/markup-compatibility/2006">
+        <mc:Choice xmlns:a14="http://schemas.microsoft.com/office/drawing/2010/main" Requires="a14">
+          <p:sp>
+            <p:nvSpPr>
+              <p:cNvPr id="164" name="Vergelijking"/>
+              <p:cNvSpPr txBox="1"/>
+              <p:nvPr/>
+            </p:nvSpPr>
+            <p:spPr>
+              <a:xfrm>
+                <a:off x="14430201" y="9864704"/>
+                <a:ext cx="5180186" cy="1046440"/>
+              </a:xfrm>
+              <a:prstGeom prst="rect">
+                <a:avLst/>
+              </a:prstGeom>
               <a:noFill/>
-              <a:miter lim="400000"/>
-            </a:ln>
-            <a:effectLst/>
-            <a:extLst>
-              <a:ext uri="{C572A759-6A51-4108-AA02-DFA0A04FC94B}">
-                <ma14:wrappingTextBoxFlag xmlns:ma14="http://schemas.microsoft.com/office/mac/drawingml/2011/main" xmlns:a14="http://schemas.microsoft.com/office/drawing/2010/main" xmlns:m="http://schemas.openxmlformats.org/officeDocument/2006/math" xmlns="" val="1"/>
-              </a:ext>
-            </a:extLst>
-          </p:spPr>
-          <p:txBody>
-            <a:bodyPr wrap="none" lIns="71437" tIns="71437" rIns="71437" bIns="71437" numCol="1" anchor="ctr">
-              <a:spAutoFit/>
-            </a:bodyPr>
-            <a:lstStyle>
-              <a:lvl1pPr>
-                <a:defRPr sz="6600">
-                  <a:latin typeface="Calibri"/>
-                  <a:ea typeface="Calibri"/>
-                  <a:cs typeface="Calibri"/>
-                  <a:sym typeface="Calibri"/>
-                </a:defRPr>
-              </a:lvl1pPr>
-            </a:lstStyle>
-            <a:p>
-              <a:r>
-                <a:t>Lineaire regressie</a:t>
-              </a:r>
-            </a:p>
-          </p:txBody>
-        </p:sp>
-        <p:sp>
-          <p:nvSpPr>
-            <p:cNvPr id="163" name="Rechthoek"/>
-            <p:cNvSpPr/>
-            <p:nvPr/>
-          </p:nvSpPr>
-          <p:spPr>
-            <a:xfrm>
-              <a:off x="0" y="0"/>
-              <a:ext cx="6566015" cy="2421673"/>
-            </a:xfrm>
-            <a:prstGeom prst="rect">
-              <a:avLst/>
-            </a:prstGeom>
-            <a:noFill/>
-            <a:ln w="25400" cap="flat">
-              <a:solidFill>
-                <a:srgbClr val="000000"/>
-              </a:solidFill>
-              <a:prstDash val="solid"/>
-              <a:miter lim="400000"/>
-            </a:ln>
-            <a:effectLst/>
-          </p:spPr>
-          <p:txBody>
-            <a:bodyPr wrap="square" lIns="71437" tIns="71437" rIns="71437" bIns="71437" numCol="1" anchor="ctr">
-              <a:noAutofit/>
-            </a:bodyPr>
-            <a:lstStyle/>
-            <a:p>
-              <a:pPr>
-                <a:defRPr sz="3200">
-                  <a:solidFill>
-                    <a:srgbClr val="FFFFFF"/>
-                  </a:solidFill>
-                </a:defRPr>
-              </a:pPr>
-              <a:endParaRPr/>
-            </a:p>
-          </p:txBody>
-        </p:sp>
-        <mc:AlternateContent xmlns:mc="http://schemas.openxmlformats.org/markup-compatibility/2006" xmlns:a14="http://schemas.microsoft.com/office/drawing/2010/main">
-          <mc:Choice Requires="a14">
-            <p:sp>
-              <p:nvSpPr>
-                <p:cNvPr id="164" name="Vergelijking"/>
-                <p:cNvSpPr txBox="1"/>
-                <p:nvPr/>
-              </p:nvSpPr>
-              <p:spPr>
-                <a:xfrm>
-                  <a:off x="1304820" y="1306706"/>
-                  <a:ext cx="3978914" cy="942568"/>
-                </a:xfrm>
-                <a:prstGeom prst="rect">
-                  <a:avLst/>
-                </a:prstGeom>
+              <a:ln w="12700" cap="flat">
                 <a:noFill/>
-                <a:ln w="12700" cap="flat">
-                  <a:noFill/>
-                  <a:miter lim="400000"/>
-                </a:ln>
-                <a:effectLst/>
-              </p:spPr>
-              <p:txBody>
-                <a:bodyPr wrap="none" lIns="0" tIns="0" rIns="0" bIns="0">
-                  <a:spAutoFit/>
-                </a:bodyPr>
-                <a:lstStyle/>
-                <a:p>
-                  <a:pPr algn="l" defTabSz="914400" latinLnBrk="1">
-                    <a:defRPr sz="1800"/>
-                  </a:pPr>
-                  <a14:m>
-                    <m:oMathPara xmlns:m="http://schemas.openxmlformats.org/officeDocument/2006/math">
-                      <m:oMathParaPr>
-                        <m:jc m:val="centerGroup"/>
-                      </m:oMathParaPr>
-                      <m:oMath xmlns:m="http://schemas.openxmlformats.org/officeDocument/2006/math">
-                        <m:sSub>
-                          <m:sSubPr>
-                            <m:ctrlPr>
-                              <a:rPr sz="6800" i="1">
-                                <a:solidFill>
-                                  <a:srgbClr val="000000"/>
-                                </a:solidFill>
-                                <a:latin typeface="Cambria Math" panose="02040503050406030204" pitchFamily="18" charset="0"/>
-                              </a:rPr>
-                            </m:ctrlPr>
-                          </m:sSubPr>
-                          <m:e>
-                            <m:r>
-                              <a:rPr sz="6800" i="1">
-                                <a:solidFill>
-                                  <a:srgbClr val="000000"/>
-                                </a:solidFill>
-                                <a:latin typeface="Cambria Math" panose="02040503050406030204" pitchFamily="18" charset="0"/>
-                              </a:rPr>
-                              <m:t>h</m:t>
-                            </m:r>
-                          </m:e>
-                          <m:sub>
-                            <m:r>
-                              <a:rPr sz="6800" i="1">
-                                <a:solidFill>
-                                  <a:srgbClr val="000000"/>
-                                </a:solidFill>
-                                <a:latin typeface="Cambria Math" panose="02040503050406030204" pitchFamily="18" charset="0"/>
-                              </a:rPr>
-                              <m:t>𝜃</m:t>
-                            </m:r>
-                          </m:sub>
-                        </m:sSub>
-                        <m:r>
-                          <a:rPr sz="6800" i="1">
-                            <a:solidFill>
-                              <a:srgbClr val="000000"/>
-                            </a:solidFill>
-                            <a:latin typeface="Cambria Math" panose="02040503050406030204" pitchFamily="18" charset="0"/>
-                          </a:rPr>
-                          <m:t>(</m:t>
-                        </m:r>
-                        <m:r>
-                          <a:rPr sz="6800" i="1">
-                            <a:solidFill>
-                              <a:srgbClr val="000000"/>
-                            </a:solidFill>
-                            <a:latin typeface="Cambria Math" panose="02040503050406030204" pitchFamily="18" charset="0"/>
-                          </a:rPr>
-                          <m:t>𝑥</m:t>
-                        </m:r>
-                        <m:r>
-                          <a:rPr sz="6800" i="1">
-                            <a:solidFill>
-                              <a:srgbClr val="000000"/>
-                            </a:solidFill>
-                            <a:latin typeface="Cambria Math" panose="02040503050406030204" pitchFamily="18" charset="0"/>
-                          </a:rPr>
-                          <m:t>)=</m:t>
-                        </m:r>
-                        <m:sSup>
-                          <m:sSupPr>
-                            <m:ctrlPr>
-                              <a:rPr sz="6800" i="1">
-                                <a:solidFill>
-                                  <a:srgbClr val="000000"/>
-                                </a:solidFill>
-                                <a:latin typeface="Cambria Math" panose="02040503050406030204" pitchFamily="18" charset="0"/>
-                              </a:rPr>
-                            </m:ctrlPr>
-                          </m:sSupPr>
-                          <m:e>
-                            <m:r>
-                              <a:rPr sz="6800" i="1">
-                                <a:solidFill>
-                                  <a:srgbClr val="000000"/>
-                                </a:solidFill>
-                                <a:latin typeface="Cambria Math" panose="02040503050406030204" pitchFamily="18" charset="0"/>
-                              </a:rPr>
-                              <m:t>𝜃</m:t>
-                            </m:r>
-                          </m:e>
-                          <m:sup>
-                            <m:r>
-                              <a:rPr sz="6800" i="1">
-                                <a:solidFill>
-                                  <a:srgbClr val="000000"/>
-                                </a:solidFill>
-                                <a:latin typeface="Cambria Math" panose="02040503050406030204" pitchFamily="18" charset="0"/>
-                              </a:rPr>
-                              <m:t>𝑇</m:t>
-                            </m:r>
-                          </m:sup>
-                        </m:sSup>
-                        <m:r>
-                          <a:rPr sz="6800" i="1">
-                            <a:solidFill>
-                              <a:srgbClr val="000000"/>
-                            </a:solidFill>
-                            <a:latin typeface="Cambria Math" panose="02040503050406030204" pitchFamily="18" charset="0"/>
-                          </a:rPr>
-                          <m:t>𝑥</m:t>
-                        </m:r>
-                      </m:oMath>
-                    </m:oMathPara>
-                  </a14:m>
-                  <a:endParaRPr sz="6800"/>
-                </a:p>
-              </p:txBody>
-            </p:sp>
-          </mc:Choice>
-          <mc:Fallback xmlns="">
-            <p:sp>
-              <p:nvSpPr>
-                <p:cNvPr id="164" name="Vergelijking"/>
-                <p:cNvSpPr txBox="1">
-                  <a:spLocks noRot="1" noChangeAspect="1" noMove="1" noResize="1" noEditPoints="1" noAdjustHandles="1" noChangeArrowheads="1" noChangeShapeType="1" noTextEdit="1"/>
-                </p:cNvSpPr>
-                <p:nvPr/>
-              </p:nvSpPr>
-              <p:spPr>
-                <a:xfrm>
-                  <a:off x="1304820" y="1306706"/>
-                  <a:ext cx="3978914" cy="942568"/>
-                </a:xfrm>
-                <a:prstGeom prst="rect">
-                  <a:avLst/>
-                </a:prstGeom>
-                <a:blipFill>
-                  <a:blip r:embed="rId4"/>
-                  <a:stretch>
-                    <a:fillRect l="-7643" t="-1316" r="-23248" b="-47368"/>
-                  </a:stretch>
-                </a:blipFill>
-                <a:ln w="12700" cap="flat">
-                  <a:noFill/>
-                  <a:miter lim="400000"/>
-                </a:ln>
-                <a:effectLst/>
-              </p:spPr>
-              <p:txBody>
-                <a:bodyPr/>
-                <a:lstStyle/>
-                <a:p>
-                  <a:r>
-                    <a:rPr lang="nl-NL">
-                      <a:noFill/>
-                    </a:rPr>
-                    <a:t> </a:t>
-                  </a:r>
-                </a:p>
-              </p:txBody>
-            </p:sp>
-          </mc:Fallback>
-        </mc:AlternateContent>
-      </p:grpSp>
+                <a:miter lim="400000"/>
+              </a:ln>
+              <a:effectLst/>
+            </p:spPr>
+            <p:txBody>
+              <a:bodyPr wrap="square" lIns="0" tIns="0" rIns="0" bIns="0">
+                <a:spAutoFit/>
+              </a:bodyPr>
+              <a:lstStyle/>
+              <a:p>
+                <a:pPr algn="l" defTabSz="914400" latinLnBrk="1">
+                  <a:defRPr sz="1800"/>
+                </a:pPr>
+                <a14:m>
+                  <m:oMathPara xmlns:m="http://schemas.openxmlformats.org/officeDocument/2006/math">
+                    <m:oMathParaPr>
+                      <m:jc m:val="centerGroup"/>
+                    </m:oMathParaPr>
+                    <m:oMath xmlns:m="http://schemas.openxmlformats.org/officeDocument/2006/math">
+                      <m:sSub>
+                        <m:sSubPr>
+                          <m:ctrlPr>
+                            <a:rPr sz="6800" i="1">
+                              <a:solidFill>
+                                <a:srgbClr val="000000"/>
+                              </a:solidFill>
+                              <a:latin typeface="Cambria Math" panose="02040503050406030204" pitchFamily="18" charset="0"/>
+                            </a:rPr>
+                          </m:ctrlPr>
+                        </m:sSubPr>
+                        <m:e>
+                          <m:r>
+                            <a:rPr sz="6800" i="1">
+                              <a:solidFill>
+                                <a:srgbClr val="000000"/>
+                              </a:solidFill>
+                              <a:latin typeface="Cambria Math" panose="02040503050406030204" pitchFamily="18" charset="0"/>
+                            </a:rPr>
+                            <m:t>h</m:t>
+                          </m:r>
+                        </m:e>
+                        <m:sub>
+                          <m:r>
+                            <a:rPr sz="6800" i="1">
+                              <a:solidFill>
+                                <a:srgbClr val="000000"/>
+                              </a:solidFill>
+                              <a:latin typeface="Cambria Math" panose="02040503050406030204" pitchFamily="18" charset="0"/>
+                            </a:rPr>
+                            <m:t>𝜃</m:t>
+                          </m:r>
+                        </m:sub>
+                      </m:sSub>
+                      <m:r>
+                        <a:rPr sz="6800" i="1">
+                          <a:solidFill>
+                            <a:srgbClr val="000000"/>
+                          </a:solidFill>
+                          <a:latin typeface="Cambria Math" panose="02040503050406030204" pitchFamily="18" charset="0"/>
+                        </a:rPr>
+                        <m:t>(</m:t>
+                      </m:r>
+                      <m:r>
+                        <a:rPr sz="6800" i="1">
+                          <a:solidFill>
+                            <a:srgbClr val="000000"/>
+                          </a:solidFill>
+                          <a:latin typeface="Cambria Math" panose="02040503050406030204" pitchFamily="18" charset="0"/>
+                        </a:rPr>
+                        <m:t>𝑥</m:t>
+                      </m:r>
+                      <m:r>
+                        <a:rPr sz="6800" i="1">
+                          <a:solidFill>
+                            <a:srgbClr val="000000"/>
+                          </a:solidFill>
+                          <a:latin typeface="Cambria Math" panose="02040503050406030204" pitchFamily="18" charset="0"/>
+                        </a:rPr>
+                        <m:t>)=</m:t>
+                      </m:r>
+                      <m:sSup>
+                        <m:sSupPr>
+                          <m:ctrlPr>
+                            <a:rPr sz="6800" i="1">
+                              <a:solidFill>
+                                <a:srgbClr val="000000"/>
+                              </a:solidFill>
+                              <a:latin typeface="Cambria Math" panose="02040503050406030204" pitchFamily="18" charset="0"/>
+                            </a:rPr>
+                          </m:ctrlPr>
+                        </m:sSupPr>
+                        <m:e>
+                          <m:r>
+                            <a:rPr sz="6800" i="1">
+                              <a:solidFill>
+                                <a:srgbClr val="000000"/>
+                              </a:solidFill>
+                              <a:latin typeface="Cambria Math" panose="02040503050406030204" pitchFamily="18" charset="0"/>
+                            </a:rPr>
+                            <m:t>𝜃</m:t>
+                          </m:r>
+                        </m:e>
+                        <m:sup>
+                          <m:r>
+                            <a:rPr sz="6800" i="1">
+                              <a:solidFill>
+                                <a:srgbClr val="000000"/>
+                              </a:solidFill>
+                              <a:latin typeface="Cambria Math" panose="02040503050406030204" pitchFamily="18" charset="0"/>
+                            </a:rPr>
+                            <m:t>𝑇</m:t>
+                          </m:r>
+                        </m:sup>
+                      </m:sSup>
+                      <m:r>
+                        <a:rPr sz="6800" i="1">
+                          <a:solidFill>
+                            <a:srgbClr val="000000"/>
+                          </a:solidFill>
+                          <a:latin typeface="Cambria Math" panose="02040503050406030204" pitchFamily="18" charset="0"/>
+                        </a:rPr>
+                        <m:t>𝑥</m:t>
+                      </m:r>
+                    </m:oMath>
+                  </m:oMathPara>
+                </a14:m>
+                <a:endParaRPr sz="6800"/>
+              </a:p>
+            </p:txBody>
+          </p:sp>
+        </mc:Choice>
+        <mc:Fallback>
+          <p:sp>
+            <p:nvSpPr>
+              <p:cNvPr id="164" name="Vergelijking"/>
+              <p:cNvSpPr txBox="1">
+                <a:spLocks noRot="1" noChangeAspect="1" noMove="1" noResize="1" noEditPoints="1" noAdjustHandles="1" noChangeArrowheads="1" noChangeShapeType="1" noTextEdit="1"/>
+              </p:cNvSpPr>
+              <p:nvPr/>
+            </p:nvSpPr>
+            <p:spPr>
+              <a:xfrm>
+                <a:off x="14430201" y="9864704"/>
+                <a:ext cx="5180186" cy="1046440"/>
+              </a:xfrm>
+              <a:prstGeom prst="rect">
+                <a:avLst/>
+              </a:prstGeom>
+              <a:blipFill>
+                <a:blip r:embed="rId4"/>
+                <a:stretch>
+                  <a:fillRect/>
+                </a:stretch>
+              </a:blipFill>
+              <a:ln w="12700" cap="flat">
+                <a:noFill/>
+                <a:miter lim="400000"/>
+              </a:ln>
+              <a:effectLst/>
+            </p:spPr>
+            <p:txBody>
+              <a:bodyPr/>
+              <a:lstStyle/>
+              <a:p>
+                <a:r>
+                  <a:rPr lang="nl-NL">
+                    <a:noFill/>
+                  </a:rPr>
+                  <a:t> </a:t>
+                </a:r>
+              </a:p>
+            </p:txBody>
+          </p:sp>
+        </mc:Fallback>
+      </mc:AlternateContent>
     </p:spTree>
   </p:cSld>
   <p:clrMapOvr>
@@ -3787,7 +4779,7 @@
 </p:sld>
 </file>
 
-<file path=ppt/slides/slide11.xml><?xml version="1.0" encoding="utf-8"?>
+<file path=ppt/slides/slide12.xml><?xml version="1.0" encoding="utf-8"?>
 <p:sld xmlns:a="http://schemas.openxmlformats.org/drawingml/2006/main" xmlns:r="http://schemas.openxmlformats.org/officeDocument/2006/relationships" xmlns:p="http://schemas.openxmlformats.org/presentationml/2006/main">
   <p:cSld>
     <p:spTree>
@@ -4157,7 +5149,16 @@
                           </a:solidFill>
                           <a:latin typeface="Cambria Math" panose="02040503050406030204" pitchFamily="18" charset="0"/>
                         </a:rPr>
-                        <m:t>0≤</m:t>
+                        <m:t>0</m:t>
+                      </m:r>
+                      <m:r>
+                        <a:rPr sz="6800" i="1">
+                          <a:solidFill>
+                            <a:srgbClr val="000000"/>
+                          </a:solidFill>
+                          <a:latin typeface="Cambria Math" panose="02040503050406030204" pitchFamily="18" charset="0"/>
+                        </a:rPr>
+                        <m:t>≤</m:t>
                       </m:r>
                       <m:sSub>
                         <m:sSubPr>
@@ -4218,7 +5219,16 @@
                           </a:solidFill>
                           <a:latin typeface="Cambria Math" panose="02040503050406030204" pitchFamily="18" charset="0"/>
                         </a:rPr>
-                        <m:t>)≤1</m:t>
+                        <m:t>)≤</m:t>
+                      </m:r>
+                      <m:r>
+                        <a:rPr sz="6800" i="1">
+                          <a:solidFill>
+                            <a:srgbClr val="000000"/>
+                          </a:solidFill>
+                          <a:latin typeface="Cambria Math" panose="02040503050406030204" pitchFamily="18" charset="0"/>
+                        </a:rPr>
+                        <m:t>1</m:t>
                       </m:r>
                     </m:oMath>
                   </m:oMathPara>
@@ -4454,7 +5464,7 @@
 </p:sld>
 </file>
 
-<file path=ppt/slides/slide12.xml><?xml version="1.0" encoding="utf-8"?>
+<file path=ppt/slides/slide13.xml><?xml version="1.0" encoding="utf-8"?>
 <p:sld xmlns:a="http://schemas.openxmlformats.org/drawingml/2006/main" xmlns:r="http://schemas.openxmlformats.org/officeDocument/2006/relationships" xmlns:p="http://schemas.openxmlformats.org/presentationml/2006/main">
   <p:cSld>
     <p:spTree>
@@ -4649,7 +5659,16 @@
                               </a:solidFill>
                               <a:latin typeface="Cambria Math" panose="02040503050406030204" pitchFamily="18" charset="0"/>
                             </a:rPr>
-                            <m:t>1+</m:t>
+                            <m:t>1</m:t>
+                          </m:r>
+                          <m:r>
+                            <a:rPr sz="5100" i="1">
+                              <a:solidFill>
+                                <a:srgbClr val="000000"/>
+                              </a:solidFill>
+                              <a:latin typeface="Cambria Math" panose="02040503050406030204" pitchFamily="18" charset="0"/>
+                            </a:rPr>
+                            <m:t>+</m:t>
                           </m:r>
                           <m:sSup>
                             <m:sSupPr>
@@ -4799,7 +5818,7 @@
 </p:sld>
 </file>
 
-<file path=ppt/slides/slide13.xml><?xml version="1.0" encoding="utf-8"?>
+<file path=ppt/slides/slide14.xml><?xml version="1.0" encoding="utf-8"?>
 <p:sld xmlns:a="http://schemas.openxmlformats.org/drawingml/2006/main" xmlns:r="http://schemas.openxmlformats.org/officeDocument/2006/relationships" xmlns:p="http://schemas.openxmlformats.org/presentationml/2006/main">
   <p:cSld>
     <p:spTree>
@@ -4967,7 +5986,25 @@
                                     </a:solidFill>
                                     <a:latin typeface="Cambria Math" panose="02040503050406030204" pitchFamily="18" charset="0"/>
                                   </a:rPr>
-                                  <m:t>1,6</m:t>
+                                  <m:t>1</m:t>
+                                </m:r>
+                                <m:r>
+                                  <a:rPr sz="6800" i="1">
+                                    <a:solidFill>
+                                      <a:srgbClr val="000000"/>
+                                    </a:solidFill>
+                                    <a:latin typeface="Cambria Math" panose="02040503050406030204" pitchFamily="18" charset="0"/>
+                                  </a:rPr>
+                                  <m:t>,</m:t>
+                                </m:r>
+                                <m:r>
+                                  <a:rPr sz="6800" i="1">
+                                    <a:solidFill>
+                                      <a:srgbClr val="000000"/>
+                                    </a:solidFill>
+                                    <a:latin typeface="Cambria Math" panose="02040503050406030204" pitchFamily="18" charset="0"/>
+                                  </a:rPr>
+                                  <m:t>6</m:t>
                                 </m:r>
                               </m:e>
                             </m:mr>
@@ -4991,7 +6028,25 @@
                                     </a:solidFill>
                                     <a:latin typeface="Cambria Math" panose="02040503050406030204" pitchFamily="18" charset="0"/>
                                   </a:rPr>
-                                  <m:t>2,5</m:t>
+                                  <m:t>2</m:t>
+                                </m:r>
+                                <m:r>
+                                  <a:rPr sz="6800" i="1">
+                                    <a:solidFill>
+                                      <a:srgbClr val="000000"/>
+                                    </a:solidFill>
+                                    <a:latin typeface="Cambria Math" panose="02040503050406030204" pitchFamily="18" charset="0"/>
+                                  </a:rPr>
+                                  <m:t>,</m:t>
+                                </m:r>
+                                <m:r>
+                                  <a:rPr sz="6800" i="1">
+                                    <a:solidFill>
+                                      <a:srgbClr val="000000"/>
+                                    </a:solidFill>
+                                    <a:latin typeface="Cambria Math" panose="02040503050406030204" pitchFamily="18" charset="0"/>
+                                  </a:rPr>
+                                  <m:t>5</m:t>
                                 </m:r>
                               </m:e>
                             </m:mr>
@@ -5024,7 +6079,7 @@
                 <a:avLst/>
               </a:prstGeom>
               <a:blipFill>
-                <a:blip r:embed="rId2"/>
+                <a:blip r:embed="rId3"/>
                 <a:stretch>
                   <a:fillRect l="-6461" t="-1190" r="-6461"/>
                 </a:stretch>
@@ -5059,7 +6114,7 @@
             <p:spPr>
               <a:xfrm>
                 <a:off x="9329663" y="7821005"/>
-                <a:ext cx="4088763" cy="2124457"/>
+                <a:ext cx="4336765" cy="1862433"/>
               </a:xfrm>
               <a:prstGeom prst="rect">
                 <a:avLst/>
@@ -5084,7 +6139,7 @@
                     </m:oMathParaPr>
                     <m:oMath xmlns:m="http://schemas.openxmlformats.org/officeDocument/2006/math">
                       <m:r>
-                        <a:rPr sz="6800" i="1">
+                        <a:rPr lang="ar-AE" sz="6800" i="1" smtClean="0">
                           <a:solidFill>
                             <a:srgbClr val="000000"/>
                           </a:solidFill>
@@ -5093,7 +6148,7 @@
                         <m:t>𝜃</m:t>
                       </m:r>
                       <m:r>
-                        <a:rPr sz="6800" i="1">
+                        <a:rPr lang="ar-AE" sz="6800" i="1" smtClean="0">
                           <a:solidFill>
                             <a:srgbClr val="000000"/>
                           </a:solidFill>
@@ -5106,7 +6161,7 @@
                           <m:begChr m:val="["/>
                           <m:endChr m:val="]"/>
                           <m:ctrlPr>
-                            <a:rPr sz="6800" i="1">
+                            <a:rPr lang="ar-AE" sz="6800" i="1">
                               <a:solidFill>
                                 <a:srgbClr val="000000"/>
                               </a:solidFill>
@@ -5118,7 +6173,7 @@
                           <m:eqArr>
                             <m:eqArrPr>
                               <m:ctrlPr>
-                                <a:rPr sz="6800" i="1">
+                                <a:rPr lang="ar-AE" sz="6800" i="1">
                                   <a:solidFill>
                                     <a:srgbClr val="000000"/>
                                   </a:solidFill>
@@ -5128,24 +6183,69 @@
                             </m:eqArrPr>
                             <m:e>
                               <m:r>
-                                <a:rPr sz="6800" i="1">
+                                <a:rPr lang="ar-AE" sz="6800" b="0" i="1" smtClean="0">
                                   <a:solidFill>
                                     <a:srgbClr val="000000"/>
                                   </a:solidFill>
                                   <a:latin typeface="Cambria Math" panose="02040503050406030204" pitchFamily="18" charset="0"/>
                                 </a:rPr>
-                                <m:t>0,3</m:t>
+                                <m:t>−</m:t>
                               </m:r>
-                            </m:e>
-                            <m:e>
                               <m:r>
-                                <a:rPr sz="6800" i="1">
+                                <a:rPr lang="nl-NL" sz="6800" b="0" i="1" smtClean="0">
                                   <a:solidFill>
                                     <a:srgbClr val="000000"/>
                                   </a:solidFill>
                                   <a:latin typeface="Cambria Math" panose="02040503050406030204" pitchFamily="18" charset="0"/>
                                 </a:rPr>
-                                <m:t>0,125</m:t>
+                                <m:t>2</m:t>
+                              </m:r>
+                              <m:r>
+                                <a:rPr lang="nl-NL" sz="6800" b="0" i="1" smtClean="0">
+                                  <a:solidFill>
+                                    <a:srgbClr val="000000"/>
+                                  </a:solidFill>
+                                  <a:latin typeface="Cambria Math" panose="02040503050406030204" pitchFamily="18" charset="0"/>
+                                </a:rPr>
+                                <m:t>,</m:t>
+                              </m:r>
+                              <m:r>
+                                <a:rPr lang="nl-NL" sz="6800" b="0" i="1" smtClean="0">
+                                  <a:solidFill>
+                                    <a:srgbClr val="000000"/>
+                                  </a:solidFill>
+                                  <a:latin typeface="Cambria Math" panose="02040503050406030204" pitchFamily="18" charset="0"/>
+                                </a:rPr>
+                                <m:t>4</m:t>
+                              </m:r>
+                            </m:e>
+                            <m:e>
+                              <m:r>
+                                <a:rPr lang="nl-NL" sz="6800" b="0" i="1" smtClean="0">
+                                  <a:solidFill>
+                                    <a:srgbClr val="000000"/>
+                                  </a:solidFill>
+                                  <a:latin typeface="Cambria Math" panose="02040503050406030204" pitchFamily="18" charset="0"/>
+                                </a:rPr>
+                                <m:t>1</m:t>
+                              </m:r>
+                              <m:r>
+                                <a:rPr lang="nl-NL" sz="6800" b="0" i="1" smtClean="0">
+                                  <a:solidFill>
+                                    <a:srgbClr val="000000"/>
+                                  </a:solidFill>
+                                  <a:latin typeface="Cambria Math" panose="02040503050406030204" pitchFamily="18" charset="0"/>
+                                </a:rPr>
+                                <m:t>,</m:t>
+                              </m:r>
+                              <m:r>
+                                <a:rPr lang="nl-NL" sz="6800" b="0" i="1" smtClean="0">
+                                  <a:solidFill>
+                                    <a:srgbClr val="000000"/>
+                                  </a:solidFill>
+                                  <a:latin typeface="Cambria Math" panose="02040503050406030204" pitchFamily="18" charset="0"/>
+                                </a:rPr>
+                                <m:t>5</m:t>
                               </m:r>
                             </m:e>
                           </m:eqArr>
@@ -5171,15 +6271,15 @@
             <p:spPr>
               <a:xfrm>
                 <a:off x="9329663" y="7821005"/>
-                <a:ext cx="4088763" cy="2124457"/>
+                <a:ext cx="4336765" cy="1862433"/>
               </a:xfrm>
               <a:prstGeom prst="rect">
                 <a:avLst/>
               </a:prstGeom>
               <a:blipFill>
-                <a:blip r:embed="rId3"/>
+                <a:blip r:embed="rId4"/>
                 <a:stretch>
-                  <a:fillRect l="-7430" t="-1190" r="-6502"/>
+                  <a:fillRect/>
                 </a:stretch>
               </a:blipFill>
               <a:ln w="12700">
@@ -5210,7 +6310,7 @@
 </p:sld>
 </file>
 
-<file path=ppt/slides/slide14.xml><?xml version="1.0" encoding="utf-8"?>
+<file path=ppt/slides/slide15.xml><?xml version="1.0" encoding="utf-8"?>
 <p:sld xmlns:a="http://schemas.openxmlformats.org/drawingml/2006/main" xmlns:r="http://schemas.openxmlformats.org/officeDocument/2006/relationships" xmlns:p="http://schemas.openxmlformats.org/presentationml/2006/main">
   <p:cSld>
     <p:spTree>
@@ -5235,8 +6335,8 @@
         </p:nvSpPr>
         <p:spPr>
           <a:xfrm>
-            <a:off x="645145" y="6043612"/>
-            <a:ext cx="23093711" cy="1628776"/>
+            <a:off x="4543272" y="6016424"/>
+            <a:ext cx="15297456" cy="1683152"/>
           </a:xfrm>
           <a:prstGeom prst="rect">
             <a:avLst/>
@@ -5266,7 +6366,14 @@
           </a:lstStyle>
           <a:p>
             <a:r>
-              <a:t>ml:classificatie kostenfunctie</a:t>
+              <a:t>ml:classificatie</a:t>
+            </a:r>
+            <a:r>
+              <a:rPr lang="nl-NL"/>
+              <a:t>-</a:t>
+            </a:r>
+            <a:r>
+              <a:t>kostenfunctie</a:t>
             </a:r>
           </a:p>
         </p:txBody>
@@ -5280,7 +6387,7 @@
 </p:sld>
 </file>
 
-<file path=ppt/slides/slide15.xml><?xml version="1.0" encoding="utf-8"?>
+<file path=ppt/slides/slide16.xml><?xml version="1.0" encoding="utf-8"?>
 <p:sld xmlns:a="http://schemas.openxmlformats.org/drawingml/2006/main" xmlns:r="http://schemas.openxmlformats.org/officeDocument/2006/relationships" xmlns:p="http://schemas.openxmlformats.org/presentationml/2006/main">
   <p:cSld>
     <p:spTree>
@@ -5333,7 +6440,7 @@
 </p:sld>
 </file>
 
-<file path=ppt/slides/slide16.xml><?xml version="1.0" encoding="utf-8"?>
+<file path=ppt/slides/slide17.xml><?xml version="1.0" encoding="utf-8"?>
 <p:sld xmlns:a="http://schemas.openxmlformats.org/drawingml/2006/main" xmlns:r="http://schemas.openxmlformats.org/officeDocument/2006/relationships" xmlns:p="http://schemas.openxmlformats.org/presentationml/2006/main">
   <p:cSld>
     <p:spTree>
@@ -6623,7 +7730,7 @@
 </p:sld>
 </file>
 
-<file path=ppt/slides/slide17.xml><?xml version="1.0" encoding="utf-8"?>
+<file path=ppt/slides/slide18.xml><?xml version="1.0" encoding="utf-8"?>
 <p:sld xmlns:a="http://schemas.openxmlformats.org/drawingml/2006/main" xmlns:r="http://schemas.openxmlformats.org/officeDocument/2006/relationships" xmlns:p="http://schemas.openxmlformats.org/presentationml/2006/main">
   <p:cSld>
     <p:spTree>
@@ -6943,37 +8050,7 @@
                                 <a:latin typeface="Cambria Math" panose="02040503050406030204" pitchFamily="18" charset="0"/>
                                 <a:sym typeface="Helvetica Light"/>
                               </a:rPr>
-                              <m:t>⁡(</m:t>
-                            </m:r>
-                            <m:r>
-                              <a:rPr kumimoji="0" lang="nl-NL" sz="6600" b="0" i="1" u="none" strike="noStrike" cap="none" spc="0" normalizeH="0" baseline="0" smtClean="0">
-                                <a:ln>
-                                  <a:noFill/>
-                                </a:ln>
-                                <a:solidFill>
-                                  <a:srgbClr val="000000"/>
-                                </a:solidFill>
-                                <a:effectLst/>
-                                <a:uFillTx/>
-                                <a:latin typeface="Cambria Math" panose="02040503050406030204" pitchFamily="18" charset="0"/>
-                                <a:sym typeface="Helvetica Light"/>
-                              </a:rPr>
-                              <m:t>1</m:t>
-                            </m:r>
-                            <m:r>
-                              <a:rPr kumimoji="0" lang="nl-NL" sz="6600" b="0" i="1" u="none" strike="noStrike" cap="none" spc="0" normalizeH="0" baseline="0" smtClean="0">
-                                <a:ln>
-                                  <a:noFill/>
-                                </a:ln>
-                                <a:solidFill>
-                                  <a:srgbClr val="000000"/>
-                                </a:solidFill>
-                                <a:effectLst/>
-                                <a:uFillTx/>
-                                <a:latin typeface="Cambria Math" panose="02040503050406030204" pitchFamily="18" charset="0"/>
-                                <a:sym typeface="Helvetica Light"/>
-                              </a:rPr>
-                              <m:t>−</m:t>
+                              <m:t>⁡(1−</m:t>
                             </m:r>
                             <m:r>
                               <a:rPr kumimoji="0" lang="nl-NL" sz="6600" b="0" i="1" u="none" strike="noStrike" cap="none" spc="0" normalizeH="0" baseline="0" smtClean="0">
@@ -7913,7 +8990,7 @@
 </p:sld>
 </file>
 
-<file path=ppt/slides/slide18.xml><?xml version="1.0" encoding="utf-8"?>
+<file path=ppt/slides/slide19.xml><?xml version="1.0" encoding="utf-8"?>
 <p:sld xmlns:a="http://schemas.openxmlformats.org/drawingml/2006/main" xmlns:r="http://schemas.openxmlformats.org/officeDocument/2006/relationships" xmlns:p="http://schemas.openxmlformats.org/presentationml/2006/main">
   <p:cSld>
     <p:spTree>
@@ -8233,7 +9310,37 @@
                                 <a:latin typeface="Cambria Math" panose="02040503050406030204" pitchFamily="18" charset="0"/>
                                 <a:sym typeface="Helvetica Light"/>
                               </a:rPr>
-                              <m:t>⁡(1−</m:t>
+                              <m:t>⁡(</m:t>
+                            </m:r>
+                            <m:r>
+                              <a:rPr kumimoji="0" lang="nl-NL" sz="6600" b="0" i="1" u="none" strike="noStrike" cap="none" spc="0" normalizeH="0" baseline="0" smtClean="0">
+                                <a:ln>
+                                  <a:noFill/>
+                                </a:ln>
+                                <a:solidFill>
+                                  <a:srgbClr val="000000"/>
+                                </a:solidFill>
+                                <a:effectLst/>
+                                <a:uFillTx/>
+                                <a:latin typeface="Cambria Math" panose="02040503050406030204" pitchFamily="18" charset="0"/>
+                                <a:sym typeface="Helvetica Light"/>
+                              </a:rPr>
+                              <m:t>1</m:t>
+                            </m:r>
+                            <m:r>
+                              <a:rPr kumimoji="0" lang="nl-NL" sz="6600" b="0" i="1" u="none" strike="noStrike" cap="none" spc="0" normalizeH="0" baseline="0" smtClean="0">
+                                <a:ln>
+                                  <a:noFill/>
+                                </a:ln>
+                                <a:solidFill>
+                                  <a:srgbClr val="000000"/>
+                                </a:solidFill>
+                                <a:effectLst/>
+                                <a:uFillTx/>
+                                <a:latin typeface="Cambria Math" panose="02040503050406030204" pitchFamily="18" charset="0"/>
+                                <a:sym typeface="Helvetica Light"/>
+                              </a:rPr>
+                              <m:t>−</m:t>
                             </m:r>
                             <m:r>
                               <a:rPr kumimoji="0" lang="nl-NL" sz="6600" b="0" i="1" u="none" strike="noStrike" cap="none" spc="0" normalizeH="0" baseline="0" smtClean="0">
@@ -8790,7 +9897,22 @@
                               <a:latin typeface="Cambria Math" panose="02040503050406030204" pitchFamily="18" charset="0"/>
                               <a:sym typeface="Helvetica Light"/>
                             </a:rPr>
-                            <m:t>1 −</m:t>
+                            <m:t>1</m:t>
+                          </m:r>
+                          <m:r>
+                            <a:rPr kumimoji="0" lang="nl-NL" sz="6600" b="0" i="1" u="none" strike="noStrike" cap="none" spc="0" normalizeH="0" baseline="0" smtClean="0">
+                              <a:ln>
+                                <a:noFill/>
+                              </a:ln>
+                              <a:solidFill>
+                                <a:srgbClr val="000000"/>
+                              </a:solidFill>
+                              <a:effectLst/>
+                              <a:uFillTx/>
+                              <a:latin typeface="Cambria Math" panose="02040503050406030204" pitchFamily="18" charset="0"/>
+                              <a:sym typeface="Helvetica Light"/>
+                            </a:rPr>
+                            <m:t> −</m:t>
                           </m:r>
                           <m:r>
                             <a:rPr kumimoji="0" lang="nl-NL" sz="6600" b="0" i="1" u="none" strike="noStrike" cap="none" spc="0" normalizeH="0" baseline="0" smtClean="0">
@@ -8860,7 +9982,37 @@
                               <a:latin typeface="Cambria Math" panose="02040503050406030204" pitchFamily="18" charset="0"/>
                               <a:sym typeface="Helvetica Light"/>
                             </a:rPr>
-                            <m:t>(1 −</m:t>
+                            <m:t>(</m:t>
+                          </m:r>
+                          <m:r>
+                            <a:rPr kumimoji="0" lang="nl-NL" sz="6600" b="0" i="1" u="none" strike="noStrike" cap="none" spc="0" normalizeH="0" baseline="0" smtClean="0">
+                              <a:ln>
+                                <a:noFill/>
+                              </a:ln>
+                              <a:solidFill>
+                                <a:srgbClr val="000000"/>
+                              </a:solidFill>
+                              <a:effectLst/>
+                              <a:uFillTx/>
+                              <a:latin typeface="Cambria Math" panose="02040503050406030204" pitchFamily="18" charset="0"/>
+                              <a:sym typeface="Helvetica Light"/>
+                            </a:rPr>
+                            <m:t>1</m:t>
+                          </m:r>
+                          <m:r>
+                            <a:rPr kumimoji="0" lang="nl-NL" sz="6600" b="0" i="1" u="none" strike="noStrike" cap="none" spc="0" normalizeH="0" baseline="0" smtClean="0">
+                              <a:ln>
+                                <a:noFill/>
+                              </a:ln>
+                              <a:solidFill>
+                                <a:srgbClr val="000000"/>
+                              </a:solidFill>
+                              <a:effectLst/>
+                              <a:uFillTx/>
+                              <a:latin typeface="Cambria Math" panose="02040503050406030204" pitchFamily="18" charset="0"/>
+                              <a:sym typeface="Helvetica Light"/>
+                            </a:rPr>
+                            <m:t> −</m:t>
                           </m:r>
                           <m:r>
                             <a:rPr kumimoji="0" lang="nl-NL" sz="6600" b="0" i="1" u="none" strike="noStrike" cap="none" spc="0" normalizeH="0" baseline="0" smtClean="0">
@@ -9243,7 +10395,22 @@
                               <a:latin typeface="Cambria Math" panose="02040503050406030204" pitchFamily="18" charset="0"/>
                               <a:sym typeface="Helvetica Light"/>
                             </a:rPr>
-                            <m:t>1 −</m:t>
+                            <m:t>1</m:t>
+                          </m:r>
+                          <m:r>
+                            <a:rPr kumimoji="0" lang="nl-NL" sz="6600" b="0" i="1" u="none" strike="noStrike" cap="none" spc="0" normalizeH="0" baseline="0" smtClean="0">
+                              <a:ln>
+                                <a:noFill/>
+                              </a:ln>
+                              <a:solidFill>
+                                <a:srgbClr val="000000"/>
+                              </a:solidFill>
+                              <a:effectLst/>
+                              <a:uFillTx/>
+                              <a:latin typeface="Cambria Math" panose="02040503050406030204" pitchFamily="18" charset="0"/>
+                              <a:sym typeface="Helvetica Light"/>
+                            </a:rPr>
+                            <m:t> −</m:t>
                           </m:r>
                           <m:r>
                             <a:rPr kumimoji="0" lang="nl-NL" sz="6600" b="0" i="1" u="none" strike="noStrike" cap="none" spc="0" normalizeH="0" baseline="0" smtClean="0">
@@ -9313,7 +10480,37 @@
                               <a:latin typeface="Cambria Math" panose="02040503050406030204" pitchFamily="18" charset="0"/>
                               <a:sym typeface="Helvetica Light"/>
                             </a:rPr>
-                            <m:t>(1 −</m:t>
+                            <m:t>(</m:t>
+                          </m:r>
+                          <m:r>
+                            <a:rPr kumimoji="0" lang="nl-NL" sz="6600" b="0" i="1" u="none" strike="noStrike" cap="none" spc="0" normalizeH="0" baseline="0" smtClean="0">
+                              <a:ln>
+                                <a:noFill/>
+                              </a:ln>
+                              <a:solidFill>
+                                <a:srgbClr val="000000"/>
+                              </a:solidFill>
+                              <a:effectLst/>
+                              <a:uFillTx/>
+                              <a:latin typeface="Cambria Math" panose="02040503050406030204" pitchFamily="18" charset="0"/>
+                              <a:sym typeface="Helvetica Light"/>
+                            </a:rPr>
+                            <m:t>1</m:t>
+                          </m:r>
+                          <m:r>
+                            <a:rPr kumimoji="0" lang="nl-NL" sz="6600" b="0" i="1" u="none" strike="noStrike" cap="none" spc="0" normalizeH="0" baseline="0" smtClean="0">
+                              <a:ln>
+                                <a:noFill/>
+                              </a:ln>
+                              <a:solidFill>
+                                <a:srgbClr val="000000"/>
+                              </a:solidFill>
+                              <a:effectLst/>
+                              <a:uFillTx/>
+                              <a:latin typeface="Cambria Math" panose="02040503050406030204" pitchFamily="18" charset="0"/>
+                              <a:sym typeface="Helvetica Light"/>
+                            </a:rPr>
+                            <m:t> −</m:t>
                           </m:r>
                           <m:r>
                             <a:rPr kumimoji="0" lang="nl-NL" sz="6600" b="0" i="1" u="none" strike="noStrike" cap="none" spc="0" normalizeH="0" baseline="0" smtClean="0">
@@ -9466,7 +10663,396 @@
 </p:sld>
 </file>
 
-<file path=ppt/slides/slide19.xml><?xml version="1.0" encoding="utf-8"?>
+<file path=ppt/slides/slide2.xml><?xml version="1.0" encoding="utf-8"?>
+<p:sld xmlns:a="http://schemas.openxmlformats.org/drawingml/2006/main" xmlns:r="http://schemas.openxmlformats.org/officeDocument/2006/relationships" xmlns:p="http://schemas.openxmlformats.org/presentationml/2006/main">
+  <p:cSld>
+    <p:spTree>
+      <p:nvGrpSpPr>
+        <p:cNvPr id="1" name=""/>
+        <p:cNvGrpSpPr/>
+        <p:nvPr/>
+      </p:nvGrpSpPr>
+      <p:grpSpPr>
+        <a:xfrm>
+          <a:off x="0" y="0"/>
+          <a:ext cx="0" cy="0"/>
+          <a:chOff x="0" y="0"/>
+          <a:chExt cx="0" cy="0"/>
+        </a:xfrm>
+      </p:grpSpPr>
+      <p:sp>
+        <p:nvSpPr>
+          <p:cNvPr id="2" name="Titel 1">
+            <a:extLst>
+              <a:ext uri="{FF2B5EF4-FFF2-40B4-BE49-F238E27FC236}">
+                <a16:creationId xmlns:a16="http://schemas.microsoft.com/office/drawing/2014/main" id="{A7A0173F-B3A5-3808-421F-C162403C6C50}"/>
+              </a:ext>
+            </a:extLst>
+          </p:cNvPr>
+          <p:cNvSpPr>
+            <a:spLocks noGrp="1"/>
+          </p:cNvSpPr>
+          <p:nvPr>
+            <p:ph type="title"/>
+          </p:nvPr>
+        </p:nvSpPr>
+        <p:spPr>
+          <a:xfrm>
+            <a:off x="4387453" y="39756"/>
+            <a:ext cx="15609094" cy="2130546"/>
+          </a:xfrm>
+        </p:spPr>
+        <p:txBody>
+          <a:bodyPr/>
+          <a:lstStyle/>
+          <a:p>
+            <a:r>
+              <a:rPr lang="nl-NL"/>
+              <a:t>ML Actueel</a:t>
+            </a:r>
+          </a:p>
+        </p:txBody>
+      </p:sp>
+      <p:pic>
+        <p:nvPicPr>
+          <p:cNvPr id="4" name="Afbeelding 3">
+            <a:extLst>
+              <a:ext uri="{FF2B5EF4-FFF2-40B4-BE49-F238E27FC236}">
+                <a16:creationId xmlns:a16="http://schemas.microsoft.com/office/drawing/2014/main" id="{94CA912A-7D30-AB28-67C5-18F119FBCE60}"/>
+              </a:ext>
+            </a:extLst>
+          </p:cNvPr>
+          <p:cNvPicPr>
+            <a:picLocks noChangeAspect="1"/>
+          </p:cNvPicPr>
+          <p:nvPr/>
+        </p:nvPicPr>
+        <p:blipFill>
+          <a:blip r:embed="rId2"/>
+          <a:stretch>
+            <a:fillRect/>
+          </a:stretch>
+        </p:blipFill>
+        <p:spPr>
+          <a:xfrm>
+            <a:off x="309433" y="2256088"/>
+            <a:ext cx="14897437" cy="4864739"/>
+          </a:xfrm>
+          <a:prstGeom prst="rect">
+            <a:avLst/>
+          </a:prstGeom>
+        </p:spPr>
+      </p:pic>
+      <p:pic>
+        <p:nvPicPr>
+          <p:cNvPr id="6" name="Afbeelding 5">
+            <a:extLst>
+              <a:ext uri="{FF2B5EF4-FFF2-40B4-BE49-F238E27FC236}">
+                <a16:creationId xmlns:a16="http://schemas.microsoft.com/office/drawing/2014/main" id="{7EE88239-9B92-B731-A6CF-BAA941820DBC}"/>
+              </a:ext>
+            </a:extLst>
+          </p:cNvPr>
+          <p:cNvPicPr>
+            <a:picLocks noChangeAspect="1"/>
+          </p:cNvPicPr>
+          <p:nvPr/>
+        </p:nvPicPr>
+        <p:blipFill>
+          <a:blip r:embed="rId3"/>
+          <a:stretch>
+            <a:fillRect/>
+          </a:stretch>
+        </p:blipFill>
+        <p:spPr>
+          <a:xfrm>
+            <a:off x="10708591" y="8328992"/>
+            <a:ext cx="11494754" cy="1938225"/>
+          </a:xfrm>
+          <a:prstGeom prst="rect">
+            <a:avLst/>
+          </a:prstGeom>
+        </p:spPr>
+      </p:pic>
+      <p:pic>
+        <p:nvPicPr>
+          <p:cNvPr id="8" name="Afbeelding 7">
+            <a:extLst>
+              <a:ext uri="{FF2B5EF4-FFF2-40B4-BE49-F238E27FC236}">
+                <a16:creationId xmlns:a16="http://schemas.microsoft.com/office/drawing/2014/main" id="{40619AB0-0E20-EB15-C91E-BF3D11B9BE59}"/>
+              </a:ext>
+            </a:extLst>
+          </p:cNvPr>
+          <p:cNvPicPr>
+            <a:picLocks noChangeAspect="1"/>
+          </p:cNvPicPr>
+          <p:nvPr/>
+        </p:nvPicPr>
+        <p:blipFill>
+          <a:blip r:embed="rId4"/>
+          <a:stretch>
+            <a:fillRect/>
+          </a:stretch>
+        </p:blipFill>
+        <p:spPr>
+          <a:xfrm>
+            <a:off x="10708591" y="10267217"/>
+            <a:ext cx="11494754" cy="2890415"/>
+          </a:xfrm>
+          <a:prstGeom prst="rect">
+            <a:avLst/>
+          </a:prstGeom>
+        </p:spPr>
+      </p:pic>
+      <p:pic>
+        <p:nvPicPr>
+          <p:cNvPr id="10" name="Afbeelding 9">
+            <a:extLst>
+              <a:ext uri="{FF2B5EF4-FFF2-40B4-BE49-F238E27FC236}">
+                <a16:creationId xmlns:a16="http://schemas.microsoft.com/office/drawing/2014/main" id="{9AA880B2-D057-B551-1099-01CD3E9DC9C0}"/>
+              </a:ext>
+            </a:extLst>
+          </p:cNvPr>
+          <p:cNvPicPr>
+            <a:picLocks noChangeAspect="1"/>
+          </p:cNvPicPr>
+          <p:nvPr/>
+        </p:nvPicPr>
+        <p:blipFill>
+          <a:blip r:embed="rId5"/>
+          <a:stretch>
+            <a:fillRect/>
+          </a:stretch>
+        </p:blipFill>
+        <p:spPr>
+          <a:xfrm>
+            <a:off x="12192000" y="5387007"/>
+            <a:ext cx="9371182" cy="2623931"/>
+          </a:xfrm>
+          <a:prstGeom prst="rect">
+            <a:avLst/>
+          </a:prstGeom>
+        </p:spPr>
+      </p:pic>
+      <p:sp>
+        <p:nvSpPr>
+          <p:cNvPr id="11" name="Tekstvak 10">
+            <a:extLst>
+              <a:ext uri="{FF2B5EF4-FFF2-40B4-BE49-F238E27FC236}">
+                <a16:creationId xmlns:a16="http://schemas.microsoft.com/office/drawing/2014/main" id="{016FD903-D0EF-B081-70A9-A6EAE3FAF79D}"/>
+              </a:ext>
+            </a:extLst>
+          </p:cNvPr>
+          <p:cNvSpPr txBox="1"/>
+          <p:nvPr/>
+        </p:nvSpPr>
+        <p:spPr>
+          <a:xfrm>
+            <a:off x="2067339" y="8798084"/>
+            <a:ext cx="6758609" cy="1129154"/>
+          </a:xfrm>
+          <a:prstGeom prst="rect">
+            <a:avLst/>
+          </a:prstGeom>
+          <a:noFill/>
+          <a:ln w="12700" cap="flat">
+            <a:noFill/>
+            <a:miter lim="400000"/>
+          </a:ln>
+          <a:effectLst/>
+          <a:sp3d/>
+        </p:spPr>
+        <p:style>
+          <a:lnRef idx="0">
+            <a:scrgbClr r="0" g="0" b="0"/>
+          </a:lnRef>
+          <a:fillRef idx="0">
+            <a:scrgbClr r="0" g="0" b="0"/>
+          </a:fillRef>
+          <a:effectRef idx="0">
+            <a:scrgbClr r="0" g="0" b="0"/>
+          </a:effectRef>
+          <a:fontRef idx="none"/>
+        </p:style>
+        <p:txBody>
+          <a:bodyPr rot="0" spcFirstLastPara="1" vertOverflow="overflow" horzOverflow="overflow" vert="horz" wrap="square" lIns="71437" tIns="71437" rIns="71437" bIns="71437" numCol="1" spcCol="38100" rtlCol="0" anchor="ctr">
+            <a:spAutoFit/>
+          </a:bodyPr>
+          <a:lstStyle/>
+          <a:p>
+            <a:pPr marL="0" marR="0" indent="0" algn="ctr" defTabSz="821531" rtl="0" fontAlgn="auto" latinLnBrk="0" hangingPunct="0">
+              <a:lnSpc>
+                <a:spcPct val="100000"/>
+              </a:lnSpc>
+              <a:spcBef>
+                <a:spcPts val="0"/>
+              </a:spcBef>
+              <a:spcAft>
+                <a:spcPts val="0"/>
+              </a:spcAft>
+              <a:buClrTx/>
+              <a:buSzTx/>
+              <a:buFontTx/>
+              <a:buNone/>
+              <a:tabLst/>
+            </a:pPr>
+            <a:r>
+              <a:rPr kumimoji="0" lang="nl-NL" sz="3200" b="0" i="1" u="none" strike="noStrike" cap="none" spc="0" normalizeH="0" baseline="0">
+                <a:ln>
+                  <a:noFill/>
+                </a:ln>
+                <a:solidFill>
+                  <a:srgbClr val="000000"/>
+                </a:solidFill>
+                <a:effectLst/>
+                <a:uFillTx/>
+                <a:latin typeface="+mn-lt"/>
+                <a:ea typeface="+mn-ea"/>
+                <a:cs typeface="+mn-cs"/>
+                <a:sym typeface="Helvetica Light"/>
+              </a:rPr>
+              <a:t>Bronnen:</a:t>
+            </a:r>
+          </a:p>
+          <a:p>
+            <a:pPr marL="0" marR="0" indent="0" algn="ctr" defTabSz="821531" rtl="0" fontAlgn="auto" latinLnBrk="0" hangingPunct="0">
+              <a:lnSpc>
+                <a:spcPct val="100000"/>
+              </a:lnSpc>
+              <a:spcBef>
+                <a:spcPts val="0"/>
+              </a:spcBef>
+              <a:spcAft>
+                <a:spcPts val="0"/>
+              </a:spcAft>
+              <a:buClrTx/>
+              <a:buSzTx/>
+              <a:buFontTx/>
+              <a:buNone/>
+              <a:tabLst/>
+            </a:pPr>
+            <a:r>
+              <a:rPr lang="nl-NL" sz="3200" i="1"/>
+              <a:t>tweakers.net en TechCrunch</a:t>
+            </a:r>
+            <a:endParaRPr kumimoji="0" lang="nl-NL" sz="3200" b="0" i="1" u="none" strike="noStrike" cap="none" spc="0" normalizeH="0" baseline="0">
+              <a:ln>
+                <a:noFill/>
+              </a:ln>
+              <a:solidFill>
+                <a:srgbClr val="000000"/>
+              </a:solidFill>
+              <a:effectLst/>
+              <a:uFillTx/>
+              <a:latin typeface="+mn-lt"/>
+              <a:ea typeface="+mn-ea"/>
+              <a:cs typeface="+mn-cs"/>
+              <a:sym typeface="Helvetica Light"/>
+            </a:endParaRPr>
+          </a:p>
+        </p:txBody>
+      </p:sp>
+      <p:sp>
+        <p:nvSpPr>
+          <p:cNvPr id="12" name="Rechthoek 11">
+            <a:extLst>
+              <a:ext uri="{FF2B5EF4-FFF2-40B4-BE49-F238E27FC236}">
+                <a16:creationId xmlns:a16="http://schemas.microsoft.com/office/drawing/2014/main" id="{AAD52D98-C8C0-22B6-6A89-764A7248BD10}"/>
+              </a:ext>
+            </a:extLst>
+          </p:cNvPr>
+          <p:cNvSpPr/>
+          <p:nvPr/>
+        </p:nvSpPr>
+        <p:spPr>
+          <a:xfrm>
+            <a:off x="10708591" y="12085983"/>
+            <a:ext cx="11494754" cy="1071649"/>
+          </a:xfrm>
+          <a:prstGeom prst="rect">
+            <a:avLst/>
+          </a:prstGeom>
+          <a:noFill/>
+          <a:ln w="25400" cap="flat">
+            <a:solidFill>
+              <a:srgbClr val="FF0000"/>
+            </a:solidFill>
+            <a:miter lim="400000"/>
+          </a:ln>
+          <a:effectLst>
+            <a:outerShdw blurRad="50800" dist="25400" dir="5400000" rotWithShape="0">
+              <a:srgbClr val="000000">
+                <a:alpha val="50000"/>
+              </a:srgbClr>
+            </a:outerShdw>
+          </a:effectLst>
+          <a:sp3d/>
+        </p:spPr>
+        <p:style>
+          <a:lnRef idx="0">
+            <a:scrgbClr r="0" g="0" b="0"/>
+          </a:lnRef>
+          <a:fillRef idx="0">
+            <a:scrgbClr r="0" g="0" b="0"/>
+          </a:fillRef>
+          <a:effectRef idx="0">
+            <a:scrgbClr r="0" g="0" b="0"/>
+          </a:effectRef>
+          <a:fontRef idx="none"/>
+        </p:style>
+        <p:txBody>
+          <a:bodyPr rot="0" spcFirstLastPara="1" vertOverflow="overflow" horzOverflow="overflow" vert="horz" wrap="square" lIns="71437" tIns="71437" rIns="71437" bIns="71437" numCol="1" spcCol="38100" rtlCol="0" anchor="ctr">
+            <a:spAutoFit/>
+          </a:bodyPr>
+          <a:lstStyle/>
+          <a:p>
+            <a:pPr marL="0" marR="0" indent="0" algn="ctr" defTabSz="821531" rtl="0" fontAlgn="auto" latinLnBrk="0" hangingPunct="0">
+              <a:lnSpc>
+                <a:spcPct val="100000"/>
+              </a:lnSpc>
+              <a:spcBef>
+                <a:spcPts val="0"/>
+              </a:spcBef>
+              <a:spcAft>
+                <a:spcPts val="0"/>
+              </a:spcAft>
+              <a:buClrTx/>
+              <a:buSzTx/>
+              <a:buFontTx/>
+              <a:buNone/>
+              <a:tabLst/>
+            </a:pPr>
+            <a:endParaRPr kumimoji="0" lang="nl-NL" sz="3200" b="0" i="0" u="none" strike="noStrike" cap="none" spc="0" normalizeH="0" baseline="0">
+              <a:ln>
+                <a:noFill/>
+              </a:ln>
+              <a:solidFill>
+                <a:srgbClr val="FFFFFF"/>
+              </a:solidFill>
+              <a:effectLst/>
+              <a:uFillTx/>
+              <a:latin typeface="+mn-lt"/>
+              <a:ea typeface="+mn-ea"/>
+              <a:cs typeface="+mn-cs"/>
+              <a:sym typeface="Helvetica Light"/>
+            </a:endParaRPr>
+          </a:p>
+        </p:txBody>
+      </p:sp>
+    </p:spTree>
+    <p:extLst>
+      <p:ext uri="{BB962C8B-B14F-4D97-AF65-F5344CB8AC3E}">
+        <p14:creationId xmlns:p14="http://schemas.microsoft.com/office/powerpoint/2010/main" val="1239655705"/>
+      </p:ext>
+    </p:extLst>
+  </p:cSld>
+  <p:clrMapOvr>
+    <a:masterClrMapping/>
+  </p:clrMapOvr>
+  <p:transition spd="med"/>
+</p:sld>
+</file>
+
+<file path=ppt/slides/slide20.xml><?xml version="1.0" encoding="utf-8"?>
 <p:sld xmlns:a="http://schemas.openxmlformats.org/drawingml/2006/main" xmlns:r="http://schemas.openxmlformats.org/officeDocument/2006/relationships" xmlns:p="http://schemas.openxmlformats.org/presentationml/2006/main">
   <p:cSld>
     <p:spTree>
@@ -9527,8 +11113,8 @@
           </a:p>
         </p:txBody>
       </p:sp>
-      <mc:AlternateContent xmlns:mc="http://schemas.openxmlformats.org/markup-compatibility/2006" xmlns:a14="http://schemas.microsoft.com/office/drawing/2010/main">
-        <mc:Choice Requires="a14">
+      <mc:AlternateContent xmlns:mc="http://schemas.openxmlformats.org/markup-compatibility/2006">
+        <mc:Choice xmlns:a14="http://schemas.microsoft.com/office/drawing/2010/main" Requires="a14">
           <p:sp>
             <p:nvSpPr>
               <p:cNvPr id="227" name="Vergelijking"/>
@@ -9538,7 +11124,7 @@
             <p:spPr>
               <a:xfrm>
                 <a:off x="4947741" y="2198289"/>
-                <a:ext cx="14583355" cy="1737404"/>
+                <a:ext cx="17630211" cy="1569340"/>
               </a:xfrm>
               <a:prstGeom prst="rect">
                 <a:avLst/>
@@ -9563,7 +11149,7 @@
                     </m:oMathParaPr>
                     <m:oMath xmlns:m="http://schemas.openxmlformats.org/officeDocument/2006/math">
                       <m:r>
-                        <a:rPr sz="5100" i="1">
+                        <a:rPr lang="ar-AE" sz="5100" i="1" smtClean="0">
                           <a:solidFill>
                             <a:srgbClr val="000000"/>
                           </a:solidFill>
@@ -9572,7 +11158,7 @@
                         <m:t>𝐽</m:t>
                       </m:r>
                       <m:r>
-                        <a:rPr sz="5100" i="1">
+                        <a:rPr lang="ar-AE" sz="5100" i="1" smtClean="0">
                           <a:solidFill>
                             <a:srgbClr val="000000"/>
                           </a:solidFill>
@@ -9581,7 +11167,7 @@
                         <m:t>(</m:t>
                       </m:r>
                       <m:r>
-                        <a:rPr sz="5100" i="1">
+                        <a:rPr lang="ar-AE" sz="5100" i="1" smtClean="0">
                           <a:solidFill>
                             <a:srgbClr val="000000"/>
                           </a:solidFill>
@@ -9590,7 +11176,7 @@
                         <m:t>𝜃</m:t>
                       </m:r>
                       <m:r>
-                        <a:rPr sz="5100" i="1">
+                        <a:rPr lang="ar-AE" sz="5100" i="1" smtClean="0">
                           <a:solidFill>
                             <a:srgbClr val="000000"/>
                           </a:solidFill>
@@ -9601,7 +11187,7 @@
                       <m:f>
                         <m:fPr>
                           <m:ctrlPr>
-                            <a:rPr sz="5100" i="1">
+                            <a:rPr lang="ar-AE" sz="5100" i="1">
                               <a:solidFill>
                                 <a:srgbClr val="000000"/>
                               </a:solidFill>
@@ -9611,7 +11197,7 @@
                         </m:fPr>
                         <m:num>
                           <m:r>
-                            <a:rPr sz="5100" i="1">
+                            <a:rPr lang="ar-AE" sz="5100" i="1">
                               <a:solidFill>
                                 <a:srgbClr val="000000"/>
                               </a:solidFill>
@@ -9622,7 +11208,16 @@
                         </m:num>
                         <m:den>
                           <m:r>
-                            <a:rPr sz="5100" i="1">
+                            <a:rPr lang="ar-AE" sz="5100" b="0" i="1" smtClean="0">
+                              <a:solidFill>
+                                <a:srgbClr val="000000"/>
+                              </a:solidFill>
+                              <a:latin typeface="Cambria Math" panose="02040503050406030204" pitchFamily="18" charset="0"/>
+                            </a:rPr>
+                            <m:t>2</m:t>
+                          </m:r>
+                          <m:r>
+                            <a:rPr lang="ar-AE" sz="5100" i="1">
                               <a:solidFill>
                                 <a:srgbClr val="000000"/>
                               </a:solidFill>
@@ -9635,7 +11230,7 @@
                       <m:limUpp>
                         <m:limUppPr>
                           <m:ctrlPr>
-                            <a:rPr sz="5100" i="1">
+                            <a:rPr lang="ar-AE" sz="5100" i="1">
                               <a:solidFill>
                                 <a:srgbClr val="000000"/>
                               </a:solidFill>
@@ -9647,7 +11242,7 @@
                           <m:limLow>
                             <m:limLowPr>
                               <m:ctrlPr>
-                                <a:rPr sz="5100" i="1">
+                                <a:rPr lang="ar-AE" sz="5100" i="1">
                                   <a:solidFill>
                                     <a:srgbClr val="000000"/>
                                   </a:solidFill>
@@ -9657,7 +11252,7 @@
                             </m:limLowPr>
                             <m:e>
                               <m:r>
-                                <a:rPr sz="5100" i="1">
+                                <a:rPr lang="ar-AE" sz="5100" i="1">
                                   <a:solidFill>
                                     <a:srgbClr val="000000"/>
                                   </a:solidFill>
@@ -9668,7 +11263,7 @@
                             </m:e>
                             <m:lim>
                               <m:r>
-                                <a:rPr sz="5100" i="1">
+                                <a:rPr lang="ar-AE" sz="5100" i="1">
                                   <a:solidFill>
                                     <a:srgbClr val="000000"/>
                                   </a:solidFill>
@@ -9677,7 +11272,7 @@
                                 <m:t>𝑖</m:t>
                               </m:r>
                               <m:r>
-                                <a:rPr sz="5100" i="1">
+                                <a:rPr lang="ar-AE" sz="5100" i="1">
                                   <a:solidFill>
                                     <a:srgbClr val="000000"/>
                                   </a:solidFill>
@@ -9686,7 +11281,7 @@
                                 <m:t>=</m:t>
                               </m:r>
                               <m:r>
-                                <a:rPr sz="5100" i="1">
+                                <a:rPr lang="ar-AE" sz="5100" i="1">
                                   <a:solidFill>
                                     <a:srgbClr val="000000"/>
                                   </a:solidFill>
@@ -9699,7 +11294,7 @@
                         </m:e>
                         <m:lim>
                           <m:r>
-                            <a:rPr sz="5100" i="1">
+                            <a:rPr lang="ar-AE" sz="5100" i="1">
                               <a:solidFill>
                                 <a:srgbClr val="000000"/>
                               </a:solidFill>
@@ -9714,7 +11309,7 @@
                           <m:begChr m:val="["/>
                           <m:endChr m:val="]"/>
                           <m:ctrlPr>
-                            <a:rPr sz="5100" i="1">
+                            <a:rPr lang="ar-AE" sz="5100" i="1">
                               <a:solidFill>
                                 <a:srgbClr val="000000"/>
                               </a:solidFill>
@@ -9726,7 +11321,7 @@
                           <m:sSup>
                             <m:sSupPr>
                               <m:ctrlPr>
-                                <a:rPr sz="5100" i="1">
+                                <a:rPr lang="ar-AE" sz="5100" i="1">
                                   <a:solidFill>
                                     <a:srgbClr val="000000"/>
                                   </a:solidFill>
@@ -9736,7 +11331,7 @@
                             </m:sSupPr>
                             <m:e>
                               <m:r>
-                                <a:rPr sz="5100" i="1">
+                                <a:rPr lang="ar-AE" sz="5100" i="1">
                                   <a:solidFill>
                                     <a:srgbClr val="000000"/>
                                   </a:solidFill>
@@ -9747,7 +11342,7 @@
                             </m:e>
                             <m:sup>
                               <m:r>
-                                <a:rPr sz="5100" i="1">
+                                <a:rPr lang="ar-AE" sz="5100" i="1">
                                   <a:solidFill>
                                     <a:srgbClr val="000000"/>
                                   </a:solidFill>
@@ -9756,7 +11351,7 @@
                                 <m:t>(</m:t>
                               </m:r>
                               <m:r>
-                                <a:rPr sz="5100" i="1">
+                                <a:rPr lang="ar-AE" sz="5100" i="1">
                                   <a:solidFill>
                                     <a:srgbClr val="000000"/>
                                   </a:solidFill>
@@ -9765,7 +11360,7 @@
                                 <m:t>𝑖</m:t>
                               </m:r>
                               <m:r>
-                                <a:rPr sz="5100" i="1">
+                                <a:rPr lang="ar-AE" sz="5100" i="1">
                                   <a:solidFill>
                                     <a:srgbClr val="000000"/>
                                   </a:solidFill>
@@ -9776,7 +11371,7 @@
                             </m:sup>
                           </m:sSup>
                           <m:r>
-                            <a:rPr sz="5100" i="1">
+                            <a:rPr lang="ar-AE" sz="5100" i="1">
                               <a:solidFill>
                                 <a:srgbClr val="000000"/>
                               </a:solidFill>
@@ -9785,7 +11380,7 @@
                             <m:t>𝑙𝑜𝑔</m:t>
                           </m:r>
                           <m:r>
-                            <a:rPr sz="5100" i="1">
+                            <a:rPr lang="ar-AE" sz="5100" i="1">
                               <a:solidFill>
                                 <a:srgbClr val="000000"/>
                               </a:solidFill>
@@ -9796,7 +11391,7 @@
                           <m:sSub>
                             <m:sSubPr>
                               <m:ctrlPr>
-                                <a:rPr sz="5100" i="1">
+                                <a:rPr lang="ar-AE" sz="5100" i="1">
                                   <a:solidFill>
                                     <a:srgbClr val="000000"/>
                                   </a:solidFill>
@@ -9806,7 +11401,7 @@
                             </m:sSubPr>
                             <m:e>
                               <m:r>
-                                <a:rPr sz="5100" i="1">
+                                <a:rPr lang="ar-AE" sz="5100" i="1">
                                   <a:solidFill>
                                     <a:srgbClr val="000000"/>
                                   </a:solidFill>
@@ -9817,7 +11412,7 @@
                             </m:e>
                             <m:sub>
                               <m:r>
-                                <a:rPr sz="5100" i="1">
+                                <a:rPr lang="ar-AE" sz="5100" i="1">
                                   <a:solidFill>
                                     <a:srgbClr val="000000"/>
                                   </a:solidFill>
@@ -9828,7 +11423,7 @@
                             </m:sub>
                           </m:sSub>
                           <m:r>
-                            <a:rPr sz="5100" i="1">
+                            <a:rPr lang="ar-AE" sz="5100" i="1">
                               <a:solidFill>
                                 <a:srgbClr val="000000"/>
                               </a:solidFill>
@@ -9839,7 +11434,7 @@
                           <m:sSup>
                             <m:sSupPr>
                               <m:ctrlPr>
-                                <a:rPr sz="5100" i="1">
+                                <a:rPr lang="ar-AE" sz="5100" i="1">
                                   <a:solidFill>
                                     <a:srgbClr val="000000"/>
                                   </a:solidFill>
@@ -9849,7 +11444,7 @@
                             </m:sSupPr>
                             <m:e>
                               <m:r>
-                                <a:rPr sz="5100" i="1">
+                                <a:rPr lang="ar-AE" sz="5100" i="1">
                                   <a:solidFill>
                                     <a:srgbClr val="000000"/>
                                   </a:solidFill>
@@ -9860,7 +11455,7 @@
                             </m:e>
                             <m:sup>
                               <m:r>
-                                <a:rPr sz="5100" i="1">
+                                <a:rPr lang="ar-AE" sz="5100" i="1">
                                   <a:solidFill>
                                     <a:srgbClr val="000000"/>
                                   </a:solidFill>
@@ -9869,7 +11464,7 @@
                                 <m:t>(</m:t>
                               </m:r>
                               <m:r>
-                                <a:rPr sz="5100" i="1">
+                                <a:rPr lang="ar-AE" sz="5100" i="1">
                                   <a:solidFill>
                                     <a:srgbClr val="000000"/>
                                   </a:solidFill>
@@ -9878,7 +11473,7 @@
                                 <m:t>𝑖</m:t>
                               </m:r>
                               <m:r>
-                                <a:rPr sz="5100" i="1">
+                                <a:rPr lang="ar-AE" sz="5100" i="1">
                                   <a:solidFill>
                                     <a:srgbClr val="000000"/>
                                   </a:solidFill>
@@ -9889,7 +11484,7 @@
                             </m:sup>
                           </m:sSup>
                           <m:r>
-                            <a:rPr sz="5100" i="1">
+                            <a:rPr lang="ar-AE" sz="5100" i="1">
                               <a:solidFill>
                                 <a:srgbClr val="000000"/>
                               </a:solidFill>
@@ -9898,7 +11493,7 @@
                             <m:t>))+(</m:t>
                           </m:r>
                           <m:r>
-                            <a:rPr sz="5100" i="1">
+                            <a:rPr lang="ar-AE" sz="5100" i="1">
                               <a:solidFill>
                                 <a:srgbClr val="000000"/>
                               </a:solidFill>
@@ -9907,7 +11502,7 @@
                             <m:t>1</m:t>
                           </m:r>
                           <m:r>
-                            <a:rPr sz="5100" i="1">
+                            <a:rPr lang="ar-AE" sz="5100" i="1">
                               <a:solidFill>
                                 <a:srgbClr val="000000"/>
                               </a:solidFill>
@@ -9918,7 +11513,7 @@
                           <m:sSup>
                             <m:sSupPr>
                               <m:ctrlPr>
-                                <a:rPr sz="5100" i="1">
+                                <a:rPr lang="ar-AE" sz="5100" i="1">
                                   <a:solidFill>
                                     <a:srgbClr val="000000"/>
                                   </a:solidFill>
@@ -9928,7 +11523,7 @@
                             </m:sSupPr>
                             <m:e>
                               <m:r>
-                                <a:rPr sz="5100" i="1">
+                                <a:rPr lang="ar-AE" sz="5100" i="1">
                                   <a:solidFill>
                                     <a:srgbClr val="000000"/>
                                   </a:solidFill>
@@ -9939,7 +11534,7 @@
                             </m:e>
                             <m:sup>
                               <m:r>
-                                <a:rPr sz="5100" i="1">
+                                <a:rPr lang="ar-AE" sz="5100" i="1">
                                   <a:solidFill>
                                     <a:srgbClr val="000000"/>
                                   </a:solidFill>
@@ -9948,7 +11543,7 @@
                                 <m:t>(</m:t>
                               </m:r>
                               <m:r>
-                                <a:rPr sz="5100" i="1">
+                                <a:rPr lang="ar-AE" sz="5100" i="1">
                                   <a:solidFill>
                                     <a:srgbClr val="000000"/>
                                   </a:solidFill>
@@ -9957,7 +11552,7 @@
                                 <m:t>𝑖</m:t>
                               </m:r>
                               <m:r>
-                                <a:rPr sz="5100" i="1">
+                                <a:rPr lang="ar-AE" sz="5100" i="1">
                                   <a:solidFill>
                                     <a:srgbClr val="000000"/>
                                   </a:solidFill>
@@ -9968,7 +11563,7 @@
                             </m:sup>
                           </m:sSup>
                           <m:r>
-                            <a:rPr sz="5100" i="1">
+                            <a:rPr lang="ar-AE" sz="5100" i="1">
                               <a:solidFill>
                                 <a:srgbClr val="000000"/>
                               </a:solidFill>
@@ -9977,7 +11572,7 @@
                             <m:t>)</m:t>
                           </m:r>
                           <m:r>
-                            <a:rPr sz="5100" i="1">
+                            <a:rPr lang="ar-AE" sz="5100" i="1">
                               <a:solidFill>
                                 <a:srgbClr val="000000"/>
                               </a:solidFill>
@@ -9986,7 +11581,7 @@
                             <m:t>𝑙𝑜𝑔</m:t>
                           </m:r>
                           <m:r>
-                            <a:rPr sz="5100" i="1">
+                            <a:rPr lang="ar-AE" sz="5100" i="1">
                               <a:solidFill>
                                 <a:srgbClr val="000000"/>
                               </a:solidFill>
@@ -9995,7 +11590,7 @@
                             <m:t>(</m:t>
                           </m:r>
                           <m:r>
-                            <a:rPr sz="5100" i="1">
+                            <a:rPr lang="ar-AE" sz="5100" i="1">
                               <a:solidFill>
                                 <a:srgbClr val="000000"/>
                               </a:solidFill>
@@ -10004,7 +11599,7 @@
                             <m:t>1</m:t>
                           </m:r>
                           <m:r>
-                            <a:rPr sz="5100" i="1">
+                            <a:rPr lang="ar-AE" sz="5100" i="1">
                               <a:solidFill>
                                 <a:srgbClr val="000000"/>
                               </a:solidFill>
@@ -10015,7 +11610,7 @@
                           <m:sSub>
                             <m:sSubPr>
                               <m:ctrlPr>
-                                <a:rPr sz="5100" i="1">
+                                <a:rPr lang="ar-AE" sz="5100" i="1">
                                   <a:solidFill>
                                     <a:srgbClr val="000000"/>
                                   </a:solidFill>
@@ -10025,7 +11620,7 @@
                             </m:sSubPr>
                             <m:e>
                               <m:r>
-                                <a:rPr sz="5100" i="1">
+                                <a:rPr lang="ar-AE" sz="5100" i="1">
                                   <a:solidFill>
                                     <a:srgbClr val="000000"/>
                                   </a:solidFill>
@@ -10036,7 +11631,7 @@
                             </m:e>
                             <m:sub>
                               <m:r>
-                                <a:rPr sz="5100" i="1">
+                                <a:rPr lang="ar-AE" sz="5100" i="1">
                                   <a:solidFill>
                                     <a:srgbClr val="000000"/>
                                   </a:solidFill>
@@ -10047,7 +11642,7 @@
                             </m:sub>
                           </m:sSub>
                           <m:r>
-                            <a:rPr sz="5100" i="1">
+                            <a:rPr lang="ar-AE" sz="5100" i="1">
                               <a:solidFill>
                                 <a:srgbClr val="000000"/>
                               </a:solidFill>
@@ -10058,7 +11653,7 @@
                           <m:sSup>
                             <m:sSupPr>
                               <m:ctrlPr>
-                                <a:rPr sz="5100" i="1">
+                                <a:rPr lang="ar-AE" sz="5100" i="1">
                                   <a:solidFill>
                                     <a:srgbClr val="000000"/>
                                   </a:solidFill>
@@ -10068,7 +11663,7 @@
                             </m:sSupPr>
                             <m:e>
                               <m:r>
-                                <a:rPr sz="5100" i="1">
+                                <a:rPr lang="ar-AE" sz="5100" i="1">
                                   <a:solidFill>
                                     <a:srgbClr val="000000"/>
                                   </a:solidFill>
@@ -10079,7 +11674,7 @@
                             </m:e>
                             <m:sup>
                               <m:r>
-                                <a:rPr sz="5100" i="1">
+                                <a:rPr lang="ar-AE" sz="5100" i="1">
                                   <a:solidFill>
                                     <a:srgbClr val="000000"/>
                                   </a:solidFill>
@@ -10088,7 +11683,7 @@
                                 <m:t>(</m:t>
                               </m:r>
                               <m:r>
-                                <a:rPr sz="5100" i="1">
+                                <a:rPr lang="ar-AE" sz="5100" i="1">
                                   <a:solidFill>
                                     <a:srgbClr val="000000"/>
                                   </a:solidFill>
@@ -10097,7 +11692,7 @@
                                 <m:t>𝑖</m:t>
                               </m:r>
                               <m:r>
-                                <a:rPr sz="5100" i="1">
+                                <a:rPr lang="ar-AE" sz="5100" i="1">
                                   <a:solidFill>
                                     <a:srgbClr val="000000"/>
                                   </a:solidFill>
@@ -10108,7 +11703,7 @@
                             </m:sup>
                           </m:sSup>
                           <m:r>
-                            <a:rPr sz="5100" i="1">
+                            <a:rPr lang="ar-AE" sz="5100" i="1">
                               <a:solidFill>
                                 <a:srgbClr val="000000"/>
                               </a:solidFill>
@@ -10126,7 +11721,7 @@
             </p:txBody>
           </p:sp>
         </mc:Choice>
-        <mc:Fallback xmlns="">
+        <mc:Fallback>
           <p:sp>
             <p:nvSpPr>
               <p:cNvPr id="227" name="Vergelijking"/>
@@ -10138,7 +11733,7 @@
             <p:spPr>
               <a:xfrm>
                 <a:off x="4947741" y="2198289"/>
-                <a:ext cx="14583355" cy="1737404"/>
+                <a:ext cx="17630211" cy="1569340"/>
               </a:xfrm>
               <a:prstGeom prst="rect">
                 <a:avLst/>
@@ -10146,7 +11741,7 @@
               <a:blipFill>
                 <a:blip r:embed="rId2"/>
                 <a:stretch>
-                  <a:fillRect l="-1915" t="-2174" r="-16623"/>
+                  <a:fillRect/>
                 </a:stretch>
               </a:blipFill>
               <a:ln w="12700">
@@ -10178,7 +11773,7 @@
             </p:nvSpPr>
             <p:spPr>
               <a:xfrm>
-                <a:off x="5743840" y="8906419"/>
+                <a:off x="5743840" y="9532058"/>
                 <a:ext cx="12991155" cy="1713739"/>
               </a:xfrm>
               <a:prstGeom prst="rect">
@@ -10644,7 +12239,7 @@
             </p:nvSpPr>
             <p:spPr>
               <a:xfrm>
-                <a:off x="5743840" y="8906419"/>
+                <a:off x="5743840" y="9532058"/>
                 <a:ext cx="12991155" cy="1713739"/>
               </a:xfrm>
               <a:prstGeom prst="rect">
@@ -10683,7 +12278,7 @@
         </p:nvSpPr>
         <p:spPr>
           <a:xfrm>
-            <a:off x="-93275" y="4484928"/>
+            <a:off x="-93275" y="6169346"/>
             <a:ext cx="24570549" cy="1"/>
           </a:xfrm>
           <a:prstGeom prst="line">
@@ -10715,7 +12310,7 @@
         </p:nvSpPr>
         <p:spPr>
           <a:xfrm>
-            <a:off x="596666" y="4938559"/>
+            <a:off x="596666" y="6574845"/>
             <a:ext cx="23285504" cy="2428876"/>
           </a:xfrm>
           <a:prstGeom prst="rect">
@@ -10750,6 +12345,299 @@
           </a:p>
         </p:txBody>
       </p:sp>
+      <mc:AlternateContent xmlns:mc="http://schemas.openxmlformats.org/markup-compatibility/2006">
+        <mc:Choice xmlns:a14="http://schemas.microsoft.com/office/drawing/2010/main" Requires="a14">
+          <p:sp>
+            <p:nvSpPr>
+              <p:cNvPr id="2" name="Vergelijking">
+                <a:extLst>
+                  <a:ext uri="{FF2B5EF4-FFF2-40B4-BE49-F238E27FC236}">
+                    <a16:creationId xmlns:a16="http://schemas.microsoft.com/office/drawing/2014/main" id="{44D8B5C9-AAC7-4499-5732-B988C8EAE433}"/>
+                  </a:ext>
+                </a:extLst>
+              </p:cNvPr>
+              <p:cNvSpPr txBox="1"/>
+              <p:nvPr/>
+            </p:nvSpPr>
+            <p:spPr>
+              <a:xfrm>
+                <a:off x="15608455" y="4370530"/>
+                <a:ext cx="6720768" cy="851965"/>
+              </a:xfrm>
+              <a:prstGeom prst="rect">
+                <a:avLst/>
+              </a:prstGeom>
+              <a:noFill/>
+              <a:ln w="12700" cap="flat">
+                <a:noFill/>
+                <a:miter lim="400000"/>
+              </a:ln>
+              <a:effectLst/>
+            </p:spPr>
+            <p:txBody>
+              <a:bodyPr wrap="square" lIns="0" tIns="0" rIns="0" bIns="0">
+                <a:spAutoFit/>
+              </a:bodyPr>
+              <a:lstStyle/>
+              <a:p>
+                <a:pPr algn="l" defTabSz="914400" latinLnBrk="1">
+                  <a:defRPr sz="1800"/>
+                </a:pPr>
+                <a14:m>
+                  <m:oMathPara xmlns:m="http://schemas.openxmlformats.org/officeDocument/2006/math">
+                    <m:oMathParaPr>
+                      <m:jc m:val="centerGroup"/>
+                    </m:oMathParaPr>
+                    <m:oMath xmlns:m="http://schemas.openxmlformats.org/officeDocument/2006/math">
+                      <m:sSub>
+                        <m:sSubPr>
+                          <m:ctrlPr>
+                            <a:rPr lang="ar-AE" sz="5100" i="1" smtClean="0">
+                              <a:latin typeface="Cambria Math" panose="02040503050406030204" pitchFamily="18" charset="0"/>
+                            </a:rPr>
+                          </m:ctrlPr>
+                        </m:sSubPr>
+                        <m:e>
+                          <m:r>
+                            <a:rPr lang="ar-AE" sz="5100" i="1">
+                              <a:latin typeface="Cambria Math" panose="02040503050406030204" pitchFamily="18" charset="0"/>
+                            </a:rPr>
+                            <m:t>h</m:t>
+                          </m:r>
+                        </m:e>
+                        <m:sub>
+                          <m:r>
+                            <a:rPr lang="ar-AE" sz="5100" i="1">
+                              <a:latin typeface="Cambria Math" panose="02040503050406030204" pitchFamily="18" charset="0"/>
+                            </a:rPr>
+                            <m:t>𝜃</m:t>
+                          </m:r>
+                        </m:sub>
+                      </m:sSub>
+                      <m:r>
+                        <a:rPr lang="ar-AE" sz="5100" i="1">
+                          <a:latin typeface="Cambria Math" panose="02040503050406030204" pitchFamily="18" charset="0"/>
+                        </a:rPr>
+                        <m:t>(</m:t>
+                      </m:r>
+                      <m:sSup>
+                        <m:sSupPr>
+                          <m:ctrlPr>
+                            <a:rPr lang="ar-AE" sz="5100" i="1">
+                              <a:latin typeface="Cambria Math" panose="02040503050406030204" pitchFamily="18" charset="0"/>
+                            </a:rPr>
+                          </m:ctrlPr>
+                        </m:sSupPr>
+                        <m:e>
+                          <m:r>
+                            <a:rPr lang="ar-AE" sz="5100" i="1">
+                              <a:latin typeface="Cambria Math" panose="02040503050406030204" pitchFamily="18" charset="0"/>
+                            </a:rPr>
+                            <m:t>𝑥</m:t>
+                          </m:r>
+                        </m:e>
+                        <m:sup>
+                          <m:d>
+                            <m:dPr>
+                              <m:ctrlPr>
+                                <a:rPr lang="ar-AE" sz="5100" i="1">
+                                  <a:latin typeface="Cambria Math" panose="02040503050406030204" pitchFamily="18" charset="0"/>
+                                </a:rPr>
+                              </m:ctrlPr>
+                            </m:dPr>
+                            <m:e>
+                              <m:r>
+                                <a:rPr lang="ar-AE" sz="5100" i="1">
+                                  <a:latin typeface="Cambria Math" panose="02040503050406030204" pitchFamily="18" charset="0"/>
+                                </a:rPr>
+                                <m:t>𝑖</m:t>
+                              </m:r>
+                            </m:e>
+                          </m:d>
+                        </m:sup>
+                      </m:sSup>
+                      <m:r>
+                        <a:rPr lang="nl-NL" sz="5100" b="0" i="1" smtClean="0">
+                          <a:latin typeface="Cambria Math" panose="02040503050406030204" pitchFamily="18" charset="0"/>
+                        </a:rPr>
+                        <m:t>)</m:t>
+                      </m:r>
+                      <m:r>
+                        <a:rPr lang="ar-AE" sz="5100" i="1">
+                          <a:latin typeface="Cambria Math" panose="02040503050406030204" pitchFamily="18" charset="0"/>
+                        </a:rPr>
+                        <m:t> =</m:t>
+                      </m:r>
+                      <m:sSup>
+                        <m:sSupPr>
+                          <m:ctrlPr>
+                            <a:rPr lang="ar-AE" sz="5100" i="1">
+                              <a:solidFill>
+                                <a:srgbClr val="000000"/>
+                              </a:solidFill>
+                              <a:latin typeface="Cambria Math" panose="02040503050406030204" pitchFamily="18" charset="0"/>
+                            </a:rPr>
+                          </m:ctrlPr>
+                        </m:sSupPr>
+                        <m:e>
+                          <m:r>
+                            <a:rPr lang="ar-AE" sz="5100" i="1" smtClean="0">
+                              <a:solidFill>
+                                <a:srgbClr val="000000"/>
+                              </a:solidFill>
+                              <a:latin typeface="Cambria Math" panose="02040503050406030204" pitchFamily="18" charset="0"/>
+                              <a:sym typeface="Symbol" panose="05050102010706020507" pitchFamily="18" charset="2"/>
+                            </a:rPr>
+                            <m:t></m:t>
+                          </m:r>
+                          <m:r>
+                            <a:rPr lang="ar-AE" sz="5100" b="0" i="1" smtClean="0">
+                              <a:solidFill>
+                                <a:srgbClr val="000000"/>
+                              </a:solidFill>
+                              <a:latin typeface="Cambria Math" panose="02040503050406030204" pitchFamily="18" charset="0"/>
+                              <a:sym typeface="Symbol" panose="05050102010706020507" pitchFamily="18" charset="2"/>
+                            </a:rPr>
+                            <m:t>(</m:t>
+                          </m:r>
+                          <m:r>
+                            <a:rPr lang="nl-NL" sz="5100" i="1">
+                              <a:latin typeface="Cambria Math" panose="02040503050406030204" pitchFamily="18" charset="0"/>
+                            </a:rPr>
+                            <m:t>𝜃</m:t>
+                          </m:r>
+                        </m:e>
+                        <m:sup>
+                          <m:r>
+                            <a:rPr lang="nl-NL" sz="5100" b="0" i="1" smtClean="0">
+                              <a:solidFill>
+                                <a:srgbClr val="000000"/>
+                              </a:solidFill>
+                              <a:latin typeface="Cambria Math" panose="02040503050406030204" pitchFamily="18" charset="0"/>
+                            </a:rPr>
+                            <m:t>𝑇</m:t>
+                          </m:r>
+                        </m:sup>
+                      </m:sSup>
+                      <m:sSup>
+                        <m:sSupPr>
+                          <m:ctrlPr>
+                            <a:rPr lang="ar-AE" sz="5100" i="1" smtClean="0">
+                              <a:solidFill>
+                                <a:srgbClr val="000000"/>
+                              </a:solidFill>
+                              <a:latin typeface="Cambria Math" panose="02040503050406030204" pitchFamily="18" charset="0"/>
+                            </a:rPr>
+                          </m:ctrlPr>
+                        </m:sSupPr>
+                        <m:e>
+                          <m:r>
+                            <a:rPr lang="nl-NL" sz="5100" b="0" i="1" smtClean="0">
+                              <a:solidFill>
+                                <a:srgbClr val="000000"/>
+                              </a:solidFill>
+                              <a:latin typeface="Cambria Math" panose="02040503050406030204" pitchFamily="18" charset="0"/>
+                            </a:rPr>
+                            <m:t>𝑥</m:t>
+                          </m:r>
+                        </m:e>
+                        <m:sup>
+                          <m:r>
+                            <a:rPr lang="nl-NL" sz="5100" b="0" i="1" smtClean="0">
+                              <a:solidFill>
+                                <a:srgbClr val="000000"/>
+                              </a:solidFill>
+                              <a:latin typeface="Cambria Math" panose="02040503050406030204" pitchFamily="18" charset="0"/>
+                            </a:rPr>
+                            <m:t>(</m:t>
+                          </m:r>
+                          <m:r>
+                            <a:rPr lang="nl-NL" sz="5100" b="0" i="1" smtClean="0">
+                              <a:solidFill>
+                                <a:srgbClr val="000000"/>
+                              </a:solidFill>
+                              <a:latin typeface="Cambria Math" panose="02040503050406030204" pitchFamily="18" charset="0"/>
+                            </a:rPr>
+                            <m:t>𝑖</m:t>
+                          </m:r>
+                          <m:r>
+                            <a:rPr lang="nl-NL" sz="5100" b="0" i="1" smtClean="0">
+                              <a:solidFill>
+                                <a:srgbClr val="000000"/>
+                              </a:solidFill>
+                              <a:latin typeface="Cambria Math" panose="02040503050406030204" pitchFamily="18" charset="0"/>
+                            </a:rPr>
+                            <m:t>)</m:t>
+                          </m:r>
+                        </m:sup>
+                      </m:sSup>
+                      <m:r>
+                        <a:rPr lang="nl-NL" sz="5100" b="0" i="1" smtClean="0">
+                          <a:solidFill>
+                            <a:srgbClr val="000000"/>
+                          </a:solidFill>
+                          <a:latin typeface="Cambria Math" panose="02040503050406030204" pitchFamily="18" charset="0"/>
+                        </a:rPr>
+                        <m:t>)</m:t>
+                      </m:r>
+                    </m:oMath>
+                  </m:oMathPara>
+                </a14:m>
+                <a:endParaRPr sz="5100"/>
+              </a:p>
+            </p:txBody>
+          </p:sp>
+        </mc:Choice>
+        <mc:Fallback>
+          <p:sp>
+            <p:nvSpPr>
+              <p:cNvPr id="2" name="Vergelijking">
+                <a:extLst>
+                  <a:ext uri="{FF2B5EF4-FFF2-40B4-BE49-F238E27FC236}">
+                    <a16:creationId xmlns:a16="http://schemas.microsoft.com/office/drawing/2014/main" id="{44D8B5C9-AAC7-4499-5732-B988C8EAE433}"/>
+                  </a:ext>
+                </a:extLst>
+              </p:cNvPr>
+              <p:cNvSpPr txBox="1">
+                <a:spLocks noRot="1" noChangeAspect="1" noMove="1" noResize="1" noEditPoints="1" noAdjustHandles="1" noChangeArrowheads="1" noChangeShapeType="1" noTextEdit="1"/>
+              </p:cNvSpPr>
+              <p:nvPr/>
+            </p:nvSpPr>
+            <p:spPr>
+              <a:xfrm>
+                <a:off x="15608455" y="4370530"/>
+                <a:ext cx="6720768" cy="851965"/>
+              </a:xfrm>
+              <a:prstGeom prst="rect">
+                <a:avLst/>
+              </a:prstGeom>
+              <a:blipFill>
+                <a:blip r:embed="rId4"/>
+                <a:stretch>
+                  <a:fillRect/>
+                </a:stretch>
+              </a:blipFill>
+              <a:ln w="12700" cap="flat">
+                <a:noFill/>
+                <a:miter lim="400000"/>
+              </a:ln>
+              <a:effectLst/>
+            </p:spPr>
+            <p:txBody>
+              <a:bodyPr/>
+              <a:lstStyle/>
+              <a:p>
+                <a:r>
+                  <a:rPr lang="nl-NL">
+                    <a:noFill/>
+                  </a:rPr>
+                  <a:t> </a:t>
+                </a:r>
+              </a:p>
+            </p:txBody>
+          </p:sp>
+        </mc:Fallback>
+      </mc:AlternateContent>
     </p:spTree>
   </p:cSld>
   <p:clrMapOvr>
@@ -10759,77 +12647,7 @@
 </p:sld>
 </file>
 
-<file path=ppt/slides/slide2.xml><?xml version="1.0" encoding="utf-8"?>
-<p:sld xmlns:a="http://schemas.openxmlformats.org/drawingml/2006/main" xmlns:r="http://schemas.openxmlformats.org/officeDocument/2006/relationships" xmlns:p="http://schemas.openxmlformats.org/presentationml/2006/main">
-  <p:cSld>
-    <p:spTree>
-      <p:nvGrpSpPr>
-        <p:cNvPr id="1" name=""/>
-        <p:cNvGrpSpPr/>
-        <p:nvPr/>
-      </p:nvGrpSpPr>
-      <p:grpSpPr>
-        <a:xfrm>
-          <a:off x="0" y="0"/>
-          <a:ext cx="0" cy="0"/>
-          <a:chOff x="0" y="0"/>
-          <a:chExt cx="0" cy="0"/>
-        </a:xfrm>
-      </p:grpSpPr>
-      <p:sp>
-        <p:nvSpPr>
-          <p:cNvPr id="122" name="ml:classificatie"/>
-          <p:cNvSpPr txBox="1"/>
-          <p:nvPr/>
-        </p:nvSpPr>
-        <p:spPr>
-          <a:xfrm>
-            <a:off x="5997376" y="6043612"/>
-            <a:ext cx="12389248" cy="1628776"/>
-          </a:xfrm>
-          <a:prstGeom prst="rect">
-            <a:avLst/>
-          </a:prstGeom>
-          <a:ln w="12700">
-            <a:miter lim="400000"/>
-          </a:ln>
-          <a:extLst>
-            <a:ext uri="{C572A759-6A51-4108-AA02-DFA0A04FC94B}">
-              <ma14:wrappingTextBoxFlag xmlns:ma14="http://schemas.microsoft.com/office/mac/drawingml/2011/main" xmlns:a14="http://schemas.microsoft.com/office/drawing/2010/main" xmlns:m="http://schemas.openxmlformats.org/officeDocument/2006/math" xmlns="" val="1"/>
-            </a:ext>
-          </a:extLst>
-        </p:spPr>
-        <p:txBody>
-          <a:bodyPr wrap="none" lIns="71437" tIns="71437" rIns="71437" bIns="71437" anchor="ctr">
-            <a:spAutoFit/>
-          </a:bodyPr>
-          <a:lstStyle>
-            <a:lvl1pPr>
-              <a:defRPr sz="10000">
-                <a:latin typeface="Menlo Regular"/>
-                <a:ea typeface="Menlo Regular"/>
-                <a:cs typeface="Menlo Regular"/>
-                <a:sym typeface="Menlo Regular"/>
-              </a:defRPr>
-            </a:lvl1pPr>
-          </a:lstStyle>
-          <a:p>
-            <a:r>
-              <a:t>ml:classificatie</a:t>
-            </a:r>
-          </a:p>
-        </p:txBody>
-      </p:sp>
-    </p:spTree>
-  </p:cSld>
-  <p:clrMapOvr>
-    <a:masterClrMapping/>
-  </p:clrMapOvr>
-  <p:transition spd="med"/>
-</p:sld>
-</file>
-
-<file path=ppt/slides/slide20.xml><?xml version="1.0" encoding="utf-8"?>
+<file path=ppt/slides/slide21.xml><?xml version="1.0" encoding="utf-8"?>
 <p:sld xmlns:a="http://schemas.openxmlformats.org/drawingml/2006/main" xmlns:r="http://schemas.openxmlformats.org/officeDocument/2006/relationships" xmlns:p="http://schemas.openxmlformats.org/presentationml/2006/main">
   <p:cSld>
     <p:spTree>
@@ -11066,7 +12884,25 @@
                             </a:solidFill>
                             <a:latin typeface="Cambria Math" panose="02040503050406030204" pitchFamily="18" charset="0"/>
                           </a:rPr>
-                          <m:t>=1,</m:t>
+                          <m:t>=</m:t>
+                        </m:r>
+                        <m:r>
+                          <a:rPr sz="5100" i="1">
+                            <a:solidFill>
+                              <a:srgbClr val="000000"/>
+                            </a:solidFill>
+                            <a:latin typeface="Cambria Math" panose="02040503050406030204" pitchFamily="18" charset="0"/>
+                          </a:rPr>
+                          <m:t>1</m:t>
+                        </m:r>
+                        <m:r>
+                          <a:rPr sz="5100" i="1">
+                            <a:solidFill>
+                              <a:srgbClr val="000000"/>
+                            </a:solidFill>
+                            <a:latin typeface="Cambria Math" panose="02040503050406030204" pitchFamily="18" charset="0"/>
+                          </a:rPr>
+                          <m:t>,</m:t>
                         </m:r>
                         <m:r>
                           <a:rPr sz="5100" i="1">
@@ -11084,7 +12920,25 @@
                             </a:solidFill>
                             <a:latin typeface="Cambria Math" panose="02040503050406030204" pitchFamily="18" charset="0"/>
                           </a:rPr>
-                          <m:t>=2,…,</m:t>
+                          <m:t>=</m:t>
+                        </m:r>
+                        <m:r>
+                          <a:rPr sz="5100" i="1">
+                            <a:solidFill>
+                              <a:srgbClr val="000000"/>
+                            </a:solidFill>
+                            <a:latin typeface="Cambria Math" panose="02040503050406030204" pitchFamily="18" charset="0"/>
+                          </a:rPr>
+                          <m:t>2</m:t>
+                        </m:r>
+                        <m:r>
+                          <a:rPr sz="5100" i="1">
+                            <a:solidFill>
+                              <a:srgbClr val="000000"/>
+                            </a:solidFill>
+                            <a:latin typeface="Cambria Math" panose="02040503050406030204" pitchFamily="18" charset="0"/>
+                          </a:rPr>
+                          <m:t>,…,</m:t>
                         </m:r>
                         <m:r>
                           <a:rPr sz="5100" i="1">
@@ -11631,7 +13485,16 @@
                                   </a:solidFill>
                                   <a:latin typeface="Cambria Math" panose="02040503050406030204" pitchFamily="18" charset="0"/>
                                 </a:rPr>
-                                <m:t>=1</m:t>
+                                <m:t>=</m:t>
+                              </m:r>
+                              <m:r>
+                                <a:rPr sz="5100" i="1">
+                                  <a:solidFill>
+                                    <a:srgbClr val="000000"/>
+                                  </a:solidFill>
+                                  <a:latin typeface="Cambria Math" panose="02040503050406030204" pitchFamily="18" charset="0"/>
+                                </a:rPr>
+                                <m:t>1</m:t>
                               </m:r>
                             </m:lim>
                           </m:limLow>
@@ -11944,7 +13807,7 @@
 </p:sld>
 </file>
 
-<file path=ppt/slides/slide21.xml><?xml version="1.0" encoding="utf-8"?>
+<file path=ppt/slides/slide22.xml><?xml version="1.0" encoding="utf-8"?>
 <p:sld xmlns:a="http://schemas.openxmlformats.org/drawingml/2006/main" xmlns:r="http://schemas.openxmlformats.org/officeDocument/2006/relationships" xmlns:p="http://schemas.openxmlformats.org/presentationml/2006/main">
   <p:cSld>
     <p:spTree>
@@ -12014,7 +13877,7 @@
 </p:sld>
 </file>
 
-<file path=ppt/slides/slide22.xml><?xml version="1.0" encoding="utf-8"?>
+<file path=ppt/slides/slide23.xml><?xml version="1.0" encoding="utf-8"?>
 <p:sld xmlns:a="http://schemas.openxmlformats.org/drawingml/2006/main" xmlns:r="http://schemas.openxmlformats.org/officeDocument/2006/relationships" xmlns:p="http://schemas.openxmlformats.org/presentationml/2006/main">
   <p:cSld>
     <p:spTree>
@@ -17622,7 +19485,7 @@
 </p:sld>
 </file>
 
-<file path=ppt/slides/slide23.xml><?xml version="1.0" encoding="utf-8"?>
+<file path=ppt/slides/slide24.xml><?xml version="1.0" encoding="utf-8"?>
 <p:sld xmlns:a="http://schemas.openxmlformats.org/drawingml/2006/main" xmlns:r="http://schemas.openxmlformats.org/officeDocument/2006/relationships" xmlns:p="http://schemas.openxmlformats.org/presentationml/2006/main">
   <p:cSld>
     <p:spTree>
@@ -17707,7 +19570,25 @@
                                   </a:solidFill>
                                   <a:latin typeface="Cambria Math" panose="02040503050406030204" pitchFamily="18" charset="0"/>
                                 </a:rPr>
-                                <m:t>0.213</m:t>
+                                <m:t>0</m:t>
+                              </m:r>
+                              <m:r>
+                                <a:rPr sz="5100" i="1">
+                                  <a:solidFill>
+                                    <a:srgbClr val="000000"/>
+                                  </a:solidFill>
+                                  <a:latin typeface="Cambria Math" panose="02040503050406030204" pitchFamily="18" charset="0"/>
+                                </a:rPr>
+                                <m:t>.</m:t>
+                              </m:r>
+                              <m:r>
+                                <a:rPr sz="5100" i="1">
+                                  <a:solidFill>
+                                    <a:srgbClr val="000000"/>
+                                  </a:solidFill>
+                                  <a:latin typeface="Cambria Math" panose="02040503050406030204" pitchFamily="18" charset="0"/>
+                                </a:rPr>
+                                <m:t>213</m:t>
                               </m:r>
                             </m:e>
                             <m:e>
@@ -17718,7 +19599,25 @@
                                   </a:solidFill>
                                   <a:latin typeface="Cambria Math" panose="02040503050406030204" pitchFamily="18" charset="0"/>
                                 </a:rPr>
-                                <m:t>0.423</m:t>
+                                <m:t>0</m:t>
+                              </m:r>
+                              <m:r>
+                                <a:rPr sz="5100" i="1">
+                                  <a:solidFill>
+                                    <a:srgbClr val="000000"/>
+                                  </a:solidFill>
+                                  <a:latin typeface="Cambria Math" panose="02040503050406030204" pitchFamily="18" charset="0"/>
+                                </a:rPr>
+                                <m:t>.</m:t>
+                              </m:r>
+                              <m:r>
+                                <a:rPr sz="5100" i="1">
+                                  <a:solidFill>
+                                    <a:srgbClr val="000000"/>
+                                  </a:solidFill>
+                                  <a:latin typeface="Cambria Math" panose="02040503050406030204" pitchFamily="18" charset="0"/>
+                                </a:rPr>
+                                <m:t>423</m:t>
                               </m:r>
                             </m:e>
                             <m:e>
@@ -17729,7 +19628,25 @@
                                   </a:solidFill>
                                   <a:latin typeface="Cambria Math" panose="02040503050406030204" pitchFamily="18" charset="0"/>
                                 </a:rPr>
-                                <m:t>0.786</m:t>
+                                <m:t>0</m:t>
+                              </m:r>
+                              <m:r>
+                                <a:rPr sz="5100" i="1">
+                                  <a:solidFill>
+                                    <a:srgbClr val="000000"/>
+                                  </a:solidFill>
+                                  <a:latin typeface="Cambria Math" panose="02040503050406030204" pitchFamily="18" charset="0"/>
+                                </a:rPr>
+                                <m:t>.</m:t>
+                              </m:r>
+                              <m:r>
+                                <a:rPr sz="5100" i="1">
+                                  <a:solidFill>
+                                    <a:srgbClr val="000000"/>
+                                  </a:solidFill>
+                                  <a:latin typeface="Cambria Math" panose="02040503050406030204" pitchFamily="18" charset="0"/>
+                                </a:rPr>
+                                <m:t>786</m:t>
                               </m:r>
                             </m:e>
                             <m:e>
@@ -17740,7 +19657,25 @@
                                   </a:solidFill>
                                   <a:latin typeface="Cambria Math" panose="02040503050406030204" pitchFamily="18" charset="0"/>
                                 </a:rPr>
-                                <m:t>0.143</m:t>
+                                <m:t>0</m:t>
+                              </m:r>
+                              <m:r>
+                                <a:rPr sz="5100" i="1">
+                                  <a:solidFill>
+                                    <a:srgbClr val="000000"/>
+                                  </a:solidFill>
+                                  <a:latin typeface="Cambria Math" panose="02040503050406030204" pitchFamily="18" charset="0"/>
+                                </a:rPr>
+                                <m:t>.</m:t>
+                              </m:r>
+                              <m:r>
+                                <a:rPr sz="5100" i="1">
+                                  <a:solidFill>
+                                    <a:srgbClr val="000000"/>
+                                  </a:solidFill>
+                                  <a:latin typeface="Cambria Math" panose="02040503050406030204" pitchFamily="18" charset="0"/>
+                                </a:rPr>
+                                <m:t>143</m:t>
                               </m:r>
                             </m:e>
                           </m:eqArr>
@@ -17772,7 +19707,7 @@
                 <a:avLst/>
               </a:prstGeom>
               <a:blipFill>
-                <a:blip r:embed="rId2"/>
+                <a:blip r:embed="rId3"/>
                 <a:stretch>
                   <a:fillRect r="-5128"/>
                 </a:stretch>
@@ -17929,7 +19864,7 @@
                 <a:avLst/>
               </a:prstGeom>
               <a:blipFill>
-                <a:blip r:embed="rId3"/>
+                <a:blip r:embed="rId4"/>
                 <a:stretch>
                   <a:fillRect r="-3030"/>
                 </a:stretch>
@@ -18180,7 +20115,7 @@
                   <a:avLst/>
                 </a:prstGeom>
                 <a:blipFill>
-                  <a:blip r:embed="rId4"/>
+                  <a:blip r:embed="rId5"/>
                   <a:stretch>
                     <a:fillRect/>
                   </a:stretch>
@@ -19384,7 +21319,7 @@
                   <a:avLst/>
                 </a:prstGeom>
                 <a:blipFill>
-                  <a:blip r:embed="rId5"/>
+                  <a:blip r:embed="rId6"/>
                   <a:stretch>
                     <a:fillRect l="-18947" t="-2041" r="-58947" b="-69388"/>
                   </a:stretch>
@@ -19535,7 +21470,7 @@
                   <a:avLst/>
                 </a:prstGeom>
                 <a:blipFill>
-                  <a:blip r:embed="rId6"/>
+                  <a:blip r:embed="rId7"/>
                   <a:stretch>
                     <a:fillRect l="-18947" t="-2041" r="-58947" b="-69388"/>
                   </a:stretch>
@@ -19686,7 +21621,7 @@
                   <a:avLst/>
                 </a:prstGeom>
                 <a:blipFill>
-                  <a:blip r:embed="rId7"/>
+                  <a:blip r:embed="rId8"/>
                   <a:stretch>
                     <a:fillRect l="-18947" t="-2083" r="-58947" b="-72917"/>
                   </a:stretch>
@@ -19837,7 +21772,7 @@
                   <a:avLst/>
                 </a:prstGeom>
                 <a:blipFill>
-                  <a:blip r:embed="rId5"/>
+                  <a:blip r:embed="rId6"/>
                   <a:stretch>
                     <a:fillRect l="-18947" t="-2041" r="-58947" b="-69388"/>
                   </a:stretch>
@@ -19956,7 +21891,7 @@
                   <a:avLst/>
                 </a:prstGeom>
                 <a:blipFill>
-                  <a:blip r:embed="rId8"/>
+                  <a:blip r:embed="rId9"/>
                   <a:stretch>
                     <a:fillRect/>
                   </a:stretch>
@@ -20083,7 +22018,7 @@
                   <a:avLst/>
                 </a:prstGeom>
                 <a:blipFill>
-                  <a:blip r:embed="rId9"/>
+                  <a:blip r:embed="rId10"/>
                   <a:stretch>
                     <a:fillRect/>
                   </a:stretch>
@@ -20210,7 +22145,7 @@
                   <a:avLst/>
                 </a:prstGeom>
                 <a:blipFill>
-                  <a:blip r:embed="rId10"/>
+                  <a:blip r:embed="rId11"/>
                   <a:stretch>
                     <a:fillRect/>
                   </a:stretch>
@@ -20260,7 +22195,7 @@
           <p:nvPr/>
         </p:nvPicPr>
         <p:blipFill>
-          <a:blip r:embed="rId11"/>
+          <a:blip r:embed="rId12"/>
           <a:stretch>
             <a:fillRect/>
           </a:stretch>
@@ -20285,6 +22220,76 @@
 </file>
 
 <file path=ppt/slides/slide3.xml><?xml version="1.0" encoding="utf-8"?>
+<p:sld xmlns:a="http://schemas.openxmlformats.org/drawingml/2006/main" xmlns:r="http://schemas.openxmlformats.org/officeDocument/2006/relationships" xmlns:p="http://schemas.openxmlformats.org/presentationml/2006/main">
+  <p:cSld>
+    <p:spTree>
+      <p:nvGrpSpPr>
+        <p:cNvPr id="1" name=""/>
+        <p:cNvGrpSpPr/>
+        <p:nvPr/>
+      </p:nvGrpSpPr>
+      <p:grpSpPr>
+        <a:xfrm>
+          <a:off x="0" y="0"/>
+          <a:ext cx="0" cy="0"/>
+          <a:chOff x="0" y="0"/>
+          <a:chExt cx="0" cy="0"/>
+        </a:xfrm>
+      </p:grpSpPr>
+      <p:sp>
+        <p:nvSpPr>
+          <p:cNvPr id="122" name="ml:classificatie"/>
+          <p:cNvSpPr txBox="1"/>
+          <p:nvPr/>
+        </p:nvSpPr>
+        <p:spPr>
+          <a:xfrm>
+            <a:off x="5997376" y="6043612"/>
+            <a:ext cx="12389248" cy="1628776"/>
+          </a:xfrm>
+          <a:prstGeom prst="rect">
+            <a:avLst/>
+          </a:prstGeom>
+          <a:ln w="12700">
+            <a:miter lim="400000"/>
+          </a:ln>
+          <a:extLst>
+            <a:ext uri="{C572A759-6A51-4108-AA02-DFA0A04FC94B}">
+              <ma14:wrappingTextBoxFlag xmlns:ma14="http://schemas.microsoft.com/office/mac/drawingml/2011/main" xmlns:a14="http://schemas.microsoft.com/office/drawing/2010/main" xmlns:m="http://schemas.openxmlformats.org/officeDocument/2006/math" xmlns="" val="1"/>
+            </a:ext>
+          </a:extLst>
+        </p:spPr>
+        <p:txBody>
+          <a:bodyPr wrap="none" lIns="71437" tIns="71437" rIns="71437" bIns="71437" anchor="ctr">
+            <a:spAutoFit/>
+          </a:bodyPr>
+          <a:lstStyle>
+            <a:lvl1pPr>
+              <a:defRPr sz="10000">
+                <a:latin typeface="Menlo Regular"/>
+                <a:ea typeface="Menlo Regular"/>
+                <a:cs typeface="Menlo Regular"/>
+                <a:sym typeface="Menlo Regular"/>
+              </a:defRPr>
+            </a:lvl1pPr>
+          </a:lstStyle>
+          <a:p>
+            <a:r>
+              <a:t>ml:classificatie</a:t>
+            </a:r>
+          </a:p>
+        </p:txBody>
+      </p:sp>
+    </p:spTree>
+  </p:cSld>
+  <p:clrMapOvr>
+    <a:masterClrMapping/>
+  </p:clrMapOvr>
+  <p:transition spd="med"/>
+</p:sld>
+</file>
+
+<file path=ppt/slides/slide4.xml><?xml version="1.0" encoding="utf-8"?>
 <p:sld xmlns:a="http://schemas.openxmlformats.org/drawingml/2006/main" xmlns:r="http://schemas.openxmlformats.org/officeDocument/2006/relationships" xmlns:p="http://schemas.openxmlformats.org/presentationml/2006/main">
   <p:cSld>
     <p:spTree>
@@ -20487,7 +22492,7 @@
 </p:sld>
 </file>
 
-<file path=ppt/slides/slide4.xml><?xml version="1.0" encoding="utf-8"?>
+<file path=ppt/slides/slide5.xml><?xml version="1.0" encoding="utf-8"?>
 <p:sld xmlns:a="http://schemas.openxmlformats.org/drawingml/2006/main" xmlns:r="http://schemas.openxmlformats.org/officeDocument/2006/relationships" xmlns:p="http://schemas.openxmlformats.org/presentationml/2006/main">
   <p:cSld>
     <p:spTree>
@@ -20675,7 +22680,7 @@
 </p:sld>
 </file>
 
-<file path=ppt/slides/slide5.xml><?xml version="1.0" encoding="utf-8"?>
+<file path=ppt/slides/slide6.xml><?xml version="1.0" encoding="utf-8"?>
 <p:sld xmlns:a="http://schemas.openxmlformats.org/drawingml/2006/main" xmlns:r="http://schemas.openxmlformats.org/officeDocument/2006/relationships" xmlns:p="http://schemas.openxmlformats.org/presentationml/2006/main">
   <p:cSld>
     <p:spTree>
@@ -20970,7 +22975,7 @@
 </p:sld>
 </file>
 
-<file path=ppt/slides/slide6.xml><?xml version="1.0" encoding="utf-8"?>
+<file path=ppt/slides/slide7.xml><?xml version="1.0" encoding="utf-8"?>
 <p:sld xmlns:a="http://schemas.openxmlformats.org/drawingml/2006/main" xmlns:r="http://schemas.openxmlformats.org/officeDocument/2006/relationships" xmlns:p="http://schemas.openxmlformats.org/presentationml/2006/main">
   <p:cSld>
     <p:spTree>
@@ -21023,7 +23028,7 @@
 </p:sld>
 </file>
 
-<file path=ppt/slides/slide7.xml><?xml version="1.0" encoding="utf-8"?>
+<file path=ppt/slides/slide8.xml><?xml version="1.0" encoding="utf-8"?>
 <p:sld xmlns:a="http://schemas.openxmlformats.org/drawingml/2006/main" xmlns:r="http://schemas.openxmlformats.org/officeDocument/2006/relationships" xmlns:p="http://schemas.openxmlformats.org/presentationml/2006/main">
   <p:cSld>
     <p:spTree>
@@ -21126,7 +23131,7 @@
 </p:sld>
 </file>
 
-<file path=ppt/slides/slide8.xml><?xml version="1.0" encoding="utf-8"?>
+<file path=ppt/slides/slide9.xml><?xml version="1.0" encoding="utf-8"?>
 <p:sld xmlns:a="http://schemas.openxmlformats.org/drawingml/2006/main" xmlns:r="http://schemas.openxmlformats.org/officeDocument/2006/relationships" xmlns:p="http://schemas.openxmlformats.org/presentationml/2006/main">
   <p:cSld>
     <p:spTree>
@@ -21170,857 +23175,6 @@
           </a:ln>
         </p:spPr>
       </p:pic>
-    </p:spTree>
-  </p:cSld>
-  <p:clrMapOvr>
-    <a:masterClrMapping/>
-  </p:clrMapOvr>
-  <p:transition spd="med"/>
-</p:sld>
-</file>
-
-<file path=ppt/slides/slide9.xml><?xml version="1.0" encoding="utf-8"?>
-<p:sld xmlns:a="http://schemas.openxmlformats.org/drawingml/2006/main" xmlns:r="http://schemas.openxmlformats.org/officeDocument/2006/relationships" xmlns:p="http://schemas.openxmlformats.org/presentationml/2006/main">
-  <p:cSld>
-    <p:spTree>
-      <p:nvGrpSpPr>
-        <p:cNvPr id="1" name=""/>
-        <p:cNvGrpSpPr/>
-        <p:nvPr/>
-      </p:nvGrpSpPr>
-      <p:grpSpPr>
-        <a:xfrm>
-          <a:off x="0" y="0"/>
-          <a:ext cx="0" cy="0"/>
-          <a:chOff x="0" y="0"/>
-          <a:chExt cx="0" cy="0"/>
-        </a:xfrm>
-      </p:grpSpPr>
-      <p:sp>
-        <p:nvSpPr>
-          <p:cNvPr id="142" name="Lijn"/>
-          <p:cNvSpPr/>
-          <p:nvPr/>
-        </p:nvSpPr>
-        <p:spPr>
-          <a:xfrm flipV="1">
-            <a:off x="7008260" y="4483548"/>
-            <a:ext cx="1" cy="4748904"/>
-          </a:xfrm>
-          <a:prstGeom prst="line">
-            <a:avLst/>
-          </a:prstGeom>
-          <a:ln w="25400">
-            <a:solidFill>
-              <a:srgbClr val="000000"/>
-            </a:solidFill>
-            <a:miter lim="400000"/>
-          </a:ln>
-        </p:spPr>
-        <p:txBody>
-          <a:bodyPr lIns="71437" tIns="71437" rIns="71437" bIns="71437" anchor="ctr"/>
-          <a:lstStyle/>
-          <a:p>
-            <a:pPr>
-              <a:defRPr sz="3200"/>
-            </a:pPr>
-            <a:endParaRPr/>
-          </a:p>
-        </p:txBody>
-      </p:sp>
-      <p:sp>
-        <p:nvSpPr>
-          <p:cNvPr id="143" name="Lijn"/>
-          <p:cNvSpPr/>
-          <p:nvPr/>
-        </p:nvSpPr>
-        <p:spPr>
-          <a:xfrm>
-            <a:off x="6458901" y="8552291"/>
-            <a:ext cx="11466198" cy="1"/>
-          </a:xfrm>
-          <a:prstGeom prst="line">
-            <a:avLst/>
-          </a:prstGeom>
-          <a:ln w="25400">
-            <a:solidFill>
-              <a:srgbClr val="000000"/>
-            </a:solidFill>
-            <a:miter lim="400000"/>
-          </a:ln>
-        </p:spPr>
-        <p:txBody>
-          <a:bodyPr lIns="71437" tIns="71437" rIns="71437" bIns="71437" anchor="ctr"/>
-          <a:lstStyle/>
-          <a:p>
-            <a:pPr>
-              <a:defRPr sz="3200"/>
-            </a:pPr>
-            <a:endParaRPr/>
-          </a:p>
-        </p:txBody>
-      </p:sp>
-      <p:sp>
-        <p:nvSpPr>
-          <p:cNvPr id="144" name="Driehoek"/>
-          <p:cNvSpPr/>
-          <p:nvPr/>
-        </p:nvSpPr>
-        <p:spPr>
-          <a:xfrm>
-            <a:off x="11990568" y="4669978"/>
-            <a:ext cx="536086" cy="543034"/>
-          </a:xfrm>
-          <a:custGeom>
-            <a:avLst/>
-            <a:gdLst/>
-            <a:ahLst/>
-            <a:cxnLst>
-              <a:cxn ang="0">
-                <a:pos x="wd2" y="hd2"/>
-              </a:cxn>
-              <a:cxn ang="5400000">
-                <a:pos x="wd2" y="hd2"/>
-              </a:cxn>
-              <a:cxn ang="10800000">
-                <a:pos x="wd2" y="hd2"/>
-              </a:cxn>
-              <a:cxn ang="16200000">
-                <a:pos x="wd2" y="hd2"/>
-              </a:cxn>
-            </a:cxnLst>
-            <a:rect l="0" t="0" r="r" b="b"/>
-            <a:pathLst>
-              <a:path w="21600" h="21600" extrusionOk="0">
-                <a:moveTo>
-                  <a:pt x="10800" y="0"/>
-                </a:moveTo>
-                <a:lnTo>
-                  <a:pt x="21600" y="21600"/>
-                </a:lnTo>
-                <a:lnTo>
-                  <a:pt x="0" y="21600"/>
-                </a:lnTo>
-                <a:close/>
-              </a:path>
-            </a:pathLst>
-          </a:custGeom>
-          <a:solidFill>
-            <a:schemeClr val="accent2">
-              <a:hueOff val="-2473792"/>
-              <a:satOff val="-50209"/>
-              <a:lumOff val="23543"/>
-            </a:schemeClr>
-          </a:solidFill>
-          <a:ln w="12700">
-            <a:solidFill>
-              <a:schemeClr val="accent2">
-                <a:hueOff val="-554920"/>
-                <a:satOff val="-21482"/>
-                <a:lumOff val="-6228"/>
-              </a:schemeClr>
-            </a:solidFill>
-            <a:miter lim="400000"/>
-          </a:ln>
-        </p:spPr>
-        <p:txBody>
-          <a:bodyPr lIns="71437" tIns="71437" rIns="71437" bIns="71437" anchor="ctr"/>
-          <a:lstStyle/>
-          <a:p>
-            <a:pPr>
-              <a:defRPr sz="3200">
-                <a:solidFill>
-                  <a:srgbClr val="FFFFFF"/>
-                </a:solidFill>
-              </a:defRPr>
-            </a:pPr>
-            <a:endParaRPr/>
-          </a:p>
-        </p:txBody>
-      </p:sp>
-      <p:sp>
-        <p:nvSpPr>
-          <p:cNvPr id="145" name="Driehoek"/>
-          <p:cNvSpPr/>
-          <p:nvPr/>
-        </p:nvSpPr>
-        <p:spPr>
-          <a:xfrm>
-            <a:off x="12775520" y="4669978"/>
-            <a:ext cx="536085" cy="543034"/>
-          </a:xfrm>
-          <a:custGeom>
-            <a:avLst/>
-            <a:gdLst/>
-            <a:ahLst/>
-            <a:cxnLst>
-              <a:cxn ang="0">
-                <a:pos x="wd2" y="hd2"/>
-              </a:cxn>
-              <a:cxn ang="5400000">
-                <a:pos x="wd2" y="hd2"/>
-              </a:cxn>
-              <a:cxn ang="10800000">
-                <a:pos x="wd2" y="hd2"/>
-              </a:cxn>
-              <a:cxn ang="16200000">
-                <a:pos x="wd2" y="hd2"/>
-              </a:cxn>
-            </a:cxnLst>
-            <a:rect l="0" t="0" r="r" b="b"/>
-            <a:pathLst>
-              <a:path w="21600" h="21600" extrusionOk="0">
-                <a:moveTo>
-                  <a:pt x="10800" y="0"/>
-                </a:moveTo>
-                <a:lnTo>
-                  <a:pt x="21600" y="21600"/>
-                </a:lnTo>
-                <a:lnTo>
-                  <a:pt x="0" y="21600"/>
-                </a:lnTo>
-                <a:close/>
-              </a:path>
-            </a:pathLst>
-          </a:custGeom>
-          <a:solidFill>
-            <a:schemeClr val="accent2">
-              <a:hueOff val="-2473792"/>
-              <a:satOff val="-50209"/>
-              <a:lumOff val="23543"/>
-            </a:schemeClr>
-          </a:solidFill>
-          <a:ln w="12700">
-            <a:solidFill>
-              <a:schemeClr val="accent2">
-                <a:hueOff val="-554920"/>
-                <a:satOff val="-21482"/>
-                <a:lumOff val="-6228"/>
-              </a:schemeClr>
-            </a:solidFill>
-            <a:miter lim="400000"/>
-          </a:ln>
-        </p:spPr>
-        <p:txBody>
-          <a:bodyPr lIns="71437" tIns="71437" rIns="71437" bIns="71437" anchor="ctr"/>
-          <a:lstStyle/>
-          <a:p>
-            <a:pPr>
-              <a:defRPr sz="3200">
-                <a:solidFill>
-                  <a:srgbClr val="FFFFFF"/>
-                </a:solidFill>
-              </a:defRPr>
-            </a:pPr>
-            <a:endParaRPr/>
-          </a:p>
-        </p:txBody>
-      </p:sp>
-      <p:sp>
-        <p:nvSpPr>
-          <p:cNvPr id="146" name="Driehoek"/>
-          <p:cNvSpPr/>
-          <p:nvPr/>
-        </p:nvSpPr>
-        <p:spPr>
-          <a:xfrm>
-            <a:off x="13638965" y="4669978"/>
-            <a:ext cx="536086" cy="543034"/>
-          </a:xfrm>
-          <a:custGeom>
-            <a:avLst/>
-            <a:gdLst/>
-            <a:ahLst/>
-            <a:cxnLst>
-              <a:cxn ang="0">
-                <a:pos x="wd2" y="hd2"/>
-              </a:cxn>
-              <a:cxn ang="5400000">
-                <a:pos x="wd2" y="hd2"/>
-              </a:cxn>
-              <a:cxn ang="10800000">
-                <a:pos x="wd2" y="hd2"/>
-              </a:cxn>
-              <a:cxn ang="16200000">
-                <a:pos x="wd2" y="hd2"/>
-              </a:cxn>
-            </a:cxnLst>
-            <a:rect l="0" t="0" r="r" b="b"/>
-            <a:pathLst>
-              <a:path w="21600" h="21600" extrusionOk="0">
-                <a:moveTo>
-                  <a:pt x="10800" y="0"/>
-                </a:moveTo>
-                <a:lnTo>
-                  <a:pt x="21600" y="21600"/>
-                </a:lnTo>
-                <a:lnTo>
-                  <a:pt x="0" y="21600"/>
-                </a:lnTo>
-                <a:close/>
-              </a:path>
-            </a:pathLst>
-          </a:custGeom>
-          <a:solidFill>
-            <a:schemeClr val="accent2">
-              <a:hueOff val="-2473792"/>
-              <a:satOff val="-50209"/>
-              <a:lumOff val="23543"/>
-            </a:schemeClr>
-          </a:solidFill>
-          <a:ln w="12700">
-            <a:solidFill>
-              <a:schemeClr val="accent2">
-                <a:hueOff val="-554920"/>
-                <a:satOff val="-21482"/>
-                <a:lumOff val="-6228"/>
-              </a:schemeClr>
-            </a:solidFill>
-            <a:miter lim="400000"/>
-          </a:ln>
-        </p:spPr>
-        <p:txBody>
-          <a:bodyPr lIns="71437" tIns="71437" rIns="71437" bIns="71437" anchor="ctr"/>
-          <a:lstStyle/>
-          <a:p>
-            <a:pPr>
-              <a:defRPr sz="3200">
-                <a:solidFill>
-                  <a:srgbClr val="FFFFFF"/>
-                </a:solidFill>
-              </a:defRPr>
-            </a:pPr>
-            <a:endParaRPr/>
-          </a:p>
-        </p:txBody>
-      </p:sp>
-      <p:sp>
-        <p:nvSpPr>
-          <p:cNvPr id="147" name="Driehoek"/>
-          <p:cNvSpPr/>
-          <p:nvPr/>
-        </p:nvSpPr>
-        <p:spPr>
-          <a:xfrm>
-            <a:off x="14363267" y="4669978"/>
-            <a:ext cx="536085" cy="543034"/>
-          </a:xfrm>
-          <a:custGeom>
-            <a:avLst/>
-            <a:gdLst/>
-            <a:ahLst/>
-            <a:cxnLst>
-              <a:cxn ang="0">
-                <a:pos x="wd2" y="hd2"/>
-              </a:cxn>
-              <a:cxn ang="5400000">
-                <a:pos x="wd2" y="hd2"/>
-              </a:cxn>
-              <a:cxn ang="10800000">
-                <a:pos x="wd2" y="hd2"/>
-              </a:cxn>
-              <a:cxn ang="16200000">
-                <a:pos x="wd2" y="hd2"/>
-              </a:cxn>
-            </a:cxnLst>
-            <a:rect l="0" t="0" r="r" b="b"/>
-            <a:pathLst>
-              <a:path w="21600" h="21600" extrusionOk="0">
-                <a:moveTo>
-                  <a:pt x="10800" y="0"/>
-                </a:moveTo>
-                <a:lnTo>
-                  <a:pt x="21600" y="21600"/>
-                </a:lnTo>
-                <a:lnTo>
-                  <a:pt x="0" y="21600"/>
-                </a:lnTo>
-                <a:close/>
-              </a:path>
-            </a:pathLst>
-          </a:custGeom>
-          <a:solidFill>
-            <a:schemeClr val="accent2">
-              <a:hueOff val="-2473792"/>
-              <a:satOff val="-50209"/>
-              <a:lumOff val="23543"/>
-            </a:schemeClr>
-          </a:solidFill>
-          <a:ln w="12700">
-            <a:solidFill>
-              <a:schemeClr val="accent2">
-                <a:hueOff val="-554920"/>
-                <a:satOff val="-21482"/>
-                <a:lumOff val="-6228"/>
-              </a:schemeClr>
-            </a:solidFill>
-            <a:miter lim="400000"/>
-          </a:ln>
-        </p:spPr>
-        <p:txBody>
-          <a:bodyPr lIns="71437" tIns="71437" rIns="71437" bIns="71437" anchor="ctr"/>
-          <a:lstStyle/>
-          <a:p>
-            <a:pPr>
-              <a:defRPr sz="3200">
-                <a:solidFill>
-                  <a:srgbClr val="FFFFFF"/>
-                </a:solidFill>
-              </a:defRPr>
-            </a:pPr>
-            <a:endParaRPr/>
-          </a:p>
-        </p:txBody>
-      </p:sp>
-      <p:sp>
-        <p:nvSpPr>
-          <p:cNvPr id="148" name="Cirkel"/>
-          <p:cNvSpPr/>
-          <p:nvPr/>
-        </p:nvSpPr>
-        <p:spPr>
-          <a:xfrm>
-            <a:off x="7407251" y="7700750"/>
-            <a:ext cx="564817" cy="564818"/>
-          </a:xfrm>
-          <a:prstGeom prst="ellipse">
-            <a:avLst/>
-          </a:prstGeom>
-          <a:solidFill>
-            <a:schemeClr val="accent1">
-              <a:satOff val="-3355"/>
-              <a:lumOff val="26614"/>
-            </a:schemeClr>
-          </a:solidFill>
-          <a:ln w="12700">
-            <a:solidFill>
-              <a:schemeClr val="accent1">
-                <a:hueOff val="47394"/>
-                <a:satOff val="-25753"/>
-                <a:lumOff val="-7544"/>
-              </a:schemeClr>
-            </a:solidFill>
-            <a:miter lim="400000"/>
-          </a:ln>
-        </p:spPr>
-        <p:txBody>
-          <a:bodyPr lIns="71437" tIns="71437" rIns="71437" bIns="71437" anchor="ctr"/>
-          <a:lstStyle/>
-          <a:p>
-            <a:pPr>
-              <a:defRPr sz="3200">
-                <a:solidFill>
-                  <a:srgbClr val="FFFFFF"/>
-                </a:solidFill>
-              </a:defRPr>
-            </a:pPr>
-            <a:endParaRPr/>
-          </a:p>
-        </p:txBody>
-      </p:sp>
-      <p:sp>
-        <p:nvSpPr>
-          <p:cNvPr id="149" name="Cirkel"/>
-          <p:cNvSpPr/>
-          <p:nvPr/>
-        </p:nvSpPr>
-        <p:spPr>
-          <a:xfrm>
-            <a:off x="8362129" y="7700750"/>
-            <a:ext cx="564817" cy="564818"/>
-          </a:xfrm>
-          <a:prstGeom prst="ellipse">
-            <a:avLst/>
-          </a:prstGeom>
-          <a:solidFill>
-            <a:schemeClr val="accent1">
-              <a:satOff val="-3355"/>
-              <a:lumOff val="26614"/>
-            </a:schemeClr>
-          </a:solidFill>
-          <a:ln w="12700">
-            <a:solidFill>
-              <a:schemeClr val="accent1">
-                <a:hueOff val="47394"/>
-                <a:satOff val="-25753"/>
-                <a:lumOff val="-7544"/>
-              </a:schemeClr>
-            </a:solidFill>
-            <a:miter lim="400000"/>
-          </a:ln>
-        </p:spPr>
-        <p:txBody>
-          <a:bodyPr lIns="71437" tIns="71437" rIns="71437" bIns="71437" anchor="ctr"/>
-          <a:lstStyle/>
-          <a:p>
-            <a:pPr>
-              <a:defRPr sz="3200">
-                <a:solidFill>
-                  <a:srgbClr val="FFFFFF"/>
-                </a:solidFill>
-              </a:defRPr>
-            </a:pPr>
-            <a:endParaRPr/>
-          </a:p>
-        </p:txBody>
-      </p:sp>
-      <p:sp>
-        <p:nvSpPr>
-          <p:cNvPr id="150" name="Cirkel"/>
-          <p:cNvSpPr/>
-          <p:nvPr/>
-        </p:nvSpPr>
-        <p:spPr>
-          <a:xfrm>
-            <a:off x="9177128" y="7700750"/>
-            <a:ext cx="564817" cy="564818"/>
-          </a:xfrm>
-          <a:prstGeom prst="ellipse">
-            <a:avLst/>
-          </a:prstGeom>
-          <a:solidFill>
-            <a:schemeClr val="accent1">
-              <a:satOff val="-3355"/>
-              <a:lumOff val="26614"/>
-            </a:schemeClr>
-          </a:solidFill>
-          <a:ln w="12700">
-            <a:solidFill>
-              <a:schemeClr val="accent1">
-                <a:hueOff val="47394"/>
-                <a:satOff val="-25753"/>
-                <a:lumOff val="-7544"/>
-              </a:schemeClr>
-            </a:solidFill>
-            <a:miter lim="400000"/>
-          </a:ln>
-        </p:spPr>
-        <p:txBody>
-          <a:bodyPr lIns="71437" tIns="71437" rIns="71437" bIns="71437" anchor="ctr"/>
-          <a:lstStyle/>
-          <a:p>
-            <a:pPr>
-              <a:defRPr sz="3200">
-                <a:solidFill>
-                  <a:srgbClr val="FFFFFF"/>
-                </a:solidFill>
-              </a:defRPr>
-            </a:pPr>
-            <a:endParaRPr/>
-          </a:p>
-        </p:txBody>
-      </p:sp>
-      <p:sp>
-        <p:nvSpPr>
-          <p:cNvPr id="151" name="Cirkel"/>
-          <p:cNvSpPr/>
-          <p:nvPr/>
-        </p:nvSpPr>
-        <p:spPr>
-          <a:xfrm>
-            <a:off x="9883461" y="7700750"/>
-            <a:ext cx="564817" cy="564818"/>
-          </a:xfrm>
-          <a:prstGeom prst="ellipse">
-            <a:avLst/>
-          </a:prstGeom>
-          <a:solidFill>
-            <a:schemeClr val="accent1">
-              <a:satOff val="-3355"/>
-              <a:lumOff val="26614"/>
-            </a:schemeClr>
-          </a:solidFill>
-          <a:ln w="12700">
-            <a:solidFill>
-              <a:schemeClr val="accent1">
-                <a:hueOff val="47394"/>
-                <a:satOff val="-25753"/>
-                <a:lumOff val="-7544"/>
-              </a:schemeClr>
-            </a:solidFill>
-            <a:miter lim="400000"/>
-          </a:ln>
-        </p:spPr>
-        <p:txBody>
-          <a:bodyPr lIns="71437" tIns="71437" rIns="71437" bIns="71437" anchor="ctr"/>
-          <a:lstStyle/>
-          <a:p>
-            <a:pPr>
-              <a:defRPr sz="3200">
-                <a:solidFill>
-                  <a:srgbClr val="FFFFFF"/>
-                </a:solidFill>
-              </a:defRPr>
-            </a:pPr>
-            <a:endParaRPr/>
-          </a:p>
-        </p:txBody>
-      </p:sp>
-      <p:sp>
-        <p:nvSpPr>
-          <p:cNvPr id="152" name="Cirkel"/>
-          <p:cNvSpPr/>
-          <p:nvPr/>
-        </p:nvSpPr>
-        <p:spPr>
-          <a:xfrm>
-            <a:off x="10589794" y="7700750"/>
-            <a:ext cx="564817" cy="564818"/>
-          </a:xfrm>
-          <a:prstGeom prst="ellipse">
-            <a:avLst/>
-          </a:prstGeom>
-          <a:solidFill>
-            <a:schemeClr val="accent1">
-              <a:satOff val="-3355"/>
-              <a:lumOff val="26614"/>
-            </a:schemeClr>
-          </a:solidFill>
-          <a:ln w="12700">
-            <a:solidFill>
-              <a:schemeClr val="accent1">
-                <a:hueOff val="47394"/>
-                <a:satOff val="-25753"/>
-                <a:lumOff val="-7544"/>
-              </a:schemeClr>
-            </a:solidFill>
-            <a:miter lim="400000"/>
-          </a:ln>
-        </p:spPr>
-        <p:txBody>
-          <a:bodyPr lIns="71437" tIns="71437" rIns="71437" bIns="71437" anchor="ctr"/>
-          <a:lstStyle/>
-          <a:p>
-            <a:pPr>
-              <a:defRPr sz="3200">
-                <a:solidFill>
-                  <a:srgbClr val="FFFFFF"/>
-                </a:solidFill>
-              </a:defRPr>
-            </a:pPr>
-            <a:endParaRPr/>
-          </a:p>
-        </p:txBody>
-      </p:sp>
-      <p:sp>
-        <p:nvSpPr>
-          <p:cNvPr id="153" name="Iris-Virginica"/>
-          <p:cNvSpPr txBox="1"/>
-          <p:nvPr/>
-        </p:nvSpPr>
-        <p:spPr>
-          <a:xfrm>
-            <a:off x="4369221" y="4661631"/>
-            <a:ext cx="2190751" cy="548482"/>
-          </a:xfrm>
-          <a:prstGeom prst="rect">
-            <a:avLst/>
-          </a:prstGeom>
-          <a:ln w="12700">
-            <a:miter lim="400000"/>
-          </a:ln>
-          <a:extLst>
-            <a:ext uri="{C572A759-6A51-4108-AA02-DFA0A04FC94B}">
-              <ma14:wrappingTextBoxFlag xmlns:ma14="http://schemas.microsoft.com/office/mac/drawingml/2011/main" xmlns:a14="http://schemas.microsoft.com/office/drawing/2010/main" xmlns:m="http://schemas.openxmlformats.org/officeDocument/2006/math" xmlns="" val="1"/>
-            </a:ext>
-          </a:extLst>
-        </p:spPr>
-        <p:txBody>
-          <a:bodyPr wrap="none" lIns="71437" tIns="71437" rIns="71437" bIns="71437" anchor="ctr">
-            <a:spAutoFit/>
-          </a:bodyPr>
-          <a:lstStyle>
-            <a:lvl1pPr>
-              <a:defRPr sz="3200">
-                <a:latin typeface="Calibri"/>
-                <a:ea typeface="Calibri"/>
-                <a:cs typeface="Calibri"/>
-                <a:sym typeface="Calibri"/>
-              </a:defRPr>
-            </a:lvl1pPr>
-          </a:lstStyle>
-          <a:p>
-            <a:r>
-              <a:t>Iris-Virginica</a:t>
-            </a:r>
-          </a:p>
-        </p:txBody>
-      </p:sp>
-      <p:sp>
-        <p:nvSpPr>
-          <p:cNvPr id="154" name="Niet Iris-Virginica"/>
-          <p:cNvSpPr txBox="1"/>
-          <p:nvPr/>
-        </p:nvSpPr>
-        <p:spPr>
-          <a:xfrm>
-            <a:off x="3972084" y="7708917"/>
-            <a:ext cx="2974380" cy="548483"/>
-          </a:xfrm>
-          <a:prstGeom prst="rect">
-            <a:avLst/>
-          </a:prstGeom>
-          <a:ln w="12700">
-            <a:miter lim="400000"/>
-          </a:ln>
-          <a:extLst>
-            <a:ext uri="{C572A759-6A51-4108-AA02-DFA0A04FC94B}">
-              <ma14:wrappingTextBoxFlag xmlns:ma14="http://schemas.microsoft.com/office/mac/drawingml/2011/main" xmlns:a14="http://schemas.microsoft.com/office/drawing/2010/main" xmlns:m="http://schemas.openxmlformats.org/officeDocument/2006/math" xmlns="" val="1"/>
-            </a:ext>
-          </a:extLst>
-        </p:spPr>
-        <p:txBody>
-          <a:bodyPr wrap="none" lIns="71437" tIns="71437" rIns="71437" bIns="71437" anchor="ctr">
-            <a:spAutoFit/>
-          </a:bodyPr>
-          <a:lstStyle>
-            <a:lvl1pPr>
-              <a:defRPr sz="3200">
-                <a:latin typeface="Calibri"/>
-                <a:ea typeface="Calibri"/>
-                <a:cs typeface="Calibri"/>
-                <a:sym typeface="Calibri"/>
-              </a:defRPr>
-            </a:lvl1pPr>
-          </a:lstStyle>
-          <a:p>
-            <a:r>
-              <a:t>Niet Iris-Virginica</a:t>
-            </a:r>
-          </a:p>
-        </p:txBody>
-      </p:sp>
-      <p:sp>
-        <p:nvSpPr>
-          <p:cNvPr id="155" name="Breedte bloemblad (cm) →"/>
-          <p:cNvSpPr txBox="1"/>
-          <p:nvPr/>
-        </p:nvSpPr>
-        <p:spPr>
-          <a:xfrm>
-            <a:off x="9886290" y="9384370"/>
-            <a:ext cx="4744641" cy="641351"/>
-          </a:xfrm>
-          <a:prstGeom prst="rect">
-            <a:avLst/>
-          </a:prstGeom>
-          <a:ln w="12700">
-            <a:miter lim="400000"/>
-          </a:ln>
-          <a:extLst>
-            <a:ext uri="{C572A759-6A51-4108-AA02-DFA0A04FC94B}">
-              <ma14:wrappingTextBoxFlag xmlns:ma14="http://schemas.microsoft.com/office/mac/drawingml/2011/main" xmlns:a14="http://schemas.microsoft.com/office/drawing/2010/main" xmlns:m="http://schemas.openxmlformats.org/officeDocument/2006/math" xmlns="" val="1"/>
-            </a:ext>
-          </a:extLst>
-        </p:spPr>
-        <p:txBody>
-          <a:bodyPr wrap="none" lIns="71437" tIns="71437" rIns="71437" bIns="71437" anchor="ctr">
-            <a:spAutoFit/>
-          </a:bodyPr>
-          <a:lstStyle/>
-          <a:p>
-            <a:pPr>
-              <a:defRPr sz="3200">
-                <a:latin typeface="Calibri"/>
-                <a:ea typeface="Calibri"/>
-                <a:cs typeface="Calibri"/>
-                <a:sym typeface="Calibri"/>
-              </a:defRPr>
-            </a:pPr>
-            <a:r>
-              <a:t>Breedte bloemblad (cm) </a:t>
-            </a:r>
-            <a:r>
-              <a:rPr>
-                <a:latin typeface="Helvetica"/>
-                <a:ea typeface="Helvetica"/>
-                <a:cs typeface="Helvetica"/>
-                <a:sym typeface="Helvetica"/>
-              </a:rPr>
-              <a:t>→</a:t>
-            </a:r>
-            <a:r>
-              <a:t> </a:t>
-            </a:r>
-          </a:p>
-        </p:txBody>
-      </p:sp>
-      <p:sp>
-        <p:nvSpPr>
-          <p:cNvPr id="156" name="Lijn"/>
-          <p:cNvSpPr/>
-          <p:nvPr/>
-        </p:nvSpPr>
-        <p:spPr>
-          <a:xfrm flipV="1">
-            <a:off x="12011390" y="7872133"/>
-            <a:ext cx="1" cy="955079"/>
-          </a:xfrm>
-          <a:prstGeom prst="line">
-            <a:avLst/>
-          </a:prstGeom>
-          <a:ln w="25400">
-            <a:solidFill>
-              <a:srgbClr val="000000"/>
-            </a:solidFill>
-            <a:miter lim="400000"/>
-          </a:ln>
-        </p:spPr>
-        <p:txBody>
-          <a:bodyPr lIns="71437" tIns="71437" rIns="71437" bIns="71437" anchor="ctr"/>
-          <a:lstStyle/>
-          <a:p>
-            <a:pPr>
-              <a:defRPr sz="3200"/>
-            </a:pPr>
-            <a:endParaRPr/>
-          </a:p>
-        </p:txBody>
-      </p:sp>
-      <p:sp>
-        <p:nvSpPr>
-          <p:cNvPr id="157" name="1,6"/>
-          <p:cNvSpPr txBox="1"/>
-          <p:nvPr/>
-        </p:nvSpPr>
-        <p:spPr>
-          <a:xfrm>
-            <a:off x="11676923" y="8882439"/>
-            <a:ext cx="668934" cy="548482"/>
-          </a:xfrm>
-          <a:prstGeom prst="rect">
-            <a:avLst/>
-          </a:prstGeom>
-          <a:ln w="12700">
-            <a:miter lim="400000"/>
-          </a:ln>
-          <a:extLst>
-            <a:ext uri="{C572A759-6A51-4108-AA02-DFA0A04FC94B}">
-              <ma14:wrappingTextBoxFlag xmlns:ma14="http://schemas.microsoft.com/office/mac/drawingml/2011/main" xmlns:a14="http://schemas.microsoft.com/office/drawing/2010/main" xmlns:m="http://schemas.openxmlformats.org/officeDocument/2006/math" xmlns="" val="1"/>
-            </a:ext>
-          </a:extLst>
-        </p:spPr>
-        <p:txBody>
-          <a:bodyPr wrap="none" lIns="71437" tIns="71437" rIns="71437" bIns="71437" anchor="ctr">
-            <a:spAutoFit/>
-          </a:bodyPr>
-          <a:lstStyle>
-            <a:lvl1pPr>
-              <a:defRPr sz="3200">
-                <a:latin typeface="Calibri"/>
-                <a:ea typeface="Calibri"/>
-                <a:cs typeface="Calibri"/>
-                <a:sym typeface="Calibri"/>
-              </a:defRPr>
-            </a:lvl1pPr>
-          </a:lstStyle>
-          <a:p>
-            <a:r>
-              <a:t>1,6</a:t>
-            </a:r>
-          </a:p>
-        </p:txBody>
-      </p:sp>
     </p:spTree>
   </p:cSld>
   <p:clrMapOvr>
